--- a/menu-maker.pptx
+++ b/menu-maker.pptx
@@ -1,23 +1,41 @@
 
 <file path=ppt/presentation.xml><?xml version="1.0" encoding="utf-8"?>
-<p:presentation xmlns:a="http://schemas.openxmlformats.org/drawingml/2006/main" xmlns:r="http://schemas.openxmlformats.org/officeDocument/2006/relationships" xmlns:p="http://schemas.openxmlformats.org/presentationml/2006/main" strictFirstAndLastChars="0" saveSubsetFonts="1" autoCompressPictures="0">
+<p:presentation xmlns:a="http://schemas.openxmlformats.org/drawingml/2006/main" xmlns:r="http://schemas.openxmlformats.org/officeDocument/2006/relationships" xmlns:mc="http://schemas.openxmlformats.org/markup-compatibility/2006" xmlns:mv="urn:schemas-microsoft-com:mac:vml" xmlns:p="http://schemas.openxmlformats.org/presentationml/2006/main" xmlns:c="http://schemas.openxmlformats.org/drawingml/2006/chart" xmlns:dgm="http://schemas.openxmlformats.org/drawingml/2006/diagram" xmlns:o="urn:schemas-microsoft-com:office:office" xmlns:v="urn:schemas-microsoft-com:vml" xmlns:pvml="urn:schemas-microsoft-com:office:powerpoint" xmlns:com="http://schemas.openxmlformats.org/drawingml/2006/compatibility" xmlns:p14="http://schemas.microsoft.com/office/powerpoint/2010/main" xmlns:p15="http://schemas.microsoft.com/office/powerpoint/2012/main" xmlns:ahyp="http://schemas.microsoft.com/office/drawing/2018/hyperlinkcolor" autoCompressPictures="0" embedTrueTypeFonts="1" strictFirstAndLastChars="0" saveSubsetFonts="1">
   <p:sldMasterIdLst>
-    <p:sldMasterId id="2147483659" r:id="rId1"/>
+    <p:sldMasterId id="2147483659" r:id="rId4"/>
   </p:sldMasterIdLst>
   <p:notesMasterIdLst>
-    <p:notesMasterId r:id="rId7"/>
+    <p:notesMasterId r:id="rId5"/>
   </p:notesMasterIdLst>
   <p:sldIdLst>
-    <p:sldId id="256" r:id="rId2"/>
-    <p:sldId id="257" r:id="rId3"/>
-    <p:sldId id="258" r:id="rId4"/>
-    <p:sldId id="259" r:id="rId5"/>
-    <p:sldId id="260" r:id="rId6"/>
+    <p:sldId id="256" r:id="rId6"/>
+    <p:sldId id="257" r:id="rId7"/>
+    <p:sldId id="258" r:id="rId8"/>
+    <p:sldId id="259" r:id="rId9"/>
+    <p:sldId id="260" r:id="rId10"/>
   </p:sldIdLst>
-  <p:sldSz cx="6858000" cy="9906000" type="A4"/>
+  <p:sldSz cy="3600000" cx="2700000"/>
   <p:notesSz cx="6858000" cy="9144000"/>
+  <p:embeddedFontLst>
+    <p:embeddedFont>
+      <p:font typeface="Spectral"/>
+      <p:regular r:id="rId11"/>
+      <p:bold r:id="rId12"/>
+      <p:italic r:id="rId13"/>
+      <p:boldItalic r:id="rId14"/>
+    </p:embeddedFont>
+    <p:embeddedFont>
+      <p:font typeface="Oswald"/>
+      <p:regular r:id="rId15"/>
+      <p:bold r:id="rId16"/>
+    </p:embeddedFont>
+    <p:embeddedFont>
+      <p:font typeface="Itim"/>
+      <p:regular r:id="rId17"/>
+    </p:embeddedFont>
+  </p:embeddedFontLst>
   <p:defaultTextStyle>
-    <a:defPPr marR="0" lvl="0" algn="l" rtl="0">
+    <a:defPPr lvl="0" marR="0" rtl="0" algn="l">
       <a:lnSpc>
         <a:spcPct val="100000"/>
       </a:lnSpc>
@@ -28,7 +46,7 @@
         <a:spcPts val="0"/>
       </a:spcAft>
     </a:defPPr>
-    <a:lvl1pPr marR="0" lvl="0" algn="l" rtl="0">
+    <a:lvl1pPr lvl="0" marR="0" rtl="0" algn="l">
       <a:lnSpc>
         <a:spcPct val="100000"/>
       </a:lnSpc>
@@ -42,7 +60,7 @@
         <a:srgbClr val="000000"/>
       </a:buClr>
       <a:buFont typeface="Arial"/>
-      <a:defRPr sz="3725" b="0" i="0" u="none" strike="noStrike" cap="none">
+      <a:defRPr b="0" i="0" sz="1400" u="none" cap="none" strike="noStrike">
         <a:solidFill>
           <a:srgbClr val="000000"/>
         </a:solidFill>
@@ -52,7 +70,7 @@
         <a:sym typeface="Arial"/>
       </a:defRPr>
     </a:lvl1pPr>
-    <a:lvl2pPr marR="0" lvl="1" algn="l" rtl="0">
+    <a:lvl2pPr lvl="1" marR="0" rtl="0" algn="l">
       <a:lnSpc>
         <a:spcPct val="100000"/>
       </a:lnSpc>
@@ -66,7 +84,7 @@
         <a:srgbClr val="000000"/>
       </a:buClr>
       <a:buFont typeface="Arial"/>
-      <a:defRPr sz="3725" b="0" i="0" u="none" strike="noStrike" cap="none">
+      <a:defRPr b="0" i="0" sz="1400" u="none" cap="none" strike="noStrike">
         <a:solidFill>
           <a:srgbClr val="000000"/>
         </a:solidFill>
@@ -76,7 +94,7 @@
         <a:sym typeface="Arial"/>
       </a:defRPr>
     </a:lvl2pPr>
-    <a:lvl3pPr marR="0" lvl="2" algn="l" rtl="0">
+    <a:lvl3pPr lvl="2" marR="0" rtl="0" algn="l">
       <a:lnSpc>
         <a:spcPct val="100000"/>
       </a:lnSpc>
@@ -90,7 +108,7 @@
         <a:srgbClr val="000000"/>
       </a:buClr>
       <a:buFont typeface="Arial"/>
-      <a:defRPr sz="3725" b="0" i="0" u="none" strike="noStrike" cap="none">
+      <a:defRPr b="0" i="0" sz="1400" u="none" cap="none" strike="noStrike">
         <a:solidFill>
           <a:srgbClr val="000000"/>
         </a:solidFill>
@@ -100,7 +118,7 @@
         <a:sym typeface="Arial"/>
       </a:defRPr>
     </a:lvl3pPr>
-    <a:lvl4pPr marR="0" lvl="3" algn="l" rtl="0">
+    <a:lvl4pPr lvl="3" marR="0" rtl="0" algn="l">
       <a:lnSpc>
         <a:spcPct val="100000"/>
       </a:lnSpc>
@@ -114,7 +132,7 @@
         <a:srgbClr val="000000"/>
       </a:buClr>
       <a:buFont typeface="Arial"/>
-      <a:defRPr sz="3725" b="0" i="0" u="none" strike="noStrike" cap="none">
+      <a:defRPr b="0" i="0" sz="1400" u="none" cap="none" strike="noStrike">
         <a:solidFill>
           <a:srgbClr val="000000"/>
         </a:solidFill>
@@ -124,7 +142,7 @@
         <a:sym typeface="Arial"/>
       </a:defRPr>
     </a:lvl4pPr>
-    <a:lvl5pPr marR="0" lvl="4" algn="l" rtl="0">
+    <a:lvl5pPr lvl="4" marR="0" rtl="0" algn="l">
       <a:lnSpc>
         <a:spcPct val="100000"/>
       </a:lnSpc>
@@ -138,7 +156,7 @@
         <a:srgbClr val="000000"/>
       </a:buClr>
       <a:buFont typeface="Arial"/>
-      <a:defRPr sz="3725" b="0" i="0" u="none" strike="noStrike" cap="none">
+      <a:defRPr b="0" i="0" sz="1400" u="none" cap="none" strike="noStrike">
         <a:solidFill>
           <a:srgbClr val="000000"/>
         </a:solidFill>
@@ -148,7 +166,7 @@
         <a:sym typeface="Arial"/>
       </a:defRPr>
     </a:lvl5pPr>
-    <a:lvl6pPr marR="0" lvl="5" algn="l" rtl="0">
+    <a:lvl6pPr lvl="5" marR="0" rtl="0" algn="l">
       <a:lnSpc>
         <a:spcPct val="100000"/>
       </a:lnSpc>
@@ -162,7 +180,7 @@
         <a:srgbClr val="000000"/>
       </a:buClr>
       <a:buFont typeface="Arial"/>
-      <a:defRPr sz="3725" b="0" i="0" u="none" strike="noStrike" cap="none">
+      <a:defRPr b="0" i="0" sz="1400" u="none" cap="none" strike="noStrike">
         <a:solidFill>
           <a:srgbClr val="000000"/>
         </a:solidFill>
@@ -172,7 +190,7 @@
         <a:sym typeface="Arial"/>
       </a:defRPr>
     </a:lvl6pPr>
-    <a:lvl7pPr marR="0" lvl="6" algn="l" rtl="0">
+    <a:lvl7pPr lvl="6" marR="0" rtl="0" algn="l">
       <a:lnSpc>
         <a:spcPct val="100000"/>
       </a:lnSpc>
@@ -186,7 +204,7 @@
         <a:srgbClr val="000000"/>
       </a:buClr>
       <a:buFont typeface="Arial"/>
-      <a:defRPr sz="3725" b="0" i="0" u="none" strike="noStrike" cap="none">
+      <a:defRPr b="0" i="0" sz="1400" u="none" cap="none" strike="noStrike">
         <a:solidFill>
           <a:srgbClr val="000000"/>
         </a:solidFill>
@@ -196,7 +214,7 @@
         <a:sym typeface="Arial"/>
       </a:defRPr>
     </a:lvl7pPr>
-    <a:lvl8pPr marR="0" lvl="7" algn="l" rtl="0">
+    <a:lvl8pPr lvl="7" marR="0" rtl="0" algn="l">
       <a:lnSpc>
         <a:spcPct val="100000"/>
       </a:lnSpc>
@@ -210,7 +228,7 @@
         <a:srgbClr val="000000"/>
       </a:buClr>
       <a:buFont typeface="Arial"/>
-      <a:defRPr sz="3725" b="0" i="0" u="none" strike="noStrike" cap="none">
+      <a:defRPr b="0" i="0" sz="1400" u="none" cap="none" strike="noStrike">
         <a:solidFill>
           <a:srgbClr val="000000"/>
         </a:solidFill>
@@ -220,7 +238,7 @@
         <a:sym typeface="Arial"/>
       </a:defRPr>
     </a:lvl8pPr>
-    <a:lvl9pPr marR="0" lvl="8" algn="l" rtl="0">
+    <a:lvl9pPr lvl="8" marR="0" rtl="0" algn="l">
       <a:lnSpc>
         <a:spcPct val="100000"/>
       </a:lnSpc>
@@ -234,7 +252,7 @@
         <a:srgbClr val="000000"/>
       </a:buClr>
       <a:buFont typeface="Arial"/>
-      <a:defRPr sz="3725" b="0" i="0" u="none" strike="noStrike" cap="none">
+      <a:defRPr b="0" i="0" sz="1400" u="none" cap="none" strike="noStrike">
         <a:solidFill>
           <a:srgbClr val="000000"/>
         </a:solidFill>
@@ -247,13 +265,13 @@
   </p:defaultTextStyle>
   <p:extLst>
     <p:ext uri="{EFAFB233-063F-42B5-8137-9DF3F51BA10A}">
-      <p15:sldGuideLst xmlns:p15="http://schemas.microsoft.com/office/powerpoint/2012/main">
-        <p15:guide id="1" orient="horz" pos="3120" userDrawn="1">
+      <p15:sldGuideLst>
+        <p15:guide id="1" orient="horz" pos="1134">
           <p15:clr>
             <a:srgbClr val="A4A3A4"/>
           </p15:clr>
         </p15:guide>
-        <p15:guide id="2" pos="2159" userDrawn="1">
+        <p15:guide id="2" pos="850">
           <p15:clr>
             <a:srgbClr val="A4A3A4"/>
           </p15:clr>
@@ -264,25 +282,12 @@
 </p:presentation>
 </file>
 
-<file path=ppt/revisionInfo.xml><?xml version="1.0" encoding="utf-8"?>
-<p1510:revInfo xmlns:a="http://schemas.openxmlformats.org/drawingml/2006/main" xmlns:r="http://schemas.openxmlformats.org/officeDocument/2006/relationships" xmlns:p1510="http://schemas.microsoft.com/office/powerpoint/2015/10/main">
-  <p1510:revLst>
-    <p1510:client id="{14AF4929-0373-441C-AAC7-52D64C2D8DB9}" v="1" dt="2021-01-15T13:50:24.168"/>
-  </p1510:revLst>
-</p1510:revInfo>
-</file>
-
 <file path=ppt/notesMasters/notesMaster1.xml><?xml version="1.0" encoding="utf-8"?>
-<p:notesMaster xmlns:a="http://schemas.openxmlformats.org/drawingml/2006/main" xmlns:r="http://schemas.openxmlformats.org/officeDocument/2006/relationships" xmlns:p="http://schemas.openxmlformats.org/presentationml/2006/main">
+<p:notesMaster xmlns:a="http://schemas.openxmlformats.org/drawingml/2006/main" xmlns:r="http://schemas.openxmlformats.org/officeDocument/2006/relationships" xmlns:mc="http://schemas.openxmlformats.org/markup-compatibility/2006" xmlns:mv="urn:schemas-microsoft-com:mac:vml" xmlns:p="http://schemas.openxmlformats.org/presentationml/2006/main" xmlns:c="http://schemas.openxmlformats.org/drawingml/2006/chart" xmlns:dgm="http://schemas.openxmlformats.org/drawingml/2006/diagram" xmlns:o="urn:schemas-microsoft-com:office:office" xmlns:v="urn:schemas-microsoft-com:vml" xmlns:pvml="urn:schemas-microsoft-com:office:powerpoint" xmlns:com="http://schemas.openxmlformats.org/drawingml/2006/compatibility" xmlns:p14="http://schemas.microsoft.com/office/powerpoint/2010/main" xmlns:p15="http://schemas.microsoft.com/office/powerpoint/2012/main" xmlns:ahyp="http://schemas.microsoft.com/office/drawing/2018/hyperlinkcolor">
   <p:cSld>
-    <p:bg>
-      <p:bgRef idx="1001">
-        <a:schemeClr val="bg1"/>
-      </p:bgRef>
-    </p:bg>
     <p:spTree>
       <p:nvGrpSpPr>
-        <p:cNvPr id="1" name="Shape 2"/>
+        <p:cNvPr id="2" name="Shape 2"/>
         <p:cNvGrpSpPr/>
         <p:nvPr/>
       </p:nvGrpSpPr>
@@ -297,26 +302,20 @@
       <p:sp>
         <p:nvSpPr>
           <p:cNvPr id="3" name="Google Shape;3;n"/>
-          <p:cNvSpPr>
-            <a:spLocks noGrp="1" noRot="1" noChangeAspect="1"/>
-          </p:cNvSpPr>
+          <p:cNvSpPr/>
           <p:nvPr>
-            <p:ph type="sldImg" idx="2"/>
+            <p:ph idx="2" type="sldImg"/>
           </p:nvPr>
         </p:nvSpPr>
         <p:spPr>
           <a:xfrm>
-            <a:off x="2241550" y="685800"/>
-            <a:ext cx="2374900" cy="3429000"/>
+            <a:off x="2143447" y="685800"/>
+            <a:ext cx="2571900" cy="3429000"/>
           </a:xfrm>
           <a:custGeom>
-            <a:avLst/>
-            <a:gdLst/>
-            <a:ahLst/>
-            <a:cxnLst/>
-            <a:rect l="l" t="t" r="r" b="b"/>
+            <a:rect b="b" l="l" r="r" t="t"/>
             <a:pathLst>
-              <a:path w="120000" h="120000" extrusionOk="0">
+              <a:path extrusionOk="0" h="120000" w="120000">
                 <a:moveTo>
                   <a:pt x="0" y="0"/>
                 </a:moveTo>
@@ -334,25 +333,23 @@
             </a:pathLst>
           </a:custGeom>
           <a:noFill/>
-          <a:ln w="9525" cap="flat" cmpd="sng">
+          <a:ln cap="flat" cmpd="sng" w="9525">
             <a:solidFill>
               <a:srgbClr val="000000"/>
             </a:solidFill>
             <a:prstDash val="solid"/>
             <a:round/>
-            <a:headEnd type="none" w="sm" len="sm"/>
-            <a:tailEnd type="none" w="sm" len="sm"/>
+            <a:headEnd len="sm" w="sm" type="none"/>
+            <a:tailEnd len="sm" w="sm" type="none"/>
           </a:ln>
         </p:spPr>
       </p:sp>
       <p:sp>
         <p:nvSpPr>
           <p:cNvPr id="4" name="Google Shape;4;n"/>
-          <p:cNvSpPr txBox="1">
-            <a:spLocks noGrp="1"/>
-          </p:cNvSpPr>
+          <p:cNvSpPr txBox="1"/>
           <p:nvPr>
-            <p:ph type="body" idx="1"/>
+            <p:ph idx="1" type="body"/>
           </p:nvPr>
         </p:nvSpPr>
         <p:spPr>
@@ -369,11 +366,11 @@
           </a:ln>
         </p:spPr>
         <p:txBody>
-          <a:bodyPr spcFirstLastPara="1" wrap="square" lIns="91425" tIns="91425" rIns="91425" bIns="91425" anchor="t" anchorCtr="0">
+          <a:bodyPr anchorCtr="0" anchor="t" bIns="91425" lIns="91425" spcFirstLastPara="1" rIns="91425" wrap="square" tIns="91425">
             <a:noAutofit/>
           </a:bodyPr>
           <a:lstStyle>
-            <a:lvl1pPr marL="457200" lvl="0" indent="-298450">
+            <a:lvl1pPr indent="-298450" lvl="0" marL="457200">
               <a:spcBef>
                 <a:spcPts val="0"/>
               </a:spcBef>
@@ -384,7 +381,7 @@
               <a:buChar char="●"/>
               <a:defRPr sz="1100"/>
             </a:lvl1pPr>
-            <a:lvl2pPr marL="914400" lvl="1" indent="-298450">
+            <a:lvl2pPr indent="-298450" lvl="1" marL="914400">
               <a:spcBef>
                 <a:spcPts val="0"/>
               </a:spcBef>
@@ -395,7 +392,7 @@
               <a:buChar char="○"/>
               <a:defRPr sz="1100"/>
             </a:lvl2pPr>
-            <a:lvl3pPr marL="1371600" lvl="2" indent="-298450">
+            <a:lvl3pPr indent="-298450" lvl="2" marL="1371600">
               <a:spcBef>
                 <a:spcPts val="0"/>
               </a:spcBef>
@@ -406,7 +403,7 @@
               <a:buChar char="■"/>
               <a:defRPr sz="1100"/>
             </a:lvl3pPr>
-            <a:lvl4pPr marL="1828800" lvl="3" indent="-298450">
+            <a:lvl4pPr indent="-298450" lvl="3" marL="1828800">
               <a:spcBef>
                 <a:spcPts val="0"/>
               </a:spcBef>
@@ -417,7 +414,7 @@
               <a:buChar char="●"/>
               <a:defRPr sz="1100"/>
             </a:lvl4pPr>
-            <a:lvl5pPr marL="2286000" lvl="4" indent="-298450">
+            <a:lvl5pPr indent="-298450" lvl="4" marL="2286000">
               <a:spcBef>
                 <a:spcPts val="0"/>
               </a:spcBef>
@@ -428,7 +425,7 @@
               <a:buChar char="○"/>
               <a:defRPr sz="1100"/>
             </a:lvl5pPr>
-            <a:lvl6pPr marL="2743200" lvl="5" indent="-298450">
+            <a:lvl6pPr indent="-298450" lvl="5" marL="2743200">
               <a:spcBef>
                 <a:spcPts val="0"/>
               </a:spcBef>
@@ -439,7 +436,7 @@
               <a:buChar char="■"/>
               <a:defRPr sz="1100"/>
             </a:lvl6pPr>
-            <a:lvl7pPr marL="3200400" lvl="6" indent="-298450">
+            <a:lvl7pPr indent="-298450" lvl="6" marL="3200400">
               <a:spcBef>
                 <a:spcPts val="0"/>
               </a:spcBef>
@@ -450,7 +447,7 @@
               <a:buChar char="●"/>
               <a:defRPr sz="1100"/>
             </a:lvl7pPr>
-            <a:lvl8pPr marL="3657600" lvl="7" indent="-298450">
+            <a:lvl8pPr indent="-298450" lvl="7" marL="3657600">
               <a:spcBef>
                 <a:spcPts val="0"/>
               </a:spcBef>
@@ -461,7 +458,7 @@
               <a:buChar char="○"/>
               <a:defRPr sz="1100"/>
             </a:lvl8pPr>
-            <a:lvl9pPr marL="4114800" lvl="8" indent="-298450">
+            <a:lvl9pPr indent="-298450" lvl="8" marL="4114800">
               <a:spcBef>
                 <a:spcPts val="0"/>
               </a:spcBef>
@@ -473,16 +470,14 @@
               <a:defRPr sz="1100"/>
             </a:lvl9pPr>
           </a:lstStyle>
-          <a:p>
-            <a:endParaRPr/>
-          </a:p>
+          <a:p/>
         </p:txBody>
       </p:sp>
     </p:spTree>
   </p:cSld>
-  <p:clrMap bg1="lt1" tx1="dk1" bg2="dk2" tx2="lt2" accent1="accent1" accent2="accent2" accent3="accent3" accent4="accent4" accent5="accent5" accent6="accent6" hlink="hlink" folHlink="folHlink"/>
+  <p:clrMap accent1="accent1" accent2="accent2" accent3="accent3" accent4="accent4" accent5="accent5" accent6="accent6" bg1="lt1" bg2="dk2" tx1="dk1" tx2="lt2" folHlink="folHlink" hlink="hlink"/>
   <p:notesStyle>
-    <a:defPPr marR="0" lvl="0" algn="l" rtl="0">
+    <a:defPPr lvl="0" marR="0" rtl="0" algn="l">
       <a:lnSpc>
         <a:spcPct val="100000"/>
       </a:lnSpc>
@@ -493,7 +488,7 @@
         <a:spcPts val="0"/>
       </a:spcAft>
     </a:defPPr>
-    <a:lvl1pPr marR="0" lvl="0" algn="l" rtl="0">
+    <a:lvl1pPr lvl="0" marR="0" rtl="0" algn="l">
       <a:lnSpc>
         <a:spcPct val="100000"/>
       </a:lnSpc>
@@ -507,7 +502,7 @@
         <a:srgbClr val="000000"/>
       </a:buClr>
       <a:buFont typeface="Arial"/>
-      <a:defRPr sz="3725" b="0" i="0" u="none" strike="noStrike" cap="none">
+      <a:defRPr b="0" i="0" sz="1400" u="none" cap="none" strike="noStrike">
         <a:solidFill>
           <a:srgbClr val="000000"/>
         </a:solidFill>
@@ -517,7 +512,7 @@
         <a:sym typeface="Arial"/>
       </a:defRPr>
     </a:lvl1pPr>
-    <a:lvl2pPr marR="0" lvl="1" algn="l" rtl="0">
+    <a:lvl2pPr lvl="1" marR="0" rtl="0" algn="l">
       <a:lnSpc>
         <a:spcPct val="100000"/>
       </a:lnSpc>
@@ -531,7 +526,7 @@
         <a:srgbClr val="000000"/>
       </a:buClr>
       <a:buFont typeface="Arial"/>
-      <a:defRPr sz="3725" b="0" i="0" u="none" strike="noStrike" cap="none">
+      <a:defRPr b="0" i="0" sz="1400" u="none" cap="none" strike="noStrike">
         <a:solidFill>
           <a:srgbClr val="000000"/>
         </a:solidFill>
@@ -541,7 +536,7 @@
         <a:sym typeface="Arial"/>
       </a:defRPr>
     </a:lvl2pPr>
-    <a:lvl3pPr marR="0" lvl="2" algn="l" rtl="0">
+    <a:lvl3pPr lvl="2" marR="0" rtl="0" algn="l">
       <a:lnSpc>
         <a:spcPct val="100000"/>
       </a:lnSpc>
@@ -555,7 +550,7 @@
         <a:srgbClr val="000000"/>
       </a:buClr>
       <a:buFont typeface="Arial"/>
-      <a:defRPr sz="3725" b="0" i="0" u="none" strike="noStrike" cap="none">
+      <a:defRPr b="0" i="0" sz="1400" u="none" cap="none" strike="noStrike">
         <a:solidFill>
           <a:srgbClr val="000000"/>
         </a:solidFill>
@@ -565,7 +560,7 @@
         <a:sym typeface="Arial"/>
       </a:defRPr>
     </a:lvl3pPr>
-    <a:lvl4pPr marR="0" lvl="3" algn="l" rtl="0">
+    <a:lvl4pPr lvl="3" marR="0" rtl="0" algn="l">
       <a:lnSpc>
         <a:spcPct val="100000"/>
       </a:lnSpc>
@@ -579,7 +574,7 @@
         <a:srgbClr val="000000"/>
       </a:buClr>
       <a:buFont typeface="Arial"/>
-      <a:defRPr sz="3725" b="0" i="0" u="none" strike="noStrike" cap="none">
+      <a:defRPr b="0" i="0" sz="1400" u="none" cap="none" strike="noStrike">
         <a:solidFill>
           <a:srgbClr val="000000"/>
         </a:solidFill>
@@ -589,7 +584,7 @@
         <a:sym typeface="Arial"/>
       </a:defRPr>
     </a:lvl4pPr>
-    <a:lvl5pPr marR="0" lvl="4" algn="l" rtl="0">
+    <a:lvl5pPr lvl="4" marR="0" rtl="0" algn="l">
       <a:lnSpc>
         <a:spcPct val="100000"/>
       </a:lnSpc>
@@ -603,7 +598,7 @@
         <a:srgbClr val="000000"/>
       </a:buClr>
       <a:buFont typeface="Arial"/>
-      <a:defRPr sz="3725" b="0" i="0" u="none" strike="noStrike" cap="none">
+      <a:defRPr b="0" i="0" sz="1400" u="none" cap="none" strike="noStrike">
         <a:solidFill>
           <a:srgbClr val="000000"/>
         </a:solidFill>
@@ -613,7 +608,7 @@
         <a:sym typeface="Arial"/>
       </a:defRPr>
     </a:lvl5pPr>
-    <a:lvl6pPr marR="0" lvl="5" algn="l" rtl="0">
+    <a:lvl6pPr lvl="5" marR="0" rtl="0" algn="l">
       <a:lnSpc>
         <a:spcPct val="100000"/>
       </a:lnSpc>
@@ -627,7 +622,7 @@
         <a:srgbClr val="000000"/>
       </a:buClr>
       <a:buFont typeface="Arial"/>
-      <a:defRPr sz="3725" b="0" i="0" u="none" strike="noStrike" cap="none">
+      <a:defRPr b="0" i="0" sz="1400" u="none" cap="none" strike="noStrike">
         <a:solidFill>
           <a:srgbClr val="000000"/>
         </a:solidFill>
@@ -637,7 +632,7 @@
         <a:sym typeface="Arial"/>
       </a:defRPr>
     </a:lvl6pPr>
-    <a:lvl7pPr marR="0" lvl="6" algn="l" rtl="0">
+    <a:lvl7pPr lvl="6" marR="0" rtl="0" algn="l">
       <a:lnSpc>
         <a:spcPct val="100000"/>
       </a:lnSpc>
@@ -651,7 +646,7 @@
         <a:srgbClr val="000000"/>
       </a:buClr>
       <a:buFont typeface="Arial"/>
-      <a:defRPr sz="3725" b="0" i="0" u="none" strike="noStrike" cap="none">
+      <a:defRPr b="0" i="0" sz="1400" u="none" cap="none" strike="noStrike">
         <a:solidFill>
           <a:srgbClr val="000000"/>
         </a:solidFill>
@@ -661,7 +656,7 @@
         <a:sym typeface="Arial"/>
       </a:defRPr>
     </a:lvl7pPr>
-    <a:lvl8pPr marR="0" lvl="7" algn="l" rtl="0">
+    <a:lvl8pPr lvl="7" marR="0" rtl="0" algn="l">
       <a:lnSpc>
         <a:spcPct val="100000"/>
       </a:lnSpc>
@@ -675,7 +670,7 @@
         <a:srgbClr val="000000"/>
       </a:buClr>
       <a:buFont typeface="Arial"/>
-      <a:defRPr sz="3725" b="0" i="0" u="none" strike="noStrike" cap="none">
+      <a:defRPr b="0" i="0" sz="1400" u="none" cap="none" strike="noStrike">
         <a:solidFill>
           <a:srgbClr val="000000"/>
         </a:solidFill>
@@ -685,7 +680,7 @@
         <a:sym typeface="Arial"/>
       </a:defRPr>
     </a:lvl8pPr>
-    <a:lvl9pPr marR="0" lvl="8" algn="l" rtl="0">
+    <a:lvl9pPr lvl="8" marR="0" rtl="0" algn="l">
       <a:lnSpc>
         <a:spcPct val="100000"/>
       </a:lnSpc>
@@ -699,7 +694,7 @@
         <a:srgbClr val="000000"/>
       </a:buClr>
       <a:buFont typeface="Arial"/>
-      <a:defRPr sz="3725" b="0" i="0" u="none" strike="noStrike" cap="none">
+      <a:defRPr b="0" i="0" sz="1400" u="none" cap="none" strike="noStrike">
         <a:solidFill>
           <a:srgbClr val="000000"/>
         </a:solidFill>
@@ -714,11 +709,11 @@
 </file>
 
 <file path=ppt/notesSlides/notesSlide1.xml><?xml version="1.0" encoding="utf-8"?>
-<p:notes xmlns:a="http://schemas.openxmlformats.org/drawingml/2006/main" xmlns:r="http://schemas.openxmlformats.org/officeDocument/2006/relationships" xmlns:p="http://schemas.openxmlformats.org/presentationml/2006/main" showMasterSp="0" showMasterPhAnim="0">
+<p:notes xmlns:a="http://schemas.openxmlformats.org/drawingml/2006/main" xmlns:r="http://schemas.openxmlformats.org/officeDocument/2006/relationships" xmlns:mc="http://schemas.openxmlformats.org/markup-compatibility/2006" xmlns:mv="urn:schemas-microsoft-com:mac:vml" xmlns:p="http://schemas.openxmlformats.org/presentationml/2006/main" xmlns:c="http://schemas.openxmlformats.org/drawingml/2006/chart" xmlns:dgm="http://schemas.openxmlformats.org/drawingml/2006/diagram" xmlns:o="urn:schemas-microsoft-com:office:office" xmlns:v="urn:schemas-microsoft-com:vml" xmlns:pvml="urn:schemas-microsoft-com:office:powerpoint" xmlns:com="http://schemas.openxmlformats.org/drawingml/2006/compatibility" xmlns:p14="http://schemas.microsoft.com/office/powerpoint/2010/main" xmlns:p15="http://schemas.microsoft.com/office/powerpoint/2012/main" xmlns:ahyp="http://schemas.microsoft.com/office/drawing/2018/hyperlinkcolor" showMasterPhAnim="0" showMasterSp="0">
   <p:cSld>
     <p:spTree>
       <p:nvGrpSpPr>
-        <p:cNvPr id="1" name="Shape 50"/>
+        <p:cNvPr id="50" name="Shape 50"/>
         <p:cNvGrpSpPr/>
         <p:nvPr/>
       </p:nvGrpSpPr>
@@ -732,27 +727,21 @@
       </p:grpSpPr>
       <p:sp>
         <p:nvSpPr>
-          <p:cNvPr id="51" name="Google Shape;51;p:notes"/>
-          <p:cNvSpPr>
-            <a:spLocks noGrp="1" noRot="1" noChangeAspect="1"/>
-          </p:cNvSpPr>
+          <p:cNvPr id="51" name="Google Shape;51;gaf81e2ceda_0_50:notes"/>
+          <p:cNvSpPr/>
           <p:nvPr>
-            <p:ph type="sldImg" idx="2"/>
+            <p:ph idx="2" type="sldImg"/>
           </p:nvPr>
         </p:nvSpPr>
         <p:spPr>
           <a:xfrm>
-            <a:off x="2241550" y="685800"/>
-            <a:ext cx="2374900" cy="3429000"/>
+            <a:off x="2143447" y="685800"/>
+            <a:ext cx="2571900" cy="3429000"/>
           </a:xfrm>
           <a:custGeom>
-            <a:avLst/>
-            <a:gdLst/>
-            <a:ahLst/>
-            <a:cxnLst/>
-            <a:rect l="l" t="t" r="r" b="b"/>
+            <a:rect b="b" l="l" r="r" t="t"/>
             <a:pathLst>
-              <a:path w="120000" h="120000" extrusionOk="0">
+              <a:path extrusionOk="0" h="120000" w="120000">
                 <a:moveTo>
                   <a:pt x="0" y="0"/>
                 </a:moveTo>
@@ -773,12 +762,10 @@
       </p:sp>
       <p:sp>
         <p:nvSpPr>
-          <p:cNvPr id="52" name="Google Shape;52;p:notes"/>
-          <p:cNvSpPr txBox="1">
-            <a:spLocks noGrp="1"/>
-          </p:cNvSpPr>
+          <p:cNvPr id="52" name="Google Shape;52;gaf81e2ceda_0_50:notes"/>
+          <p:cNvSpPr txBox="1"/>
           <p:nvPr>
-            <p:ph type="body" idx="1"/>
+            <p:ph idx="1" type="body"/>
           </p:nvPr>
         </p:nvSpPr>
         <p:spPr>
@@ -791,12 +778,12 @@
           </a:prstGeom>
         </p:spPr>
         <p:txBody>
-          <a:bodyPr spcFirstLastPara="1" wrap="square" lIns="91425" tIns="91425" rIns="91425" bIns="91425" anchor="t" anchorCtr="0">
+          <a:bodyPr anchorCtr="0" anchor="t" bIns="91425" lIns="91425" spcFirstLastPara="1" rIns="91425" wrap="square" tIns="91425">
             <a:noAutofit/>
           </a:bodyPr>
           <a:lstStyle/>
           <a:p>
-            <a:pPr marL="0" lvl="0" indent="0" algn="l" rtl="0">
+            <a:pPr indent="0" lvl="0" marL="0" rtl="0" algn="l">
               <a:spcBef>
                 <a:spcPts val="0"/>
               </a:spcBef>
@@ -805,6 +792,9 @@
               </a:spcAft>
               <a:buNone/>
             </a:pPr>
+            <a:r>
+              <a:t/>
+            </a:r>
             <a:endParaRPr/>
           </a:p>
         </p:txBody>
@@ -818,11 +808,11 @@
 </file>
 
 <file path=ppt/notesSlides/notesSlide2.xml><?xml version="1.0" encoding="utf-8"?>
-<p:notes xmlns:a="http://schemas.openxmlformats.org/drawingml/2006/main" xmlns:r="http://schemas.openxmlformats.org/officeDocument/2006/relationships" xmlns:p="http://schemas.openxmlformats.org/presentationml/2006/main" showMasterSp="0" showMasterPhAnim="0">
+<p:notes xmlns:a="http://schemas.openxmlformats.org/drawingml/2006/main" xmlns:r="http://schemas.openxmlformats.org/officeDocument/2006/relationships" xmlns:mc="http://schemas.openxmlformats.org/markup-compatibility/2006" xmlns:mv="urn:schemas-microsoft-com:mac:vml" xmlns:p="http://schemas.openxmlformats.org/presentationml/2006/main" xmlns:c="http://schemas.openxmlformats.org/drawingml/2006/chart" xmlns:dgm="http://schemas.openxmlformats.org/drawingml/2006/diagram" xmlns:o="urn:schemas-microsoft-com:office:office" xmlns:v="urn:schemas-microsoft-com:vml" xmlns:pvml="urn:schemas-microsoft-com:office:powerpoint" xmlns:com="http://schemas.openxmlformats.org/drawingml/2006/compatibility" xmlns:p14="http://schemas.microsoft.com/office/powerpoint/2010/main" xmlns:p15="http://schemas.microsoft.com/office/powerpoint/2012/main" xmlns:ahyp="http://schemas.microsoft.com/office/drawing/2018/hyperlinkcolor" showMasterPhAnim="0" showMasterSp="0">
   <p:cSld>
     <p:spTree>
       <p:nvGrpSpPr>
-        <p:cNvPr id="1" name="Shape 64"/>
+        <p:cNvPr id="65" name="Shape 65"/>
         <p:cNvGrpSpPr/>
         <p:nvPr/>
       </p:nvGrpSpPr>
@@ -836,27 +826,21 @@
       </p:grpSpPr>
       <p:sp>
         <p:nvSpPr>
-          <p:cNvPr id="65" name="Google Shape;65;gaf81e2ceda_0_50:notes"/>
-          <p:cNvSpPr>
-            <a:spLocks noGrp="1" noRot="1" noChangeAspect="1"/>
-          </p:cNvSpPr>
+          <p:cNvPr id="66" name="Google Shape;66;gaf81e2ceda_0_64:notes"/>
+          <p:cNvSpPr/>
           <p:nvPr>
-            <p:ph type="sldImg" idx="2"/>
+            <p:ph idx="2" type="sldImg"/>
           </p:nvPr>
         </p:nvSpPr>
         <p:spPr>
           <a:xfrm>
-            <a:off x="2241550" y="685800"/>
-            <a:ext cx="2374900" cy="3429000"/>
+            <a:off x="2143447" y="685800"/>
+            <a:ext cx="2571900" cy="3429000"/>
           </a:xfrm>
           <a:custGeom>
-            <a:avLst/>
-            <a:gdLst/>
-            <a:ahLst/>
-            <a:cxnLst/>
-            <a:rect l="l" t="t" r="r" b="b"/>
+            <a:rect b="b" l="l" r="r" t="t"/>
             <a:pathLst>
-              <a:path w="120000" h="120000" extrusionOk="0">
+              <a:path extrusionOk="0" h="120000" w="120000">
                 <a:moveTo>
                   <a:pt x="0" y="0"/>
                 </a:moveTo>
@@ -877,12 +861,10 @@
       </p:sp>
       <p:sp>
         <p:nvSpPr>
-          <p:cNvPr id="66" name="Google Shape;66;gaf81e2ceda_0_50:notes"/>
-          <p:cNvSpPr txBox="1">
-            <a:spLocks noGrp="1"/>
-          </p:cNvSpPr>
+          <p:cNvPr id="67" name="Google Shape;67;gaf81e2ceda_0_64:notes"/>
+          <p:cNvSpPr txBox="1"/>
           <p:nvPr>
-            <p:ph type="body" idx="1"/>
+            <p:ph idx="1" type="body"/>
           </p:nvPr>
         </p:nvSpPr>
         <p:spPr>
@@ -895,12 +877,12 @@
           </a:prstGeom>
         </p:spPr>
         <p:txBody>
-          <a:bodyPr spcFirstLastPara="1" wrap="square" lIns="91425" tIns="91425" rIns="91425" bIns="91425" anchor="t" anchorCtr="0">
+          <a:bodyPr anchorCtr="0" anchor="t" bIns="91425" lIns="91425" spcFirstLastPara="1" rIns="91425" wrap="square" tIns="91425">
             <a:noAutofit/>
           </a:bodyPr>
           <a:lstStyle/>
           <a:p>
-            <a:pPr marL="0" lvl="0" indent="0" algn="l" rtl="0">
+            <a:pPr indent="0" lvl="0" marL="0" rtl="0" algn="l">
               <a:spcBef>
                 <a:spcPts val="0"/>
               </a:spcBef>
@@ -909,6 +891,9 @@
               </a:spcAft>
               <a:buNone/>
             </a:pPr>
+            <a:r>
+              <a:t/>
+            </a:r>
             <a:endParaRPr/>
           </a:p>
         </p:txBody>
@@ -922,11 +907,11 @@
 </file>
 
 <file path=ppt/notesSlides/notesSlide3.xml><?xml version="1.0" encoding="utf-8"?>
-<p:notes xmlns:a="http://schemas.openxmlformats.org/drawingml/2006/main" xmlns:r="http://schemas.openxmlformats.org/officeDocument/2006/relationships" xmlns:p="http://schemas.openxmlformats.org/presentationml/2006/main" showMasterSp="0" showMasterPhAnim="0">
+<p:notes xmlns:a="http://schemas.openxmlformats.org/drawingml/2006/main" xmlns:r="http://schemas.openxmlformats.org/officeDocument/2006/relationships" xmlns:mc="http://schemas.openxmlformats.org/markup-compatibility/2006" xmlns:mv="urn:schemas-microsoft-com:mac:vml" xmlns:p="http://schemas.openxmlformats.org/presentationml/2006/main" xmlns:c="http://schemas.openxmlformats.org/drawingml/2006/chart" xmlns:dgm="http://schemas.openxmlformats.org/drawingml/2006/diagram" xmlns:o="urn:schemas-microsoft-com:office:office" xmlns:v="urn:schemas-microsoft-com:vml" xmlns:pvml="urn:schemas-microsoft-com:office:powerpoint" xmlns:com="http://schemas.openxmlformats.org/drawingml/2006/compatibility" xmlns:p14="http://schemas.microsoft.com/office/powerpoint/2010/main" xmlns:p15="http://schemas.microsoft.com/office/powerpoint/2012/main" xmlns:ahyp="http://schemas.microsoft.com/office/drawing/2018/hyperlinkcolor" showMasterPhAnim="0" showMasterSp="0">
   <p:cSld>
     <p:spTree>
       <p:nvGrpSpPr>
-        <p:cNvPr id="1" name="Shape 79"/>
+        <p:cNvPr id="80" name="Shape 80"/>
         <p:cNvGrpSpPr/>
         <p:nvPr/>
       </p:nvGrpSpPr>
@@ -940,27 +925,21 @@
       </p:grpSpPr>
       <p:sp>
         <p:nvSpPr>
-          <p:cNvPr id="80" name="Google Shape;80;gaf81e2ceda_0_64:notes"/>
-          <p:cNvSpPr>
-            <a:spLocks noGrp="1" noRot="1" noChangeAspect="1"/>
-          </p:cNvSpPr>
+          <p:cNvPr id="81" name="Google Shape;81;gaf81e2ceda_0_78:notes"/>
+          <p:cNvSpPr/>
           <p:nvPr>
-            <p:ph type="sldImg" idx="2"/>
+            <p:ph idx="2" type="sldImg"/>
           </p:nvPr>
         </p:nvSpPr>
         <p:spPr>
           <a:xfrm>
-            <a:off x="2241550" y="685800"/>
-            <a:ext cx="2374900" cy="3429000"/>
+            <a:off x="2143447" y="685800"/>
+            <a:ext cx="2571900" cy="3429000"/>
           </a:xfrm>
           <a:custGeom>
-            <a:avLst/>
-            <a:gdLst/>
-            <a:ahLst/>
-            <a:cxnLst/>
-            <a:rect l="l" t="t" r="r" b="b"/>
+            <a:rect b="b" l="l" r="r" t="t"/>
             <a:pathLst>
-              <a:path w="120000" h="120000" extrusionOk="0">
+              <a:path extrusionOk="0" h="120000" w="120000">
                 <a:moveTo>
                   <a:pt x="0" y="0"/>
                 </a:moveTo>
@@ -981,12 +960,10 @@
       </p:sp>
       <p:sp>
         <p:nvSpPr>
-          <p:cNvPr id="81" name="Google Shape;81;gaf81e2ceda_0_64:notes"/>
-          <p:cNvSpPr txBox="1">
-            <a:spLocks noGrp="1"/>
-          </p:cNvSpPr>
+          <p:cNvPr id="82" name="Google Shape;82;gaf81e2ceda_0_78:notes"/>
+          <p:cNvSpPr txBox="1"/>
           <p:nvPr>
-            <p:ph type="body" idx="1"/>
+            <p:ph idx="1" type="body"/>
           </p:nvPr>
         </p:nvSpPr>
         <p:spPr>
@@ -999,12 +976,12 @@
           </a:prstGeom>
         </p:spPr>
         <p:txBody>
-          <a:bodyPr spcFirstLastPara="1" wrap="square" lIns="91425" tIns="91425" rIns="91425" bIns="91425" anchor="t" anchorCtr="0">
+          <a:bodyPr anchorCtr="0" anchor="t" bIns="91425" lIns="91425" spcFirstLastPara="1" rIns="91425" wrap="square" tIns="91425">
             <a:noAutofit/>
           </a:bodyPr>
           <a:lstStyle/>
           <a:p>
-            <a:pPr marL="0" lvl="0" indent="0" algn="l" rtl="0">
+            <a:pPr indent="0" lvl="0" marL="0" rtl="0" algn="l">
               <a:spcBef>
                 <a:spcPts val="0"/>
               </a:spcBef>
@@ -1013,6 +990,9 @@
               </a:spcAft>
               <a:buNone/>
             </a:pPr>
+            <a:r>
+              <a:t/>
+            </a:r>
             <a:endParaRPr/>
           </a:p>
         </p:txBody>
@@ -1026,11 +1006,11 @@
 </file>
 
 <file path=ppt/notesSlides/notesSlide4.xml><?xml version="1.0" encoding="utf-8"?>
-<p:notes xmlns:a="http://schemas.openxmlformats.org/drawingml/2006/main" xmlns:r="http://schemas.openxmlformats.org/officeDocument/2006/relationships" xmlns:p="http://schemas.openxmlformats.org/presentationml/2006/main" showMasterSp="0" showMasterPhAnim="0">
+<p:notes xmlns:a="http://schemas.openxmlformats.org/drawingml/2006/main" xmlns:r="http://schemas.openxmlformats.org/officeDocument/2006/relationships" xmlns:mc="http://schemas.openxmlformats.org/markup-compatibility/2006" xmlns:mv="urn:schemas-microsoft-com:mac:vml" xmlns:p="http://schemas.openxmlformats.org/presentationml/2006/main" xmlns:c="http://schemas.openxmlformats.org/drawingml/2006/chart" xmlns:dgm="http://schemas.openxmlformats.org/drawingml/2006/diagram" xmlns:o="urn:schemas-microsoft-com:office:office" xmlns:v="urn:schemas-microsoft-com:vml" xmlns:pvml="urn:schemas-microsoft-com:office:powerpoint" xmlns:com="http://schemas.openxmlformats.org/drawingml/2006/compatibility" xmlns:p14="http://schemas.microsoft.com/office/powerpoint/2010/main" xmlns:p15="http://schemas.microsoft.com/office/powerpoint/2012/main" xmlns:ahyp="http://schemas.microsoft.com/office/drawing/2018/hyperlinkcolor" showMasterPhAnim="0" showMasterSp="0">
   <p:cSld>
     <p:spTree>
       <p:nvGrpSpPr>
-        <p:cNvPr id="1" name="Shape 94"/>
+        <p:cNvPr id="95" name="Shape 95"/>
         <p:cNvGrpSpPr/>
         <p:nvPr/>
       </p:nvGrpSpPr>
@@ -1044,27 +1024,21 @@
       </p:grpSpPr>
       <p:sp>
         <p:nvSpPr>
-          <p:cNvPr id="95" name="Google Shape;95;gaf81e2ceda_0_78:notes"/>
-          <p:cNvSpPr>
-            <a:spLocks noGrp="1" noRot="1" noChangeAspect="1"/>
-          </p:cNvSpPr>
+          <p:cNvPr id="96" name="Google Shape;96;gaf81e2ceda_0_92:notes"/>
+          <p:cNvSpPr/>
           <p:nvPr>
-            <p:ph type="sldImg" idx="2"/>
+            <p:ph idx="2" type="sldImg"/>
           </p:nvPr>
         </p:nvSpPr>
         <p:spPr>
           <a:xfrm>
-            <a:off x="2241550" y="685800"/>
-            <a:ext cx="2374900" cy="3429000"/>
+            <a:off x="2143447" y="685800"/>
+            <a:ext cx="2571900" cy="3429000"/>
           </a:xfrm>
           <a:custGeom>
-            <a:avLst/>
-            <a:gdLst/>
-            <a:ahLst/>
-            <a:cxnLst/>
-            <a:rect l="l" t="t" r="r" b="b"/>
+            <a:rect b="b" l="l" r="r" t="t"/>
             <a:pathLst>
-              <a:path w="120000" h="120000" extrusionOk="0">
+              <a:path extrusionOk="0" h="120000" w="120000">
                 <a:moveTo>
                   <a:pt x="0" y="0"/>
                 </a:moveTo>
@@ -1085,12 +1059,10 @@
       </p:sp>
       <p:sp>
         <p:nvSpPr>
-          <p:cNvPr id="96" name="Google Shape;96;gaf81e2ceda_0_78:notes"/>
-          <p:cNvSpPr txBox="1">
-            <a:spLocks noGrp="1"/>
-          </p:cNvSpPr>
+          <p:cNvPr id="97" name="Google Shape;97;gaf81e2ceda_0_92:notes"/>
+          <p:cNvSpPr txBox="1"/>
           <p:nvPr>
-            <p:ph type="body" idx="1"/>
+            <p:ph idx="1" type="body"/>
           </p:nvPr>
         </p:nvSpPr>
         <p:spPr>
@@ -1103,12 +1075,12 @@
           </a:prstGeom>
         </p:spPr>
         <p:txBody>
-          <a:bodyPr spcFirstLastPara="1" wrap="square" lIns="91425" tIns="91425" rIns="91425" bIns="91425" anchor="t" anchorCtr="0">
+          <a:bodyPr anchorCtr="0" anchor="t" bIns="91425" lIns="91425" spcFirstLastPara="1" rIns="91425" wrap="square" tIns="91425">
             <a:noAutofit/>
           </a:bodyPr>
           <a:lstStyle/>
           <a:p>
-            <a:pPr marL="0" lvl="0" indent="0" algn="l" rtl="0">
+            <a:pPr indent="0" lvl="0" marL="0" rtl="0" algn="l">
               <a:spcBef>
                 <a:spcPts val="0"/>
               </a:spcBef>
@@ -1117,6 +1089,9 @@
               </a:spcAft>
               <a:buNone/>
             </a:pPr>
+            <a:r>
+              <a:t/>
+            </a:r>
             <a:endParaRPr/>
           </a:p>
         </p:txBody>
@@ -1130,11 +1105,11 @@
 </file>
 
 <file path=ppt/notesSlides/notesSlide5.xml><?xml version="1.0" encoding="utf-8"?>
-<p:notes xmlns:a="http://schemas.openxmlformats.org/drawingml/2006/main" xmlns:r="http://schemas.openxmlformats.org/officeDocument/2006/relationships" xmlns:p="http://schemas.openxmlformats.org/presentationml/2006/main" showMasterSp="0" showMasterPhAnim="0">
+<p:notes xmlns:a="http://schemas.openxmlformats.org/drawingml/2006/main" xmlns:r="http://schemas.openxmlformats.org/officeDocument/2006/relationships" xmlns:mc="http://schemas.openxmlformats.org/markup-compatibility/2006" xmlns:mv="urn:schemas-microsoft-com:mac:vml" xmlns:p="http://schemas.openxmlformats.org/presentationml/2006/main" xmlns:c="http://schemas.openxmlformats.org/drawingml/2006/chart" xmlns:dgm="http://schemas.openxmlformats.org/drawingml/2006/diagram" xmlns:o="urn:schemas-microsoft-com:office:office" xmlns:v="urn:schemas-microsoft-com:vml" xmlns:pvml="urn:schemas-microsoft-com:office:powerpoint" xmlns:com="http://schemas.openxmlformats.org/drawingml/2006/compatibility" xmlns:p14="http://schemas.microsoft.com/office/powerpoint/2010/main" xmlns:p15="http://schemas.microsoft.com/office/powerpoint/2012/main" xmlns:ahyp="http://schemas.microsoft.com/office/drawing/2018/hyperlinkcolor" showMasterPhAnim="0" showMasterSp="0">
   <p:cSld>
     <p:spTree>
       <p:nvGrpSpPr>
-        <p:cNvPr id="1" name="Shape 109"/>
+        <p:cNvPr id="110" name="Shape 110"/>
         <p:cNvGrpSpPr/>
         <p:nvPr/>
       </p:nvGrpSpPr>
@@ -1148,27 +1123,21 @@
       </p:grpSpPr>
       <p:sp>
         <p:nvSpPr>
-          <p:cNvPr id="110" name="Google Shape;110;gaf81e2ceda_0_92:notes"/>
-          <p:cNvSpPr>
-            <a:spLocks noGrp="1" noRot="1" noChangeAspect="1"/>
-          </p:cNvSpPr>
+          <p:cNvPr id="111" name="Google Shape;111;p:notes"/>
+          <p:cNvSpPr/>
           <p:nvPr>
-            <p:ph type="sldImg" idx="2"/>
+            <p:ph idx="2" type="sldImg"/>
           </p:nvPr>
         </p:nvSpPr>
         <p:spPr>
           <a:xfrm>
-            <a:off x="2241550" y="685800"/>
-            <a:ext cx="2374900" cy="3429000"/>
+            <a:off x="2143447" y="685800"/>
+            <a:ext cx="2571900" cy="3429000"/>
           </a:xfrm>
           <a:custGeom>
-            <a:avLst/>
-            <a:gdLst/>
-            <a:ahLst/>
-            <a:cxnLst/>
-            <a:rect l="l" t="t" r="r" b="b"/>
+            <a:rect b="b" l="l" r="r" t="t"/>
             <a:pathLst>
-              <a:path w="120000" h="120000" extrusionOk="0">
+              <a:path extrusionOk="0" h="120000" w="120000">
                 <a:moveTo>
                   <a:pt x="0" y="0"/>
                 </a:moveTo>
@@ -1189,12 +1158,10 @@
       </p:sp>
       <p:sp>
         <p:nvSpPr>
-          <p:cNvPr id="111" name="Google Shape;111;gaf81e2ceda_0_92:notes"/>
-          <p:cNvSpPr txBox="1">
-            <a:spLocks noGrp="1"/>
-          </p:cNvSpPr>
+          <p:cNvPr id="112" name="Google Shape;112;p:notes"/>
+          <p:cNvSpPr txBox="1"/>
           <p:nvPr>
-            <p:ph type="body" idx="1"/>
+            <p:ph idx="1" type="body"/>
           </p:nvPr>
         </p:nvSpPr>
         <p:spPr>
@@ -1207,12 +1174,12 @@
           </a:prstGeom>
         </p:spPr>
         <p:txBody>
-          <a:bodyPr spcFirstLastPara="1" wrap="square" lIns="91425" tIns="91425" rIns="91425" bIns="91425" anchor="t" anchorCtr="0">
+          <a:bodyPr anchorCtr="0" anchor="t" bIns="91425" lIns="91425" spcFirstLastPara="1" rIns="91425" wrap="square" tIns="91425">
             <a:noAutofit/>
           </a:bodyPr>
           <a:lstStyle/>
           <a:p>
-            <a:pPr marL="0" lvl="0" indent="0" algn="l" rtl="0">
+            <a:pPr indent="0" lvl="0" marL="0" rtl="0" algn="l">
               <a:spcBef>
                 <a:spcPts val="0"/>
               </a:spcBef>
@@ -1221,6 +1188,9 @@
               </a:spcAft>
               <a:buNone/>
             </a:pPr>
+            <a:r>
+              <a:t/>
+            </a:r>
             <a:endParaRPr/>
           </a:p>
         </p:txBody>
@@ -1234,11 +1204,11 @@
 </file>
 
 <file path=ppt/slideLayouts/slideLayout1.xml><?xml version="1.0" encoding="utf-8"?>
-<p:sldLayout xmlns:a="http://schemas.openxmlformats.org/drawingml/2006/main" xmlns:r="http://schemas.openxmlformats.org/officeDocument/2006/relationships" xmlns:p="http://schemas.openxmlformats.org/presentationml/2006/main" matchingName="Title slide" type="title">
+<p:sldLayout xmlns:a="http://schemas.openxmlformats.org/drawingml/2006/main" xmlns:r="http://schemas.openxmlformats.org/officeDocument/2006/relationships" xmlns:mc="http://schemas.openxmlformats.org/markup-compatibility/2006" xmlns:mv="urn:schemas-microsoft-com:mac:vml" xmlns:p="http://schemas.openxmlformats.org/presentationml/2006/main" xmlns:c="http://schemas.openxmlformats.org/drawingml/2006/chart" xmlns:dgm="http://schemas.openxmlformats.org/drawingml/2006/diagram" xmlns:o="urn:schemas-microsoft-com:office:office" xmlns:v="urn:schemas-microsoft-com:vml" xmlns:pvml="urn:schemas-microsoft-com:office:powerpoint" xmlns:com="http://schemas.openxmlformats.org/drawingml/2006/compatibility" xmlns:p14="http://schemas.microsoft.com/office/powerpoint/2010/main" xmlns:p15="http://schemas.microsoft.com/office/powerpoint/2012/main" xmlns:ahyp="http://schemas.microsoft.com/office/drawing/2018/hyperlinkcolor" matchingName="Title slide" type="title">
   <p:cSld name="TITLE">
     <p:spTree>
       <p:nvGrpSpPr>
-        <p:cNvPr id="1" name="Shape 9"/>
+        <p:cNvPr id="9" name="Shape 9"/>
         <p:cNvGrpSpPr/>
         <p:nvPr/>
       </p:nvGrpSpPr>
@@ -1253,24 +1223,22 @@
       <p:sp>
         <p:nvSpPr>
           <p:cNvPr id="10" name="Google Shape;10;p2"/>
-          <p:cNvSpPr txBox="1">
-            <a:spLocks noGrp="1"/>
-          </p:cNvSpPr>
+          <p:cNvSpPr txBox="1"/>
           <p:nvPr>
             <p:ph type="ctrTitle"/>
           </p:nvPr>
         </p:nvSpPr>
         <p:spPr>
           <a:xfrm>
-            <a:off x="233752" y="1433816"/>
-            <a:ext cx="6389332" cy="3952825"/>
+            <a:off x="92040" y="521137"/>
+            <a:ext cx="2515800" cy="1436700"/>
           </a:xfrm>
           <a:prstGeom prst="rect">
             <a:avLst/>
           </a:prstGeom>
         </p:spPr>
         <p:txBody>
-          <a:bodyPr spcFirstLastPara="1" wrap="square" lIns="39325" tIns="39325" rIns="39325" bIns="39325" anchor="b" anchorCtr="0">
+          <a:bodyPr anchorCtr="0" anchor="b" bIns="39325" lIns="39325" spcFirstLastPara="1" rIns="39325" wrap="square" tIns="39325">
             <a:noAutofit/>
           </a:bodyPr>
           <a:lstStyle>
@@ -1283,7 +1251,7 @@
               </a:spcAft>
               <a:buSzPts val="2200"/>
               <a:buNone/>
-              <a:defRPr sz="5587"/>
+              <a:defRPr sz="2200"/>
             </a:lvl1pPr>
             <a:lvl2pPr lvl="1" algn="ctr">
               <a:spcBef>
@@ -1294,7 +1262,7 @@
               </a:spcAft>
               <a:buSzPts val="2200"/>
               <a:buNone/>
-              <a:defRPr sz="5587"/>
+              <a:defRPr sz="2200"/>
             </a:lvl2pPr>
             <a:lvl3pPr lvl="2" algn="ctr">
               <a:spcBef>
@@ -1305,7 +1273,7 @@
               </a:spcAft>
               <a:buSzPts val="2200"/>
               <a:buNone/>
-              <a:defRPr sz="5587"/>
+              <a:defRPr sz="2200"/>
             </a:lvl3pPr>
             <a:lvl4pPr lvl="3" algn="ctr">
               <a:spcBef>
@@ -1316,7 +1284,7 @@
               </a:spcAft>
               <a:buSzPts val="2200"/>
               <a:buNone/>
-              <a:defRPr sz="5587"/>
+              <a:defRPr sz="2200"/>
             </a:lvl4pPr>
             <a:lvl5pPr lvl="4" algn="ctr">
               <a:spcBef>
@@ -1327,7 +1295,7 @@
               </a:spcAft>
               <a:buSzPts val="2200"/>
               <a:buNone/>
-              <a:defRPr sz="5587"/>
+              <a:defRPr sz="2200"/>
             </a:lvl5pPr>
             <a:lvl6pPr lvl="5" algn="ctr">
               <a:spcBef>
@@ -1338,7 +1306,7 @@
               </a:spcAft>
               <a:buSzPts val="2200"/>
               <a:buNone/>
-              <a:defRPr sz="5587"/>
+              <a:defRPr sz="2200"/>
             </a:lvl6pPr>
             <a:lvl7pPr lvl="6" algn="ctr">
               <a:spcBef>
@@ -1349,7 +1317,7 @@
               </a:spcAft>
               <a:buSzPts val="2200"/>
               <a:buNone/>
-              <a:defRPr sz="5587"/>
+              <a:defRPr sz="2200"/>
             </a:lvl7pPr>
             <a:lvl8pPr lvl="7" algn="ctr">
               <a:spcBef>
@@ -1360,7 +1328,7 @@
               </a:spcAft>
               <a:buSzPts val="2200"/>
               <a:buNone/>
-              <a:defRPr sz="5587"/>
+              <a:defRPr sz="2200"/>
             </a:lvl8pPr>
             <a:lvl9pPr lvl="8" algn="ctr">
               <a:spcBef>
@@ -1371,35 +1339,31 @@
               </a:spcAft>
               <a:buSzPts val="2200"/>
               <a:buNone/>
-              <a:defRPr sz="5587"/>
+              <a:defRPr sz="2200"/>
             </a:lvl9pPr>
           </a:lstStyle>
-          <a:p>
-            <a:endParaRPr/>
-          </a:p>
+          <a:p/>
         </p:txBody>
       </p:sp>
       <p:sp>
         <p:nvSpPr>
           <p:cNvPr id="11" name="Google Shape;11;p2"/>
-          <p:cNvSpPr txBox="1">
-            <a:spLocks noGrp="1"/>
-          </p:cNvSpPr>
+          <p:cNvSpPr txBox="1"/>
           <p:nvPr>
-            <p:ph type="subTitle" idx="1"/>
+            <p:ph idx="1" type="subTitle"/>
           </p:nvPr>
         </p:nvSpPr>
         <p:spPr>
           <a:xfrm>
-            <a:off x="233745" y="5457634"/>
-            <a:ext cx="6389332" cy="1526159"/>
+            <a:off x="92037" y="1983640"/>
+            <a:ext cx="2515800" cy="554700"/>
           </a:xfrm>
           <a:prstGeom prst="rect">
             <a:avLst/>
           </a:prstGeom>
         </p:spPr>
         <p:txBody>
-          <a:bodyPr spcFirstLastPara="1" wrap="square" lIns="39325" tIns="39325" rIns="39325" bIns="39325" anchor="t" anchorCtr="0">
+          <a:bodyPr anchorCtr="0" anchor="t" bIns="39325" lIns="39325" spcFirstLastPara="1" rIns="39325" wrap="square" tIns="39325">
             <a:noAutofit/>
           </a:bodyPr>
           <a:lstStyle>
@@ -1415,7 +1379,7 @@
               </a:spcAft>
               <a:buSzPts val="1200"/>
               <a:buNone/>
-              <a:defRPr sz="3048"/>
+              <a:defRPr sz="1200"/>
             </a:lvl1pPr>
             <a:lvl2pPr lvl="1" algn="ctr">
               <a:lnSpc>
@@ -1429,7 +1393,7 @@
               </a:spcAft>
               <a:buSzPts val="1200"/>
               <a:buNone/>
-              <a:defRPr sz="3048"/>
+              <a:defRPr sz="1200"/>
             </a:lvl2pPr>
             <a:lvl3pPr lvl="2" algn="ctr">
               <a:lnSpc>
@@ -1443,7 +1407,7 @@
               </a:spcAft>
               <a:buSzPts val="1200"/>
               <a:buNone/>
-              <a:defRPr sz="3048"/>
+              <a:defRPr sz="1200"/>
             </a:lvl3pPr>
             <a:lvl4pPr lvl="3" algn="ctr">
               <a:lnSpc>
@@ -1457,7 +1421,7 @@
               </a:spcAft>
               <a:buSzPts val="1200"/>
               <a:buNone/>
-              <a:defRPr sz="3048"/>
+              <a:defRPr sz="1200"/>
             </a:lvl4pPr>
             <a:lvl5pPr lvl="4" algn="ctr">
               <a:lnSpc>
@@ -1471,7 +1435,7 @@
               </a:spcAft>
               <a:buSzPts val="1200"/>
               <a:buNone/>
-              <a:defRPr sz="3048"/>
+              <a:defRPr sz="1200"/>
             </a:lvl5pPr>
             <a:lvl6pPr lvl="5" algn="ctr">
               <a:lnSpc>
@@ -1485,7 +1449,7 @@
               </a:spcAft>
               <a:buSzPts val="1200"/>
               <a:buNone/>
-              <a:defRPr sz="3048"/>
+              <a:defRPr sz="1200"/>
             </a:lvl6pPr>
             <a:lvl7pPr lvl="6" algn="ctr">
               <a:lnSpc>
@@ -1499,7 +1463,7 @@
               </a:spcAft>
               <a:buSzPts val="1200"/>
               <a:buNone/>
-              <a:defRPr sz="3048"/>
+              <a:defRPr sz="1200"/>
             </a:lvl7pPr>
             <a:lvl8pPr lvl="7" algn="ctr">
               <a:lnSpc>
@@ -1513,7 +1477,7 @@
               </a:spcAft>
               <a:buSzPts val="1200"/>
               <a:buNone/>
-              <a:defRPr sz="3048"/>
+              <a:defRPr sz="1200"/>
             </a:lvl8pPr>
             <a:lvl9pPr lvl="8" algn="ctr">
               <a:lnSpc>
@@ -1527,35 +1491,31 @@
               </a:spcAft>
               <a:buSzPts val="1200"/>
               <a:buNone/>
-              <a:defRPr sz="3048"/>
+              <a:defRPr sz="1200"/>
             </a:lvl9pPr>
           </a:lstStyle>
-          <a:p>
-            <a:endParaRPr/>
-          </a:p>
+          <a:p/>
         </p:txBody>
       </p:sp>
       <p:sp>
         <p:nvSpPr>
           <p:cNvPr id="12" name="Google Shape;12;p2"/>
-          <p:cNvSpPr txBox="1">
-            <a:spLocks noGrp="1"/>
-          </p:cNvSpPr>
+          <p:cNvSpPr txBox="1"/>
           <p:nvPr>
-            <p:ph type="sldNum" idx="12"/>
+            <p:ph idx="12" type="sldNum"/>
           </p:nvPr>
         </p:nvSpPr>
         <p:spPr>
           <a:xfrm>
-            <a:off x="6353548" y="8979888"/>
-            <a:ext cx="411428" cy="757714"/>
+            <a:off x="2501710" y="3263844"/>
+            <a:ext cx="162000" cy="275400"/>
           </a:xfrm>
           <a:prstGeom prst="rect">
             <a:avLst/>
           </a:prstGeom>
         </p:spPr>
         <p:txBody>
-          <a:bodyPr spcFirstLastPara="1" wrap="square" lIns="39325" tIns="39325" rIns="39325" bIns="39325" anchor="ctr" anchorCtr="0">
+          <a:bodyPr anchorCtr="0" anchor="ctr" bIns="39325" lIns="39325" spcFirstLastPara="1" rIns="39325" wrap="square" tIns="39325">
             <a:noAutofit/>
           </a:bodyPr>
           <a:lstStyle>
@@ -1597,12 +1557,20 @@
             </a:lvl9pPr>
           </a:lstStyle>
           <a:p>
+            <a:pPr indent="0" lvl="0" marL="0" rtl="0" algn="r">
+              <a:spcBef>
+                <a:spcPts val="0"/>
+              </a:spcBef>
+              <a:spcAft>
+                <a:spcPts val="0"/>
+              </a:spcAft>
+              <a:buNone/>
+            </a:pPr>
             <a:fld id="{00000000-1234-1234-1234-123412341234}" type="slidenum">
-              <a:rPr lang="en-GB" smtClean="0"/>
-              <a:pPr/>
+              <a:rPr lang="en-GB"/>
               <a:t>‹#›</a:t>
             </a:fld>
-            <a:endParaRPr lang="en-GB"/>
+            <a:endParaRPr/>
           </a:p>
         </p:txBody>
       </p:sp>
@@ -1615,11 +1583,11 @@
 </file>
 
 <file path=ppt/slideLayouts/slideLayout10.xml><?xml version="1.0" encoding="utf-8"?>
-<p:sldLayout xmlns:a="http://schemas.openxmlformats.org/drawingml/2006/main" xmlns:r="http://schemas.openxmlformats.org/officeDocument/2006/relationships" xmlns:p="http://schemas.openxmlformats.org/presentationml/2006/main" matchingName="Big number">
+<p:sldLayout xmlns:a="http://schemas.openxmlformats.org/drawingml/2006/main" xmlns:r="http://schemas.openxmlformats.org/officeDocument/2006/relationships" xmlns:mc="http://schemas.openxmlformats.org/markup-compatibility/2006" xmlns:mv="urn:schemas-microsoft-com:mac:vml" xmlns:p="http://schemas.openxmlformats.org/presentationml/2006/main" xmlns:c="http://schemas.openxmlformats.org/drawingml/2006/chart" xmlns:dgm="http://schemas.openxmlformats.org/drawingml/2006/diagram" xmlns:o="urn:schemas-microsoft-com:office:office" xmlns:v="urn:schemas-microsoft-com:vml" xmlns:pvml="urn:schemas-microsoft-com:office:powerpoint" xmlns:com="http://schemas.openxmlformats.org/drawingml/2006/compatibility" xmlns:p14="http://schemas.microsoft.com/office/powerpoint/2010/main" xmlns:p15="http://schemas.microsoft.com/office/powerpoint/2012/main" xmlns:ahyp="http://schemas.microsoft.com/office/drawing/2018/hyperlinkcolor" matchingName="Big number">
   <p:cSld name="BIG_NUMBER">
     <p:spTree>
       <p:nvGrpSpPr>
-        <p:cNvPr id="1" name="Shape 44"/>
+        <p:cNvPr id="44" name="Shape 44"/>
         <p:cNvGrpSpPr/>
         <p:nvPr/>
       </p:nvGrpSpPr>
@@ -1634,24 +1602,22 @@
       <p:sp>
         <p:nvSpPr>
           <p:cNvPr id="45" name="Google Shape;45;p11"/>
-          <p:cNvSpPr txBox="1">
-            <a:spLocks noGrp="1"/>
-          </p:cNvSpPr>
+          <p:cNvSpPr txBox="1"/>
           <p:nvPr>
-            <p:ph type="title" hasCustomPrompt="1"/>
+            <p:ph hasCustomPrompt="1" type="title"/>
           </p:nvPr>
         </p:nvSpPr>
         <p:spPr>
           <a:xfrm>
-            <a:off x="233745" y="2130049"/>
-            <a:ext cx="6389332" cy="3781143"/>
+            <a:off x="92037" y="774191"/>
+            <a:ext cx="2515800" cy="1374300"/>
           </a:xfrm>
           <a:prstGeom prst="rect">
             <a:avLst/>
           </a:prstGeom>
         </p:spPr>
         <p:txBody>
-          <a:bodyPr spcFirstLastPara="1" wrap="square" lIns="39325" tIns="39325" rIns="39325" bIns="39325" anchor="b" anchorCtr="0">
+          <a:bodyPr anchorCtr="0" anchor="b" bIns="39325" lIns="39325" spcFirstLastPara="1" rIns="39325" wrap="square" tIns="39325">
             <a:noAutofit/>
           </a:bodyPr>
           <a:lstStyle>
@@ -1664,7 +1630,7 @@
               </a:spcAft>
               <a:buSzPts val="5200"/>
               <a:buNone/>
-              <a:defRPr sz="13206"/>
+              <a:defRPr sz="5200"/>
             </a:lvl1pPr>
             <a:lvl2pPr lvl="1" algn="ctr">
               <a:spcBef>
@@ -1675,7 +1641,7 @@
               </a:spcAft>
               <a:buSzPts val="5200"/>
               <a:buNone/>
-              <a:defRPr sz="13206"/>
+              <a:defRPr sz="5200"/>
             </a:lvl2pPr>
             <a:lvl3pPr lvl="2" algn="ctr">
               <a:spcBef>
@@ -1686,7 +1652,7 @@
               </a:spcAft>
               <a:buSzPts val="5200"/>
               <a:buNone/>
-              <a:defRPr sz="13206"/>
+              <a:defRPr sz="5200"/>
             </a:lvl3pPr>
             <a:lvl4pPr lvl="3" algn="ctr">
               <a:spcBef>
@@ -1697,7 +1663,7 @@
               </a:spcAft>
               <a:buSzPts val="5200"/>
               <a:buNone/>
-              <a:defRPr sz="13206"/>
+              <a:defRPr sz="5200"/>
             </a:lvl4pPr>
             <a:lvl5pPr lvl="4" algn="ctr">
               <a:spcBef>
@@ -1708,7 +1674,7 @@
               </a:spcAft>
               <a:buSzPts val="5200"/>
               <a:buNone/>
-              <a:defRPr sz="13206"/>
+              <a:defRPr sz="5200"/>
             </a:lvl5pPr>
             <a:lvl6pPr lvl="5" algn="ctr">
               <a:spcBef>
@@ -1719,7 +1685,7 @@
               </a:spcAft>
               <a:buSzPts val="5200"/>
               <a:buNone/>
-              <a:defRPr sz="13206"/>
+              <a:defRPr sz="5200"/>
             </a:lvl6pPr>
             <a:lvl7pPr lvl="6" algn="ctr">
               <a:spcBef>
@@ -1730,7 +1696,7 @@
               </a:spcAft>
               <a:buSzPts val="5200"/>
               <a:buNone/>
-              <a:defRPr sz="13206"/>
+              <a:defRPr sz="5200"/>
             </a:lvl7pPr>
             <a:lvl8pPr lvl="7" algn="ctr">
               <a:spcBef>
@@ -1741,7 +1707,7 @@
               </a:spcAft>
               <a:buSzPts val="5200"/>
               <a:buNone/>
-              <a:defRPr sz="13206"/>
+              <a:defRPr sz="5200"/>
             </a:lvl8pPr>
             <a:lvl9pPr lvl="8" algn="ctr">
               <a:spcBef>
@@ -1752,7 +1718,7 @@
               </a:spcAft>
               <a:buSzPts val="5200"/>
               <a:buNone/>
-              <a:defRPr sz="13206"/>
+              <a:defRPr sz="5200"/>
             </a:lvl9pPr>
           </a:lstStyle>
           <a:p>
@@ -1765,28 +1731,26 @@
       <p:sp>
         <p:nvSpPr>
           <p:cNvPr id="46" name="Google Shape;46;p11"/>
-          <p:cNvSpPr txBox="1">
-            <a:spLocks noGrp="1"/>
-          </p:cNvSpPr>
+          <p:cNvSpPr txBox="1"/>
           <p:nvPr>
-            <p:ph type="body" idx="1"/>
+            <p:ph idx="1" type="body"/>
           </p:nvPr>
         </p:nvSpPr>
         <p:spPr>
           <a:xfrm>
-            <a:off x="233745" y="6070194"/>
-            <a:ext cx="6389332" cy="2505079"/>
+            <a:off x="92037" y="2206282"/>
+            <a:ext cx="2515800" cy="910500"/>
           </a:xfrm>
           <a:prstGeom prst="rect">
             <a:avLst/>
           </a:prstGeom>
         </p:spPr>
         <p:txBody>
-          <a:bodyPr spcFirstLastPara="1" wrap="square" lIns="39325" tIns="39325" rIns="39325" bIns="39325" anchor="t" anchorCtr="0">
+          <a:bodyPr anchorCtr="0" anchor="t" bIns="39325" lIns="39325" spcFirstLastPara="1" rIns="39325" wrap="square" tIns="39325">
             <a:noAutofit/>
           </a:bodyPr>
           <a:lstStyle>
-            <a:lvl1pPr marL="1161151" lvl="0" indent="-709592" algn="ctr">
+            <a:lvl1pPr indent="-279400" lvl="0" marL="457200" algn="ctr">
               <a:spcBef>
                 <a:spcPts val="0"/>
               </a:spcBef>
@@ -1797,9 +1761,9 @@
               <a:buChar char="●"/>
               <a:defRPr/>
             </a:lvl1pPr>
-            <a:lvl2pPr marL="2322302" lvl="1" indent="-677338" algn="ctr">
-              <a:spcBef>
-                <a:spcPts val="1778"/>
+            <a:lvl2pPr indent="-266700" lvl="1" marL="914400" algn="ctr">
+              <a:spcBef>
+                <a:spcPts val="700"/>
               </a:spcBef>
               <a:spcAft>
                 <a:spcPts val="0"/>
@@ -1808,9 +1772,9 @@
               <a:buChar char="○"/>
               <a:defRPr/>
             </a:lvl2pPr>
-            <a:lvl3pPr marL="3483453" lvl="2" indent="-677338" algn="ctr">
-              <a:spcBef>
-                <a:spcPts val="1778"/>
+            <a:lvl3pPr indent="-266700" lvl="2" marL="1371600" algn="ctr">
+              <a:spcBef>
+                <a:spcPts val="700"/>
               </a:spcBef>
               <a:spcAft>
                 <a:spcPts val="0"/>
@@ -1819,9 +1783,9 @@
               <a:buChar char="■"/>
               <a:defRPr/>
             </a:lvl3pPr>
-            <a:lvl4pPr marL="4644603" lvl="3" indent="-677338" algn="ctr">
-              <a:spcBef>
-                <a:spcPts val="1778"/>
+            <a:lvl4pPr indent="-266700" lvl="3" marL="1828800" algn="ctr">
+              <a:spcBef>
+                <a:spcPts val="700"/>
               </a:spcBef>
               <a:spcAft>
                 <a:spcPts val="0"/>
@@ -1830,9 +1794,9 @@
               <a:buChar char="●"/>
               <a:defRPr/>
             </a:lvl4pPr>
-            <a:lvl5pPr marL="5805754" lvl="4" indent="-677338" algn="ctr">
-              <a:spcBef>
-                <a:spcPts val="1778"/>
+            <a:lvl5pPr indent="-266700" lvl="4" marL="2286000" algn="ctr">
+              <a:spcBef>
+                <a:spcPts val="700"/>
               </a:spcBef>
               <a:spcAft>
                 <a:spcPts val="0"/>
@@ -1841,9 +1805,9 @@
               <a:buChar char="○"/>
               <a:defRPr/>
             </a:lvl5pPr>
-            <a:lvl6pPr marL="6966905" lvl="5" indent="-677338" algn="ctr">
-              <a:spcBef>
-                <a:spcPts val="1778"/>
+            <a:lvl6pPr indent="-266700" lvl="5" marL="2743200" algn="ctr">
+              <a:spcBef>
+                <a:spcPts val="700"/>
               </a:spcBef>
               <a:spcAft>
                 <a:spcPts val="0"/>
@@ -1852,9 +1816,9 @@
               <a:buChar char="■"/>
               <a:defRPr/>
             </a:lvl6pPr>
-            <a:lvl7pPr marL="8128056" lvl="6" indent="-677338" algn="ctr">
-              <a:spcBef>
-                <a:spcPts val="1778"/>
+            <a:lvl7pPr indent="-266700" lvl="6" marL="3200400" algn="ctr">
+              <a:spcBef>
+                <a:spcPts val="700"/>
               </a:spcBef>
               <a:spcAft>
                 <a:spcPts val="0"/>
@@ -1863,9 +1827,9 @@
               <a:buChar char="●"/>
               <a:defRPr/>
             </a:lvl7pPr>
-            <a:lvl8pPr marL="9289207" lvl="7" indent="-677338" algn="ctr">
-              <a:spcBef>
-                <a:spcPts val="1778"/>
+            <a:lvl8pPr indent="-266700" lvl="7" marL="3657600" algn="ctr">
+              <a:spcBef>
+                <a:spcPts val="700"/>
               </a:spcBef>
               <a:spcAft>
                 <a:spcPts val="0"/>
@@ -1874,44 +1838,40 @@
               <a:buChar char="○"/>
               <a:defRPr/>
             </a:lvl8pPr>
-            <a:lvl9pPr marL="10450358" lvl="8" indent="-677338" algn="ctr">
-              <a:spcBef>
-                <a:spcPts val="1778"/>
-              </a:spcBef>
-              <a:spcAft>
-                <a:spcPts val="1778"/>
+            <a:lvl9pPr indent="-266700" lvl="8" marL="4114800" algn="ctr">
+              <a:spcBef>
+                <a:spcPts val="700"/>
+              </a:spcBef>
+              <a:spcAft>
+                <a:spcPts val="700"/>
               </a:spcAft>
               <a:buSzPts val="600"/>
               <a:buChar char="■"/>
               <a:defRPr/>
             </a:lvl9pPr>
           </a:lstStyle>
-          <a:p>
-            <a:endParaRPr/>
-          </a:p>
+          <a:p/>
         </p:txBody>
       </p:sp>
       <p:sp>
         <p:nvSpPr>
           <p:cNvPr id="47" name="Google Shape;47;p11"/>
-          <p:cNvSpPr txBox="1">
-            <a:spLocks noGrp="1"/>
-          </p:cNvSpPr>
+          <p:cNvSpPr txBox="1"/>
           <p:nvPr>
-            <p:ph type="sldNum" idx="12"/>
+            <p:ph idx="12" type="sldNum"/>
           </p:nvPr>
         </p:nvSpPr>
         <p:spPr>
           <a:xfrm>
-            <a:off x="6353548" y="8979888"/>
-            <a:ext cx="411428" cy="757714"/>
+            <a:off x="2501710" y="3263844"/>
+            <a:ext cx="162000" cy="275400"/>
           </a:xfrm>
           <a:prstGeom prst="rect">
             <a:avLst/>
           </a:prstGeom>
         </p:spPr>
         <p:txBody>
-          <a:bodyPr spcFirstLastPara="1" wrap="square" lIns="39325" tIns="39325" rIns="39325" bIns="39325" anchor="ctr" anchorCtr="0">
+          <a:bodyPr anchorCtr="0" anchor="ctr" bIns="39325" lIns="39325" spcFirstLastPara="1" rIns="39325" wrap="square" tIns="39325">
             <a:noAutofit/>
           </a:bodyPr>
           <a:lstStyle>
@@ -1953,12 +1913,20 @@
             </a:lvl9pPr>
           </a:lstStyle>
           <a:p>
+            <a:pPr indent="0" lvl="0" marL="0" rtl="0" algn="r">
+              <a:spcBef>
+                <a:spcPts val="0"/>
+              </a:spcBef>
+              <a:spcAft>
+                <a:spcPts val="0"/>
+              </a:spcAft>
+              <a:buNone/>
+            </a:pPr>
             <a:fld id="{00000000-1234-1234-1234-123412341234}" type="slidenum">
-              <a:rPr lang="en-GB" smtClean="0"/>
-              <a:pPr/>
+              <a:rPr lang="en-GB"/>
               <a:t>‹#›</a:t>
             </a:fld>
-            <a:endParaRPr lang="en-GB"/>
+            <a:endParaRPr/>
           </a:p>
         </p:txBody>
       </p:sp>
@@ -1971,11 +1939,11 @@
 </file>
 
 <file path=ppt/slideLayouts/slideLayout11.xml><?xml version="1.0" encoding="utf-8"?>
-<p:sldLayout xmlns:a="http://schemas.openxmlformats.org/drawingml/2006/main" xmlns:r="http://schemas.openxmlformats.org/officeDocument/2006/relationships" xmlns:p="http://schemas.openxmlformats.org/presentationml/2006/main" matchingName="Blank" type="blank">
+<p:sldLayout xmlns:a="http://schemas.openxmlformats.org/drawingml/2006/main" xmlns:r="http://schemas.openxmlformats.org/officeDocument/2006/relationships" xmlns:mc="http://schemas.openxmlformats.org/markup-compatibility/2006" xmlns:mv="urn:schemas-microsoft-com:mac:vml" xmlns:p="http://schemas.openxmlformats.org/presentationml/2006/main" xmlns:c="http://schemas.openxmlformats.org/drawingml/2006/chart" xmlns:dgm="http://schemas.openxmlformats.org/drawingml/2006/diagram" xmlns:o="urn:schemas-microsoft-com:office:office" xmlns:v="urn:schemas-microsoft-com:vml" xmlns:pvml="urn:schemas-microsoft-com:office:powerpoint" xmlns:com="http://schemas.openxmlformats.org/drawingml/2006/compatibility" xmlns:p14="http://schemas.microsoft.com/office/powerpoint/2010/main" xmlns:p15="http://schemas.microsoft.com/office/powerpoint/2012/main" xmlns:ahyp="http://schemas.microsoft.com/office/drawing/2018/hyperlinkcolor" matchingName="Blank" type="blank">
   <p:cSld name="BLANK">
     <p:spTree>
       <p:nvGrpSpPr>
-        <p:cNvPr id="1" name="Shape 48"/>
+        <p:cNvPr id="48" name="Shape 48"/>
         <p:cNvGrpSpPr/>
         <p:nvPr/>
       </p:nvGrpSpPr>
@@ -1990,24 +1958,22 @@
       <p:sp>
         <p:nvSpPr>
           <p:cNvPr id="49" name="Google Shape;49;p12"/>
-          <p:cNvSpPr txBox="1">
-            <a:spLocks noGrp="1"/>
-          </p:cNvSpPr>
+          <p:cNvSpPr txBox="1"/>
           <p:nvPr>
-            <p:ph type="sldNum" idx="12"/>
+            <p:ph idx="12" type="sldNum"/>
           </p:nvPr>
         </p:nvSpPr>
         <p:spPr>
           <a:xfrm>
-            <a:off x="6353548" y="8979888"/>
-            <a:ext cx="411428" cy="757714"/>
+            <a:off x="2501710" y="3263844"/>
+            <a:ext cx="162000" cy="275400"/>
           </a:xfrm>
           <a:prstGeom prst="rect">
             <a:avLst/>
           </a:prstGeom>
         </p:spPr>
         <p:txBody>
-          <a:bodyPr spcFirstLastPara="1" wrap="square" lIns="39325" tIns="39325" rIns="39325" bIns="39325" anchor="ctr" anchorCtr="0">
+          <a:bodyPr anchorCtr="0" anchor="ctr" bIns="39325" lIns="39325" spcFirstLastPara="1" rIns="39325" wrap="square" tIns="39325">
             <a:noAutofit/>
           </a:bodyPr>
           <a:lstStyle>
@@ -2049,12 +2015,20 @@
             </a:lvl9pPr>
           </a:lstStyle>
           <a:p>
+            <a:pPr indent="0" lvl="0" marL="0" rtl="0" algn="r">
+              <a:spcBef>
+                <a:spcPts val="0"/>
+              </a:spcBef>
+              <a:spcAft>
+                <a:spcPts val="0"/>
+              </a:spcAft>
+              <a:buNone/>
+            </a:pPr>
             <a:fld id="{00000000-1234-1234-1234-123412341234}" type="slidenum">
-              <a:rPr lang="en-GB" smtClean="0"/>
-              <a:pPr/>
+              <a:rPr lang="en-GB"/>
               <a:t>‹#›</a:t>
             </a:fld>
-            <a:endParaRPr lang="en-GB"/>
+            <a:endParaRPr/>
           </a:p>
         </p:txBody>
       </p:sp>
@@ -2067,11 +2041,11 @@
 </file>
 
 <file path=ppt/slideLayouts/slideLayout2.xml><?xml version="1.0" encoding="utf-8"?>
-<p:sldLayout xmlns:a="http://schemas.openxmlformats.org/drawingml/2006/main" xmlns:r="http://schemas.openxmlformats.org/officeDocument/2006/relationships" xmlns:p="http://schemas.openxmlformats.org/presentationml/2006/main" matchingName="Section header" type="secHead">
+<p:sldLayout xmlns:a="http://schemas.openxmlformats.org/drawingml/2006/main" xmlns:r="http://schemas.openxmlformats.org/officeDocument/2006/relationships" xmlns:mc="http://schemas.openxmlformats.org/markup-compatibility/2006" xmlns:mv="urn:schemas-microsoft-com:mac:vml" xmlns:p="http://schemas.openxmlformats.org/presentationml/2006/main" xmlns:c="http://schemas.openxmlformats.org/drawingml/2006/chart" xmlns:dgm="http://schemas.openxmlformats.org/drawingml/2006/diagram" xmlns:o="urn:schemas-microsoft-com:office:office" xmlns:v="urn:schemas-microsoft-com:vml" xmlns:pvml="urn:schemas-microsoft-com:office:powerpoint" xmlns:com="http://schemas.openxmlformats.org/drawingml/2006/compatibility" xmlns:p14="http://schemas.microsoft.com/office/powerpoint/2010/main" xmlns:p15="http://schemas.microsoft.com/office/powerpoint/2012/main" xmlns:ahyp="http://schemas.microsoft.com/office/drawing/2018/hyperlinkcolor" matchingName="Section header" type="secHead">
   <p:cSld name="SECTION_HEADER">
     <p:spTree>
       <p:nvGrpSpPr>
-        <p:cNvPr id="1" name="Shape 13"/>
+        <p:cNvPr id="13" name="Shape 13"/>
         <p:cNvGrpSpPr/>
         <p:nvPr/>
       </p:nvGrpSpPr>
@@ -2086,24 +2060,22 @@
       <p:sp>
         <p:nvSpPr>
           <p:cNvPr id="14" name="Google Shape;14;p3"/>
-          <p:cNvSpPr txBox="1">
-            <a:spLocks noGrp="1"/>
-          </p:cNvSpPr>
+          <p:cNvSpPr txBox="1"/>
           <p:nvPr>
             <p:ph type="title"/>
           </p:nvPr>
         </p:nvSpPr>
         <p:spPr>
           <a:xfrm>
-            <a:off x="233745" y="4141861"/>
-            <a:ext cx="6389332" cy="1621079"/>
+            <a:off x="92037" y="1505407"/>
+            <a:ext cx="2515800" cy="589200"/>
           </a:xfrm>
           <a:prstGeom prst="rect">
             <a:avLst/>
           </a:prstGeom>
         </p:spPr>
         <p:txBody>
-          <a:bodyPr spcFirstLastPara="1" wrap="square" lIns="39325" tIns="39325" rIns="39325" bIns="39325" anchor="ctr" anchorCtr="0">
+          <a:bodyPr anchorCtr="0" anchor="ctr" bIns="39325" lIns="39325" spcFirstLastPara="1" rIns="39325" wrap="square" tIns="39325">
             <a:noAutofit/>
           </a:bodyPr>
           <a:lstStyle>
@@ -2116,7 +2088,7 @@
               </a:spcAft>
               <a:buSzPts val="1500"/>
               <a:buNone/>
-              <a:defRPr sz="3810"/>
+              <a:defRPr sz="1500"/>
             </a:lvl1pPr>
             <a:lvl2pPr lvl="1" algn="ctr">
               <a:spcBef>
@@ -2127,7 +2099,7 @@
               </a:spcAft>
               <a:buSzPts val="1500"/>
               <a:buNone/>
-              <a:defRPr sz="3810"/>
+              <a:defRPr sz="1500"/>
             </a:lvl2pPr>
             <a:lvl3pPr lvl="2" algn="ctr">
               <a:spcBef>
@@ -2138,7 +2110,7 @@
               </a:spcAft>
               <a:buSzPts val="1500"/>
               <a:buNone/>
-              <a:defRPr sz="3810"/>
+              <a:defRPr sz="1500"/>
             </a:lvl3pPr>
             <a:lvl4pPr lvl="3" algn="ctr">
               <a:spcBef>
@@ -2149,7 +2121,7 @@
               </a:spcAft>
               <a:buSzPts val="1500"/>
               <a:buNone/>
-              <a:defRPr sz="3810"/>
+              <a:defRPr sz="1500"/>
             </a:lvl4pPr>
             <a:lvl5pPr lvl="4" algn="ctr">
               <a:spcBef>
@@ -2160,7 +2132,7 @@
               </a:spcAft>
               <a:buSzPts val="1500"/>
               <a:buNone/>
-              <a:defRPr sz="3810"/>
+              <a:defRPr sz="1500"/>
             </a:lvl5pPr>
             <a:lvl6pPr lvl="5" algn="ctr">
               <a:spcBef>
@@ -2171,7 +2143,7 @@
               </a:spcAft>
               <a:buSzPts val="1500"/>
               <a:buNone/>
-              <a:defRPr sz="3810"/>
+              <a:defRPr sz="1500"/>
             </a:lvl6pPr>
             <a:lvl7pPr lvl="6" algn="ctr">
               <a:spcBef>
@@ -2182,7 +2154,7 @@
               </a:spcAft>
               <a:buSzPts val="1500"/>
               <a:buNone/>
-              <a:defRPr sz="3810"/>
+              <a:defRPr sz="1500"/>
             </a:lvl7pPr>
             <a:lvl8pPr lvl="7" algn="ctr">
               <a:spcBef>
@@ -2193,7 +2165,7 @@
               </a:spcAft>
               <a:buSzPts val="1500"/>
               <a:buNone/>
-              <a:defRPr sz="3810"/>
+              <a:defRPr sz="1500"/>
             </a:lvl8pPr>
             <a:lvl9pPr lvl="8" algn="ctr">
               <a:spcBef>
@@ -2204,35 +2176,31 @@
               </a:spcAft>
               <a:buSzPts val="1500"/>
               <a:buNone/>
-              <a:defRPr sz="3810"/>
+              <a:defRPr sz="1500"/>
             </a:lvl9pPr>
           </a:lstStyle>
-          <a:p>
-            <a:endParaRPr/>
-          </a:p>
+          <a:p/>
         </p:txBody>
       </p:sp>
       <p:sp>
         <p:nvSpPr>
           <p:cNvPr id="15" name="Google Shape;15;p3"/>
-          <p:cNvSpPr txBox="1">
-            <a:spLocks noGrp="1"/>
-          </p:cNvSpPr>
+          <p:cNvSpPr txBox="1"/>
           <p:nvPr>
-            <p:ph type="sldNum" idx="12"/>
+            <p:ph idx="12" type="sldNum"/>
           </p:nvPr>
         </p:nvSpPr>
         <p:spPr>
           <a:xfrm>
-            <a:off x="6353548" y="8979888"/>
-            <a:ext cx="411428" cy="757714"/>
+            <a:off x="2501710" y="3263844"/>
+            <a:ext cx="162000" cy="275400"/>
           </a:xfrm>
           <a:prstGeom prst="rect">
             <a:avLst/>
           </a:prstGeom>
         </p:spPr>
         <p:txBody>
-          <a:bodyPr spcFirstLastPara="1" wrap="square" lIns="39325" tIns="39325" rIns="39325" bIns="39325" anchor="ctr" anchorCtr="0">
+          <a:bodyPr anchorCtr="0" anchor="ctr" bIns="39325" lIns="39325" spcFirstLastPara="1" rIns="39325" wrap="square" tIns="39325">
             <a:noAutofit/>
           </a:bodyPr>
           <a:lstStyle>
@@ -2274,12 +2242,20 @@
             </a:lvl9pPr>
           </a:lstStyle>
           <a:p>
+            <a:pPr indent="0" lvl="0" marL="0" rtl="0" algn="r">
+              <a:spcBef>
+                <a:spcPts val="0"/>
+              </a:spcBef>
+              <a:spcAft>
+                <a:spcPts val="0"/>
+              </a:spcAft>
+              <a:buNone/>
+            </a:pPr>
             <a:fld id="{00000000-1234-1234-1234-123412341234}" type="slidenum">
-              <a:rPr lang="en-GB" smtClean="0"/>
-              <a:pPr/>
+              <a:rPr lang="en-GB"/>
               <a:t>‹#›</a:t>
             </a:fld>
-            <a:endParaRPr lang="en-GB"/>
+            <a:endParaRPr/>
           </a:p>
         </p:txBody>
       </p:sp>
@@ -2292,11 +2268,11 @@
 </file>
 
 <file path=ppt/slideLayouts/slideLayout3.xml><?xml version="1.0" encoding="utf-8"?>
-<p:sldLayout xmlns:a="http://schemas.openxmlformats.org/drawingml/2006/main" xmlns:r="http://schemas.openxmlformats.org/officeDocument/2006/relationships" xmlns:p="http://schemas.openxmlformats.org/presentationml/2006/main" matchingName="Title and body" type="tx">
+<p:sldLayout xmlns:a="http://schemas.openxmlformats.org/drawingml/2006/main" xmlns:r="http://schemas.openxmlformats.org/officeDocument/2006/relationships" xmlns:mc="http://schemas.openxmlformats.org/markup-compatibility/2006" xmlns:mv="urn:schemas-microsoft-com:mac:vml" xmlns:p="http://schemas.openxmlformats.org/presentationml/2006/main" xmlns:c="http://schemas.openxmlformats.org/drawingml/2006/chart" xmlns:dgm="http://schemas.openxmlformats.org/drawingml/2006/diagram" xmlns:o="urn:schemas-microsoft-com:office:office" xmlns:v="urn:schemas-microsoft-com:vml" xmlns:pvml="urn:schemas-microsoft-com:office:powerpoint" xmlns:com="http://schemas.openxmlformats.org/drawingml/2006/compatibility" xmlns:p14="http://schemas.microsoft.com/office/powerpoint/2010/main" xmlns:p15="http://schemas.microsoft.com/office/powerpoint/2012/main" xmlns:ahyp="http://schemas.microsoft.com/office/drawing/2018/hyperlinkcolor" matchingName="Title and body" type="tx">
   <p:cSld name="TITLE_AND_BODY">
     <p:spTree>
       <p:nvGrpSpPr>
-        <p:cNvPr id="1" name="Shape 16"/>
+        <p:cNvPr id="16" name="Shape 16"/>
         <p:cNvGrpSpPr/>
         <p:nvPr/>
       </p:nvGrpSpPr>
@@ -2311,24 +2287,22 @@
       <p:sp>
         <p:nvSpPr>
           <p:cNvPr id="17" name="Google Shape;17;p4"/>
-          <p:cNvSpPr txBox="1">
-            <a:spLocks noGrp="1"/>
-          </p:cNvSpPr>
+          <p:cNvSpPr txBox="1"/>
           <p:nvPr>
             <p:ph type="title"/>
           </p:nvPr>
         </p:nvSpPr>
         <p:spPr>
           <a:xfrm>
-            <a:off x="233745" y="856979"/>
-            <a:ext cx="6389332" cy="1102730"/>
+            <a:off x="92037" y="311479"/>
+            <a:ext cx="2515800" cy="400800"/>
           </a:xfrm>
           <a:prstGeom prst="rect">
             <a:avLst/>
           </a:prstGeom>
         </p:spPr>
         <p:txBody>
-          <a:bodyPr spcFirstLastPara="1" wrap="square" lIns="39325" tIns="39325" rIns="39325" bIns="39325" anchor="t" anchorCtr="0">
+          <a:bodyPr anchorCtr="0" anchor="t" bIns="39325" lIns="39325" spcFirstLastPara="1" rIns="39325" wrap="square" tIns="39325">
             <a:noAutofit/>
           </a:bodyPr>
           <a:lstStyle>
@@ -2432,36 +2406,32 @@
               <a:defRPr/>
             </a:lvl9pPr>
           </a:lstStyle>
-          <a:p>
-            <a:endParaRPr/>
-          </a:p>
+          <a:p/>
         </p:txBody>
       </p:sp>
       <p:sp>
         <p:nvSpPr>
           <p:cNvPr id="18" name="Google Shape;18;p4"/>
-          <p:cNvSpPr txBox="1">
-            <a:spLocks noGrp="1"/>
-          </p:cNvSpPr>
+          <p:cNvSpPr txBox="1"/>
           <p:nvPr>
-            <p:ph type="body" idx="1"/>
+            <p:ph idx="1" type="body"/>
           </p:nvPr>
         </p:nvSpPr>
         <p:spPr>
           <a:xfrm>
-            <a:off x="233745" y="2219305"/>
-            <a:ext cx="6389332" cy="6579238"/>
+            <a:off x="92037" y="806632"/>
+            <a:ext cx="2515800" cy="2391300"/>
           </a:xfrm>
           <a:prstGeom prst="rect">
             <a:avLst/>
           </a:prstGeom>
         </p:spPr>
         <p:txBody>
-          <a:bodyPr spcFirstLastPara="1" wrap="square" lIns="39325" tIns="39325" rIns="39325" bIns="39325" anchor="t" anchorCtr="0">
+          <a:bodyPr anchorCtr="0" anchor="t" bIns="39325" lIns="39325" spcFirstLastPara="1" rIns="39325" wrap="square" tIns="39325">
             <a:noAutofit/>
           </a:bodyPr>
           <a:lstStyle>
-            <a:lvl1pPr marL="1161151" lvl="0" indent="-709592">
+            <a:lvl1pPr indent="-279400" lvl="0" marL="457200">
               <a:spcBef>
                 <a:spcPts val="0"/>
               </a:spcBef>
@@ -2472,9 +2442,9 @@
               <a:buChar char="●"/>
               <a:defRPr/>
             </a:lvl1pPr>
-            <a:lvl2pPr marL="2322302" lvl="1" indent="-677338">
-              <a:spcBef>
-                <a:spcPts val="1778"/>
+            <a:lvl2pPr indent="-266700" lvl="1" marL="914400">
+              <a:spcBef>
+                <a:spcPts val="700"/>
               </a:spcBef>
               <a:spcAft>
                 <a:spcPts val="0"/>
@@ -2483,9 +2453,9 @@
               <a:buChar char="○"/>
               <a:defRPr/>
             </a:lvl2pPr>
-            <a:lvl3pPr marL="3483453" lvl="2" indent="-677338">
-              <a:spcBef>
-                <a:spcPts val="1778"/>
+            <a:lvl3pPr indent="-266700" lvl="2" marL="1371600">
+              <a:spcBef>
+                <a:spcPts val="700"/>
               </a:spcBef>
               <a:spcAft>
                 <a:spcPts val="0"/>
@@ -2494,9 +2464,9 @@
               <a:buChar char="■"/>
               <a:defRPr/>
             </a:lvl3pPr>
-            <a:lvl4pPr marL="4644603" lvl="3" indent="-677338">
-              <a:spcBef>
-                <a:spcPts val="1778"/>
+            <a:lvl4pPr indent="-266700" lvl="3" marL="1828800">
+              <a:spcBef>
+                <a:spcPts val="700"/>
               </a:spcBef>
               <a:spcAft>
                 <a:spcPts val="0"/>
@@ -2505,9 +2475,9 @@
               <a:buChar char="●"/>
               <a:defRPr/>
             </a:lvl4pPr>
-            <a:lvl5pPr marL="5805754" lvl="4" indent="-677338">
-              <a:spcBef>
-                <a:spcPts val="1778"/>
+            <a:lvl5pPr indent="-266700" lvl="4" marL="2286000">
+              <a:spcBef>
+                <a:spcPts val="700"/>
               </a:spcBef>
               <a:spcAft>
                 <a:spcPts val="0"/>
@@ -2516,9 +2486,9 @@
               <a:buChar char="○"/>
               <a:defRPr/>
             </a:lvl5pPr>
-            <a:lvl6pPr marL="6966905" lvl="5" indent="-677338">
-              <a:spcBef>
-                <a:spcPts val="1778"/>
+            <a:lvl6pPr indent="-266700" lvl="5" marL="2743200">
+              <a:spcBef>
+                <a:spcPts val="700"/>
               </a:spcBef>
               <a:spcAft>
                 <a:spcPts val="0"/>
@@ -2527,9 +2497,9 @@
               <a:buChar char="■"/>
               <a:defRPr/>
             </a:lvl6pPr>
-            <a:lvl7pPr marL="8128056" lvl="6" indent="-677338">
-              <a:spcBef>
-                <a:spcPts val="1778"/>
+            <a:lvl7pPr indent="-266700" lvl="6" marL="3200400">
+              <a:spcBef>
+                <a:spcPts val="700"/>
               </a:spcBef>
               <a:spcAft>
                 <a:spcPts val="0"/>
@@ -2538,9 +2508,9 @@
               <a:buChar char="●"/>
               <a:defRPr/>
             </a:lvl7pPr>
-            <a:lvl8pPr marL="9289207" lvl="7" indent="-677338">
-              <a:spcBef>
-                <a:spcPts val="1778"/>
+            <a:lvl8pPr indent="-266700" lvl="7" marL="3657600">
+              <a:spcBef>
+                <a:spcPts val="700"/>
               </a:spcBef>
               <a:spcAft>
                 <a:spcPts val="0"/>
@@ -2549,44 +2519,40 @@
               <a:buChar char="○"/>
               <a:defRPr/>
             </a:lvl8pPr>
-            <a:lvl9pPr marL="10450358" lvl="8" indent="-677338">
-              <a:spcBef>
-                <a:spcPts val="1778"/>
-              </a:spcBef>
-              <a:spcAft>
-                <a:spcPts val="1778"/>
+            <a:lvl9pPr indent="-266700" lvl="8" marL="4114800">
+              <a:spcBef>
+                <a:spcPts val="700"/>
+              </a:spcBef>
+              <a:spcAft>
+                <a:spcPts val="700"/>
               </a:spcAft>
               <a:buSzPts val="600"/>
               <a:buChar char="■"/>
               <a:defRPr/>
             </a:lvl9pPr>
           </a:lstStyle>
-          <a:p>
-            <a:endParaRPr/>
-          </a:p>
+          <a:p/>
         </p:txBody>
       </p:sp>
       <p:sp>
         <p:nvSpPr>
           <p:cNvPr id="19" name="Google Shape;19;p4"/>
-          <p:cNvSpPr txBox="1">
-            <a:spLocks noGrp="1"/>
-          </p:cNvSpPr>
+          <p:cNvSpPr txBox="1"/>
           <p:nvPr>
-            <p:ph type="sldNum" idx="12"/>
+            <p:ph idx="12" type="sldNum"/>
           </p:nvPr>
         </p:nvSpPr>
         <p:spPr>
           <a:xfrm>
-            <a:off x="6353548" y="8979888"/>
-            <a:ext cx="411428" cy="757714"/>
+            <a:off x="2501710" y="3263844"/>
+            <a:ext cx="162000" cy="275400"/>
           </a:xfrm>
           <a:prstGeom prst="rect">
             <a:avLst/>
           </a:prstGeom>
         </p:spPr>
         <p:txBody>
-          <a:bodyPr spcFirstLastPara="1" wrap="square" lIns="39325" tIns="39325" rIns="39325" bIns="39325" anchor="ctr" anchorCtr="0">
+          <a:bodyPr anchorCtr="0" anchor="ctr" bIns="39325" lIns="39325" spcFirstLastPara="1" rIns="39325" wrap="square" tIns="39325">
             <a:noAutofit/>
           </a:bodyPr>
           <a:lstStyle>
@@ -2628,12 +2594,20 @@
             </a:lvl9pPr>
           </a:lstStyle>
           <a:p>
+            <a:pPr indent="0" lvl="0" marL="0" rtl="0" algn="r">
+              <a:spcBef>
+                <a:spcPts val="0"/>
+              </a:spcBef>
+              <a:spcAft>
+                <a:spcPts val="0"/>
+              </a:spcAft>
+              <a:buNone/>
+            </a:pPr>
             <a:fld id="{00000000-1234-1234-1234-123412341234}" type="slidenum">
-              <a:rPr lang="en-GB" smtClean="0"/>
-              <a:pPr/>
+              <a:rPr lang="en-GB"/>
               <a:t>‹#›</a:t>
             </a:fld>
-            <a:endParaRPr lang="en-GB"/>
+            <a:endParaRPr/>
           </a:p>
         </p:txBody>
       </p:sp>
@@ -2646,11 +2620,11 @@
 </file>
 
 <file path=ppt/slideLayouts/slideLayout4.xml><?xml version="1.0" encoding="utf-8"?>
-<p:sldLayout xmlns:a="http://schemas.openxmlformats.org/drawingml/2006/main" xmlns:r="http://schemas.openxmlformats.org/officeDocument/2006/relationships" xmlns:p="http://schemas.openxmlformats.org/presentationml/2006/main" matchingName="Title and two columns" type="twoColTx">
+<p:sldLayout xmlns:a="http://schemas.openxmlformats.org/drawingml/2006/main" xmlns:r="http://schemas.openxmlformats.org/officeDocument/2006/relationships" xmlns:mc="http://schemas.openxmlformats.org/markup-compatibility/2006" xmlns:mv="urn:schemas-microsoft-com:mac:vml" xmlns:p="http://schemas.openxmlformats.org/presentationml/2006/main" xmlns:c="http://schemas.openxmlformats.org/drawingml/2006/chart" xmlns:dgm="http://schemas.openxmlformats.org/drawingml/2006/diagram" xmlns:o="urn:schemas-microsoft-com:office:office" xmlns:v="urn:schemas-microsoft-com:vml" xmlns:pvml="urn:schemas-microsoft-com:office:powerpoint" xmlns:com="http://schemas.openxmlformats.org/drawingml/2006/compatibility" xmlns:p14="http://schemas.microsoft.com/office/powerpoint/2010/main" xmlns:p15="http://schemas.microsoft.com/office/powerpoint/2012/main" xmlns:ahyp="http://schemas.microsoft.com/office/drawing/2018/hyperlinkcolor" matchingName="Title and two columns" type="twoColTx">
   <p:cSld name="TITLE_AND_TWO_COLUMNS">
     <p:spTree>
       <p:nvGrpSpPr>
-        <p:cNvPr id="1" name="Shape 20"/>
+        <p:cNvPr id="20" name="Shape 20"/>
         <p:cNvGrpSpPr/>
         <p:nvPr/>
       </p:nvGrpSpPr>
@@ -2665,24 +2639,22 @@
       <p:sp>
         <p:nvSpPr>
           <p:cNvPr id="21" name="Google Shape;21;p5"/>
-          <p:cNvSpPr txBox="1">
-            <a:spLocks noGrp="1"/>
-          </p:cNvSpPr>
+          <p:cNvSpPr txBox="1"/>
           <p:nvPr>
             <p:ph type="title"/>
           </p:nvPr>
         </p:nvSpPr>
         <p:spPr>
           <a:xfrm>
-            <a:off x="233745" y="856979"/>
-            <a:ext cx="6389332" cy="1102730"/>
+            <a:off x="92037" y="311479"/>
+            <a:ext cx="2515800" cy="400800"/>
           </a:xfrm>
           <a:prstGeom prst="rect">
             <a:avLst/>
           </a:prstGeom>
         </p:spPr>
         <p:txBody>
-          <a:bodyPr spcFirstLastPara="1" wrap="square" lIns="39325" tIns="39325" rIns="39325" bIns="39325" anchor="t" anchorCtr="0">
+          <a:bodyPr anchorCtr="0" anchor="t" bIns="39325" lIns="39325" spcFirstLastPara="1" rIns="39325" wrap="square" tIns="39325">
             <a:noAutofit/>
           </a:bodyPr>
           <a:lstStyle>
@@ -2786,36 +2758,32 @@
               <a:defRPr/>
             </a:lvl9pPr>
           </a:lstStyle>
-          <a:p>
-            <a:endParaRPr/>
-          </a:p>
+          <a:p/>
         </p:txBody>
       </p:sp>
       <p:sp>
         <p:nvSpPr>
           <p:cNvPr id="22" name="Google Shape;22;p5"/>
-          <p:cNvSpPr txBox="1">
-            <a:spLocks noGrp="1"/>
-          </p:cNvSpPr>
+          <p:cNvSpPr txBox="1"/>
           <p:nvPr>
-            <p:ph type="body" idx="1"/>
+            <p:ph idx="1" type="body"/>
           </p:nvPr>
         </p:nvSpPr>
         <p:spPr>
           <a:xfrm>
-            <a:off x="233745" y="2219305"/>
-            <a:ext cx="2999618" cy="6579238"/>
+            <a:off x="92037" y="806632"/>
+            <a:ext cx="1181100" cy="2391300"/>
           </a:xfrm>
           <a:prstGeom prst="rect">
             <a:avLst/>
           </a:prstGeom>
         </p:spPr>
         <p:txBody>
-          <a:bodyPr spcFirstLastPara="1" wrap="square" lIns="39325" tIns="39325" rIns="39325" bIns="39325" anchor="t" anchorCtr="0">
+          <a:bodyPr anchorCtr="0" anchor="t" bIns="39325" lIns="39325" spcFirstLastPara="1" rIns="39325" wrap="square" tIns="39325">
             <a:noAutofit/>
           </a:bodyPr>
           <a:lstStyle>
-            <a:lvl1pPr marL="1161151" lvl="0" indent="-677338">
+            <a:lvl1pPr indent="-266700" lvl="0" marL="457200">
               <a:spcBef>
                 <a:spcPts val="0"/>
               </a:spcBef>
@@ -2824,127 +2792,123 @@
               </a:spcAft>
               <a:buSzPts val="600"/>
               <a:buChar char="●"/>
-              <a:defRPr sz="1524"/>
+              <a:defRPr sz="600"/>
             </a:lvl1pPr>
-            <a:lvl2pPr marL="2322302" lvl="1" indent="-661211">
-              <a:spcBef>
-                <a:spcPts val="1778"/>
+            <a:lvl2pPr indent="-260350" lvl="1" marL="914400">
+              <a:spcBef>
+                <a:spcPts val="700"/>
               </a:spcBef>
               <a:spcAft>
                 <a:spcPts val="0"/>
               </a:spcAft>
               <a:buSzPts val="500"/>
               <a:buChar char="○"/>
-              <a:defRPr sz="1270"/>
+              <a:defRPr sz="500"/>
             </a:lvl2pPr>
-            <a:lvl3pPr marL="3483453" lvl="2" indent="-661211">
-              <a:spcBef>
-                <a:spcPts val="1778"/>
+            <a:lvl3pPr indent="-260350" lvl="2" marL="1371600">
+              <a:spcBef>
+                <a:spcPts val="700"/>
               </a:spcBef>
               <a:spcAft>
                 <a:spcPts val="0"/>
               </a:spcAft>
               <a:buSzPts val="500"/>
               <a:buChar char="■"/>
-              <a:defRPr sz="1270"/>
+              <a:defRPr sz="500"/>
             </a:lvl3pPr>
-            <a:lvl4pPr marL="4644603" lvl="3" indent="-661211">
-              <a:spcBef>
-                <a:spcPts val="1778"/>
+            <a:lvl4pPr indent="-260350" lvl="3" marL="1828800">
+              <a:spcBef>
+                <a:spcPts val="700"/>
               </a:spcBef>
               <a:spcAft>
                 <a:spcPts val="0"/>
               </a:spcAft>
               <a:buSzPts val="500"/>
               <a:buChar char="●"/>
-              <a:defRPr sz="1270"/>
+              <a:defRPr sz="500"/>
             </a:lvl4pPr>
-            <a:lvl5pPr marL="5805754" lvl="4" indent="-661211">
-              <a:spcBef>
-                <a:spcPts val="1778"/>
+            <a:lvl5pPr indent="-260350" lvl="4" marL="2286000">
+              <a:spcBef>
+                <a:spcPts val="700"/>
               </a:spcBef>
               <a:spcAft>
                 <a:spcPts val="0"/>
               </a:spcAft>
               <a:buSzPts val="500"/>
               <a:buChar char="○"/>
-              <a:defRPr sz="1270"/>
+              <a:defRPr sz="500"/>
             </a:lvl5pPr>
-            <a:lvl6pPr marL="6966905" lvl="5" indent="-661211">
-              <a:spcBef>
-                <a:spcPts val="1778"/>
+            <a:lvl6pPr indent="-260350" lvl="5" marL="2743200">
+              <a:spcBef>
+                <a:spcPts val="700"/>
               </a:spcBef>
               <a:spcAft>
                 <a:spcPts val="0"/>
               </a:spcAft>
               <a:buSzPts val="500"/>
               <a:buChar char="■"/>
-              <a:defRPr sz="1270"/>
+              <a:defRPr sz="500"/>
             </a:lvl6pPr>
-            <a:lvl7pPr marL="8128056" lvl="6" indent="-661211">
-              <a:spcBef>
-                <a:spcPts val="1778"/>
+            <a:lvl7pPr indent="-260350" lvl="6" marL="3200400">
+              <a:spcBef>
+                <a:spcPts val="700"/>
               </a:spcBef>
               <a:spcAft>
                 <a:spcPts val="0"/>
               </a:spcAft>
               <a:buSzPts val="500"/>
               <a:buChar char="●"/>
-              <a:defRPr sz="1270"/>
+              <a:defRPr sz="500"/>
             </a:lvl7pPr>
-            <a:lvl8pPr marL="9289207" lvl="7" indent="-661211">
-              <a:spcBef>
-                <a:spcPts val="1778"/>
+            <a:lvl8pPr indent="-260350" lvl="7" marL="3657600">
+              <a:spcBef>
+                <a:spcPts val="700"/>
               </a:spcBef>
               <a:spcAft>
                 <a:spcPts val="0"/>
               </a:spcAft>
               <a:buSzPts val="500"/>
               <a:buChar char="○"/>
-              <a:defRPr sz="1270"/>
+              <a:defRPr sz="500"/>
             </a:lvl8pPr>
-            <a:lvl9pPr marL="10450358" lvl="8" indent="-661211">
-              <a:spcBef>
-                <a:spcPts val="1778"/>
-              </a:spcBef>
-              <a:spcAft>
-                <a:spcPts val="1778"/>
+            <a:lvl9pPr indent="-260350" lvl="8" marL="4114800">
+              <a:spcBef>
+                <a:spcPts val="700"/>
+              </a:spcBef>
+              <a:spcAft>
+                <a:spcPts val="700"/>
               </a:spcAft>
               <a:buSzPts val="500"/>
               <a:buChar char="■"/>
-              <a:defRPr sz="1270"/>
+              <a:defRPr sz="500"/>
             </a:lvl9pPr>
           </a:lstStyle>
-          <a:p>
-            <a:endParaRPr/>
-          </a:p>
+          <a:p/>
         </p:txBody>
       </p:sp>
       <p:sp>
         <p:nvSpPr>
           <p:cNvPr id="23" name="Google Shape;23;p5"/>
-          <p:cNvSpPr txBox="1">
-            <a:spLocks noGrp="1"/>
-          </p:cNvSpPr>
+          <p:cNvSpPr txBox="1"/>
           <p:nvPr>
-            <p:ph type="body" idx="2"/>
+            <p:ph idx="2" type="body"/>
           </p:nvPr>
         </p:nvSpPr>
         <p:spPr>
           <a:xfrm>
-            <a:off x="3623847" y="2219305"/>
-            <a:ext cx="2999618" cy="6579238"/>
+            <a:off x="1426890" y="806632"/>
+            <a:ext cx="1181100" cy="2391300"/>
           </a:xfrm>
           <a:prstGeom prst="rect">
             <a:avLst/>
           </a:prstGeom>
         </p:spPr>
         <p:txBody>
-          <a:bodyPr spcFirstLastPara="1" wrap="square" lIns="39325" tIns="39325" rIns="39325" bIns="39325" anchor="t" anchorCtr="0">
+          <a:bodyPr anchorCtr="0" anchor="t" bIns="39325" lIns="39325" spcFirstLastPara="1" rIns="39325" wrap="square" tIns="39325">
             <a:noAutofit/>
           </a:bodyPr>
           <a:lstStyle>
-            <a:lvl1pPr marL="1161151" lvl="0" indent="-677338">
+            <a:lvl1pPr indent="-266700" lvl="0" marL="457200">
               <a:spcBef>
                 <a:spcPts val="0"/>
               </a:spcBef>
@@ -2953,123 +2917,119 @@
               </a:spcAft>
               <a:buSzPts val="600"/>
               <a:buChar char="●"/>
-              <a:defRPr sz="1524"/>
+              <a:defRPr sz="600"/>
             </a:lvl1pPr>
-            <a:lvl2pPr marL="2322302" lvl="1" indent="-661211">
-              <a:spcBef>
-                <a:spcPts val="1778"/>
+            <a:lvl2pPr indent="-260350" lvl="1" marL="914400">
+              <a:spcBef>
+                <a:spcPts val="700"/>
               </a:spcBef>
               <a:spcAft>
                 <a:spcPts val="0"/>
               </a:spcAft>
               <a:buSzPts val="500"/>
               <a:buChar char="○"/>
-              <a:defRPr sz="1270"/>
+              <a:defRPr sz="500"/>
             </a:lvl2pPr>
-            <a:lvl3pPr marL="3483453" lvl="2" indent="-661211">
-              <a:spcBef>
-                <a:spcPts val="1778"/>
+            <a:lvl3pPr indent="-260350" lvl="2" marL="1371600">
+              <a:spcBef>
+                <a:spcPts val="700"/>
               </a:spcBef>
               <a:spcAft>
                 <a:spcPts val="0"/>
               </a:spcAft>
               <a:buSzPts val="500"/>
               <a:buChar char="■"/>
-              <a:defRPr sz="1270"/>
+              <a:defRPr sz="500"/>
             </a:lvl3pPr>
-            <a:lvl4pPr marL="4644603" lvl="3" indent="-661211">
-              <a:spcBef>
-                <a:spcPts val="1778"/>
+            <a:lvl4pPr indent="-260350" lvl="3" marL="1828800">
+              <a:spcBef>
+                <a:spcPts val="700"/>
               </a:spcBef>
               <a:spcAft>
                 <a:spcPts val="0"/>
               </a:spcAft>
               <a:buSzPts val="500"/>
               <a:buChar char="●"/>
-              <a:defRPr sz="1270"/>
+              <a:defRPr sz="500"/>
             </a:lvl4pPr>
-            <a:lvl5pPr marL="5805754" lvl="4" indent="-661211">
-              <a:spcBef>
-                <a:spcPts val="1778"/>
+            <a:lvl5pPr indent="-260350" lvl="4" marL="2286000">
+              <a:spcBef>
+                <a:spcPts val="700"/>
               </a:spcBef>
               <a:spcAft>
                 <a:spcPts val="0"/>
               </a:spcAft>
               <a:buSzPts val="500"/>
               <a:buChar char="○"/>
-              <a:defRPr sz="1270"/>
+              <a:defRPr sz="500"/>
             </a:lvl5pPr>
-            <a:lvl6pPr marL="6966905" lvl="5" indent="-661211">
-              <a:spcBef>
-                <a:spcPts val="1778"/>
+            <a:lvl6pPr indent="-260350" lvl="5" marL="2743200">
+              <a:spcBef>
+                <a:spcPts val="700"/>
               </a:spcBef>
               <a:spcAft>
                 <a:spcPts val="0"/>
               </a:spcAft>
               <a:buSzPts val="500"/>
               <a:buChar char="■"/>
-              <a:defRPr sz="1270"/>
+              <a:defRPr sz="500"/>
             </a:lvl6pPr>
-            <a:lvl7pPr marL="8128056" lvl="6" indent="-661211">
-              <a:spcBef>
-                <a:spcPts val="1778"/>
+            <a:lvl7pPr indent="-260350" lvl="6" marL="3200400">
+              <a:spcBef>
+                <a:spcPts val="700"/>
               </a:spcBef>
               <a:spcAft>
                 <a:spcPts val="0"/>
               </a:spcAft>
               <a:buSzPts val="500"/>
               <a:buChar char="●"/>
-              <a:defRPr sz="1270"/>
+              <a:defRPr sz="500"/>
             </a:lvl7pPr>
-            <a:lvl8pPr marL="9289207" lvl="7" indent="-661211">
-              <a:spcBef>
-                <a:spcPts val="1778"/>
+            <a:lvl8pPr indent="-260350" lvl="7" marL="3657600">
+              <a:spcBef>
+                <a:spcPts val="700"/>
               </a:spcBef>
               <a:spcAft>
                 <a:spcPts val="0"/>
               </a:spcAft>
               <a:buSzPts val="500"/>
               <a:buChar char="○"/>
-              <a:defRPr sz="1270"/>
+              <a:defRPr sz="500"/>
             </a:lvl8pPr>
-            <a:lvl9pPr marL="10450358" lvl="8" indent="-661211">
-              <a:spcBef>
-                <a:spcPts val="1778"/>
-              </a:spcBef>
-              <a:spcAft>
-                <a:spcPts val="1778"/>
+            <a:lvl9pPr indent="-260350" lvl="8" marL="4114800">
+              <a:spcBef>
+                <a:spcPts val="700"/>
+              </a:spcBef>
+              <a:spcAft>
+                <a:spcPts val="700"/>
               </a:spcAft>
               <a:buSzPts val="500"/>
               <a:buChar char="■"/>
-              <a:defRPr sz="1270"/>
+              <a:defRPr sz="500"/>
             </a:lvl9pPr>
           </a:lstStyle>
-          <a:p>
-            <a:endParaRPr/>
-          </a:p>
+          <a:p/>
         </p:txBody>
       </p:sp>
       <p:sp>
         <p:nvSpPr>
           <p:cNvPr id="24" name="Google Shape;24;p5"/>
-          <p:cNvSpPr txBox="1">
-            <a:spLocks noGrp="1"/>
-          </p:cNvSpPr>
+          <p:cNvSpPr txBox="1"/>
           <p:nvPr>
-            <p:ph type="sldNum" idx="12"/>
+            <p:ph idx="12" type="sldNum"/>
           </p:nvPr>
         </p:nvSpPr>
         <p:spPr>
           <a:xfrm>
-            <a:off x="6353548" y="8979888"/>
-            <a:ext cx="411428" cy="757714"/>
+            <a:off x="2501710" y="3263844"/>
+            <a:ext cx="162000" cy="275400"/>
           </a:xfrm>
           <a:prstGeom prst="rect">
             <a:avLst/>
           </a:prstGeom>
         </p:spPr>
         <p:txBody>
-          <a:bodyPr spcFirstLastPara="1" wrap="square" lIns="39325" tIns="39325" rIns="39325" bIns="39325" anchor="ctr" anchorCtr="0">
+          <a:bodyPr anchorCtr="0" anchor="ctr" bIns="39325" lIns="39325" spcFirstLastPara="1" rIns="39325" wrap="square" tIns="39325">
             <a:noAutofit/>
           </a:bodyPr>
           <a:lstStyle>
@@ -3111,12 +3071,20 @@
             </a:lvl9pPr>
           </a:lstStyle>
           <a:p>
+            <a:pPr indent="0" lvl="0" marL="0" rtl="0" algn="r">
+              <a:spcBef>
+                <a:spcPts val="0"/>
+              </a:spcBef>
+              <a:spcAft>
+                <a:spcPts val="0"/>
+              </a:spcAft>
+              <a:buNone/>
+            </a:pPr>
             <a:fld id="{00000000-1234-1234-1234-123412341234}" type="slidenum">
-              <a:rPr lang="en-GB" smtClean="0"/>
-              <a:pPr/>
+              <a:rPr lang="en-GB"/>
               <a:t>‹#›</a:t>
             </a:fld>
-            <a:endParaRPr lang="en-GB"/>
+            <a:endParaRPr/>
           </a:p>
         </p:txBody>
       </p:sp>
@@ -3129,11 +3097,11 @@
 </file>
 
 <file path=ppt/slideLayouts/slideLayout5.xml><?xml version="1.0" encoding="utf-8"?>
-<p:sldLayout xmlns:a="http://schemas.openxmlformats.org/drawingml/2006/main" xmlns:r="http://schemas.openxmlformats.org/officeDocument/2006/relationships" xmlns:p="http://schemas.openxmlformats.org/presentationml/2006/main" matchingName="Title only" type="titleOnly">
+<p:sldLayout xmlns:a="http://schemas.openxmlformats.org/drawingml/2006/main" xmlns:r="http://schemas.openxmlformats.org/officeDocument/2006/relationships" xmlns:mc="http://schemas.openxmlformats.org/markup-compatibility/2006" xmlns:mv="urn:schemas-microsoft-com:mac:vml" xmlns:p="http://schemas.openxmlformats.org/presentationml/2006/main" xmlns:c="http://schemas.openxmlformats.org/drawingml/2006/chart" xmlns:dgm="http://schemas.openxmlformats.org/drawingml/2006/diagram" xmlns:o="urn:schemas-microsoft-com:office:office" xmlns:v="urn:schemas-microsoft-com:vml" xmlns:pvml="urn:schemas-microsoft-com:office:powerpoint" xmlns:com="http://schemas.openxmlformats.org/drawingml/2006/compatibility" xmlns:p14="http://schemas.microsoft.com/office/powerpoint/2010/main" xmlns:p15="http://schemas.microsoft.com/office/powerpoint/2012/main" xmlns:ahyp="http://schemas.microsoft.com/office/drawing/2018/hyperlinkcolor" matchingName="Title only" type="titleOnly">
   <p:cSld name="TITLE_ONLY">
     <p:spTree>
       <p:nvGrpSpPr>
-        <p:cNvPr id="1" name="Shape 25"/>
+        <p:cNvPr id="25" name="Shape 25"/>
         <p:cNvGrpSpPr/>
         <p:nvPr/>
       </p:nvGrpSpPr>
@@ -3148,24 +3116,22 @@
       <p:sp>
         <p:nvSpPr>
           <p:cNvPr id="26" name="Google Shape;26;p6"/>
-          <p:cNvSpPr txBox="1">
-            <a:spLocks noGrp="1"/>
-          </p:cNvSpPr>
+          <p:cNvSpPr txBox="1"/>
           <p:nvPr>
             <p:ph type="title"/>
           </p:nvPr>
         </p:nvSpPr>
         <p:spPr>
           <a:xfrm>
-            <a:off x="233745" y="856979"/>
-            <a:ext cx="6389332" cy="1102730"/>
+            <a:off x="92037" y="311479"/>
+            <a:ext cx="2515800" cy="400800"/>
           </a:xfrm>
           <a:prstGeom prst="rect">
             <a:avLst/>
           </a:prstGeom>
         </p:spPr>
         <p:txBody>
-          <a:bodyPr spcFirstLastPara="1" wrap="square" lIns="39325" tIns="39325" rIns="39325" bIns="39325" anchor="t" anchorCtr="0">
+          <a:bodyPr anchorCtr="0" anchor="t" bIns="39325" lIns="39325" spcFirstLastPara="1" rIns="39325" wrap="square" tIns="39325">
             <a:noAutofit/>
           </a:bodyPr>
           <a:lstStyle>
@@ -3269,32 +3235,28 @@
               <a:defRPr/>
             </a:lvl9pPr>
           </a:lstStyle>
-          <a:p>
-            <a:endParaRPr/>
-          </a:p>
+          <a:p/>
         </p:txBody>
       </p:sp>
       <p:sp>
         <p:nvSpPr>
           <p:cNvPr id="27" name="Google Shape;27;p6"/>
-          <p:cNvSpPr txBox="1">
-            <a:spLocks noGrp="1"/>
-          </p:cNvSpPr>
+          <p:cNvSpPr txBox="1"/>
           <p:nvPr>
-            <p:ph type="sldNum" idx="12"/>
+            <p:ph idx="12" type="sldNum"/>
           </p:nvPr>
         </p:nvSpPr>
         <p:spPr>
           <a:xfrm>
-            <a:off x="6353548" y="8979888"/>
-            <a:ext cx="411428" cy="757714"/>
+            <a:off x="2501710" y="3263844"/>
+            <a:ext cx="162000" cy="275400"/>
           </a:xfrm>
           <a:prstGeom prst="rect">
             <a:avLst/>
           </a:prstGeom>
         </p:spPr>
         <p:txBody>
-          <a:bodyPr spcFirstLastPara="1" wrap="square" lIns="39325" tIns="39325" rIns="39325" bIns="39325" anchor="ctr" anchorCtr="0">
+          <a:bodyPr anchorCtr="0" anchor="ctr" bIns="39325" lIns="39325" spcFirstLastPara="1" rIns="39325" wrap="square" tIns="39325">
             <a:noAutofit/>
           </a:bodyPr>
           <a:lstStyle>
@@ -3336,12 +3298,20 @@
             </a:lvl9pPr>
           </a:lstStyle>
           <a:p>
+            <a:pPr indent="0" lvl="0" marL="0" rtl="0" algn="r">
+              <a:spcBef>
+                <a:spcPts val="0"/>
+              </a:spcBef>
+              <a:spcAft>
+                <a:spcPts val="0"/>
+              </a:spcAft>
+              <a:buNone/>
+            </a:pPr>
             <a:fld id="{00000000-1234-1234-1234-123412341234}" type="slidenum">
-              <a:rPr lang="en-GB" smtClean="0"/>
-              <a:pPr/>
+              <a:rPr lang="en-GB"/>
               <a:t>‹#›</a:t>
             </a:fld>
-            <a:endParaRPr lang="en-GB"/>
+            <a:endParaRPr/>
           </a:p>
         </p:txBody>
       </p:sp>
@@ -3354,11 +3324,11 @@
 </file>
 
 <file path=ppt/slideLayouts/slideLayout6.xml><?xml version="1.0" encoding="utf-8"?>
-<p:sldLayout xmlns:a="http://schemas.openxmlformats.org/drawingml/2006/main" xmlns:r="http://schemas.openxmlformats.org/officeDocument/2006/relationships" xmlns:p="http://schemas.openxmlformats.org/presentationml/2006/main" matchingName="One column text">
+<p:sldLayout xmlns:a="http://schemas.openxmlformats.org/drawingml/2006/main" xmlns:r="http://schemas.openxmlformats.org/officeDocument/2006/relationships" xmlns:mc="http://schemas.openxmlformats.org/markup-compatibility/2006" xmlns:mv="urn:schemas-microsoft-com:mac:vml" xmlns:p="http://schemas.openxmlformats.org/presentationml/2006/main" xmlns:c="http://schemas.openxmlformats.org/drawingml/2006/chart" xmlns:dgm="http://schemas.openxmlformats.org/drawingml/2006/diagram" xmlns:o="urn:schemas-microsoft-com:office:office" xmlns:v="urn:schemas-microsoft-com:vml" xmlns:pvml="urn:schemas-microsoft-com:office:powerpoint" xmlns:com="http://schemas.openxmlformats.org/drawingml/2006/compatibility" xmlns:p14="http://schemas.microsoft.com/office/powerpoint/2010/main" xmlns:p15="http://schemas.microsoft.com/office/powerpoint/2012/main" xmlns:ahyp="http://schemas.microsoft.com/office/drawing/2018/hyperlinkcolor" matchingName="One column text">
   <p:cSld name="ONE_COLUMN_TEXT">
     <p:spTree>
       <p:nvGrpSpPr>
-        <p:cNvPr id="1" name="Shape 28"/>
+        <p:cNvPr id="28" name="Shape 28"/>
         <p:cNvGrpSpPr/>
         <p:nvPr/>
       </p:nvGrpSpPr>
@@ -3373,24 +3343,22 @@
       <p:sp>
         <p:nvSpPr>
           <p:cNvPr id="29" name="Google Shape;29;p7"/>
-          <p:cNvSpPr txBox="1">
-            <a:spLocks noGrp="1"/>
-          </p:cNvSpPr>
+          <p:cNvSpPr txBox="1"/>
           <p:nvPr>
             <p:ph type="title"/>
           </p:nvPr>
         </p:nvSpPr>
         <p:spPr>
           <a:xfrm>
-            <a:off x="233745" y="1069909"/>
-            <a:ext cx="2105904" cy="1455175"/>
+            <a:off x="92037" y="388871"/>
+            <a:ext cx="829200" cy="528900"/>
           </a:xfrm>
           <a:prstGeom prst="rect">
             <a:avLst/>
           </a:prstGeom>
         </p:spPr>
         <p:txBody>
-          <a:bodyPr spcFirstLastPara="1" wrap="square" lIns="39325" tIns="39325" rIns="39325" bIns="39325" anchor="b" anchorCtr="0">
+          <a:bodyPr anchorCtr="0" anchor="b" bIns="39325" lIns="39325" spcFirstLastPara="1" rIns="39325" wrap="square" tIns="39325">
             <a:noAutofit/>
           </a:bodyPr>
           <a:lstStyle>
@@ -3403,7 +3371,7 @@
               </a:spcAft>
               <a:buSzPts val="1000"/>
               <a:buNone/>
-              <a:defRPr sz="2540"/>
+              <a:defRPr sz="1000"/>
             </a:lvl1pPr>
             <a:lvl2pPr lvl="1">
               <a:spcBef>
@@ -3414,7 +3382,7 @@
               </a:spcAft>
               <a:buSzPts val="1000"/>
               <a:buNone/>
-              <a:defRPr sz="2540"/>
+              <a:defRPr sz="1000"/>
             </a:lvl2pPr>
             <a:lvl3pPr lvl="2">
               <a:spcBef>
@@ -3425,7 +3393,7 @@
               </a:spcAft>
               <a:buSzPts val="1000"/>
               <a:buNone/>
-              <a:defRPr sz="2540"/>
+              <a:defRPr sz="1000"/>
             </a:lvl3pPr>
             <a:lvl4pPr lvl="3">
               <a:spcBef>
@@ -3436,7 +3404,7 @@
               </a:spcAft>
               <a:buSzPts val="1000"/>
               <a:buNone/>
-              <a:defRPr sz="2540"/>
+              <a:defRPr sz="1000"/>
             </a:lvl4pPr>
             <a:lvl5pPr lvl="4">
               <a:spcBef>
@@ -3447,7 +3415,7 @@
               </a:spcAft>
               <a:buSzPts val="1000"/>
               <a:buNone/>
-              <a:defRPr sz="2540"/>
+              <a:defRPr sz="1000"/>
             </a:lvl5pPr>
             <a:lvl6pPr lvl="5">
               <a:spcBef>
@@ -3458,7 +3426,7 @@
               </a:spcAft>
               <a:buSzPts val="1000"/>
               <a:buNone/>
-              <a:defRPr sz="2540"/>
+              <a:defRPr sz="1000"/>
             </a:lvl6pPr>
             <a:lvl7pPr lvl="6">
               <a:spcBef>
@@ -3469,7 +3437,7 @@
               </a:spcAft>
               <a:buSzPts val="1000"/>
               <a:buNone/>
-              <a:defRPr sz="2540"/>
+              <a:defRPr sz="1000"/>
             </a:lvl7pPr>
             <a:lvl8pPr lvl="7">
               <a:spcBef>
@@ -3480,7 +3448,7 @@
               </a:spcAft>
               <a:buSzPts val="1000"/>
               <a:buNone/>
-              <a:defRPr sz="2540"/>
+              <a:defRPr sz="1000"/>
             </a:lvl8pPr>
             <a:lvl9pPr lvl="8">
               <a:spcBef>
@@ -3491,39 +3459,35 @@
               </a:spcAft>
               <a:buSzPts val="1000"/>
               <a:buNone/>
-              <a:defRPr sz="2540"/>
+              <a:defRPr sz="1000"/>
             </a:lvl9pPr>
           </a:lstStyle>
-          <a:p>
-            <a:endParaRPr/>
-          </a:p>
+          <a:p/>
         </p:txBody>
       </p:sp>
       <p:sp>
         <p:nvSpPr>
           <p:cNvPr id="30" name="Google Shape;30;p7"/>
-          <p:cNvSpPr txBox="1">
-            <a:spLocks noGrp="1"/>
-          </p:cNvSpPr>
+          <p:cNvSpPr txBox="1"/>
           <p:nvPr>
-            <p:ph type="body" idx="1"/>
+            <p:ph idx="1" type="body"/>
           </p:nvPr>
         </p:nvSpPr>
         <p:spPr>
           <a:xfrm>
-            <a:off x="233745" y="2675931"/>
-            <a:ext cx="2105904" cy="6122794"/>
+            <a:off x="92037" y="972598"/>
+            <a:ext cx="829200" cy="2225400"/>
           </a:xfrm>
           <a:prstGeom prst="rect">
             <a:avLst/>
           </a:prstGeom>
         </p:spPr>
         <p:txBody>
-          <a:bodyPr spcFirstLastPara="1" wrap="square" lIns="39325" tIns="39325" rIns="39325" bIns="39325" anchor="t" anchorCtr="0">
+          <a:bodyPr anchorCtr="0" anchor="t" bIns="39325" lIns="39325" spcFirstLastPara="1" rIns="39325" wrap="square" tIns="39325">
             <a:noAutofit/>
           </a:bodyPr>
           <a:lstStyle>
-            <a:lvl1pPr marL="1161151" lvl="0" indent="-661211">
+            <a:lvl1pPr indent="-260350" lvl="0" marL="457200">
               <a:spcBef>
                 <a:spcPts val="0"/>
               </a:spcBef>
@@ -3532,123 +3496,119 @@
               </a:spcAft>
               <a:buSzPts val="500"/>
               <a:buChar char="●"/>
-              <a:defRPr sz="1270"/>
+              <a:defRPr sz="500"/>
             </a:lvl1pPr>
-            <a:lvl2pPr marL="2322302" lvl="1" indent="-661211">
-              <a:spcBef>
-                <a:spcPts val="1778"/>
+            <a:lvl2pPr indent="-260350" lvl="1" marL="914400">
+              <a:spcBef>
+                <a:spcPts val="700"/>
               </a:spcBef>
               <a:spcAft>
                 <a:spcPts val="0"/>
               </a:spcAft>
               <a:buSzPts val="500"/>
               <a:buChar char="○"/>
-              <a:defRPr sz="1270"/>
+              <a:defRPr sz="500"/>
             </a:lvl2pPr>
-            <a:lvl3pPr marL="3483453" lvl="2" indent="-661211">
-              <a:spcBef>
-                <a:spcPts val="1778"/>
+            <a:lvl3pPr indent="-260350" lvl="2" marL="1371600">
+              <a:spcBef>
+                <a:spcPts val="700"/>
               </a:spcBef>
               <a:spcAft>
                 <a:spcPts val="0"/>
               </a:spcAft>
               <a:buSzPts val="500"/>
               <a:buChar char="■"/>
-              <a:defRPr sz="1270"/>
+              <a:defRPr sz="500"/>
             </a:lvl3pPr>
-            <a:lvl4pPr marL="4644603" lvl="3" indent="-661211">
-              <a:spcBef>
-                <a:spcPts val="1778"/>
+            <a:lvl4pPr indent="-260350" lvl="3" marL="1828800">
+              <a:spcBef>
+                <a:spcPts val="700"/>
               </a:spcBef>
               <a:spcAft>
                 <a:spcPts val="0"/>
               </a:spcAft>
               <a:buSzPts val="500"/>
               <a:buChar char="●"/>
-              <a:defRPr sz="1270"/>
+              <a:defRPr sz="500"/>
             </a:lvl4pPr>
-            <a:lvl5pPr marL="5805754" lvl="4" indent="-661211">
-              <a:spcBef>
-                <a:spcPts val="1778"/>
+            <a:lvl5pPr indent="-260350" lvl="4" marL="2286000">
+              <a:spcBef>
+                <a:spcPts val="700"/>
               </a:spcBef>
               <a:spcAft>
                 <a:spcPts val="0"/>
               </a:spcAft>
               <a:buSzPts val="500"/>
               <a:buChar char="○"/>
-              <a:defRPr sz="1270"/>
+              <a:defRPr sz="500"/>
             </a:lvl5pPr>
-            <a:lvl6pPr marL="6966905" lvl="5" indent="-661211">
-              <a:spcBef>
-                <a:spcPts val="1778"/>
+            <a:lvl6pPr indent="-260350" lvl="5" marL="2743200">
+              <a:spcBef>
+                <a:spcPts val="700"/>
               </a:spcBef>
               <a:spcAft>
                 <a:spcPts val="0"/>
               </a:spcAft>
               <a:buSzPts val="500"/>
               <a:buChar char="■"/>
-              <a:defRPr sz="1270"/>
+              <a:defRPr sz="500"/>
             </a:lvl6pPr>
-            <a:lvl7pPr marL="8128056" lvl="6" indent="-661211">
-              <a:spcBef>
-                <a:spcPts val="1778"/>
+            <a:lvl7pPr indent="-260350" lvl="6" marL="3200400">
+              <a:spcBef>
+                <a:spcPts val="700"/>
               </a:spcBef>
               <a:spcAft>
                 <a:spcPts val="0"/>
               </a:spcAft>
               <a:buSzPts val="500"/>
               <a:buChar char="●"/>
-              <a:defRPr sz="1270"/>
+              <a:defRPr sz="500"/>
             </a:lvl7pPr>
-            <a:lvl8pPr marL="9289207" lvl="7" indent="-661211">
-              <a:spcBef>
-                <a:spcPts val="1778"/>
+            <a:lvl8pPr indent="-260350" lvl="7" marL="3657600">
+              <a:spcBef>
+                <a:spcPts val="700"/>
               </a:spcBef>
               <a:spcAft>
                 <a:spcPts val="0"/>
               </a:spcAft>
               <a:buSzPts val="500"/>
               <a:buChar char="○"/>
-              <a:defRPr sz="1270"/>
+              <a:defRPr sz="500"/>
             </a:lvl8pPr>
-            <a:lvl9pPr marL="10450358" lvl="8" indent="-661211">
-              <a:spcBef>
-                <a:spcPts val="1778"/>
-              </a:spcBef>
-              <a:spcAft>
-                <a:spcPts val="1778"/>
+            <a:lvl9pPr indent="-260350" lvl="8" marL="4114800">
+              <a:spcBef>
+                <a:spcPts val="700"/>
+              </a:spcBef>
+              <a:spcAft>
+                <a:spcPts val="700"/>
               </a:spcAft>
               <a:buSzPts val="500"/>
               <a:buChar char="■"/>
-              <a:defRPr sz="1270"/>
+              <a:defRPr sz="500"/>
             </a:lvl9pPr>
           </a:lstStyle>
-          <a:p>
-            <a:endParaRPr/>
-          </a:p>
+          <a:p/>
         </p:txBody>
       </p:sp>
       <p:sp>
         <p:nvSpPr>
           <p:cNvPr id="31" name="Google Shape;31;p7"/>
-          <p:cNvSpPr txBox="1">
-            <a:spLocks noGrp="1"/>
-          </p:cNvSpPr>
+          <p:cNvSpPr txBox="1"/>
           <p:nvPr>
-            <p:ph type="sldNum" idx="12"/>
+            <p:ph idx="12" type="sldNum"/>
           </p:nvPr>
         </p:nvSpPr>
         <p:spPr>
           <a:xfrm>
-            <a:off x="6353548" y="8979888"/>
-            <a:ext cx="411428" cy="757714"/>
+            <a:off x="2501710" y="3263844"/>
+            <a:ext cx="162000" cy="275400"/>
           </a:xfrm>
           <a:prstGeom prst="rect">
             <a:avLst/>
           </a:prstGeom>
         </p:spPr>
         <p:txBody>
-          <a:bodyPr spcFirstLastPara="1" wrap="square" lIns="39325" tIns="39325" rIns="39325" bIns="39325" anchor="ctr" anchorCtr="0">
+          <a:bodyPr anchorCtr="0" anchor="ctr" bIns="39325" lIns="39325" spcFirstLastPara="1" rIns="39325" wrap="square" tIns="39325">
             <a:noAutofit/>
           </a:bodyPr>
           <a:lstStyle>
@@ -3690,12 +3650,20 @@
             </a:lvl9pPr>
           </a:lstStyle>
           <a:p>
+            <a:pPr indent="0" lvl="0" marL="0" rtl="0" algn="r">
+              <a:spcBef>
+                <a:spcPts val="0"/>
+              </a:spcBef>
+              <a:spcAft>
+                <a:spcPts val="0"/>
+              </a:spcAft>
+              <a:buNone/>
+            </a:pPr>
             <a:fld id="{00000000-1234-1234-1234-123412341234}" type="slidenum">
-              <a:rPr lang="en-GB" smtClean="0"/>
-              <a:pPr/>
+              <a:rPr lang="en-GB"/>
               <a:t>‹#›</a:t>
             </a:fld>
-            <a:endParaRPr lang="en-GB"/>
+            <a:endParaRPr/>
           </a:p>
         </p:txBody>
       </p:sp>
@@ -3708,11 +3676,11 @@
 </file>
 
 <file path=ppt/slideLayouts/slideLayout7.xml><?xml version="1.0" encoding="utf-8"?>
-<p:sldLayout xmlns:a="http://schemas.openxmlformats.org/drawingml/2006/main" xmlns:r="http://schemas.openxmlformats.org/officeDocument/2006/relationships" xmlns:p="http://schemas.openxmlformats.org/presentationml/2006/main" matchingName="Main point">
+<p:sldLayout xmlns:a="http://schemas.openxmlformats.org/drawingml/2006/main" xmlns:r="http://schemas.openxmlformats.org/officeDocument/2006/relationships" xmlns:mc="http://schemas.openxmlformats.org/markup-compatibility/2006" xmlns:mv="urn:schemas-microsoft-com:mac:vml" xmlns:p="http://schemas.openxmlformats.org/presentationml/2006/main" xmlns:c="http://schemas.openxmlformats.org/drawingml/2006/chart" xmlns:dgm="http://schemas.openxmlformats.org/drawingml/2006/diagram" xmlns:o="urn:schemas-microsoft-com:office:office" xmlns:v="urn:schemas-microsoft-com:vml" xmlns:pvml="urn:schemas-microsoft-com:office:powerpoint" xmlns:com="http://schemas.openxmlformats.org/drawingml/2006/compatibility" xmlns:p14="http://schemas.microsoft.com/office/powerpoint/2010/main" xmlns:p15="http://schemas.microsoft.com/office/powerpoint/2012/main" xmlns:ahyp="http://schemas.microsoft.com/office/drawing/2018/hyperlinkcolor" matchingName="Main point">
   <p:cSld name="MAIN_POINT">
     <p:spTree>
       <p:nvGrpSpPr>
-        <p:cNvPr id="1" name="Shape 32"/>
+        <p:cNvPr id="32" name="Shape 32"/>
         <p:cNvGrpSpPr/>
         <p:nvPr/>
       </p:nvGrpSpPr>
@@ -3727,24 +3695,22 @@
       <p:sp>
         <p:nvSpPr>
           <p:cNvPr id="33" name="Google Shape;33;p8"/>
-          <p:cNvSpPr txBox="1">
-            <a:spLocks noGrp="1"/>
-          </p:cNvSpPr>
+          <p:cNvSpPr txBox="1"/>
           <p:nvPr>
             <p:ph type="title"/>
           </p:nvPr>
         </p:nvSpPr>
         <p:spPr>
           <a:xfrm>
-            <a:off x="367642" y="866848"/>
-            <a:ext cx="4775618" cy="7877587"/>
+            <a:off x="144759" y="315066"/>
+            <a:ext cx="1880400" cy="2863200"/>
           </a:xfrm>
           <a:prstGeom prst="rect">
             <a:avLst/>
           </a:prstGeom>
         </p:spPr>
         <p:txBody>
-          <a:bodyPr spcFirstLastPara="1" wrap="square" lIns="39325" tIns="39325" rIns="39325" bIns="39325" anchor="ctr" anchorCtr="0">
+          <a:bodyPr anchorCtr="0" anchor="ctr" bIns="39325" lIns="39325" spcFirstLastPara="1" rIns="39325" wrap="square" tIns="39325">
             <a:noAutofit/>
           </a:bodyPr>
           <a:lstStyle>
@@ -3757,7 +3723,7 @@
               </a:spcAft>
               <a:buSzPts val="2100"/>
               <a:buNone/>
-              <a:defRPr sz="5333"/>
+              <a:defRPr sz="2100"/>
             </a:lvl1pPr>
             <a:lvl2pPr lvl="1">
               <a:spcBef>
@@ -3768,7 +3734,7 @@
               </a:spcAft>
               <a:buSzPts val="2100"/>
               <a:buNone/>
-              <a:defRPr sz="5333"/>
+              <a:defRPr sz="2100"/>
             </a:lvl2pPr>
             <a:lvl3pPr lvl="2">
               <a:spcBef>
@@ -3779,7 +3745,7 @@
               </a:spcAft>
               <a:buSzPts val="2100"/>
               <a:buNone/>
-              <a:defRPr sz="5333"/>
+              <a:defRPr sz="2100"/>
             </a:lvl3pPr>
             <a:lvl4pPr lvl="3">
               <a:spcBef>
@@ -3790,7 +3756,7 @@
               </a:spcAft>
               <a:buSzPts val="2100"/>
               <a:buNone/>
-              <a:defRPr sz="5333"/>
+              <a:defRPr sz="2100"/>
             </a:lvl4pPr>
             <a:lvl5pPr lvl="4">
               <a:spcBef>
@@ -3801,7 +3767,7 @@
               </a:spcAft>
               <a:buSzPts val="2100"/>
               <a:buNone/>
-              <a:defRPr sz="5333"/>
+              <a:defRPr sz="2100"/>
             </a:lvl5pPr>
             <a:lvl6pPr lvl="5">
               <a:spcBef>
@@ -3812,7 +3778,7 @@
               </a:spcAft>
               <a:buSzPts val="2100"/>
               <a:buNone/>
-              <a:defRPr sz="5333"/>
+              <a:defRPr sz="2100"/>
             </a:lvl6pPr>
             <a:lvl7pPr lvl="6">
               <a:spcBef>
@@ -3823,7 +3789,7 @@
               </a:spcAft>
               <a:buSzPts val="2100"/>
               <a:buNone/>
-              <a:defRPr sz="5333"/>
+              <a:defRPr sz="2100"/>
             </a:lvl7pPr>
             <a:lvl8pPr lvl="7">
               <a:spcBef>
@@ -3834,7 +3800,7 @@
               </a:spcAft>
               <a:buSzPts val="2100"/>
               <a:buNone/>
-              <a:defRPr sz="5333"/>
+              <a:defRPr sz="2100"/>
             </a:lvl8pPr>
             <a:lvl9pPr lvl="8">
               <a:spcBef>
@@ -3845,35 +3811,31 @@
               </a:spcAft>
               <a:buSzPts val="2100"/>
               <a:buNone/>
-              <a:defRPr sz="5333"/>
+              <a:defRPr sz="2100"/>
             </a:lvl9pPr>
           </a:lstStyle>
-          <a:p>
-            <a:endParaRPr/>
-          </a:p>
+          <a:p/>
         </p:txBody>
       </p:sp>
       <p:sp>
         <p:nvSpPr>
           <p:cNvPr id="34" name="Google Shape;34;p8"/>
-          <p:cNvSpPr txBox="1">
-            <a:spLocks noGrp="1"/>
-          </p:cNvSpPr>
+          <p:cNvSpPr txBox="1"/>
           <p:nvPr>
-            <p:ph type="sldNum" idx="12"/>
+            <p:ph idx="12" type="sldNum"/>
           </p:nvPr>
         </p:nvSpPr>
         <p:spPr>
           <a:xfrm>
-            <a:off x="6353548" y="8979888"/>
-            <a:ext cx="411428" cy="757714"/>
+            <a:off x="2501710" y="3263844"/>
+            <a:ext cx="162000" cy="275400"/>
           </a:xfrm>
           <a:prstGeom prst="rect">
             <a:avLst/>
           </a:prstGeom>
         </p:spPr>
         <p:txBody>
-          <a:bodyPr spcFirstLastPara="1" wrap="square" lIns="39325" tIns="39325" rIns="39325" bIns="39325" anchor="ctr" anchorCtr="0">
+          <a:bodyPr anchorCtr="0" anchor="ctr" bIns="39325" lIns="39325" spcFirstLastPara="1" rIns="39325" wrap="square" tIns="39325">
             <a:noAutofit/>
           </a:bodyPr>
           <a:lstStyle>
@@ -3915,12 +3877,20 @@
             </a:lvl9pPr>
           </a:lstStyle>
           <a:p>
+            <a:pPr indent="0" lvl="0" marL="0" rtl="0" algn="r">
+              <a:spcBef>
+                <a:spcPts val="0"/>
+              </a:spcBef>
+              <a:spcAft>
+                <a:spcPts val="0"/>
+              </a:spcAft>
+              <a:buNone/>
+            </a:pPr>
             <a:fld id="{00000000-1234-1234-1234-123412341234}" type="slidenum">
-              <a:rPr lang="en-GB" smtClean="0"/>
-              <a:pPr/>
+              <a:rPr lang="en-GB"/>
               <a:t>‹#›</a:t>
             </a:fld>
-            <a:endParaRPr lang="en-GB"/>
+            <a:endParaRPr/>
           </a:p>
         </p:txBody>
       </p:sp>
@@ -3933,11 +3903,11 @@
 </file>
 
 <file path=ppt/slideLayouts/slideLayout8.xml><?xml version="1.0" encoding="utf-8"?>
-<p:sldLayout xmlns:a="http://schemas.openxmlformats.org/drawingml/2006/main" xmlns:r="http://schemas.openxmlformats.org/officeDocument/2006/relationships" xmlns:p="http://schemas.openxmlformats.org/presentationml/2006/main" matchingName="Section title and description">
+<p:sldLayout xmlns:a="http://schemas.openxmlformats.org/drawingml/2006/main" xmlns:r="http://schemas.openxmlformats.org/officeDocument/2006/relationships" xmlns:mc="http://schemas.openxmlformats.org/markup-compatibility/2006" xmlns:mv="urn:schemas-microsoft-com:mac:vml" xmlns:p="http://schemas.openxmlformats.org/presentationml/2006/main" xmlns:c="http://schemas.openxmlformats.org/drawingml/2006/chart" xmlns:dgm="http://schemas.openxmlformats.org/drawingml/2006/diagram" xmlns:o="urn:schemas-microsoft-com:office:office" xmlns:v="urn:schemas-microsoft-com:vml" xmlns:pvml="urn:schemas-microsoft-com:office:powerpoint" xmlns:com="http://schemas.openxmlformats.org/drawingml/2006/compatibility" xmlns:p14="http://schemas.microsoft.com/office/powerpoint/2010/main" xmlns:p15="http://schemas.microsoft.com/office/powerpoint/2012/main" xmlns:ahyp="http://schemas.microsoft.com/office/drawing/2018/hyperlinkcolor" matchingName="Section title and description">
   <p:cSld name="SECTION_TITLE_AND_DESCRIPTION">
     <p:spTree>
       <p:nvGrpSpPr>
-        <p:cNvPr id="1" name="Shape 35"/>
+        <p:cNvPr id="35" name="Shape 35"/>
         <p:cNvGrpSpPr/>
         <p:nvPr/>
       </p:nvGrpSpPr>
@@ -3957,8 +3927,8 @@
         </p:nvSpPr>
         <p:spPr>
           <a:xfrm>
-            <a:off x="3428571" y="-239"/>
-            <a:ext cx="3428571" cy="9904762"/>
+            <a:off x="1350000" y="-87"/>
+            <a:ext cx="1350000" cy="3600000"/>
           </a:xfrm>
           <a:prstGeom prst="rect">
             <a:avLst/>
@@ -3971,12 +3941,12 @@
           </a:ln>
         </p:spPr>
         <p:txBody>
-          <a:bodyPr spcFirstLastPara="1" wrap="square" lIns="99873" tIns="99873" rIns="99873" bIns="99873" anchor="ctr" anchorCtr="0">
+          <a:bodyPr anchorCtr="0" anchor="ctr" bIns="39325" lIns="39325" spcFirstLastPara="1" rIns="39325" wrap="square" tIns="39325">
             <a:noAutofit/>
           </a:bodyPr>
           <a:lstStyle/>
           <a:p>
-            <a:pPr marL="0" lvl="0" indent="0" algn="l" rtl="0">
+            <a:pPr indent="0" lvl="0" marL="0" rtl="0" algn="l">
               <a:spcBef>
                 <a:spcPts val="0"/>
               </a:spcBef>
@@ -3985,31 +3955,32 @@
               </a:spcAft>
               <a:buNone/>
             </a:pPr>
-            <a:endParaRPr sz="9460"/>
+            <a:r>
+              <a:t/>
+            </a:r>
+            <a:endParaRPr/>
           </a:p>
         </p:txBody>
       </p:sp>
       <p:sp>
         <p:nvSpPr>
           <p:cNvPr id="37" name="Google Shape;37;p9"/>
-          <p:cNvSpPr txBox="1">
-            <a:spLocks noGrp="1"/>
-          </p:cNvSpPr>
+          <p:cNvSpPr txBox="1"/>
           <p:nvPr>
             <p:ph type="title"/>
           </p:nvPr>
         </p:nvSpPr>
         <p:spPr>
           <a:xfrm>
-            <a:off x="199101" y="2374708"/>
-            <a:ext cx="3033142" cy="2854222"/>
+            <a:off x="78396" y="863115"/>
+            <a:ext cx="1194300" cy="1037400"/>
           </a:xfrm>
           <a:prstGeom prst="rect">
             <a:avLst/>
           </a:prstGeom>
         </p:spPr>
         <p:txBody>
-          <a:bodyPr spcFirstLastPara="1" wrap="square" lIns="39325" tIns="39325" rIns="39325" bIns="39325" anchor="b" anchorCtr="0">
+          <a:bodyPr anchorCtr="0" anchor="b" bIns="39325" lIns="39325" spcFirstLastPara="1" rIns="39325" wrap="square" tIns="39325">
             <a:noAutofit/>
           </a:bodyPr>
           <a:lstStyle>
@@ -4022,7 +3993,7 @@
               </a:spcAft>
               <a:buSzPts val="1800"/>
               <a:buNone/>
-              <a:defRPr sz="4571"/>
+              <a:defRPr sz="1800"/>
             </a:lvl1pPr>
             <a:lvl2pPr lvl="1" algn="ctr">
               <a:spcBef>
@@ -4033,7 +4004,7 @@
               </a:spcAft>
               <a:buSzPts val="1800"/>
               <a:buNone/>
-              <a:defRPr sz="4571"/>
+              <a:defRPr sz="1800"/>
             </a:lvl2pPr>
             <a:lvl3pPr lvl="2" algn="ctr">
               <a:spcBef>
@@ -4044,7 +4015,7 @@
               </a:spcAft>
               <a:buSzPts val="1800"/>
               <a:buNone/>
-              <a:defRPr sz="4571"/>
+              <a:defRPr sz="1800"/>
             </a:lvl3pPr>
             <a:lvl4pPr lvl="3" algn="ctr">
               <a:spcBef>
@@ -4055,7 +4026,7 @@
               </a:spcAft>
               <a:buSzPts val="1800"/>
               <a:buNone/>
-              <a:defRPr sz="4571"/>
+              <a:defRPr sz="1800"/>
             </a:lvl4pPr>
             <a:lvl5pPr lvl="4" algn="ctr">
               <a:spcBef>
@@ -4066,7 +4037,7 @@
               </a:spcAft>
               <a:buSzPts val="1800"/>
               <a:buNone/>
-              <a:defRPr sz="4571"/>
+              <a:defRPr sz="1800"/>
             </a:lvl5pPr>
             <a:lvl6pPr lvl="5" algn="ctr">
               <a:spcBef>
@@ -4077,7 +4048,7 @@
               </a:spcAft>
               <a:buSzPts val="1800"/>
               <a:buNone/>
-              <a:defRPr sz="4571"/>
+              <a:defRPr sz="1800"/>
             </a:lvl6pPr>
             <a:lvl7pPr lvl="6" algn="ctr">
               <a:spcBef>
@@ -4088,7 +4059,7 @@
               </a:spcAft>
               <a:buSzPts val="1800"/>
               <a:buNone/>
-              <a:defRPr sz="4571"/>
+              <a:defRPr sz="1800"/>
             </a:lvl7pPr>
             <a:lvl8pPr lvl="7" algn="ctr">
               <a:spcBef>
@@ -4099,7 +4070,7 @@
               </a:spcAft>
               <a:buSzPts val="1800"/>
               <a:buNone/>
-              <a:defRPr sz="4571"/>
+              <a:defRPr sz="1800"/>
             </a:lvl8pPr>
             <a:lvl9pPr lvl="8" algn="ctr">
               <a:spcBef>
@@ -4110,35 +4081,31 @@
               </a:spcAft>
               <a:buSzPts val="1800"/>
               <a:buNone/>
-              <a:defRPr sz="4571"/>
+              <a:defRPr sz="1800"/>
             </a:lvl9pPr>
           </a:lstStyle>
-          <a:p>
-            <a:endParaRPr/>
-          </a:p>
+          <a:p/>
         </p:txBody>
       </p:sp>
       <p:sp>
         <p:nvSpPr>
           <p:cNvPr id="38" name="Google Shape;38;p9"/>
-          <p:cNvSpPr txBox="1">
-            <a:spLocks noGrp="1"/>
-          </p:cNvSpPr>
+          <p:cNvSpPr txBox="1"/>
           <p:nvPr>
-            <p:ph type="subTitle" idx="1"/>
+            <p:ph idx="1" type="subTitle"/>
           </p:nvPr>
         </p:nvSpPr>
         <p:spPr>
           <a:xfrm>
-            <a:off x="199101" y="5397839"/>
-            <a:ext cx="3033142" cy="2378794"/>
+            <a:off x="78396" y="1961907"/>
+            <a:ext cx="1194300" cy="864600"/>
           </a:xfrm>
           <a:prstGeom prst="rect">
             <a:avLst/>
           </a:prstGeom>
         </p:spPr>
         <p:txBody>
-          <a:bodyPr spcFirstLastPara="1" wrap="square" lIns="39325" tIns="39325" rIns="39325" bIns="39325" anchor="t" anchorCtr="0">
+          <a:bodyPr anchorCtr="0" anchor="t" bIns="39325" lIns="39325" spcFirstLastPara="1" rIns="39325" wrap="square" tIns="39325">
             <a:noAutofit/>
           </a:bodyPr>
           <a:lstStyle>
@@ -4154,7 +4121,7 @@
               </a:spcAft>
               <a:buSzPts val="900"/>
               <a:buNone/>
-              <a:defRPr sz="2286"/>
+              <a:defRPr sz="900"/>
             </a:lvl1pPr>
             <a:lvl2pPr lvl="1" algn="ctr">
               <a:lnSpc>
@@ -4168,7 +4135,7 @@
               </a:spcAft>
               <a:buSzPts val="900"/>
               <a:buNone/>
-              <a:defRPr sz="2286"/>
+              <a:defRPr sz="900"/>
             </a:lvl2pPr>
             <a:lvl3pPr lvl="2" algn="ctr">
               <a:lnSpc>
@@ -4182,7 +4149,7 @@
               </a:spcAft>
               <a:buSzPts val="900"/>
               <a:buNone/>
-              <a:defRPr sz="2286"/>
+              <a:defRPr sz="900"/>
             </a:lvl3pPr>
             <a:lvl4pPr lvl="3" algn="ctr">
               <a:lnSpc>
@@ -4196,7 +4163,7 @@
               </a:spcAft>
               <a:buSzPts val="900"/>
               <a:buNone/>
-              <a:defRPr sz="2286"/>
+              <a:defRPr sz="900"/>
             </a:lvl4pPr>
             <a:lvl5pPr lvl="4" algn="ctr">
               <a:lnSpc>
@@ -4210,7 +4177,7 @@
               </a:spcAft>
               <a:buSzPts val="900"/>
               <a:buNone/>
-              <a:defRPr sz="2286"/>
+              <a:defRPr sz="900"/>
             </a:lvl5pPr>
             <a:lvl6pPr lvl="5" algn="ctr">
               <a:lnSpc>
@@ -4224,7 +4191,7 @@
               </a:spcAft>
               <a:buSzPts val="900"/>
               <a:buNone/>
-              <a:defRPr sz="2286"/>
+              <a:defRPr sz="900"/>
             </a:lvl6pPr>
             <a:lvl7pPr lvl="6" algn="ctr">
               <a:lnSpc>
@@ -4238,7 +4205,7 @@
               </a:spcAft>
               <a:buSzPts val="900"/>
               <a:buNone/>
-              <a:defRPr sz="2286"/>
+              <a:defRPr sz="900"/>
             </a:lvl7pPr>
             <a:lvl8pPr lvl="7" algn="ctr">
               <a:lnSpc>
@@ -4252,7 +4219,7 @@
               </a:spcAft>
               <a:buSzPts val="900"/>
               <a:buNone/>
-              <a:defRPr sz="2286"/>
+              <a:defRPr sz="900"/>
             </a:lvl8pPr>
             <a:lvl9pPr lvl="8" algn="ctr">
               <a:lnSpc>
@@ -4266,39 +4233,35 @@
               </a:spcAft>
               <a:buSzPts val="900"/>
               <a:buNone/>
-              <a:defRPr sz="2286"/>
+              <a:defRPr sz="900"/>
             </a:lvl9pPr>
           </a:lstStyle>
-          <a:p>
-            <a:endParaRPr/>
-          </a:p>
+          <a:p/>
         </p:txBody>
       </p:sp>
       <p:sp>
         <p:nvSpPr>
           <p:cNvPr id="39" name="Google Shape;39;p9"/>
-          <p:cNvSpPr txBox="1">
-            <a:spLocks noGrp="1"/>
-          </p:cNvSpPr>
+          <p:cNvSpPr txBox="1"/>
           <p:nvPr>
-            <p:ph type="body" idx="2"/>
+            <p:ph idx="2" type="body"/>
           </p:nvPr>
         </p:nvSpPr>
         <p:spPr>
           <a:xfrm>
-            <a:off x="3704162" y="1394340"/>
-            <a:ext cx="2877714" cy="7115746"/>
+            <a:off x="1458514" y="506789"/>
+            <a:ext cx="1133100" cy="2586300"/>
           </a:xfrm>
           <a:prstGeom prst="rect">
             <a:avLst/>
           </a:prstGeom>
         </p:spPr>
         <p:txBody>
-          <a:bodyPr spcFirstLastPara="1" wrap="square" lIns="39325" tIns="39325" rIns="39325" bIns="39325" anchor="ctr" anchorCtr="0">
+          <a:bodyPr anchorCtr="0" anchor="ctr" bIns="39325" lIns="39325" spcFirstLastPara="1" rIns="39325" wrap="square" tIns="39325">
             <a:noAutofit/>
           </a:bodyPr>
           <a:lstStyle>
-            <a:lvl1pPr marL="1161151" lvl="0" indent="-709592">
+            <a:lvl1pPr indent="-279400" lvl="0" marL="457200">
               <a:spcBef>
                 <a:spcPts val="0"/>
               </a:spcBef>
@@ -4309,9 +4272,9 @@
               <a:buChar char="●"/>
               <a:defRPr/>
             </a:lvl1pPr>
-            <a:lvl2pPr marL="2322302" lvl="1" indent="-677338">
-              <a:spcBef>
-                <a:spcPts val="1778"/>
+            <a:lvl2pPr indent="-266700" lvl="1" marL="914400">
+              <a:spcBef>
+                <a:spcPts val="700"/>
               </a:spcBef>
               <a:spcAft>
                 <a:spcPts val="0"/>
@@ -4320,9 +4283,9 @@
               <a:buChar char="○"/>
               <a:defRPr/>
             </a:lvl2pPr>
-            <a:lvl3pPr marL="3483453" lvl="2" indent="-677338">
-              <a:spcBef>
-                <a:spcPts val="1778"/>
+            <a:lvl3pPr indent="-266700" lvl="2" marL="1371600">
+              <a:spcBef>
+                <a:spcPts val="700"/>
               </a:spcBef>
               <a:spcAft>
                 <a:spcPts val="0"/>
@@ -4331,9 +4294,9 @@
               <a:buChar char="■"/>
               <a:defRPr/>
             </a:lvl3pPr>
-            <a:lvl4pPr marL="4644603" lvl="3" indent="-677338">
-              <a:spcBef>
-                <a:spcPts val="1778"/>
+            <a:lvl4pPr indent="-266700" lvl="3" marL="1828800">
+              <a:spcBef>
+                <a:spcPts val="700"/>
               </a:spcBef>
               <a:spcAft>
                 <a:spcPts val="0"/>
@@ -4342,9 +4305,9 @@
               <a:buChar char="●"/>
               <a:defRPr/>
             </a:lvl4pPr>
-            <a:lvl5pPr marL="5805754" lvl="4" indent="-677338">
-              <a:spcBef>
-                <a:spcPts val="1778"/>
+            <a:lvl5pPr indent="-266700" lvl="4" marL="2286000">
+              <a:spcBef>
+                <a:spcPts val="700"/>
               </a:spcBef>
               <a:spcAft>
                 <a:spcPts val="0"/>
@@ -4353,9 +4316,9 @@
               <a:buChar char="○"/>
               <a:defRPr/>
             </a:lvl5pPr>
-            <a:lvl6pPr marL="6966905" lvl="5" indent="-677338">
-              <a:spcBef>
-                <a:spcPts val="1778"/>
+            <a:lvl6pPr indent="-266700" lvl="5" marL="2743200">
+              <a:spcBef>
+                <a:spcPts val="700"/>
               </a:spcBef>
               <a:spcAft>
                 <a:spcPts val="0"/>
@@ -4364,9 +4327,9 @@
               <a:buChar char="■"/>
               <a:defRPr/>
             </a:lvl6pPr>
-            <a:lvl7pPr marL="8128056" lvl="6" indent="-677338">
-              <a:spcBef>
-                <a:spcPts val="1778"/>
+            <a:lvl7pPr indent="-266700" lvl="6" marL="3200400">
+              <a:spcBef>
+                <a:spcPts val="700"/>
               </a:spcBef>
               <a:spcAft>
                 <a:spcPts val="0"/>
@@ -4375,9 +4338,9 @@
               <a:buChar char="●"/>
               <a:defRPr/>
             </a:lvl7pPr>
-            <a:lvl8pPr marL="9289207" lvl="7" indent="-677338">
-              <a:spcBef>
-                <a:spcPts val="1778"/>
+            <a:lvl8pPr indent="-266700" lvl="7" marL="3657600">
+              <a:spcBef>
+                <a:spcPts val="700"/>
               </a:spcBef>
               <a:spcAft>
                 <a:spcPts val="0"/>
@@ -4386,44 +4349,40 @@
               <a:buChar char="○"/>
               <a:defRPr/>
             </a:lvl8pPr>
-            <a:lvl9pPr marL="10450358" lvl="8" indent="-677338">
-              <a:spcBef>
-                <a:spcPts val="1778"/>
-              </a:spcBef>
-              <a:spcAft>
-                <a:spcPts val="1778"/>
+            <a:lvl9pPr indent="-266700" lvl="8" marL="4114800">
+              <a:spcBef>
+                <a:spcPts val="700"/>
+              </a:spcBef>
+              <a:spcAft>
+                <a:spcPts val="700"/>
               </a:spcAft>
               <a:buSzPts val="600"/>
               <a:buChar char="■"/>
               <a:defRPr/>
             </a:lvl9pPr>
           </a:lstStyle>
-          <a:p>
-            <a:endParaRPr/>
-          </a:p>
+          <a:p/>
         </p:txBody>
       </p:sp>
       <p:sp>
         <p:nvSpPr>
           <p:cNvPr id="40" name="Google Shape;40;p9"/>
-          <p:cNvSpPr txBox="1">
-            <a:spLocks noGrp="1"/>
-          </p:cNvSpPr>
+          <p:cNvSpPr txBox="1"/>
           <p:nvPr>
-            <p:ph type="sldNum" idx="12"/>
+            <p:ph idx="12" type="sldNum"/>
           </p:nvPr>
         </p:nvSpPr>
         <p:spPr>
           <a:xfrm>
-            <a:off x="6353548" y="8979888"/>
-            <a:ext cx="411428" cy="757714"/>
+            <a:off x="2501710" y="3263844"/>
+            <a:ext cx="162000" cy="275400"/>
           </a:xfrm>
           <a:prstGeom prst="rect">
             <a:avLst/>
           </a:prstGeom>
         </p:spPr>
         <p:txBody>
-          <a:bodyPr spcFirstLastPara="1" wrap="square" lIns="39325" tIns="39325" rIns="39325" bIns="39325" anchor="ctr" anchorCtr="0">
+          <a:bodyPr anchorCtr="0" anchor="ctr" bIns="39325" lIns="39325" spcFirstLastPara="1" rIns="39325" wrap="square" tIns="39325">
             <a:noAutofit/>
           </a:bodyPr>
           <a:lstStyle>
@@ -4465,12 +4424,20 @@
             </a:lvl9pPr>
           </a:lstStyle>
           <a:p>
+            <a:pPr indent="0" lvl="0" marL="0" rtl="0" algn="r">
+              <a:spcBef>
+                <a:spcPts val="0"/>
+              </a:spcBef>
+              <a:spcAft>
+                <a:spcPts val="0"/>
+              </a:spcAft>
+              <a:buNone/>
+            </a:pPr>
             <a:fld id="{00000000-1234-1234-1234-123412341234}" type="slidenum">
-              <a:rPr lang="en-GB" smtClean="0"/>
-              <a:pPr/>
+              <a:rPr lang="en-GB"/>
               <a:t>‹#›</a:t>
             </a:fld>
-            <a:endParaRPr lang="en-GB"/>
+            <a:endParaRPr/>
           </a:p>
         </p:txBody>
       </p:sp>
@@ -4483,11 +4450,11 @@
 </file>
 
 <file path=ppt/slideLayouts/slideLayout9.xml><?xml version="1.0" encoding="utf-8"?>
-<p:sldLayout xmlns:a="http://schemas.openxmlformats.org/drawingml/2006/main" xmlns:r="http://schemas.openxmlformats.org/officeDocument/2006/relationships" xmlns:p="http://schemas.openxmlformats.org/presentationml/2006/main" matchingName="Caption">
+<p:sldLayout xmlns:a="http://schemas.openxmlformats.org/drawingml/2006/main" xmlns:r="http://schemas.openxmlformats.org/officeDocument/2006/relationships" xmlns:mc="http://schemas.openxmlformats.org/markup-compatibility/2006" xmlns:mv="urn:schemas-microsoft-com:mac:vml" xmlns:p="http://schemas.openxmlformats.org/presentationml/2006/main" xmlns:c="http://schemas.openxmlformats.org/drawingml/2006/chart" xmlns:dgm="http://schemas.openxmlformats.org/drawingml/2006/diagram" xmlns:o="urn:schemas-microsoft-com:office:office" xmlns:v="urn:schemas-microsoft-com:vml" xmlns:pvml="urn:schemas-microsoft-com:office:powerpoint" xmlns:com="http://schemas.openxmlformats.org/drawingml/2006/compatibility" xmlns:p14="http://schemas.microsoft.com/office/powerpoint/2010/main" xmlns:p15="http://schemas.microsoft.com/office/powerpoint/2012/main" xmlns:ahyp="http://schemas.microsoft.com/office/drawing/2018/hyperlinkcolor" matchingName="Caption">
   <p:cSld name="CAPTION_ONLY">
     <p:spTree>
       <p:nvGrpSpPr>
-        <p:cNvPr id="1" name="Shape 41"/>
+        <p:cNvPr id="41" name="Shape 41"/>
         <p:cNvGrpSpPr/>
         <p:nvPr/>
       </p:nvGrpSpPr>
@@ -4502,28 +4469,26 @@
       <p:sp>
         <p:nvSpPr>
           <p:cNvPr id="42" name="Google Shape;42;p10"/>
-          <p:cNvSpPr txBox="1">
-            <a:spLocks noGrp="1"/>
-          </p:cNvSpPr>
+          <p:cNvSpPr txBox="1"/>
           <p:nvPr>
-            <p:ph type="body" idx="1"/>
+            <p:ph idx="1" type="body"/>
           </p:nvPr>
         </p:nvSpPr>
         <p:spPr>
           <a:xfrm>
-            <a:off x="233745" y="8146755"/>
-            <a:ext cx="4498285" cy="1165460"/>
+            <a:off x="92037" y="2961032"/>
+            <a:ext cx="1771200" cy="423600"/>
           </a:xfrm>
           <a:prstGeom prst="rect">
             <a:avLst/>
           </a:prstGeom>
         </p:spPr>
         <p:txBody>
-          <a:bodyPr spcFirstLastPara="1" wrap="square" lIns="39325" tIns="39325" rIns="39325" bIns="39325" anchor="ctr" anchorCtr="0">
+          <a:bodyPr anchorCtr="0" anchor="ctr" bIns="39325" lIns="39325" spcFirstLastPara="1" rIns="39325" wrap="square" tIns="39325">
             <a:noAutofit/>
           </a:bodyPr>
           <a:lstStyle>
-            <a:lvl1pPr marL="1161151" lvl="0" indent="-580575">
+            <a:lvl1pPr indent="-228600" lvl="0" marL="457200">
               <a:lnSpc>
                 <a:spcPct val="100000"/>
               </a:lnSpc>
@@ -4538,32 +4503,28 @@
               <a:defRPr/>
             </a:lvl1pPr>
           </a:lstStyle>
-          <a:p>
-            <a:endParaRPr/>
-          </a:p>
+          <a:p/>
         </p:txBody>
       </p:sp>
       <p:sp>
         <p:nvSpPr>
           <p:cNvPr id="43" name="Google Shape;43;p10"/>
-          <p:cNvSpPr txBox="1">
-            <a:spLocks noGrp="1"/>
-          </p:cNvSpPr>
+          <p:cNvSpPr txBox="1"/>
           <p:nvPr>
-            <p:ph type="sldNum" idx="12"/>
+            <p:ph idx="12" type="sldNum"/>
           </p:nvPr>
         </p:nvSpPr>
         <p:spPr>
           <a:xfrm>
-            <a:off x="6353548" y="8979888"/>
-            <a:ext cx="411428" cy="757714"/>
+            <a:off x="2501710" y="3263844"/>
+            <a:ext cx="162000" cy="275400"/>
           </a:xfrm>
           <a:prstGeom prst="rect">
             <a:avLst/>
           </a:prstGeom>
         </p:spPr>
         <p:txBody>
-          <a:bodyPr spcFirstLastPara="1" wrap="square" lIns="39325" tIns="39325" rIns="39325" bIns="39325" anchor="ctr" anchorCtr="0">
+          <a:bodyPr anchorCtr="0" anchor="ctr" bIns="39325" lIns="39325" spcFirstLastPara="1" rIns="39325" wrap="square" tIns="39325">
             <a:noAutofit/>
           </a:bodyPr>
           <a:lstStyle>
@@ -4605,12 +4566,20 @@
             </a:lvl9pPr>
           </a:lstStyle>
           <a:p>
+            <a:pPr indent="0" lvl="0" marL="0" rtl="0" algn="r">
+              <a:spcBef>
+                <a:spcPts val="0"/>
+              </a:spcBef>
+              <a:spcAft>
+                <a:spcPts val="0"/>
+              </a:spcAft>
+              <a:buNone/>
+            </a:pPr>
             <a:fld id="{00000000-1234-1234-1234-123412341234}" type="slidenum">
-              <a:rPr lang="en-GB" smtClean="0"/>
-              <a:pPr/>
+              <a:rPr lang="en-GB"/>
               <a:t>‹#›</a:t>
             </a:fld>
-            <a:endParaRPr lang="en-GB"/>
+            <a:endParaRPr/>
           </a:p>
         </p:txBody>
       </p:sp>
@@ -4623,19 +4592,18 @@
 </file>
 
 <file path=ppt/slideMasters/slideMaster1.xml><?xml version="1.0" encoding="utf-8"?>
-<p:sldMaster xmlns:a="http://schemas.openxmlformats.org/drawingml/2006/main" xmlns:r="http://schemas.openxmlformats.org/officeDocument/2006/relationships" xmlns:p="http://schemas.openxmlformats.org/presentationml/2006/main">
+<p:sldMaster xmlns:a="http://schemas.openxmlformats.org/drawingml/2006/main" xmlns:r="http://schemas.openxmlformats.org/officeDocument/2006/relationships" xmlns:mc="http://schemas.openxmlformats.org/markup-compatibility/2006" xmlns:mv="urn:schemas-microsoft-com:mac:vml" xmlns:p="http://schemas.openxmlformats.org/presentationml/2006/main" xmlns:c="http://schemas.openxmlformats.org/drawingml/2006/chart" xmlns:dgm="http://schemas.openxmlformats.org/drawingml/2006/diagram" xmlns:o="urn:schemas-microsoft-com:office:office" xmlns:v="urn:schemas-microsoft-com:vml" xmlns:pvml="urn:schemas-microsoft-com:office:powerpoint" xmlns:com="http://schemas.openxmlformats.org/drawingml/2006/compatibility" xmlns:p14="http://schemas.microsoft.com/office/powerpoint/2010/main" xmlns:p15="http://schemas.microsoft.com/office/powerpoint/2012/main" xmlns:ahyp="http://schemas.microsoft.com/office/drawing/2018/hyperlinkcolor">
   <p:cSld name="simple-light-2">
     <p:bg>
       <p:bgPr>
         <a:solidFill>
           <a:schemeClr val="lt1"/>
         </a:solidFill>
-        <a:effectLst/>
       </p:bgPr>
     </p:bg>
     <p:spTree>
       <p:nvGrpSpPr>
-        <p:cNvPr id="1" name="Shape 5"/>
+        <p:cNvPr id="5" name="Shape 5"/>
         <p:cNvGrpSpPr/>
         <p:nvPr/>
       </p:nvGrpSpPr>
@@ -4650,17 +4618,15 @@
       <p:sp>
         <p:nvSpPr>
           <p:cNvPr id="6" name="Google Shape;6;p1"/>
-          <p:cNvSpPr txBox="1">
-            <a:spLocks noGrp="1"/>
-          </p:cNvSpPr>
+          <p:cNvSpPr txBox="1"/>
           <p:nvPr>
             <p:ph type="title"/>
           </p:nvPr>
         </p:nvSpPr>
         <p:spPr>
           <a:xfrm>
-            <a:off x="233745" y="856979"/>
-            <a:ext cx="6389332" cy="1102730"/>
+            <a:off x="92037" y="311479"/>
+            <a:ext cx="2515800" cy="400800"/>
           </a:xfrm>
           <a:prstGeom prst="rect">
             <a:avLst/>
@@ -4671,7 +4637,7 @@
           </a:ln>
         </p:spPr>
         <p:txBody>
-          <a:bodyPr spcFirstLastPara="1" wrap="square" lIns="39325" tIns="39325" rIns="39325" bIns="39325" anchor="t" anchorCtr="0">
+          <a:bodyPr anchorCtr="0" anchor="t" bIns="39325" lIns="39325" spcFirstLastPara="1" rIns="39325" wrap="square" tIns="39325">
             <a:noAutofit/>
           </a:bodyPr>
           <a:lstStyle>
@@ -4838,25 +4804,21 @@
               </a:defRPr>
             </a:lvl9pPr>
           </a:lstStyle>
-          <a:p>
-            <a:endParaRPr/>
-          </a:p>
+          <a:p/>
         </p:txBody>
       </p:sp>
       <p:sp>
         <p:nvSpPr>
           <p:cNvPr id="7" name="Google Shape;7;p1"/>
-          <p:cNvSpPr txBox="1">
-            <a:spLocks noGrp="1"/>
-          </p:cNvSpPr>
+          <p:cNvSpPr txBox="1"/>
           <p:nvPr>
-            <p:ph type="body" idx="1"/>
+            <p:ph idx="1" type="body"/>
           </p:nvPr>
         </p:nvSpPr>
         <p:spPr>
           <a:xfrm>
-            <a:off x="233745" y="2219305"/>
-            <a:ext cx="6389332" cy="6579238"/>
+            <a:off x="92037" y="806632"/>
+            <a:ext cx="2515800" cy="2391300"/>
           </a:xfrm>
           <a:prstGeom prst="rect">
             <a:avLst/>
@@ -4867,11 +4829,11 @@
           </a:ln>
         </p:spPr>
         <p:txBody>
-          <a:bodyPr spcFirstLastPara="1" wrap="square" lIns="39325" tIns="39325" rIns="39325" bIns="39325" anchor="t" anchorCtr="0">
+          <a:bodyPr anchorCtr="0" anchor="t" bIns="39325" lIns="39325" spcFirstLastPara="1" rIns="39325" wrap="square" tIns="39325">
             <a:noAutofit/>
           </a:bodyPr>
           <a:lstStyle>
-            <a:lvl1pPr marL="457200" lvl="0" indent="-279400">
+            <a:lvl1pPr indent="-279400" lvl="0" marL="457200">
               <a:lnSpc>
                 <a:spcPct val="115000"/>
               </a:lnSpc>
@@ -4892,7 +4854,7 @@
                 </a:solidFill>
               </a:defRPr>
             </a:lvl1pPr>
-            <a:lvl2pPr marL="914400" lvl="1" indent="-266700">
+            <a:lvl2pPr indent="-266700" lvl="1" marL="914400">
               <a:lnSpc>
                 <a:spcPct val="115000"/>
               </a:lnSpc>
@@ -4913,7 +4875,7 @@
                 </a:solidFill>
               </a:defRPr>
             </a:lvl2pPr>
-            <a:lvl3pPr marL="1371600" lvl="2" indent="-266700">
+            <a:lvl3pPr indent="-266700" lvl="2" marL="1371600">
               <a:lnSpc>
                 <a:spcPct val="115000"/>
               </a:lnSpc>
@@ -4934,7 +4896,7 @@
                 </a:solidFill>
               </a:defRPr>
             </a:lvl3pPr>
-            <a:lvl4pPr marL="1828800" lvl="3" indent="-266700">
+            <a:lvl4pPr indent="-266700" lvl="3" marL="1828800">
               <a:lnSpc>
                 <a:spcPct val="115000"/>
               </a:lnSpc>
@@ -4955,7 +4917,7 @@
                 </a:solidFill>
               </a:defRPr>
             </a:lvl4pPr>
-            <a:lvl5pPr marL="2286000" lvl="4" indent="-266700">
+            <a:lvl5pPr indent="-266700" lvl="4" marL="2286000">
               <a:lnSpc>
                 <a:spcPct val="115000"/>
               </a:lnSpc>
@@ -4976,7 +4938,7 @@
                 </a:solidFill>
               </a:defRPr>
             </a:lvl5pPr>
-            <a:lvl6pPr marL="2743200" lvl="5" indent="-266700">
+            <a:lvl6pPr indent="-266700" lvl="5" marL="2743200">
               <a:lnSpc>
                 <a:spcPct val="115000"/>
               </a:lnSpc>
@@ -4997,7 +4959,7 @@
                 </a:solidFill>
               </a:defRPr>
             </a:lvl6pPr>
-            <a:lvl7pPr marL="3200400" lvl="6" indent="-266700">
+            <a:lvl7pPr indent="-266700" lvl="6" marL="3200400">
               <a:lnSpc>
                 <a:spcPct val="115000"/>
               </a:lnSpc>
@@ -5018,7 +4980,7 @@
                 </a:solidFill>
               </a:defRPr>
             </a:lvl7pPr>
-            <a:lvl8pPr marL="3657600" lvl="7" indent="-266700">
+            <a:lvl8pPr indent="-266700" lvl="7" marL="3657600">
               <a:lnSpc>
                 <a:spcPct val="115000"/>
               </a:lnSpc>
@@ -5039,7 +5001,7 @@
                 </a:solidFill>
               </a:defRPr>
             </a:lvl8pPr>
-            <a:lvl9pPr marL="4114800" lvl="8" indent="-266700">
+            <a:lvl9pPr indent="-266700" lvl="8" marL="4114800">
               <a:lnSpc>
                 <a:spcPct val="115000"/>
               </a:lnSpc>
@@ -5061,25 +5023,21 @@
               </a:defRPr>
             </a:lvl9pPr>
           </a:lstStyle>
-          <a:p>
-            <a:endParaRPr/>
-          </a:p>
+          <a:p/>
         </p:txBody>
       </p:sp>
       <p:sp>
         <p:nvSpPr>
           <p:cNvPr id="8" name="Google Shape;8;p1"/>
-          <p:cNvSpPr txBox="1">
-            <a:spLocks noGrp="1"/>
-          </p:cNvSpPr>
+          <p:cNvSpPr txBox="1"/>
           <p:nvPr>
-            <p:ph type="sldNum" idx="12"/>
+            <p:ph idx="12" type="sldNum"/>
           </p:nvPr>
         </p:nvSpPr>
         <p:spPr>
           <a:xfrm>
-            <a:off x="6353548" y="8979888"/>
-            <a:ext cx="411428" cy="757714"/>
+            <a:off x="2501710" y="3263844"/>
+            <a:ext cx="162000" cy="275400"/>
           </a:xfrm>
           <a:prstGeom prst="rect">
             <a:avLst/>
@@ -5090,13 +5048,13 @@
           </a:ln>
         </p:spPr>
         <p:txBody>
-          <a:bodyPr spcFirstLastPara="1" wrap="square" lIns="39325" tIns="39325" rIns="39325" bIns="39325" anchor="ctr" anchorCtr="0">
+          <a:bodyPr anchorCtr="0" anchor="ctr" bIns="39325" lIns="39325" spcFirstLastPara="1" rIns="39325" wrap="square" tIns="39325">
             <a:noAutofit/>
           </a:bodyPr>
           <a:lstStyle>
             <a:lvl1pPr lvl="0" algn="r">
               <a:buNone/>
-              <a:defRPr sz="1016">
+              <a:defRPr sz="400">
                 <a:solidFill>
                   <a:schemeClr val="dk2"/>
                 </a:solidFill>
@@ -5104,7 +5062,7 @@
             </a:lvl1pPr>
             <a:lvl2pPr lvl="1" algn="r">
               <a:buNone/>
-              <a:defRPr sz="1016">
+              <a:defRPr sz="400">
                 <a:solidFill>
                   <a:schemeClr val="dk2"/>
                 </a:solidFill>
@@ -5112,7 +5070,7 @@
             </a:lvl2pPr>
             <a:lvl3pPr lvl="2" algn="r">
               <a:buNone/>
-              <a:defRPr sz="1016">
+              <a:defRPr sz="400">
                 <a:solidFill>
                   <a:schemeClr val="dk2"/>
                 </a:solidFill>
@@ -5120,7 +5078,7 @@
             </a:lvl3pPr>
             <a:lvl4pPr lvl="3" algn="r">
               <a:buNone/>
-              <a:defRPr sz="1016">
+              <a:defRPr sz="400">
                 <a:solidFill>
                   <a:schemeClr val="dk2"/>
                 </a:solidFill>
@@ -5128,7 +5086,7 @@
             </a:lvl4pPr>
             <a:lvl5pPr lvl="4" algn="r">
               <a:buNone/>
-              <a:defRPr sz="1016">
+              <a:defRPr sz="400">
                 <a:solidFill>
                   <a:schemeClr val="dk2"/>
                 </a:solidFill>
@@ -5136,7 +5094,7 @@
             </a:lvl5pPr>
             <a:lvl6pPr lvl="5" algn="r">
               <a:buNone/>
-              <a:defRPr sz="1016">
+              <a:defRPr sz="400">
                 <a:solidFill>
                   <a:schemeClr val="dk2"/>
                 </a:solidFill>
@@ -5144,7 +5102,7 @@
             </a:lvl6pPr>
             <a:lvl7pPr lvl="6" algn="r">
               <a:buNone/>
-              <a:defRPr sz="1016">
+              <a:defRPr sz="400">
                 <a:solidFill>
                   <a:schemeClr val="dk2"/>
                 </a:solidFill>
@@ -5152,7 +5110,7 @@
             </a:lvl7pPr>
             <a:lvl8pPr lvl="7" algn="r">
               <a:buNone/>
-              <a:defRPr sz="1016">
+              <a:defRPr sz="400">
                 <a:solidFill>
                   <a:schemeClr val="dk2"/>
                 </a:solidFill>
@@ -5160,7 +5118,7 @@
             </a:lvl8pPr>
             <a:lvl9pPr lvl="8" algn="r">
               <a:buNone/>
-              <a:defRPr sz="1016">
+              <a:defRPr sz="400">
                 <a:solidFill>
                   <a:schemeClr val="dk2"/>
                 </a:solidFill>
@@ -5168,18 +5126,26 @@
             </a:lvl9pPr>
           </a:lstStyle>
           <a:p>
+            <a:pPr indent="0" lvl="0" marL="0" rtl="0" algn="r">
+              <a:spcBef>
+                <a:spcPts val="0"/>
+              </a:spcBef>
+              <a:spcAft>
+                <a:spcPts val="0"/>
+              </a:spcAft>
+              <a:buNone/>
+            </a:pPr>
             <a:fld id="{00000000-1234-1234-1234-123412341234}" type="slidenum">
-              <a:rPr lang="en-GB" smtClean="0"/>
-              <a:pPr/>
+              <a:rPr lang="en-GB"/>
               <a:t>‹#›</a:t>
             </a:fld>
-            <a:endParaRPr lang="en-GB"/>
+            <a:endParaRPr/>
           </a:p>
         </p:txBody>
       </p:sp>
     </p:spTree>
   </p:cSld>
-  <p:clrMap bg1="lt1" tx1="dk1" bg2="dk2" tx2="lt2" accent1="accent1" accent2="accent2" accent3="accent3" accent4="accent4" accent5="accent5" accent6="accent6" hlink="hlink" folHlink="folHlink"/>
+  <p:clrMap accent1="accent1" accent2="accent2" accent3="accent3" accent4="accent4" accent5="accent5" accent6="accent6" bg1="lt1" bg2="dk2" tx1="dk1" tx2="lt2" folHlink="folHlink" hlink="hlink"/>
   <p:sldLayoutIdLst>
     <p:sldLayoutId id="2147483648" r:id="rId1"/>
     <p:sldLayoutId id="2147483649" r:id="rId2"/>
@@ -5193,10 +5159,10 @@
     <p:sldLayoutId id="2147483657" r:id="rId10"/>
     <p:sldLayoutId id="2147483658" r:id="rId11"/>
   </p:sldLayoutIdLst>
-  <p:hf sldNum="0" hdr="0" ftr="0" dt="0"/>
+  <p:hf dt="0" ftr="0" hdr="0" sldNum="0"/>
   <p:txStyles>
     <p:titleStyle>
-      <a:defPPr marR="0" lvl="0" algn="l" rtl="0">
+      <a:defPPr lvl="0" marR="0" rtl="0" algn="l">
         <a:lnSpc>
           <a:spcPct val="100000"/>
         </a:lnSpc>
@@ -5207,7 +5173,7 @@
           <a:spcPts val="0"/>
         </a:spcAft>
       </a:defPPr>
-      <a:lvl1pPr marR="0" lvl="0" algn="l" rtl="0">
+      <a:lvl1pPr lvl="0" marR="0" rtl="0" algn="l">
         <a:lnSpc>
           <a:spcPct val="100000"/>
         </a:lnSpc>
@@ -5221,7 +5187,7 @@
           <a:srgbClr val="000000"/>
         </a:buClr>
         <a:buFont typeface="Arial"/>
-        <a:defRPr sz="3556" b="0" i="0" u="none" strike="noStrike" cap="none">
+        <a:defRPr b="0" i="0" sz="1400" u="none" cap="none" strike="noStrike">
           <a:solidFill>
             <a:srgbClr val="000000"/>
           </a:solidFill>
@@ -5231,7 +5197,7 @@
           <a:sym typeface="Arial"/>
         </a:defRPr>
       </a:lvl1pPr>
-      <a:lvl2pPr marR="0" lvl="1" algn="l" rtl="0">
+      <a:lvl2pPr lvl="1" marR="0" rtl="0" algn="l">
         <a:lnSpc>
           <a:spcPct val="100000"/>
         </a:lnSpc>
@@ -5245,7 +5211,7 @@
           <a:srgbClr val="000000"/>
         </a:buClr>
         <a:buFont typeface="Arial"/>
-        <a:defRPr sz="3556" b="0" i="0" u="none" strike="noStrike" cap="none">
+        <a:defRPr b="0" i="0" sz="1400" u="none" cap="none" strike="noStrike">
           <a:solidFill>
             <a:srgbClr val="000000"/>
           </a:solidFill>
@@ -5255,7 +5221,7 @@
           <a:sym typeface="Arial"/>
         </a:defRPr>
       </a:lvl2pPr>
-      <a:lvl3pPr marR="0" lvl="2" algn="l" rtl="0">
+      <a:lvl3pPr lvl="2" marR="0" rtl="0" algn="l">
         <a:lnSpc>
           <a:spcPct val="100000"/>
         </a:lnSpc>
@@ -5269,7 +5235,7 @@
           <a:srgbClr val="000000"/>
         </a:buClr>
         <a:buFont typeface="Arial"/>
-        <a:defRPr sz="3556" b="0" i="0" u="none" strike="noStrike" cap="none">
+        <a:defRPr b="0" i="0" sz="1400" u="none" cap="none" strike="noStrike">
           <a:solidFill>
             <a:srgbClr val="000000"/>
           </a:solidFill>
@@ -5279,7 +5245,7 @@
           <a:sym typeface="Arial"/>
         </a:defRPr>
       </a:lvl3pPr>
-      <a:lvl4pPr marR="0" lvl="3" algn="l" rtl="0">
+      <a:lvl4pPr lvl="3" marR="0" rtl="0" algn="l">
         <a:lnSpc>
           <a:spcPct val="100000"/>
         </a:lnSpc>
@@ -5293,7 +5259,7 @@
           <a:srgbClr val="000000"/>
         </a:buClr>
         <a:buFont typeface="Arial"/>
-        <a:defRPr sz="3556" b="0" i="0" u="none" strike="noStrike" cap="none">
+        <a:defRPr b="0" i="0" sz="1400" u="none" cap="none" strike="noStrike">
           <a:solidFill>
             <a:srgbClr val="000000"/>
           </a:solidFill>
@@ -5303,7 +5269,7 @@
           <a:sym typeface="Arial"/>
         </a:defRPr>
       </a:lvl4pPr>
-      <a:lvl5pPr marR="0" lvl="4" algn="l" rtl="0">
+      <a:lvl5pPr lvl="4" marR="0" rtl="0" algn="l">
         <a:lnSpc>
           <a:spcPct val="100000"/>
         </a:lnSpc>
@@ -5317,7 +5283,7 @@
           <a:srgbClr val="000000"/>
         </a:buClr>
         <a:buFont typeface="Arial"/>
-        <a:defRPr sz="3556" b="0" i="0" u="none" strike="noStrike" cap="none">
+        <a:defRPr b="0" i="0" sz="1400" u="none" cap="none" strike="noStrike">
           <a:solidFill>
             <a:srgbClr val="000000"/>
           </a:solidFill>
@@ -5327,7 +5293,7 @@
           <a:sym typeface="Arial"/>
         </a:defRPr>
       </a:lvl5pPr>
-      <a:lvl6pPr marR="0" lvl="5" algn="l" rtl="0">
+      <a:lvl6pPr lvl="5" marR="0" rtl="0" algn="l">
         <a:lnSpc>
           <a:spcPct val="100000"/>
         </a:lnSpc>
@@ -5341,7 +5307,7 @@
           <a:srgbClr val="000000"/>
         </a:buClr>
         <a:buFont typeface="Arial"/>
-        <a:defRPr sz="3556" b="0" i="0" u="none" strike="noStrike" cap="none">
+        <a:defRPr b="0" i="0" sz="1400" u="none" cap="none" strike="noStrike">
           <a:solidFill>
             <a:srgbClr val="000000"/>
           </a:solidFill>
@@ -5351,7 +5317,7 @@
           <a:sym typeface="Arial"/>
         </a:defRPr>
       </a:lvl6pPr>
-      <a:lvl7pPr marR="0" lvl="6" algn="l" rtl="0">
+      <a:lvl7pPr lvl="6" marR="0" rtl="0" algn="l">
         <a:lnSpc>
           <a:spcPct val="100000"/>
         </a:lnSpc>
@@ -5365,7 +5331,7 @@
           <a:srgbClr val="000000"/>
         </a:buClr>
         <a:buFont typeface="Arial"/>
-        <a:defRPr sz="3556" b="0" i="0" u="none" strike="noStrike" cap="none">
+        <a:defRPr b="0" i="0" sz="1400" u="none" cap="none" strike="noStrike">
           <a:solidFill>
             <a:srgbClr val="000000"/>
           </a:solidFill>
@@ -5375,7 +5341,7 @@
           <a:sym typeface="Arial"/>
         </a:defRPr>
       </a:lvl7pPr>
-      <a:lvl8pPr marR="0" lvl="7" algn="l" rtl="0">
+      <a:lvl8pPr lvl="7" marR="0" rtl="0" algn="l">
         <a:lnSpc>
           <a:spcPct val="100000"/>
         </a:lnSpc>
@@ -5389,7 +5355,7 @@
           <a:srgbClr val="000000"/>
         </a:buClr>
         <a:buFont typeface="Arial"/>
-        <a:defRPr sz="3556" b="0" i="0" u="none" strike="noStrike" cap="none">
+        <a:defRPr b="0" i="0" sz="1400" u="none" cap="none" strike="noStrike">
           <a:solidFill>
             <a:srgbClr val="000000"/>
           </a:solidFill>
@@ -5399,7 +5365,7 @@
           <a:sym typeface="Arial"/>
         </a:defRPr>
       </a:lvl8pPr>
-      <a:lvl9pPr marR="0" lvl="8" algn="l" rtl="0">
+      <a:lvl9pPr lvl="8" marR="0" rtl="0" algn="l">
         <a:lnSpc>
           <a:spcPct val="100000"/>
         </a:lnSpc>
@@ -5413,7 +5379,7 @@
           <a:srgbClr val="000000"/>
         </a:buClr>
         <a:buFont typeface="Arial"/>
-        <a:defRPr sz="3556" b="0" i="0" u="none" strike="noStrike" cap="none">
+        <a:defRPr b="0" i="0" sz="1400" u="none" cap="none" strike="noStrike">
           <a:solidFill>
             <a:srgbClr val="000000"/>
           </a:solidFill>
@@ -5425,7 +5391,7 @@
       </a:lvl9pPr>
     </p:titleStyle>
     <p:bodyStyle>
-      <a:defPPr marR="0" lvl="0" algn="l" rtl="0">
+      <a:defPPr lvl="0" marR="0" rtl="0" algn="l">
         <a:lnSpc>
           <a:spcPct val="100000"/>
         </a:lnSpc>
@@ -5436,7 +5402,7 @@
           <a:spcPts val="0"/>
         </a:spcAft>
       </a:defPPr>
-      <a:lvl1pPr marR="0" lvl="0" algn="l" rtl="0">
+      <a:lvl1pPr lvl="0" marR="0" rtl="0" algn="l">
         <a:lnSpc>
           <a:spcPct val="100000"/>
         </a:lnSpc>
@@ -5450,7 +5416,7 @@
           <a:srgbClr val="000000"/>
         </a:buClr>
         <a:buFont typeface="Arial"/>
-        <a:defRPr sz="3556" b="0" i="0" u="none" strike="noStrike" cap="none">
+        <a:defRPr b="0" i="0" sz="1400" u="none" cap="none" strike="noStrike">
           <a:solidFill>
             <a:srgbClr val="000000"/>
           </a:solidFill>
@@ -5460,7 +5426,7 @@
           <a:sym typeface="Arial"/>
         </a:defRPr>
       </a:lvl1pPr>
-      <a:lvl2pPr marR="0" lvl="1" algn="l" rtl="0">
+      <a:lvl2pPr lvl="1" marR="0" rtl="0" algn="l">
         <a:lnSpc>
           <a:spcPct val="100000"/>
         </a:lnSpc>
@@ -5474,7 +5440,7 @@
           <a:srgbClr val="000000"/>
         </a:buClr>
         <a:buFont typeface="Arial"/>
-        <a:defRPr sz="3556" b="0" i="0" u="none" strike="noStrike" cap="none">
+        <a:defRPr b="0" i="0" sz="1400" u="none" cap="none" strike="noStrike">
           <a:solidFill>
             <a:srgbClr val="000000"/>
           </a:solidFill>
@@ -5484,7 +5450,7 @@
           <a:sym typeface="Arial"/>
         </a:defRPr>
       </a:lvl2pPr>
-      <a:lvl3pPr marR="0" lvl="2" algn="l" rtl="0">
+      <a:lvl3pPr lvl="2" marR="0" rtl="0" algn="l">
         <a:lnSpc>
           <a:spcPct val="100000"/>
         </a:lnSpc>
@@ -5498,7 +5464,7 @@
           <a:srgbClr val="000000"/>
         </a:buClr>
         <a:buFont typeface="Arial"/>
-        <a:defRPr sz="3556" b="0" i="0" u="none" strike="noStrike" cap="none">
+        <a:defRPr b="0" i="0" sz="1400" u="none" cap="none" strike="noStrike">
           <a:solidFill>
             <a:srgbClr val="000000"/>
           </a:solidFill>
@@ -5508,7 +5474,7 @@
           <a:sym typeface="Arial"/>
         </a:defRPr>
       </a:lvl3pPr>
-      <a:lvl4pPr marR="0" lvl="3" algn="l" rtl="0">
+      <a:lvl4pPr lvl="3" marR="0" rtl="0" algn="l">
         <a:lnSpc>
           <a:spcPct val="100000"/>
         </a:lnSpc>
@@ -5522,7 +5488,7 @@
           <a:srgbClr val="000000"/>
         </a:buClr>
         <a:buFont typeface="Arial"/>
-        <a:defRPr sz="3556" b="0" i="0" u="none" strike="noStrike" cap="none">
+        <a:defRPr b="0" i="0" sz="1400" u="none" cap="none" strike="noStrike">
           <a:solidFill>
             <a:srgbClr val="000000"/>
           </a:solidFill>
@@ -5532,7 +5498,7 @@
           <a:sym typeface="Arial"/>
         </a:defRPr>
       </a:lvl4pPr>
-      <a:lvl5pPr marR="0" lvl="4" algn="l" rtl="0">
+      <a:lvl5pPr lvl="4" marR="0" rtl="0" algn="l">
         <a:lnSpc>
           <a:spcPct val="100000"/>
         </a:lnSpc>
@@ -5546,7 +5512,7 @@
           <a:srgbClr val="000000"/>
         </a:buClr>
         <a:buFont typeface="Arial"/>
-        <a:defRPr sz="3556" b="0" i="0" u="none" strike="noStrike" cap="none">
+        <a:defRPr b="0" i="0" sz="1400" u="none" cap="none" strike="noStrike">
           <a:solidFill>
             <a:srgbClr val="000000"/>
           </a:solidFill>
@@ -5556,7 +5522,7 @@
           <a:sym typeface="Arial"/>
         </a:defRPr>
       </a:lvl5pPr>
-      <a:lvl6pPr marR="0" lvl="5" algn="l" rtl="0">
+      <a:lvl6pPr lvl="5" marR="0" rtl="0" algn="l">
         <a:lnSpc>
           <a:spcPct val="100000"/>
         </a:lnSpc>
@@ -5570,7 +5536,7 @@
           <a:srgbClr val="000000"/>
         </a:buClr>
         <a:buFont typeface="Arial"/>
-        <a:defRPr sz="3556" b="0" i="0" u="none" strike="noStrike" cap="none">
+        <a:defRPr b="0" i="0" sz="1400" u="none" cap="none" strike="noStrike">
           <a:solidFill>
             <a:srgbClr val="000000"/>
           </a:solidFill>
@@ -5580,7 +5546,7 @@
           <a:sym typeface="Arial"/>
         </a:defRPr>
       </a:lvl6pPr>
-      <a:lvl7pPr marR="0" lvl="6" algn="l" rtl="0">
+      <a:lvl7pPr lvl="6" marR="0" rtl="0" algn="l">
         <a:lnSpc>
           <a:spcPct val="100000"/>
         </a:lnSpc>
@@ -5594,7 +5560,7 @@
           <a:srgbClr val="000000"/>
         </a:buClr>
         <a:buFont typeface="Arial"/>
-        <a:defRPr sz="3556" b="0" i="0" u="none" strike="noStrike" cap="none">
+        <a:defRPr b="0" i="0" sz="1400" u="none" cap="none" strike="noStrike">
           <a:solidFill>
             <a:srgbClr val="000000"/>
           </a:solidFill>
@@ -5604,7 +5570,7 @@
           <a:sym typeface="Arial"/>
         </a:defRPr>
       </a:lvl7pPr>
-      <a:lvl8pPr marR="0" lvl="7" algn="l" rtl="0">
+      <a:lvl8pPr lvl="7" marR="0" rtl="0" algn="l">
         <a:lnSpc>
           <a:spcPct val="100000"/>
         </a:lnSpc>
@@ -5618,7 +5584,7 @@
           <a:srgbClr val="000000"/>
         </a:buClr>
         <a:buFont typeface="Arial"/>
-        <a:defRPr sz="3556" b="0" i="0" u="none" strike="noStrike" cap="none">
+        <a:defRPr b="0" i="0" sz="1400" u="none" cap="none" strike="noStrike">
           <a:solidFill>
             <a:srgbClr val="000000"/>
           </a:solidFill>
@@ -5628,7 +5594,7 @@
           <a:sym typeface="Arial"/>
         </a:defRPr>
       </a:lvl8pPr>
-      <a:lvl9pPr marR="0" lvl="8" algn="l" rtl="0">
+      <a:lvl9pPr lvl="8" marR="0" rtl="0" algn="l">
         <a:lnSpc>
           <a:spcPct val="100000"/>
         </a:lnSpc>
@@ -5642,7 +5608,7 @@
           <a:srgbClr val="000000"/>
         </a:buClr>
         <a:buFont typeface="Arial"/>
-        <a:defRPr sz="3556" b="0" i="0" u="none" strike="noStrike" cap="none">
+        <a:defRPr b="0" i="0" sz="1400" u="none" cap="none" strike="noStrike">
           <a:solidFill>
             <a:srgbClr val="000000"/>
           </a:solidFill>
@@ -5654,7 +5620,7 @@
       </a:lvl9pPr>
     </p:bodyStyle>
     <p:otherStyle>
-      <a:defPPr marR="0" lvl="0" algn="l" rtl="0">
+      <a:defPPr lvl="0" marR="0" rtl="0" algn="l">
         <a:lnSpc>
           <a:spcPct val="100000"/>
         </a:lnSpc>
@@ -5665,7 +5631,7 @@
           <a:spcPts val="0"/>
         </a:spcAft>
       </a:defPPr>
-      <a:lvl1pPr marR="0" lvl="0" algn="l" rtl="0">
+      <a:lvl1pPr lvl="0" marR="0" rtl="0" algn="l">
         <a:lnSpc>
           <a:spcPct val="100000"/>
         </a:lnSpc>
@@ -5679,7 +5645,7 @@
           <a:srgbClr val="000000"/>
         </a:buClr>
         <a:buFont typeface="Arial"/>
-        <a:defRPr sz="3556" b="0" i="0" u="none" strike="noStrike" cap="none">
+        <a:defRPr b="0" i="0" sz="1400" u="none" cap="none" strike="noStrike">
           <a:solidFill>
             <a:srgbClr val="000000"/>
           </a:solidFill>
@@ -5689,7 +5655,7 @@
           <a:sym typeface="Arial"/>
         </a:defRPr>
       </a:lvl1pPr>
-      <a:lvl2pPr marR="0" lvl="1" algn="l" rtl="0">
+      <a:lvl2pPr lvl="1" marR="0" rtl="0" algn="l">
         <a:lnSpc>
           <a:spcPct val="100000"/>
         </a:lnSpc>
@@ -5703,7 +5669,7 @@
           <a:srgbClr val="000000"/>
         </a:buClr>
         <a:buFont typeface="Arial"/>
-        <a:defRPr sz="3556" b="0" i="0" u="none" strike="noStrike" cap="none">
+        <a:defRPr b="0" i="0" sz="1400" u="none" cap="none" strike="noStrike">
           <a:solidFill>
             <a:srgbClr val="000000"/>
           </a:solidFill>
@@ -5713,7 +5679,7 @@
           <a:sym typeface="Arial"/>
         </a:defRPr>
       </a:lvl2pPr>
-      <a:lvl3pPr marR="0" lvl="2" algn="l" rtl="0">
+      <a:lvl3pPr lvl="2" marR="0" rtl="0" algn="l">
         <a:lnSpc>
           <a:spcPct val="100000"/>
         </a:lnSpc>
@@ -5727,7 +5693,7 @@
           <a:srgbClr val="000000"/>
         </a:buClr>
         <a:buFont typeface="Arial"/>
-        <a:defRPr sz="3556" b="0" i="0" u="none" strike="noStrike" cap="none">
+        <a:defRPr b="0" i="0" sz="1400" u="none" cap="none" strike="noStrike">
           <a:solidFill>
             <a:srgbClr val="000000"/>
           </a:solidFill>
@@ -5737,7 +5703,7 @@
           <a:sym typeface="Arial"/>
         </a:defRPr>
       </a:lvl3pPr>
-      <a:lvl4pPr marR="0" lvl="3" algn="l" rtl="0">
+      <a:lvl4pPr lvl="3" marR="0" rtl="0" algn="l">
         <a:lnSpc>
           <a:spcPct val="100000"/>
         </a:lnSpc>
@@ -5751,7 +5717,7 @@
           <a:srgbClr val="000000"/>
         </a:buClr>
         <a:buFont typeface="Arial"/>
-        <a:defRPr sz="3556" b="0" i="0" u="none" strike="noStrike" cap="none">
+        <a:defRPr b="0" i="0" sz="1400" u="none" cap="none" strike="noStrike">
           <a:solidFill>
             <a:srgbClr val="000000"/>
           </a:solidFill>
@@ -5761,7 +5727,7 @@
           <a:sym typeface="Arial"/>
         </a:defRPr>
       </a:lvl4pPr>
-      <a:lvl5pPr marR="0" lvl="4" algn="l" rtl="0">
+      <a:lvl5pPr lvl="4" marR="0" rtl="0" algn="l">
         <a:lnSpc>
           <a:spcPct val="100000"/>
         </a:lnSpc>
@@ -5775,7 +5741,7 @@
           <a:srgbClr val="000000"/>
         </a:buClr>
         <a:buFont typeface="Arial"/>
-        <a:defRPr sz="3556" b="0" i="0" u="none" strike="noStrike" cap="none">
+        <a:defRPr b="0" i="0" sz="1400" u="none" cap="none" strike="noStrike">
           <a:solidFill>
             <a:srgbClr val="000000"/>
           </a:solidFill>
@@ -5785,7 +5751,7 @@
           <a:sym typeface="Arial"/>
         </a:defRPr>
       </a:lvl5pPr>
-      <a:lvl6pPr marR="0" lvl="5" algn="l" rtl="0">
+      <a:lvl6pPr lvl="5" marR="0" rtl="0" algn="l">
         <a:lnSpc>
           <a:spcPct val="100000"/>
         </a:lnSpc>
@@ -5799,7 +5765,7 @@
           <a:srgbClr val="000000"/>
         </a:buClr>
         <a:buFont typeface="Arial"/>
-        <a:defRPr sz="3556" b="0" i="0" u="none" strike="noStrike" cap="none">
+        <a:defRPr b="0" i="0" sz="1400" u="none" cap="none" strike="noStrike">
           <a:solidFill>
             <a:srgbClr val="000000"/>
           </a:solidFill>
@@ -5809,7 +5775,7 @@
           <a:sym typeface="Arial"/>
         </a:defRPr>
       </a:lvl6pPr>
-      <a:lvl7pPr marR="0" lvl="6" algn="l" rtl="0">
+      <a:lvl7pPr lvl="6" marR="0" rtl="0" algn="l">
         <a:lnSpc>
           <a:spcPct val="100000"/>
         </a:lnSpc>
@@ -5823,7 +5789,7 @@
           <a:srgbClr val="000000"/>
         </a:buClr>
         <a:buFont typeface="Arial"/>
-        <a:defRPr sz="3556" b="0" i="0" u="none" strike="noStrike" cap="none">
+        <a:defRPr b="0" i="0" sz="1400" u="none" cap="none" strike="noStrike">
           <a:solidFill>
             <a:srgbClr val="000000"/>
           </a:solidFill>
@@ -5833,7 +5799,7 @@
           <a:sym typeface="Arial"/>
         </a:defRPr>
       </a:lvl7pPr>
-      <a:lvl8pPr marR="0" lvl="7" algn="l" rtl="0">
+      <a:lvl8pPr lvl="7" marR="0" rtl="0" algn="l">
         <a:lnSpc>
           <a:spcPct val="100000"/>
         </a:lnSpc>
@@ -5847,7 +5813,7 @@
           <a:srgbClr val="000000"/>
         </a:buClr>
         <a:buFont typeface="Arial"/>
-        <a:defRPr sz="3556" b="0" i="0" u="none" strike="noStrike" cap="none">
+        <a:defRPr b="0" i="0" sz="1400" u="none" cap="none" strike="noStrike">
           <a:solidFill>
             <a:srgbClr val="000000"/>
           </a:solidFill>
@@ -5857,7 +5823,7 @@
           <a:sym typeface="Arial"/>
         </a:defRPr>
       </a:lvl8pPr>
-      <a:lvl9pPr marR="0" lvl="8" algn="l" rtl="0">
+      <a:lvl9pPr lvl="8" marR="0" rtl="0" algn="l">
         <a:lnSpc>
           <a:spcPct val="100000"/>
         </a:lnSpc>
@@ -5871,7 +5837,7 @@
           <a:srgbClr val="000000"/>
         </a:buClr>
         <a:buFont typeface="Arial"/>
-        <a:defRPr sz="3556" b="0" i="0" u="none" strike="noStrike" cap="none">
+        <a:defRPr b="0" i="0" sz="1400" u="none" cap="none" strike="noStrike">
           <a:solidFill>
             <a:srgbClr val="000000"/>
           </a:solidFill>
@@ -5887,7 +5853,7 @@
 </file>
 
 <file path=ppt/slides/slide1.xml><?xml version="1.0" encoding="utf-8"?>
-<p:sld xmlns:a="http://schemas.openxmlformats.org/drawingml/2006/main" xmlns:r="http://schemas.openxmlformats.org/officeDocument/2006/relationships" xmlns:p="http://schemas.openxmlformats.org/presentationml/2006/main">
+<p:sld xmlns:a="http://schemas.openxmlformats.org/drawingml/2006/main" xmlns:r="http://schemas.openxmlformats.org/officeDocument/2006/relationships" xmlns:mc="http://schemas.openxmlformats.org/markup-compatibility/2006" xmlns:mv="urn:schemas-microsoft-com:mac:vml" xmlns:p="http://schemas.openxmlformats.org/presentationml/2006/main" xmlns:c="http://schemas.openxmlformats.org/drawingml/2006/chart" xmlns:dgm="http://schemas.openxmlformats.org/drawingml/2006/diagram" xmlns:o="urn:schemas-microsoft-com:office:office" xmlns:v="urn:schemas-microsoft-com:vml" xmlns:pvml="urn:schemas-microsoft-com:office:powerpoint" xmlns:com="http://schemas.openxmlformats.org/drawingml/2006/compatibility" xmlns:p14="http://schemas.microsoft.com/office/powerpoint/2010/main" xmlns:p15="http://schemas.microsoft.com/office/powerpoint/2012/main" xmlns:ahyp="http://schemas.microsoft.com/office/drawing/2018/hyperlinkcolor">
   <p:cSld>
     <p:bg>
       <p:bgPr>
@@ -5899,12 +5865,11 @@
             <a:fillRect/>
           </a:stretch>
         </a:blipFill>
-        <a:effectLst/>
       </p:bgPr>
     </p:bg>
     <p:spTree>
       <p:nvGrpSpPr>
-        <p:cNvPr id="1" name="Shape 53"/>
+        <p:cNvPr id="53" name="Shape 53"/>
         <p:cNvGrpSpPr/>
         <p:nvPr/>
       </p:nvGrpSpPr>
@@ -5924,8 +5889,8 @@
         </p:nvSpPr>
         <p:spPr>
           <a:xfrm>
-            <a:off x="2155819" y="4370986"/>
-            <a:ext cx="2729905" cy="482286"/>
+            <a:off x="848850" y="1071439"/>
+            <a:ext cx="1074900" cy="220500"/>
           </a:xfrm>
           <a:prstGeom prst="rect">
             <a:avLst/>
@@ -5936,32 +5901,40 @@
           </a:ln>
         </p:spPr>
         <p:txBody>
-          <a:bodyPr spcFirstLastPara="1" wrap="square" lIns="99873" tIns="49905" rIns="99873" bIns="49905" anchor="t" anchorCtr="0">
+          <a:bodyPr anchorCtr="0" anchor="t" bIns="19650" lIns="39325" spcFirstLastPara="1" rIns="39325" wrap="square" tIns="19650">
             <a:noAutofit/>
           </a:bodyPr>
           <a:lstStyle/>
           <a:p>
-            <a:pPr algn="ctr"/>
+            <a:pPr indent="0" lvl="0" marL="0" rtl="0" algn="ctr">
+              <a:spcBef>
+                <a:spcPts val="0"/>
+              </a:spcBef>
+              <a:spcAft>
+                <a:spcPts val="0"/>
+              </a:spcAft>
+              <a:buNone/>
+            </a:pPr>
             <a:r>
-              <a:rPr lang="en-GB" sz="1270">
+              <a:rPr lang="en-GB" sz="700">
                 <a:solidFill>
-                  <a:srgbClr val="7F7F7F"/>
+                  <a:srgbClr val="434343"/>
                 </a:solidFill>
-                <a:latin typeface="Times New Roman"/>
-                <a:ea typeface="Times New Roman"/>
-                <a:cs typeface="Times New Roman"/>
-                <a:sym typeface="Times New Roman"/>
+                <a:latin typeface="Spectral"/>
+                <a:ea typeface="Spectral"/>
+                <a:cs typeface="Spectral"/>
+                <a:sym typeface="Spectral"/>
               </a:rPr>
               <a:t>0.00$</a:t>
             </a:r>
-            <a:endParaRPr sz="1270">
+            <a:endParaRPr sz="700">
               <a:solidFill>
-                <a:srgbClr val="7F7F7F"/>
+                <a:srgbClr val="434343"/>
               </a:solidFill>
-              <a:latin typeface="Times New Roman"/>
-              <a:ea typeface="Times New Roman"/>
-              <a:cs typeface="Times New Roman"/>
-              <a:sym typeface="Times New Roman"/>
+              <a:latin typeface="Spectral"/>
+              <a:ea typeface="Spectral"/>
+              <a:cs typeface="Spectral"/>
+              <a:sym typeface="Spectral"/>
             </a:endParaRPr>
           </a:p>
         </p:txBody>
@@ -5974,8 +5947,8 @@
         </p:nvSpPr>
         <p:spPr>
           <a:xfrm>
-            <a:off x="2155819" y="4777335"/>
-            <a:ext cx="2729905" cy="482286"/>
+            <a:off x="848850" y="1257100"/>
+            <a:ext cx="1074900" cy="220500"/>
           </a:xfrm>
           <a:prstGeom prst="rect">
             <a:avLst/>
@@ -5986,32 +5959,40 @@
           </a:ln>
         </p:spPr>
         <p:txBody>
-          <a:bodyPr spcFirstLastPara="1" wrap="square" lIns="99873" tIns="49905" rIns="99873" bIns="49905" anchor="t" anchorCtr="0">
+          <a:bodyPr anchorCtr="0" anchor="t" bIns="19650" lIns="39325" spcFirstLastPara="1" rIns="39325" wrap="square" tIns="19650">
             <a:noAutofit/>
           </a:bodyPr>
           <a:lstStyle/>
           <a:p>
-            <a:pPr algn="ctr"/>
+            <a:pPr indent="0" lvl="0" marL="0" rtl="0" algn="ctr">
+              <a:spcBef>
+                <a:spcPts val="0"/>
+              </a:spcBef>
+              <a:spcAft>
+                <a:spcPts val="0"/>
+              </a:spcAft>
+              <a:buNone/>
+            </a:pPr>
             <a:r>
-              <a:rPr lang="en-GB" sz="1270">
+              <a:rPr i="1" lang="en-GB" sz="700">
                 <a:solidFill>
-                  <a:srgbClr val="7F7F7F"/>
+                  <a:srgbClr val="434343"/>
                 </a:solidFill>
-                <a:latin typeface="Times New Roman"/>
-                <a:ea typeface="Times New Roman"/>
-                <a:cs typeface="Times New Roman"/>
-                <a:sym typeface="Times New Roman"/>
+                <a:latin typeface="Spectral"/>
+                <a:ea typeface="Spectral"/>
+                <a:cs typeface="Spectral"/>
+                <a:sym typeface="Spectral"/>
               </a:rPr>
               <a:t>write a new dish...</a:t>
             </a:r>
-            <a:endParaRPr sz="1270">
+            <a:endParaRPr i="1" sz="700">
               <a:solidFill>
-                <a:srgbClr val="7F7F7F"/>
+                <a:srgbClr val="434343"/>
               </a:solidFill>
-              <a:latin typeface="Times New Roman"/>
-              <a:ea typeface="Times New Roman"/>
-              <a:cs typeface="Times New Roman"/>
-              <a:sym typeface="Times New Roman"/>
+              <a:latin typeface="Spectral"/>
+              <a:ea typeface="Spectral"/>
+              <a:cs typeface="Spectral"/>
+              <a:sym typeface="Spectral"/>
             </a:endParaRPr>
           </a:p>
         </p:txBody>
@@ -6024,8 +6005,8 @@
         </p:nvSpPr>
         <p:spPr>
           <a:xfrm>
-            <a:off x="2155819" y="5183684"/>
-            <a:ext cx="2729905" cy="482286"/>
+            <a:off x="848850" y="1442761"/>
+            <a:ext cx="1074900" cy="220500"/>
           </a:xfrm>
           <a:prstGeom prst="rect">
             <a:avLst/>
@@ -6036,32 +6017,40 @@
           </a:ln>
         </p:spPr>
         <p:txBody>
-          <a:bodyPr spcFirstLastPara="1" wrap="square" lIns="99873" tIns="49905" rIns="99873" bIns="49905" anchor="t" anchorCtr="0">
+          <a:bodyPr anchorCtr="0" anchor="t" bIns="19650" lIns="39325" spcFirstLastPara="1" rIns="39325" wrap="square" tIns="19650">
             <a:noAutofit/>
           </a:bodyPr>
           <a:lstStyle/>
           <a:p>
-            <a:pPr algn="ctr"/>
+            <a:pPr indent="0" lvl="0" marL="0" rtl="0" algn="ctr">
+              <a:spcBef>
+                <a:spcPts val="0"/>
+              </a:spcBef>
+              <a:spcAft>
+                <a:spcPts val="0"/>
+              </a:spcAft>
+              <a:buNone/>
+            </a:pPr>
             <a:r>
-              <a:rPr lang="en-GB" sz="1270">
+              <a:rPr i="1" lang="en-GB" sz="700">
                 <a:solidFill>
-                  <a:srgbClr val="7F7F7F"/>
+                  <a:srgbClr val="434343"/>
                 </a:solidFill>
-                <a:latin typeface="Times New Roman"/>
-                <a:ea typeface="Times New Roman"/>
-                <a:cs typeface="Times New Roman"/>
-                <a:sym typeface="Times New Roman"/>
+                <a:latin typeface="Spectral"/>
+                <a:ea typeface="Spectral"/>
+                <a:cs typeface="Spectral"/>
+                <a:sym typeface="Spectral"/>
               </a:rPr>
               <a:t>write a new dish...</a:t>
             </a:r>
-            <a:endParaRPr sz="1270">
+            <a:endParaRPr i="1" sz="700">
               <a:solidFill>
-                <a:srgbClr val="7F7F7F"/>
+                <a:srgbClr val="434343"/>
               </a:solidFill>
-              <a:latin typeface="Times New Roman"/>
-              <a:ea typeface="Times New Roman"/>
-              <a:cs typeface="Times New Roman"/>
-              <a:sym typeface="Times New Roman"/>
+              <a:latin typeface="Spectral"/>
+              <a:ea typeface="Spectral"/>
+              <a:cs typeface="Spectral"/>
+              <a:sym typeface="Spectral"/>
             </a:endParaRPr>
           </a:p>
         </p:txBody>
@@ -6074,8 +6063,8 @@
         </p:nvSpPr>
         <p:spPr>
           <a:xfrm>
-            <a:off x="2155819" y="5590034"/>
-            <a:ext cx="2729905" cy="482286"/>
+            <a:off x="848850" y="1628423"/>
+            <a:ext cx="1074900" cy="220500"/>
           </a:xfrm>
           <a:prstGeom prst="rect">
             <a:avLst/>
@@ -6086,32 +6075,40 @@
           </a:ln>
         </p:spPr>
         <p:txBody>
-          <a:bodyPr spcFirstLastPara="1" wrap="square" lIns="99873" tIns="49905" rIns="99873" bIns="49905" anchor="t" anchorCtr="0">
+          <a:bodyPr anchorCtr="0" anchor="t" bIns="19650" lIns="39325" spcFirstLastPara="1" rIns="39325" wrap="square" tIns="19650">
             <a:noAutofit/>
           </a:bodyPr>
           <a:lstStyle/>
           <a:p>
-            <a:pPr algn="ctr"/>
+            <a:pPr indent="0" lvl="0" marL="0" rtl="0" algn="ctr">
+              <a:spcBef>
+                <a:spcPts val="0"/>
+              </a:spcBef>
+              <a:spcAft>
+                <a:spcPts val="0"/>
+              </a:spcAft>
+              <a:buNone/>
+            </a:pPr>
             <a:r>
-              <a:rPr lang="en-GB" sz="1270">
+              <a:rPr i="1" lang="en-GB" sz="700">
                 <a:solidFill>
-                  <a:srgbClr val="7F7F7F"/>
+                  <a:srgbClr val="434343"/>
                 </a:solidFill>
-                <a:latin typeface="Times New Roman"/>
-                <a:ea typeface="Times New Roman"/>
-                <a:cs typeface="Times New Roman"/>
-                <a:sym typeface="Times New Roman"/>
+                <a:latin typeface="Spectral"/>
+                <a:ea typeface="Spectral"/>
+                <a:cs typeface="Spectral"/>
+                <a:sym typeface="Spectral"/>
               </a:rPr>
               <a:t>write a new dish...</a:t>
             </a:r>
-            <a:endParaRPr sz="1270">
+            <a:endParaRPr i="1" sz="700">
               <a:solidFill>
-                <a:srgbClr val="7F7F7F"/>
+                <a:srgbClr val="434343"/>
               </a:solidFill>
-              <a:latin typeface="Times New Roman"/>
-              <a:ea typeface="Times New Roman"/>
-              <a:cs typeface="Times New Roman"/>
-              <a:sym typeface="Times New Roman"/>
+              <a:latin typeface="Spectral"/>
+              <a:ea typeface="Spectral"/>
+              <a:cs typeface="Spectral"/>
+              <a:sym typeface="Spectral"/>
             </a:endParaRPr>
           </a:p>
         </p:txBody>
@@ -6124,8 +6121,8 @@
         </p:nvSpPr>
         <p:spPr>
           <a:xfrm>
-            <a:off x="2155819" y="5996383"/>
-            <a:ext cx="2729905" cy="482286"/>
+            <a:off x="848850" y="1814084"/>
+            <a:ext cx="1074900" cy="220500"/>
           </a:xfrm>
           <a:prstGeom prst="rect">
             <a:avLst/>
@@ -6136,32 +6133,40 @@
           </a:ln>
         </p:spPr>
         <p:txBody>
-          <a:bodyPr spcFirstLastPara="1" wrap="square" lIns="99873" tIns="49905" rIns="99873" bIns="49905" anchor="t" anchorCtr="0">
+          <a:bodyPr anchorCtr="0" anchor="t" bIns="19650" lIns="39325" spcFirstLastPara="1" rIns="39325" wrap="square" tIns="19650">
             <a:noAutofit/>
           </a:bodyPr>
           <a:lstStyle/>
           <a:p>
-            <a:pPr algn="ctr"/>
+            <a:pPr indent="0" lvl="0" marL="0" rtl="0" algn="ctr">
+              <a:spcBef>
+                <a:spcPts val="0"/>
+              </a:spcBef>
+              <a:spcAft>
+                <a:spcPts val="0"/>
+              </a:spcAft>
+              <a:buNone/>
+            </a:pPr>
             <a:r>
-              <a:rPr lang="en-GB" sz="1270">
+              <a:rPr i="1" lang="en-GB" sz="700">
                 <a:solidFill>
-                  <a:srgbClr val="7F7F7F"/>
+                  <a:srgbClr val="434343"/>
                 </a:solidFill>
-                <a:latin typeface="Times New Roman"/>
-                <a:ea typeface="Times New Roman"/>
-                <a:cs typeface="Times New Roman"/>
-                <a:sym typeface="Times New Roman"/>
+                <a:latin typeface="Spectral"/>
+                <a:ea typeface="Spectral"/>
+                <a:cs typeface="Spectral"/>
+                <a:sym typeface="Spectral"/>
               </a:rPr>
               <a:t>write a new dish...</a:t>
             </a:r>
-            <a:endParaRPr sz="1270">
+            <a:endParaRPr i="1" sz="700">
               <a:solidFill>
-                <a:srgbClr val="7F7F7F"/>
+                <a:srgbClr val="434343"/>
               </a:solidFill>
-              <a:latin typeface="Times New Roman"/>
-              <a:ea typeface="Times New Roman"/>
-              <a:cs typeface="Times New Roman"/>
-              <a:sym typeface="Times New Roman"/>
+              <a:latin typeface="Spectral"/>
+              <a:ea typeface="Spectral"/>
+              <a:cs typeface="Spectral"/>
+              <a:sym typeface="Spectral"/>
             </a:endParaRPr>
           </a:p>
         </p:txBody>
@@ -6174,8 +6179,8 @@
         </p:nvSpPr>
         <p:spPr>
           <a:xfrm>
-            <a:off x="2155819" y="6402732"/>
-            <a:ext cx="2729905" cy="482286"/>
+            <a:off x="848850" y="1999745"/>
+            <a:ext cx="1074900" cy="220500"/>
           </a:xfrm>
           <a:prstGeom prst="rect">
             <a:avLst/>
@@ -6186,32 +6191,40 @@
           </a:ln>
         </p:spPr>
         <p:txBody>
-          <a:bodyPr spcFirstLastPara="1" wrap="square" lIns="99873" tIns="49905" rIns="99873" bIns="49905" anchor="t" anchorCtr="0">
+          <a:bodyPr anchorCtr="0" anchor="t" bIns="19650" lIns="39325" spcFirstLastPara="1" rIns="39325" wrap="square" tIns="19650">
             <a:noAutofit/>
           </a:bodyPr>
           <a:lstStyle/>
           <a:p>
-            <a:pPr algn="ctr"/>
+            <a:pPr indent="0" lvl="0" marL="0" rtl="0" algn="ctr">
+              <a:spcBef>
+                <a:spcPts val="0"/>
+              </a:spcBef>
+              <a:spcAft>
+                <a:spcPts val="0"/>
+              </a:spcAft>
+              <a:buNone/>
+            </a:pPr>
             <a:r>
-              <a:rPr lang="en-GB" sz="1270">
+              <a:rPr i="1" lang="en-GB" sz="700">
                 <a:solidFill>
-                  <a:srgbClr val="7F7F7F"/>
+                  <a:srgbClr val="434343"/>
                 </a:solidFill>
-                <a:latin typeface="Times New Roman"/>
-                <a:ea typeface="Times New Roman"/>
-                <a:cs typeface="Times New Roman"/>
-                <a:sym typeface="Times New Roman"/>
+                <a:latin typeface="Spectral"/>
+                <a:ea typeface="Spectral"/>
+                <a:cs typeface="Spectral"/>
+                <a:sym typeface="Spectral"/>
               </a:rPr>
               <a:t>write a new dish...</a:t>
             </a:r>
-            <a:endParaRPr sz="1270">
+            <a:endParaRPr i="1" sz="700">
               <a:solidFill>
-                <a:srgbClr val="7F7F7F"/>
+                <a:srgbClr val="434343"/>
               </a:solidFill>
-              <a:latin typeface="Times New Roman"/>
-              <a:ea typeface="Times New Roman"/>
-              <a:cs typeface="Times New Roman"/>
-              <a:sym typeface="Times New Roman"/>
+              <a:latin typeface="Spectral"/>
+              <a:ea typeface="Spectral"/>
+              <a:cs typeface="Spectral"/>
+              <a:sym typeface="Spectral"/>
             </a:endParaRPr>
           </a:p>
         </p:txBody>
@@ -6224,8 +6237,8 @@
         </p:nvSpPr>
         <p:spPr>
           <a:xfrm>
-            <a:off x="2155819" y="6809081"/>
-            <a:ext cx="2729905" cy="482286"/>
+            <a:off x="848850" y="2185406"/>
+            <a:ext cx="1074900" cy="220500"/>
           </a:xfrm>
           <a:prstGeom prst="rect">
             <a:avLst/>
@@ -6236,32 +6249,40 @@
           </a:ln>
         </p:spPr>
         <p:txBody>
-          <a:bodyPr spcFirstLastPara="1" wrap="square" lIns="99873" tIns="49905" rIns="99873" bIns="49905" anchor="t" anchorCtr="0">
+          <a:bodyPr anchorCtr="0" anchor="t" bIns="19650" lIns="39325" spcFirstLastPara="1" rIns="39325" wrap="square" tIns="19650">
             <a:noAutofit/>
           </a:bodyPr>
           <a:lstStyle/>
           <a:p>
-            <a:pPr algn="ctr"/>
+            <a:pPr indent="0" lvl="0" marL="0" rtl="0" algn="ctr">
+              <a:spcBef>
+                <a:spcPts val="0"/>
+              </a:spcBef>
+              <a:spcAft>
+                <a:spcPts val="0"/>
+              </a:spcAft>
+              <a:buNone/>
+            </a:pPr>
             <a:r>
-              <a:rPr lang="en-GB" sz="1270">
+              <a:rPr i="1" lang="en-GB" sz="700">
                 <a:solidFill>
-                  <a:srgbClr val="7F7F7F"/>
+                  <a:srgbClr val="434343"/>
                 </a:solidFill>
-                <a:latin typeface="Times New Roman"/>
-                <a:ea typeface="Times New Roman"/>
-                <a:cs typeface="Times New Roman"/>
-                <a:sym typeface="Times New Roman"/>
+                <a:latin typeface="Spectral"/>
+                <a:ea typeface="Spectral"/>
+                <a:cs typeface="Spectral"/>
+                <a:sym typeface="Spectral"/>
               </a:rPr>
               <a:t>write a new dish...</a:t>
             </a:r>
-            <a:endParaRPr sz="1270">
+            <a:endParaRPr i="1" sz="700">
               <a:solidFill>
-                <a:srgbClr val="7F7F7F"/>
+                <a:srgbClr val="434343"/>
               </a:solidFill>
-              <a:latin typeface="Times New Roman"/>
-              <a:ea typeface="Times New Roman"/>
-              <a:cs typeface="Times New Roman"/>
-              <a:sym typeface="Times New Roman"/>
+              <a:latin typeface="Spectral"/>
+              <a:ea typeface="Spectral"/>
+              <a:cs typeface="Spectral"/>
+              <a:sym typeface="Spectral"/>
             </a:endParaRPr>
           </a:p>
         </p:txBody>
@@ -6274,8 +6295,8 @@
         </p:nvSpPr>
         <p:spPr>
           <a:xfrm>
-            <a:off x="2155819" y="7215430"/>
-            <a:ext cx="2729905" cy="482286"/>
+            <a:off x="848850" y="2371067"/>
+            <a:ext cx="1074900" cy="220500"/>
           </a:xfrm>
           <a:prstGeom prst="rect">
             <a:avLst/>
@@ -6286,32 +6307,40 @@
           </a:ln>
         </p:spPr>
         <p:txBody>
-          <a:bodyPr spcFirstLastPara="1" wrap="square" lIns="99873" tIns="49905" rIns="99873" bIns="49905" anchor="t" anchorCtr="0">
+          <a:bodyPr anchorCtr="0" anchor="t" bIns="19650" lIns="39325" spcFirstLastPara="1" rIns="39325" wrap="square" tIns="19650">
             <a:noAutofit/>
           </a:bodyPr>
           <a:lstStyle/>
           <a:p>
-            <a:pPr algn="ctr"/>
+            <a:pPr indent="0" lvl="0" marL="0" rtl="0" algn="ctr">
+              <a:spcBef>
+                <a:spcPts val="0"/>
+              </a:spcBef>
+              <a:spcAft>
+                <a:spcPts val="0"/>
+              </a:spcAft>
+              <a:buNone/>
+            </a:pPr>
             <a:r>
-              <a:rPr lang="en-GB" sz="1270">
+              <a:rPr i="1" lang="en-GB" sz="700">
                 <a:solidFill>
-                  <a:srgbClr val="7F7F7F"/>
+                  <a:srgbClr val="434343"/>
                 </a:solidFill>
-                <a:latin typeface="Times New Roman"/>
-                <a:ea typeface="Times New Roman"/>
-                <a:cs typeface="Times New Roman"/>
-                <a:sym typeface="Times New Roman"/>
+                <a:latin typeface="Spectral"/>
+                <a:ea typeface="Spectral"/>
+                <a:cs typeface="Spectral"/>
+                <a:sym typeface="Spectral"/>
               </a:rPr>
               <a:t>write a new dish...</a:t>
             </a:r>
-            <a:endParaRPr sz="1270">
+            <a:endParaRPr i="1" sz="700">
               <a:solidFill>
-                <a:srgbClr val="7F7F7F"/>
+                <a:srgbClr val="434343"/>
               </a:solidFill>
-              <a:latin typeface="Times New Roman"/>
-              <a:ea typeface="Times New Roman"/>
-              <a:cs typeface="Times New Roman"/>
-              <a:sym typeface="Times New Roman"/>
+              <a:latin typeface="Spectral"/>
+              <a:ea typeface="Spectral"/>
+              <a:cs typeface="Spectral"/>
+              <a:sym typeface="Spectral"/>
             </a:endParaRPr>
           </a:p>
         </p:txBody>
@@ -6324,8 +6353,8 @@
         </p:nvSpPr>
         <p:spPr>
           <a:xfrm>
-            <a:off x="2155819" y="3983938"/>
-            <a:ext cx="2729905" cy="482286"/>
+            <a:off x="848850" y="894597"/>
+            <a:ext cx="1074900" cy="220500"/>
           </a:xfrm>
           <a:prstGeom prst="rect">
             <a:avLst/>
@@ -6336,32 +6365,40 @@
           </a:ln>
         </p:spPr>
         <p:txBody>
-          <a:bodyPr spcFirstLastPara="1" wrap="square" lIns="99873" tIns="49905" rIns="99873" bIns="49905" anchor="t" anchorCtr="0">
+          <a:bodyPr anchorCtr="0" anchor="t" bIns="19650" lIns="39325" spcFirstLastPara="1" rIns="39325" wrap="square" tIns="19650">
             <a:noAutofit/>
           </a:bodyPr>
           <a:lstStyle/>
           <a:p>
-            <a:pPr algn="ctr"/>
+            <a:pPr indent="0" lvl="0" marL="0" rtl="0" algn="ctr">
+              <a:spcBef>
+                <a:spcPts val="0"/>
+              </a:spcBef>
+              <a:spcAft>
+                <a:spcPts val="0"/>
+              </a:spcAft>
+              <a:buNone/>
+            </a:pPr>
             <a:r>
-              <a:rPr lang="en-GB" sz="1270">
+              <a:rPr lang="en-GB" sz="700">
                 <a:solidFill>
-                  <a:srgbClr val="7F7F7F"/>
+                  <a:srgbClr val="434343"/>
                 </a:solidFill>
-                <a:latin typeface="Times New Roman"/>
-                <a:ea typeface="Times New Roman"/>
-                <a:cs typeface="Times New Roman"/>
-                <a:sym typeface="Times New Roman"/>
+                <a:latin typeface="Spectral"/>
+                <a:ea typeface="Spectral"/>
+                <a:cs typeface="Spectral"/>
+                <a:sym typeface="Spectral"/>
               </a:rPr>
-              <a:t>write a new dish...</a:t>
+              <a:t>dish description...</a:t>
             </a:r>
-            <a:endParaRPr sz="1270">
+            <a:endParaRPr sz="700">
               <a:solidFill>
-                <a:srgbClr val="7F7F7F"/>
+                <a:srgbClr val="434343"/>
               </a:solidFill>
-              <a:latin typeface="Times New Roman"/>
-              <a:ea typeface="Times New Roman"/>
-              <a:cs typeface="Times New Roman"/>
-              <a:sym typeface="Times New Roman"/>
+              <a:latin typeface="Spectral"/>
+              <a:ea typeface="Spectral"/>
+              <a:cs typeface="Spectral"/>
+              <a:sym typeface="Spectral"/>
             </a:endParaRPr>
           </a:p>
         </p:txBody>
@@ -6374,8 +6411,8 @@
         </p:nvSpPr>
         <p:spPr>
           <a:xfrm>
-            <a:off x="2155819" y="3596891"/>
-            <a:ext cx="2729905" cy="482286"/>
+            <a:off x="848850" y="717755"/>
+            <a:ext cx="1074900" cy="220500"/>
           </a:xfrm>
           <a:prstGeom prst="rect">
             <a:avLst/>
@@ -6386,32 +6423,98 @@
           </a:ln>
         </p:spPr>
         <p:txBody>
-          <a:bodyPr spcFirstLastPara="1" wrap="square" lIns="99873" tIns="49905" rIns="99873" bIns="49905" anchor="t" anchorCtr="0">
+          <a:bodyPr anchorCtr="0" anchor="t" bIns="19650" lIns="39325" spcFirstLastPara="1" rIns="39325" wrap="square" tIns="19650">
             <a:noAutofit/>
           </a:bodyPr>
           <a:lstStyle/>
           <a:p>
-            <a:pPr algn="ctr"/>
+            <a:pPr indent="0" lvl="0" marL="0" rtl="0" algn="ctr">
+              <a:spcBef>
+                <a:spcPts val="0"/>
+              </a:spcBef>
+              <a:spcAft>
+                <a:spcPts val="0"/>
+              </a:spcAft>
+              <a:buNone/>
+            </a:pPr>
             <a:r>
-              <a:rPr lang="en-GB" sz="1778">
+              <a:rPr lang="en-GB" sz="900">
                 <a:solidFill>
-                  <a:srgbClr val="7F7F7F"/>
+                  <a:srgbClr val="434343"/>
                 </a:solidFill>
-                <a:latin typeface="Times New Roman"/>
-                <a:ea typeface="Times New Roman"/>
-                <a:cs typeface="Times New Roman"/>
-                <a:sym typeface="Times New Roman"/>
+                <a:latin typeface="Spectral"/>
+                <a:ea typeface="Spectral"/>
+                <a:cs typeface="Spectral"/>
+                <a:sym typeface="Spectral"/>
               </a:rPr>
               <a:t>Dish Name</a:t>
             </a:r>
-            <a:endParaRPr sz="1778">
+            <a:endParaRPr sz="900">
               <a:solidFill>
-                <a:srgbClr val="7F7F7F"/>
+                <a:srgbClr val="434343"/>
               </a:solidFill>
-              <a:latin typeface="Times New Roman"/>
-              <a:ea typeface="Times New Roman"/>
-              <a:cs typeface="Times New Roman"/>
-              <a:sym typeface="Times New Roman"/>
+              <a:latin typeface="Spectral"/>
+              <a:ea typeface="Spectral"/>
+              <a:cs typeface="Spectral"/>
+              <a:sym typeface="Spectral"/>
+            </a:endParaRPr>
+          </a:p>
+        </p:txBody>
+      </p:sp>
+      <p:sp>
+        <p:nvSpPr>
+          <p:cNvPr id="64" name="Google Shape;64;p13"/>
+          <p:cNvSpPr txBox="1"/>
+          <p:nvPr/>
+        </p:nvSpPr>
+        <p:spPr>
+          <a:xfrm>
+            <a:off x="848850" y="275649"/>
+            <a:ext cx="1074900" cy="220500"/>
+          </a:xfrm>
+          <a:prstGeom prst="rect">
+            <a:avLst/>
+          </a:prstGeom>
+          <a:noFill/>
+          <a:ln>
+            <a:noFill/>
+          </a:ln>
+        </p:spPr>
+        <p:txBody>
+          <a:bodyPr anchorCtr="0" anchor="t" bIns="19650" lIns="39325" spcFirstLastPara="1" rIns="39325" wrap="square" tIns="19650">
+            <a:noAutofit/>
+          </a:bodyPr>
+          <a:lstStyle/>
+          <a:p>
+            <a:pPr indent="0" lvl="0" marL="0" rtl="0" algn="ctr">
+              <a:spcBef>
+                <a:spcPts val="0"/>
+              </a:spcBef>
+              <a:spcAft>
+                <a:spcPts val="0"/>
+              </a:spcAft>
+              <a:buNone/>
+            </a:pPr>
+            <a:r>
+              <a:rPr lang="en-GB" sz="1700">
+                <a:solidFill>
+                  <a:srgbClr val="434343"/>
+                </a:solidFill>
+                <a:latin typeface="Spectral"/>
+                <a:ea typeface="Spectral"/>
+                <a:cs typeface="Spectral"/>
+                <a:sym typeface="Spectral"/>
+              </a:rPr>
+              <a:t>Menu</a:t>
+            </a:r>
+            <a:endParaRPr sz="1700">
+              <a:solidFill>
+                <a:srgbClr val="434343"/>
+              </a:solidFill>
+              <a:latin typeface="Spectral"/>
+              <a:ea typeface="Spectral"/>
+              <a:cs typeface="Spectral"/>
+              <a:sym typeface="Spectral"/>
             </a:endParaRPr>
           </a:p>
         </p:txBody>
@@ -6425,7 +6528,7 @@
 </file>
 
 <file path=ppt/slides/slide2.xml><?xml version="1.0" encoding="utf-8"?>
-<p:sld xmlns:a="http://schemas.openxmlformats.org/drawingml/2006/main" xmlns:r="http://schemas.openxmlformats.org/officeDocument/2006/relationships" xmlns:p="http://schemas.openxmlformats.org/presentationml/2006/main">
+<p:sld xmlns:a="http://schemas.openxmlformats.org/drawingml/2006/main" xmlns:r="http://schemas.openxmlformats.org/officeDocument/2006/relationships" xmlns:mc="http://schemas.openxmlformats.org/markup-compatibility/2006" xmlns:mv="urn:schemas-microsoft-com:mac:vml" xmlns:p="http://schemas.openxmlformats.org/presentationml/2006/main" xmlns:c="http://schemas.openxmlformats.org/drawingml/2006/chart" xmlns:dgm="http://schemas.openxmlformats.org/drawingml/2006/diagram" xmlns:o="urn:schemas-microsoft-com:office:office" xmlns:v="urn:schemas-microsoft-com:vml" xmlns:pvml="urn:schemas-microsoft-com:office:powerpoint" xmlns:com="http://schemas.openxmlformats.org/drawingml/2006/compatibility" xmlns:p14="http://schemas.microsoft.com/office/powerpoint/2010/main" xmlns:p15="http://schemas.microsoft.com/office/powerpoint/2012/main" xmlns:ahyp="http://schemas.microsoft.com/office/drawing/2018/hyperlinkcolor">
   <p:cSld>
     <p:bg>
       <p:bgPr>
@@ -6437,12 +6540,11 @@
             <a:fillRect/>
           </a:stretch>
         </a:blipFill>
-        <a:effectLst/>
       </p:bgPr>
     </p:bg>
     <p:spTree>
       <p:nvGrpSpPr>
-        <p:cNvPr id="1" name="Shape 67"/>
+        <p:cNvPr id="68" name="Shape 68"/>
         <p:cNvGrpSpPr/>
         <p:nvPr/>
       </p:nvGrpSpPr>
@@ -6456,14 +6558,14 @@
       </p:grpSpPr>
       <p:sp>
         <p:nvSpPr>
-          <p:cNvPr id="68" name="Google Shape;68;p14"/>
+          <p:cNvPr id="69" name="Google Shape;69;p14"/>
           <p:cNvSpPr txBox="1"/>
           <p:nvPr/>
         </p:nvSpPr>
         <p:spPr>
           <a:xfrm>
-            <a:off x="2155819" y="3790414"/>
-            <a:ext cx="2729905" cy="482286"/>
+            <a:off x="772654" y="1342457"/>
+            <a:ext cx="1074900" cy="189900"/>
           </a:xfrm>
           <a:prstGeom prst="rect">
             <a:avLst/>
@@ -6474,14 +6576,22 @@
           </a:ln>
         </p:spPr>
         <p:txBody>
-          <a:bodyPr spcFirstLastPara="1" wrap="square" lIns="99873" tIns="49905" rIns="99873" bIns="49905" anchor="t" anchorCtr="0">
+          <a:bodyPr anchorCtr="0" anchor="t" bIns="19650" lIns="39325" spcFirstLastPara="1" rIns="39325" wrap="square" tIns="19650">
             <a:noAutofit/>
           </a:bodyPr>
           <a:lstStyle/>
           <a:p>
-            <a:pPr algn="ctr"/>
+            <a:pPr indent="0" lvl="0" marL="0" rtl="0" algn="ctr">
+              <a:spcBef>
+                <a:spcPts val="0"/>
+              </a:spcBef>
+              <a:spcAft>
+                <a:spcPts val="0"/>
+              </a:spcAft>
+              <a:buNone/>
+            </a:pPr>
             <a:r>
-              <a:rPr lang="en-GB" sz="1270">
+              <a:rPr lang="en-GB" sz="500">
                 <a:solidFill>
                   <a:srgbClr val="7F7F7F"/>
                 </a:solidFill>
@@ -6492,7 +6602,7 @@
               </a:rPr>
               <a:t>0.00$</a:t>
             </a:r>
-            <a:endParaRPr sz="1270">
+            <a:endParaRPr sz="500">
               <a:solidFill>
                 <a:srgbClr val="7F7F7F"/>
               </a:solidFill>
@@ -6506,14 +6616,14 @@
       </p:sp>
       <p:sp>
         <p:nvSpPr>
-          <p:cNvPr id="69" name="Google Shape;69;p14"/>
+          <p:cNvPr id="70" name="Google Shape;70;p14"/>
           <p:cNvSpPr txBox="1"/>
           <p:nvPr/>
         </p:nvSpPr>
         <p:spPr>
           <a:xfrm>
-            <a:off x="2155819" y="4196764"/>
-            <a:ext cx="2729905" cy="482286"/>
+            <a:off x="772654" y="1502457"/>
+            <a:ext cx="1074900" cy="189900"/>
           </a:xfrm>
           <a:prstGeom prst="rect">
             <a:avLst/>
@@ -6524,14 +6634,22 @@
           </a:ln>
         </p:spPr>
         <p:txBody>
-          <a:bodyPr spcFirstLastPara="1" wrap="square" lIns="99873" tIns="49905" rIns="99873" bIns="49905" anchor="t" anchorCtr="0">
+          <a:bodyPr anchorCtr="0" anchor="t" bIns="19650" lIns="39325" spcFirstLastPara="1" rIns="39325" wrap="square" tIns="19650">
             <a:noAutofit/>
           </a:bodyPr>
           <a:lstStyle/>
           <a:p>
-            <a:pPr algn="ctr"/>
+            <a:pPr indent="0" lvl="0" marL="0" rtl="0" algn="ctr">
+              <a:spcBef>
+                <a:spcPts val="0"/>
+              </a:spcBef>
+              <a:spcAft>
+                <a:spcPts val="0"/>
+              </a:spcAft>
+              <a:buNone/>
+            </a:pPr>
             <a:r>
-              <a:rPr lang="en-GB" sz="1270">
+              <a:rPr i="1" lang="en-GB" sz="500">
                 <a:solidFill>
                   <a:srgbClr val="7F7F7F"/>
                 </a:solidFill>
@@ -6542,7 +6660,7 @@
               </a:rPr>
               <a:t>write a new dish...</a:t>
             </a:r>
-            <a:endParaRPr sz="1270">
+            <a:endParaRPr i="1" sz="500">
               <a:solidFill>
                 <a:srgbClr val="7F7F7F"/>
               </a:solidFill>
@@ -6556,14 +6674,14 @@
       </p:sp>
       <p:sp>
         <p:nvSpPr>
-          <p:cNvPr id="70" name="Google Shape;70;p14"/>
+          <p:cNvPr id="71" name="Google Shape;71;p14"/>
           <p:cNvSpPr txBox="1"/>
           <p:nvPr/>
         </p:nvSpPr>
         <p:spPr>
           <a:xfrm>
-            <a:off x="2155819" y="4603113"/>
-            <a:ext cx="2729905" cy="482286"/>
+            <a:off x="772654" y="1662457"/>
+            <a:ext cx="1074900" cy="189900"/>
           </a:xfrm>
           <a:prstGeom prst="rect">
             <a:avLst/>
@@ -6574,14 +6692,22 @@
           </a:ln>
         </p:spPr>
         <p:txBody>
-          <a:bodyPr spcFirstLastPara="1" wrap="square" lIns="99873" tIns="49905" rIns="99873" bIns="49905" anchor="t" anchorCtr="0">
+          <a:bodyPr anchorCtr="0" anchor="t" bIns="19650" lIns="39325" spcFirstLastPara="1" rIns="39325" wrap="square" tIns="19650">
             <a:noAutofit/>
           </a:bodyPr>
           <a:lstStyle/>
           <a:p>
-            <a:pPr algn="ctr"/>
+            <a:pPr indent="0" lvl="0" marL="0" rtl="0" algn="ctr">
+              <a:spcBef>
+                <a:spcPts val="0"/>
+              </a:spcBef>
+              <a:spcAft>
+                <a:spcPts val="0"/>
+              </a:spcAft>
+              <a:buNone/>
+            </a:pPr>
             <a:r>
-              <a:rPr lang="en-GB" sz="1270">
+              <a:rPr i="1" lang="en-GB" sz="500">
                 <a:solidFill>
                   <a:srgbClr val="7F7F7F"/>
                 </a:solidFill>
@@ -6592,7 +6718,7 @@
               </a:rPr>
               <a:t>write a new dish...</a:t>
             </a:r>
-            <a:endParaRPr sz="1270">
+            <a:endParaRPr i="1" sz="500">
               <a:solidFill>
                 <a:srgbClr val="7F7F7F"/>
               </a:solidFill>
@@ -6606,14 +6732,14 @@
       </p:sp>
       <p:sp>
         <p:nvSpPr>
-          <p:cNvPr id="71" name="Google Shape;71;p14"/>
+          <p:cNvPr id="72" name="Google Shape;72;p14"/>
           <p:cNvSpPr txBox="1"/>
           <p:nvPr/>
         </p:nvSpPr>
         <p:spPr>
           <a:xfrm>
-            <a:off x="2155819" y="5009462"/>
-            <a:ext cx="2729905" cy="482286"/>
+            <a:off x="772654" y="1822457"/>
+            <a:ext cx="1074900" cy="189900"/>
           </a:xfrm>
           <a:prstGeom prst="rect">
             <a:avLst/>
@@ -6624,14 +6750,22 @@
           </a:ln>
         </p:spPr>
         <p:txBody>
-          <a:bodyPr spcFirstLastPara="1" wrap="square" lIns="99873" tIns="49905" rIns="99873" bIns="49905" anchor="t" anchorCtr="0">
+          <a:bodyPr anchorCtr="0" anchor="t" bIns="19650" lIns="39325" spcFirstLastPara="1" rIns="39325" wrap="square" tIns="19650">
             <a:noAutofit/>
           </a:bodyPr>
           <a:lstStyle/>
           <a:p>
-            <a:pPr algn="ctr"/>
+            <a:pPr indent="0" lvl="0" marL="0" rtl="0" algn="ctr">
+              <a:spcBef>
+                <a:spcPts val="0"/>
+              </a:spcBef>
+              <a:spcAft>
+                <a:spcPts val="0"/>
+              </a:spcAft>
+              <a:buNone/>
+            </a:pPr>
             <a:r>
-              <a:rPr lang="en-GB" sz="1270">
+              <a:rPr i="1" lang="en-GB" sz="500">
                 <a:solidFill>
                   <a:srgbClr val="7F7F7F"/>
                 </a:solidFill>
@@ -6642,7 +6776,7 @@
               </a:rPr>
               <a:t>write a new dish...</a:t>
             </a:r>
-            <a:endParaRPr sz="1270">
+            <a:endParaRPr i="1" sz="500">
               <a:solidFill>
                 <a:srgbClr val="7F7F7F"/>
               </a:solidFill>
@@ -6656,14 +6790,14 @@
       </p:sp>
       <p:sp>
         <p:nvSpPr>
-          <p:cNvPr id="72" name="Google Shape;72;p14"/>
+          <p:cNvPr id="73" name="Google Shape;73;p14"/>
           <p:cNvSpPr txBox="1"/>
           <p:nvPr/>
         </p:nvSpPr>
         <p:spPr>
           <a:xfrm>
-            <a:off x="2155819" y="5415811"/>
-            <a:ext cx="2729905" cy="482286"/>
+            <a:off x="772654" y="1982457"/>
+            <a:ext cx="1074900" cy="189900"/>
           </a:xfrm>
           <a:prstGeom prst="rect">
             <a:avLst/>
@@ -6674,14 +6808,22 @@
           </a:ln>
         </p:spPr>
         <p:txBody>
-          <a:bodyPr spcFirstLastPara="1" wrap="square" lIns="99873" tIns="49905" rIns="99873" bIns="49905" anchor="t" anchorCtr="0">
+          <a:bodyPr anchorCtr="0" anchor="t" bIns="19650" lIns="39325" spcFirstLastPara="1" rIns="39325" wrap="square" tIns="19650">
             <a:noAutofit/>
           </a:bodyPr>
           <a:lstStyle/>
           <a:p>
-            <a:pPr algn="ctr"/>
+            <a:pPr indent="0" lvl="0" marL="0" rtl="0" algn="ctr">
+              <a:spcBef>
+                <a:spcPts val="0"/>
+              </a:spcBef>
+              <a:spcAft>
+                <a:spcPts val="0"/>
+              </a:spcAft>
+              <a:buNone/>
+            </a:pPr>
             <a:r>
-              <a:rPr lang="en-GB" sz="1270">
+              <a:rPr i="1" lang="en-GB" sz="500">
                 <a:solidFill>
                   <a:srgbClr val="7F7F7F"/>
                 </a:solidFill>
@@ -6692,7 +6834,7 @@
               </a:rPr>
               <a:t>write a new dish...</a:t>
             </a:r>
-            <a:endParaRPr sz="1270">
+            <a:endParaRPr i="1" sz="500">
               <a:solidFill>
                 <a:srgbClr val="7F7F7F"/>
               </a:solidFill>
@@ -6706,14 +6848,14 @@
       </p:sp>
       <p:sp>
         <p:nvSpPr>
-          <p:cNvPr id="73" name="Google Shape;73;p14"/>
+          <p:cNvPr id="74" name="Google Shape;74;p14"/>
           <p:cNvSpPr txBox="1"/>
           <p:nvPr/>
         </p:nvSpPr>
         <p:spPr>
           <a:xfrm>
-            <a:off x="2155819" y="5822160"/>
-            <a:ext cx="2729905" cy="482286"/>
+            <a:off x="772654" y="2142457"/>
+            <a:ext cx="1074900" cy="189900"/>
           </a:xfrm>
           <a:prstGeom prst="rect">
             <a:avLst/>
@@ -6724,14 +6866,22 @@
           </a:ln>
         </p:spPr>
         <p:txBody>
-          <a:bodyPr spcFirstLastPara="1" wrap="square" lIns="99873" tIns="49905" rIns="99873" bIns="49905" anchor="t" anchorCtr="0">
+          <a:bodyPr anchorCtr="0" anchor="t" bIns="19650" lIns="39325" spcFirstLastPara="1" rIns="39325" wrap="square" tIns="19650">
             <a:noAutofit/>
           </a:bodyPr>
           <a:lstStyle/>
           <a:p>
-            <a:pPr algn="ctr"/>
+            <a:pPr indent="0" lvl="0" marL="0" rtl="0" algn="ctr">
+              <a:spcBef>
+                <a:spcPts val="0"/>
+              </a:spcBef>
+              <a:spcAft>
+                <a:spcPts val="0"/>
+              </a:spcAft>
+              <a:buNone/>
+            </a:pPr>
             <a:r>
-              <a:rPr lang="en-GB" sz="1270">
+              <a:rPr i="1" lang="en-GB" sz="500">
                 <a:solidFill>
                   <a:srgbClr val="7F7F7F"/>
                 </a:solidFill>
@@ -6742,7 +6892,7 @@
               </a:rPr>
               <a:t>write a new dish...</a:t>
             </a:r>
-            <a:endParaRPr sz="1270">
+            <a:endParaRPr i="1" sz="500">
               <a:solidFill>
                 <a:srgbClr val="7F7F7F"/>
               </a:solidFill>
@@ -6756,14 +6906,14 @@
       </p:sp>
       <p:sp>
         <p:nvSpPr>
-          <p:cNvPr id="74" name="Google Shape;74;p14"/>
+          <p:cNvPr id="75" name="Google Shape;75;p14"/>
           <p:cNvSpPr txBox="1"/>
           <p:nvPr/>
         </p:nvSpPr>
         <p:spPr>
           <a:xfrm>
-            <a:off x="2155819" y="6228510"/>
-            <a:ext cx="2729905" cy="482286"/>
+            <a:off x="772654" y="2302457"/>
+            <a:ext cx="1074900" cy="189900"/>
           </a:xfrm>
           <a:prstGeom prst="rect">
             <a:avLst/>
@@ -6774,14 +6924,22 @@
           </a:ln>
         </p:spPr>
         <p:txBody>
-          <a:bodyPr spcFirstLastPara="1" wrap="square" lIns="99873" tIns="49905" rIns="99873" bIns="49905" anchor="t" anchorCtr="0">
+          <a:bodyPr anchorCtr="0" anchor="t" bIns="19650" lIns="39325" spcFirstLastPara="1" rIns="39325" wrap="square" tIns="19650">
             <a:noAutofit/>
           </a:bodyPr>
           <a:lstStyle/>
           <a:p>
-            <a:pPr algn="ctr"/>
+            <a:pPr indent="0" lvl="0" marL="0" rtl="0" algn="ctr">
+              <a:spcBef>
+                <a:spcPts val="0"/>
+              </a:spcBef>
+              <a:spcAft>
+                <a:spcPts val="0"/>
+              </a:spcAft>
+              <a:buNone/>
+            </a:pPr>
             <a:r>
-              <a:rPr lang="en-GB" sz="1270">
+              <a:rPr i="1" lang="en-GB" sz="500">
                 <a:solidFill>
                   <a:srgbClr val="7F7F7F"/>
                 </a:solidFill>
@@ -6792,7 +6950,7 @@
               </a:rPr>
               <a:t>write a new dish...</a:t>
             </a:r>
-            <a:endParaRPr sz="1270">
+            <a:endParaRPr i="1" sz="500">
               <a:solidFill>
                 <a:srgbClr val="7F7F7F"/>
               </a:solidFill>
@@ -6806,14 +6964,14 @@
       </p:sp>
       <p:sp>
         <p:nvSpPr>
-          <p:cNvPr id="75" name="Google Shape;75;p14"/>
+          <p:cNvPr id="76" name="Google Shape;76;p14"/>
           <p:cNvSpPr txBox="1"/>
           <p:nvPr/>
         </p:nvSpPr>
         <p:spPr>
           <a:xfrm>
-            <a:off x="2155819" y="6634859"/>
-            <a:ext cx="2729905" cy="482286"/>
+            <a:off x="772654" y="2462457"/>
+            <a:ext cx="1074900" cy="189900"/>
           </a:xfrm>
           <a:prstGeom prst="rect">
             <a:avLst/>
@@ -6824,14 +6982,22 @@
           </a:ln>
         </p:spPr>
         <p:txBody>
-          <a:bodyPr spcFirstLastPara="1" wrap="square" lIns="99873" tIns="49905" rIns="99873" bIns="49905" anchor="t" anchorCtr="0">
+          <a:bodyPr anchorCtr="0" anchor="t" bIns="19650" lIns="39325" spcFirstLastPara="1" rIns="39325" wrap="square" tIns="19650">
             <a:noAutofit/>
           </a:bodyPr>
           <a:lstStyle/>
           <a:p>
-            <a:pPr algn="ctr"/>
+            <a:pPr indent="0" lvl="0" marL="0" rtl="0" algn="ctr">
+              <a:spcBef>
+                <a:spcPts val="0"/>
+              </a:spcBef>
+              <a:spcAft>
+                <a:spcPts val="0"/>
+              </a:spcAft>
+              <a:buNone/>
+            </a:pPr>
             <a:r>
-              <a:rPr lang="en-GB" sz="1270">
+              <a:rPr i="1" lang="en-GB" sz="500">
                 <a:solidFill>
                   <a:srgbClr val="7F7F7F"/>
                 </a:solidFill>
@@ -6842,7 +7008,7 @@
               </a:rPr>
               <a:t>write a new dish...</a:t>
             </a:r>
-            <a:endParaRPr sz="1270">
+            <a:endParaRPr i="1" sz="500">
               <a:solidFill>
                 <a:srgbClr val="7F7F7F"/>
               </a:solidFill>
@@ -6856,14 +7022,14 @@
       </p:sp>
       <p:sp>
         <p:nvSpPr>
-          <p:cNvPr id="76" name="Google Shape;76;p14"/>
+          <p:cNvPr id="77" name="Google Shape;77;p14"/>
           <p:cNvSpPr txBox="1"/>
           <p:nvPr/>
         </p:nvSpPr>
         <p:spPr>
           <a:xfrm>
-            <a:off x="2155819" y="3403367"/>
-            <a:ext cx="2729905" cy="482286"/>
+            <a:off x="772654" y="1190057"/>
+            <a:ext cx="1074900" cy="189900"/>
           </a:xfrm>
           <a:prstGeom prst="rect">
             <a:avLst/>
@@ -6874,14 +7040,22 @@
           </a:ln>
         </p:spPr>
         <p:txBody>
-          <a:bodyPr spcFirstLastPara="1" wrap="square" lIns="99873" tIns="49905" rIns="99873" bIns="49905" anchor="t" anchorCtr="0">
+          <a:bodyPr anchorCtr="0" anchor="t" bIns="19650" lIns="39325" spcFirstLastPara="1" rIns="39325" wrap="square" tIns="19650">
             <a:noAutofit/>
           </a:bodyPr>
           <a:lstStyle/>
           <a:p>
-            <a:pPr algn="ctr"/>
+            <a:pPr indent="0" lvl="0" marL="0" rtl="0" algn="ctr">
+              <a:spcBef>
+                <a:spcPts val="0"/>
+              </a:spcBef>
+              <a:spcAft>
+                <a:spcPts val="0"/>
+              </a:spcAft>
+              <a:buNone/>
+            </a:pPr>
             <a:r>
-              <a:rPr lang="en-GB" sz="1270">
+              <a:rPr lang="en-GB" sz="500">
                 <a:solidFill>
                   <a:srgbClr val="7F7F7F"/>
                 </a:solidFill>
@@ -6890,9 +7064,9 @@
                 <a:cs typeface="Times New Roman"/>
                 <a:sym typeface="Times New Roman"/>
               </a:rPr>
-              <a:t>write a new dish...</a:t>
+              <a:t>dish description</a:t>
             </a:r>
-            <a:endParaRPr sz="1270">
+            <a:endParaRPr sz="500">
               <a:solidFill>
                 <a:srgbClr val="7F7F7F"/>
               </a:solidFill>
@@ -6906,14 +7080,14 @@
       </p:sp>
       <p:sp>
         <p:nvSpPr>
-          <p:cNvPr id="77" name="Google Shape;77;p14"/>
+          <p:cNvPr id="78" name="Google Shape;78;p14"/>
           <p:cNvSpPr txBox="1"/>
           <p:nvPr/>
         </p:nvSpPr>
         <p:spPr>
           <a:xfrm>
-            <a:off x="2155819" y="3016319"/>
-            <a:ext cx="2729905" cy="482286"/>
+            <a:off x="772654" y="1037657"/>
+            <a:ext cx="1074900" cy="189900"/>
           </a:xfrm>
           <a:prstGeom prst="rect">
             <a:avLst/>
@@ -6924,14 +7098,22 @@
           </a:ln>
         </p:spPr>
         <p:txBody>
-          <a:bodyPr spcFirstLastPara="1" wrap="square" lIns="99873" tIns="49905" rIns="99873" bIns="49905" anchor="t" anchorCtr="0">
+          <a:bodyPr anchorCtr="0" anchor="t" bIns="19650" lIns="39325" spcFirstLastPara="1" rIns="39325" wrap="square" tIns="19650">
             <a:noAutofit/>
           </a:bodyPr>
           <a:lstStyle/>
           <a:p>
-            <a:pPr algn="ctr"/>
+            <a:pPr indent="0" lvl="0" marL="0" rtl="0" algn="ctr">
+              <a:spcBef>
+                <a:spcPts val="0"/>
+              </a:spcBef>
+              <a:spcAft>
+                <a:spcPts val="0"/>
+              </a:spcAft>
+              <a:buNone/>
+            </a:pPr>
             <a:r>
-              <a:rPr lang="en-GB" sz="1778">
+              <a:rPr lang="en-GB" sz="700">
                 <a:solidFill>
                   <a:srgbClr val="7F7F7F"/>
                 </a:solidFill>
@@ -6942,7 +7124,7 @@
               </a:rPr>
               <a:t>Dish Name</a:t>
             </a:r>
-            <a:endParaRPr sz="1778">
+            <a:endParaRPr sz="700">
               <a:solidFill>
                 <a:srgbClr val="7F7F7F"/>
               </a:solidFill>
@@ -6956,14 +7138,14 @@
       </p:sp>
       <p:sp>
         <p:nvSpPr>
-          <p:cNvPr id="78" name="Google Shape;78;p14"/>
+          <p:cNvPr id="79" name="Google Shape;79;p14"/>
           <p:cNvSpPr txBox="1"/>
           <p:nvPr/>
         </p:nvSpPr>
         <p:spPr>
           <a:xfrm>
-            <a:off x="2155819" y="2048700"/>
-            <a:ext cx="2729905" cy="482286"/>
+            <a:off x="772654" y="656657"/>
+            <a:ext cx="1074900" cy="189900"/>
           </a:xfrm>
           <a:prstGeom prst="rect">
             <a:avLst/>
@@ -6974,14 +7156,22 @@
           </a:ln>
         </p:spPr>
         <p:txBody>
-          <a:bodyPr spcFirstLastPara="1" wrap="square" lIns="99873" tIns="49905" rIns="99873" bIns="49905" anchor="t" anchorCtr="0">
+          <a:bodyPr anchorCtr="0" anchor="t" bIns="19650" lIns="39325" spcFirstLastPara="1" rIns="39325" wrap="square" tIns="19650">
             <a:noAutofit/>
           </a:bodyPr>
           <a:lstStyle/>
           <a:p>
-            <a:pPr algn="ctr"/>
+            <a:pPr indent="0" lvl="0" marL="0" rtl="0" algn="ctr">
+              <a:spcBef>
+                <a:spcPts val="0"/>
+              </a:spcBef>
+              <a:spcAft>
+                <a:spcPts val="0"/>
+              </a:spcAft>
+              <a:buNone/>
+            </a:pPr>
             <a:r>
-              <a:rPr lang="en-GB" sz="3810">
+              <a:rPr lang="en-GB" sz="1500">
                 <a:solidFill>
                   <a:srgbClr val="7F7F7F"/>
                 </a:solidFill>
@@ -6992,7 +7182,7 @@
               </a:rPr>
               <a:t>Menu</a:t>
             </a:r>
-            <a:endParaRPr sz="3810">
+            <a:endParaRPr sz="1500">
               <a:solidFill>
                 <a:srgbClr val="7F7F7F"/>
               </a:solidFill>
@@ -7013,7 +7203,7 @@
 </file>
 
 <file path=ppt/slides/slide3.xml><?xml version="1.0" encoding="utf-8"?>
-<p:sld xmlns:a="http://schemas.openxmlformats.org/drawingml/2006/main" xmlns:r="http://schemas.openxmlformats.org/officeDocument/2006/relationships" xmlns:p="http://schemas.openxmlformats.org/presentationml/2006/main">
+<p:sld xmlns:a="http://schemas.openxmlformats.org/drawingml/2006/main" xmlns:r="http://schemas.openxmlformats.org/officeDocument/2006/relationships" xmlns:mc="http://schemas.openxmlformats.org/markup-compatibility/2006" xmlns:mv="urn:schemas-microsoft-com:mac:vml" xmlns:p="http://schemas.openxmlformats.org/presentationml/2006/main" xmlns:c="http://schemas.openxmlformats.org/drawingml/2006/chart" xmlns:dgm="http://schemas.openxmlformats.org/drawingml/2006/diagram" xmlns:o="urn:schemas-microsoft-com:office:office" xmlns:v="urn:schemas-microsoft-com:vml" xmlns:pvml="urn:schemas-microsoft-com:office:powerpoint" xmlns:com="http://schemas.openxmlformats.org/drawingml/2006/compatibility" xmlns:p14="http://schemas.microsoft.com/office/powerpoint/2010/main" xmlns:p15="http://schemas.microsoft.com/office/powerpoint/2012/main" xmlns:ahyp="http://schemas.microsoft.com/office/drawing/2018/hyperlinkcolor">
   <p:cSld>
     <p:bg>
       <p:bgPr>
@@ -7025,12 +7215,11 @@
             <a:fillRect/>
           </a:stretch>
         </a:blipFill>
-        <a:effectLst/>
       </p:bgPr>
     </p:bg>
     <p:spTree>
       <p:nvGrpSpPr>
-        <p:cNvPr id="1" name="Shape 82"/>
+        <p:cNvPr id="83" name="Shape 83"/>
         <p:cNvGrpSpPr/>
         <p:nvPr/>
       </p:nvGrpSpPr>
@@ -7044,14 +7233,14 @@
       </p:grpSpPr>
       <p:sp>
         <p:nvSpPr>
-          <p:cNvPr id="83" name="Google Shape;83;p15"/>
+          <p:cNvPr id="84" name="Google Shape;84;p15"/>
           <p:cNvSpPr txBox="1"/>
           <p:nvPr/>
         </p:nvSpPr>
         <p:spPr>
           <a:xfrm>
-            <a:off x="1962295" y="3790414"/>
-            <a:ext cx="2729905" cy="482286"/>
+            <a:off x="848854" y="1571057"/>
+            <a:ext cx="1074900" cy="189900"/>
           </a:xfrm>
           <a:prstGeom prst="rect">
             <a:avLst/>
@@ -7062,46 +7251,54 @@
           </a:ln>
         </p:spPr>
         <p:txBody>
-          <a:bodyPr spcFirstLastPara="1" wrap="square" lIns="99873" tIns="49905" rIns="99873" bIns="49905" anchor="t" anchorCtr="0">
+          <a:bodyPr anchorCtr="0" anchor="t" bIns="19650" lIns="39325" spcFirstLastPara="1" rIns="39325" wrap="square" tIns="19650">
             <a:noAutofit/>
           </a:bodyPr>
           <a:lstStyle/>
           <a:p>
-            <a:pPr algn="ctr"/>
+            <a:pPr indent="0" lvl="0" marL="0" rtl="0" algn="ctr">
+              <a:spcBef>
+                <a:spcPts val="0"/>
+              </a:spcBef>
+              <a:spcAft>
+                <a:spcPts val="0"/>
+              </a:spcAft>
+              <a:buNone/>
+            </a:pPr>
             <a:r>
-              <a:rPr lang="en-GB" sz="1270">
+              <a:rPr lang="en-GB" sz="500">
                 <a:solidFill>
-                  <a:srgbClr val="7F7F7F"/>
+                  <a:srgbClr val="741B47"/>
                 </a:solidFill>
-                <a:latin typeface="Times New Roman"/>
-                <a:ea typeface="Times New Roman"/>
-                <a:cs typeface="Times New Roman"/>
-                <a:sym typeface="Times New Roman"/>
+                <a:latin typeface="Oswald"/>
+                <a:ea typeface="Oswald"/>
+                <a:cs typeface="Oswald"/>
+                <a:sym typeface="Oswald"/>
               </a:rPr>
               <a:t>0.00$</a:t>
             </a:r>
-            <a:endParaRPr sz="1270">
+            <a:endParaRPr sz="500">
               <a:solidFill>
-                <a:srgbClr val="7F7F7F"/>
+                <a:srgbClr val="741B47"/>
               </a:solidFill>
-              <a:latin typeface="Times New Roman"/>
-              <a:ea typeface="Times New Roman"/>
-              <a:cs typeface="Times New Roman"/>
-              <a:sym typeface="Times New Roman"/>
+              <a:latin typeface="Oswald"/>
+              <a:ea typeface="Oswald"/>
+              <a:cs typeface="Oswald"/>
+              <a:sym typeface="Oswald"/>
             </a:endParaRPr>
           </a:p>
         </p:txBody>
       </p:sp>
       <p:sp>
         <p:nvSpPr>
-          <p:cNvPr id="84" name="Google Shape;84;p15"/>
+          <p:cNvPr id="85" name="Google Shape;85;p15"/>
           <p:cNvSpPr txBox="1"/>
           <p:nvPr/>
         </p:nvSpPr>
         <p:spPr>
           <a:xfrm>
-            <a:off x="1962295" y="4196764"/>
-            <a:ext cx="2729905" cy="482286"/>
+            <a:off x="848854" y="1731057"/>
+            <a:ext cx="1074900" cy="189900"/>
           </a:xfrm>
           <a:prstGeom prst="rect">
             <a:avLst/>
@@ -7112,46 +7309,54 @@
           </a:ln>
         </p:spPr>
         <p:txBody>
-          <a:bodyPr spcFirstLastPara="1" wrap="square" lIns="99873" tIns="49905" rIns="99873" bIns="49905" anchor="t" anchorCtr="0">
+          <a:bodyPr anchorCtr="0" anchor="t" bIns="19650" lIns="39325" spcFirstLastPara="1" rIns="39325" wrap="square" tIns="19650">
             <a:noAutofit/>
           </a:bodyPr>
           <a:lstStyle/>
           <a:p>
-            <a:pPr algn="ctr"/>
+            <a:pPr indent="0" lvl="0" marL="0" rtl="0" algn="ctr">
+              <a:spcBef>
+                <a:spcPts val="0"/>
+              </a:spcBef>
+              <a:spcAft>
+                <a:spcPts val="0"/>
+              </a:spcAft>
+              <a:buNone/>
+            </a:pPr>
             <a:r>
-              <a:rPr lang="en-GB" sz="1270">
+              <a:rPr lang="en-GB" sz="500">
                 <a:solidFill>
-                  <a:srgbClr val="7F7F7F"/>
+                  <a:srgbClr val="741B47"/>
                 </a:solidFill>
-                <a:latin typeface="Times New Roman"/>
-                <a:ea typeface="Times New Roman"/>
-                <a:cs typeface="Times New Roman"/>
-                <a:sym typeface="Times New Roman"/>
+                <a:latin typeface="Oswald"/>
+                <a:ea typeface="Oswald"/>
+                <a:cs typeface="Oswald"/>
+                <a:sym typeface="Oswald"/>
               </a:rPr>
               <a:t>write a new dish...</a:t>
             </a:r>
-            <a:endParaRPr sz="1270">
+            <a:endParaRPr sz="500">
               <a:solidFill>
-                <a:srgbClr val="7F7F7F"/>
+                <a:srgbClr val="741B47"/>
               </a:solidFill>
-              <a:latin typeface="Times New Roman"/>
-              <a:ea typeface="Times New Roman"/>
-              <a:cs typeface="Times New Roman"/>
-              <a:sym typeface="Times New Roman"/>
+              <a:latin typeface="Oswald"/>
+              <a:ea typeface="Oswald"/>
+              <a:cs typeface="Oswald"/>
+              <a:sym typeface="Oswald"/>
             </a:endParaRPr>
           </a:p>
         </p:txBody>
       </p:sp>
       <p:sp>
         <p:nvSpPr>
-          <p:cNvPr id="85" name="Google Shape;85;p15"/>
+          <p:cNvPr id="86" name="Google Shape;86;p15"/>
           <p:cNvSpPr txBox="1"/>
           <p:nvPr/>
         </p:nvSpPr>
         <p:spPr>
           <a:xfrm>
-            <a:off x="1962295" y="4603113"/>
-            <a:ext cx="2729905" cy="482286"/>
+            <a:off x="848854" y="1891057"/>
+            <a:ext cx="1074900" cy="189900"/>
           </a:xfrm>
           <a:prstGeom prst="rect">
             <a:avLst/>
@@ -7162,46 +7367,54 @@
           </a:ln>
         </p:spPr>
         <p:txBody>
-          <a:bodyPr spcFirstLastPara="1" wrap="square" lIns="99873" tIns="49905" rIns="99873" bIns="49905" anchor="t" anchorCtr="0">
+          <a:bodyPr anchorCtr="0" anchor="t" bIns="19650" lIns="39325" spcFirstLastPara="1" rIns="39325" wrap="square" tIns="19650">
             <a:noAutofit/>
           </a:bodyPr>
           <a:lstStyle/>
           <a:p>
-            <a:pPr algn="ctr"/>
+            <a:pPr indent="0" lvl="0" marL="0" rtl="0" algn="ctr">
+              <a:spcBef>
+                <a:spcPts val="0"/>
+              </a:spcBef>
+              <a:spcAft>
+                <a:spcPts val="0"/>
+              </a:spcAft>
+              <a:buNone/>
+            </a:pPr>
             <a:r>
-              <a:rPr lang="en-GB" sz="1270">
+              <a:rPr lang="en-GB" sz="500">
                 <a:solidFill>
-                  <a:srgbClr val="7F7F7F"/>
+                  <a:srgbClr val="741B47"/>
                 </a:solidFill>
-                <a:latin typeface="Times New Roman"/>
-                <a:ea typeface="Times New Roman"/>
-                <a:cs typeface="Times New Roman"/>
-                <a:sym typeface="Times New Roman"/>
+                <a:latin typeface="Oswald"/>
+                <a:ea typeface="Oswald"/>
+                <a:cs typeface="Oswald"/>
+                <a:sym typeface="Oswald"/>
               </a:rPr>
               <a:t>write a new dish...</a:t>
             </a:r>
-            <a:endParaRPr sz="1270">
+            <a:endParaRPr sz="500">
               <a:solidFill>
-                <a:srgbClr val="7F7F7F"/>
+                <a:srgbClr val="741B47"/>
               </a:solidFill>
-              <a:latin typeface="Times New Roman"/>
-              <a:ea typeface="Times New Roman"/>
-              <a:cs typeface="Times New Roman"/>
-              <a:sym typeface="Times New Roman"/>
+              <a:latin typeface="Oswald"/>
+              <a:ea typeface="Oswald"/>
+              <a:cs typeface="Oswald"/>
+              <a:sym typeface="Oswald"/>
             </a:endParaRPr>
           </a:p>
         </p:txBody>
       </p:sp>
       <p:sp>
         <p:nvSpPr>
-          <p:cNvPr id="86" name="Google Shape;86;p15"/>
+          <p:cNvPr id="87" name="Google Shape;87;p15"/>
           <p:cNvSpPr txBox="1"/>
           <p:nvPr/>
         </p:nvSpPr>
         <p:spPr>
           <a:xfrm>
-            <a:off x="1962295" y="5009462"/>
-            <a:ext cx="2729905" cy="482286"/>
+            <a:off x="848854" y="2051057"/>
+            <a:ext cx="1074900" cy="189900"/>
           </a:xfrm>
           <a:prstGeom prst="rect">
             <a:avLst/>
@@ -7212,46 +7425,54 @@
           </a:ln>
         </p:spPr>
         <p:txBody>
-          <a:bodyPr spcFirstLastPara="1" wrap="square" lIns="99873" tIns="49905" rIns="99873" bIns="49905" anchor="t" anchorCtr="0">
+          <a:bodyPr anchorCtr="0" anchor="t" bIns="19650" lIns="39325" spcFirstLastPara="1" rIns="39325" wrap="square" tIns="19650">
             <a:noAutofit/>
           </a:bodyPr>
           <a:lstStyle/>
           <a:p>
-            <a:pPr algn="ctr"/>
+            <a:pPr indent="0" lvl="0" marL="0" rtl="0" algn="ctr">
+              <a:spcBef>
+                <a:spcPts val="0"/>
+              </a:spcBef>
+              <a:spcAft>
+                <a:spcPts val="0"/>
+              </a:spcAft>
+              <a:buNone/>
+            </a:pPr>
             <a:r>
-              <a:rPr lang="en-GB" sz="1270">
+              <a:rPr lang="en-GB" sz="500">
                 <a:solidFill>
-                  <a:srgbClr val="7F7F7F"/>
+                  <a:srgbClr val="741B47"/>
                 </a:solidFill>
-                <a:latin typeface="Times New Roman"/>
-                <a:ea typeface="Times New Roman"/>
-                <a:cs typeface="Times New Roman"/>
-                <a:sym typeface="Times New Roman"/>
+                <a:latin typeface="Oswald"/>
+                <a:ea typeface="Oswald"/>
+                <a:cs typeface="Oswald"/>
+                <a:sym typeface="Oswald"/>
               </a:rPr>
               <a:t>write a new dish...</a:t>
             </a:r>
-            <a:endParaRPr sz="1270">
+            <a:endParaRPr sz="500">
               <a:solidFill>
-                <a:srgbClr val="7F7F7F"/>
+                <a:srgbClr val="741B47"/>
               </a:solidFill>
-              <a:latin typeface="Times New Roman"/>
-              <a:ea typeface="Times New Roman"/>
-              <a:cs typeface="Times New Roman"/>
-              <a:sym typeface="Times New Roman"/>
+              <a:latin typeface="Oswald"/>
+              <a:ea typeface="Oswald"/>
+              <a:cs typeface="Oswald"/>
+              <a:sym typeface="Oswald"/>
             </a:endParaRPr>
           </a:p>
         </p:txBody>
       </p:sp>
       <p:sp>
         <p:nvSpPr>
-          <p:cNvPr id="87" name="Google Shape;87;p15"/>
+          <p:cNvPr id="88" name="Google Shape;88;p15"/>
           <p:cNvSpPr txBox="1"/>
           <p:nvPr/>
         </p:nvSpPr>
         <p:spPr>
           <a:xfrm>
-            <a:off x="1962295" y="5415811"/>
-            <a:ext cx="2729905" cy="482286"/>
+            <a:off x="848854" y="2211057"/>
+            <a:ext cx="1074900" cy="189900"/>
           </a:xfrm>
           <a:prstGeom prst="rect">
             <a:avLst/>
@@ -7262,46 +7483,54 @@
           </a:ln>
         </p:spPr>
         <p:txBody>
-          <a:bodyPr spcFirstLastPara="1" wrap="square" lIns="99873" tIns="49905" rIns="99873" bIns="49905" anchor="t" anchorCtr="0">
+          <a:bodyPr anchorCtr="0" anchor="t" bIns="19650" lIns="39325" spcFirstLastPara="1" rIns="39325" wrap="square" tIns="19650">
             <a:noAutofit/>
           </a:bodyPr>
           <a:lstStyle/>
           <a:p>
-            <a:pPr algn="ctr"/>
+            <a:pPr indent="0" lvl="0" marL="0" rtl="0" algn="ctr">
+              <a:spcBef>
+                <a:spcPts val="0"/>
+              </a:spcBef>
+              <a:spcAft>
+                <a:spcPts val="0"/>
+              </a:spcAft>
+              <a:buNone/>
+            </a:pPr>
             <a:r>
-              <a:rPr lang="en-GB" sz="1270">
+              <a:rPr lang="en-GB" sz="500">
                 <a:solidFill>
-                  <a:srgbClr val="7F7F7F"/>
+                  <a:srgbClr val="741B47"/>
                 </a:solidFill>
-                <a:latin typeface="Times New Roman"/>
-                <a:ea typeface="Times New Roman"/>
-                <a:cs typeface="Times New Roman"/>
-                <a:sym typeface="Times New Roman"/>
+                <a:latin typeface="Oswald"/>
+                <a:ea typeface="Oswald"/>
+                <a:cs typeface="Oswald"/>
+                <a:sym typeface="Oswald"/>
               </a:rPr>
               <a:t>write a new dish...</a:t>
             </a:r>
-            <a:endParaRPr sz="1270">
+            <a:endParaRPr sz="500">
               <a:solidFill>
-                <a:srgbClr val="7F7F7F"/>
+                <a:srgbClr val="741B47"/>
               </a:solidFill>
-              <a:latin typeface="Times New Roman"/>
-              <a:ea typeface="Times New Roman"/>
-              <a:cs typeface="Times New Roman"/>
-              <a:sym typeface="Times New Roman"/>
+              <a:latin typeface="Oswald"/>
+              <a:ea typeface="Oswald"/>
+              <a:cs typeface="Oswald"/>
+              <a:sym typeface="Oswald"/>
             </a:endParaRPr>
           </a:p>
         </p:txBody>
       </p:sp>
       <p:sp>
         <p:nvSpPr>
-          <p:cNvPr id="88" name="Google Shape;88;p15"/>
+          <p:cNvPr id="89" name="Google Shape;89;p15"/>
           <p:cNvSpPr txBox="1"/>
           <p:nvPr/>
         </p:nvSpPr>
         <p:spPr>
           <a:xfrm>
-            <a:off x="1962295" y="5822160"/>
-            <a:ext cx="2729905" cy="482286"/>
+            <a:off x="848854" y="2371057"/>
+            <a:ext cx="1074900" cy="189900"/>
           </a:xfrm>
           <a:prstGeom prst="rect">
             <a:avLst/>
@@ -7312,46 +7541,54 @@
           </a:ln>
         </p:spPr>
         <p:txBody>
-          <a:bodyPr spcFirstLastPara="1" wrap="square" lIns="99873" tIns="49905" rIns="99873" bIns="49905" anchor="t" anchorCtr="0">
+          <a:bodyPr anchorCtr="0" anchor="t" bIns="19650" lIns="39325" spcFirstLastPara="1" rIns="39325" wrap="square" tIns="19650">
             <a:noAutofit/>
           </a:bodyPr>
           <a:lstStyle/>
           <a:p>
-            <a:pPr algn="ctr"/>
+            <a:pPr indent="0" lvl="0" marL="0" rtl="0" algn="ctr">
+              <a:spcBef>
+                <a:spcPts val="0"/>
+              </a:spcBef>
+              <a:spcAft>
+                <a:spcPts val="0"/>
+              </a:spcAft>
+              <a:buNone/>
+            </a:pPr>
             <a:r>
-              <a:rPr lang="en-GB" sz="1270">
+              <a:rPr lang="en-GB" sz="500">
                 <a:solidFill>
-                  <a:srgbClr val="7F7F7F"/>
+                  <a:srgbClr val="741B47"/>
                 </a:solidFill>
-                <a:latin typeface="Times New Roman"/>
-                <a:ea typeface="Times New Roman"/>
-                <a:cs typeface="Times New Roman"/>
-                <a:sym typeface="Times New Roman"/>
+                <a:latin typeface="Oswald"/>
+                <a:ea typeface="Oswald"/>
+                <a:cs typeface="Oswald"/>
+                <a:sym typeface="Oswald"/>
               </a:rPr>
               <a:t>write a new dish...</a:t>
             </a:r>
-            <a:endParaRPr sz="1270">
+            <a:endParaRPr sz="500">
               <a:solidFill>
-                <a:srgbClr val="7F7F7F"/>
+                <a:srgbClr val="741B47"/>
               </a:solidFill>
-              <a:latin typeface="Times New Roman"/>
-              <a:ea typeface="Times New Roman"/>
-              <a:cs typeface="Times New Roman"/>
-              <a:sym typeface="Times New Roman"/>
+              <a:latin typeface="Oswald"/>
+              <a:ea typeface="Oswald"/>
+              <a:cs typeface="Oswald"/>
+              <a:sym typeface="Oswald"/>
             </a:endParaRPr>
           </a:p>
         </p:txBody>
       </p:sp>
       <p:sp>
         <p:nvSpPr>
-          <p:cNvPr id="89" name="Google Shape;89;p15"/>
+          <p:cNvPr id="90" name="Google Shape;90;p15"/>
           <p:cNvSpPr txBox="1"/>
           <p:nvPr/>
         </p:nvSpPr>
         <p:spPr>
           <a:xfrm>
-            <a:off x="1962295" y="6228510"/>
-            <a:ext cx="2729905" cy="482286"/>
+            <a:off x="848854" y="2531057"/>
+            <a:ext cx="1074900" cy="189900"/>
           </a:xfrm>
           <a:prstGeom prst="rect">
             <a:avLst/>
@@ -7362,46 +7599,54 @@
           </a:ln>
         </p:spPr>
         <p:txBody>
-          <a:bodyPr spcFirstLastPara="1" wrap="square" lIns="99873" tIns="49905" rIns="99873" bIns="49905" anchor="t" anchorCtr="0">
+          <a:bodyPr anchorCtr="0" anchor="t" bIns="19650" lIns="39325" spcFirstLastPara="1" rIns="39325" wrap="square" tIns="19650">
             <a:noAutofit/>
           </a:bodyPr>
           <a:lstStyle/>
           <a:p>
-            <a:pPr algn="ctr"/>
+            <a:pPr indent="0" lvl="0" marL="0" rtl="0" algn="ctr">
+              <a:spcBef>
+                <a:spcPts val="0"/>
+              </a:spcBef>
+              <a:spcAft>
+                <a:spcPts val="0"/>
+              </a:spcAft>
+              <a:buNone/>
+            </a:pPr>
             <a:r>
-              <a:rPr lang="en-GB" sz="1270">
+              <a:rPr lang="en-GB" sz="500">
                 <a:solidFill>
-                  <a:srgbClr val="7F7F7F"/>
+                  <a:srgbClr val="741B47"/>
                 </a:solidFill>
-                <a:latin typeface="Times New Roman"/>
-                <a:ea typeface="Times New Roman"/>
-                <a:cs typeface="Times New Roman"/>
-                <a:sym typeface="Times New Roman"/>
+                <a:latin typeface="Oswald"/>
+                <a:ea typeface="Oswald"/>
+                <a:cs typeface="Oswald"/>
+                <a:sym typeface="Oswald"/>
               </a:rPr>
               <a:t>write a new dish...</a:t>
             </a:r>
-            <a:endParaRPr sz="1270">
+            <a:endParaRPr sz="500">
               <a:solidFill>
-                <a:srgbClr val="7F7F7F"/>
+                <a:srgbClr val="741B47"/>
               </a:solidFill>
-              <a:latin typeface="Times New Roman"/>
-              <a:ea typeface="Times New Roman"/>
-              <a:cs typeface="Times New Roman"/>
-              <a:sym typeface="Times New Roman"/>
+              <a:latin typeface="Oswald"/>
+              <a:ea typeface="Oswald"/>
+              <a:cs typeface="Oswald"/>
+              <a:sym typeface="Oswald"/>
             </a:endParaRPr>
           </a:p>
         </p:txBody>
       </p:sp>
       <p:sp>
         <p:nvSpPr>
-          <p:cNvPr id="90" name="Google Shape;90;p15"/>
+          <p:cNvPr id="91" name="Google Shape;91;p15"/>
           <p:cNvSpPr txBox="1"/>
           <p:nvPr/>
         </p:nvSpPr>
         <p:spPr>
           <a:xfrm>
-            <a:off x="1962295" y="6634859"/>
-            <a:ext cx="2729905" cy="482286"/>
+            <a:off x="848854" y="2691057"/>
+            <a:ext cx="1074900" cy="189900"/>
           </a:xfrm>
           <a:prstGeom prst="rect">
             <a:avLst/>
@@ -7412,46 +7657,54 @@
           </a:ln>
         </p:spPr>
         <p:txBody>
-          <a:bodyPr spcFirstLastPara="1" wrap="square" lIns="99873" tIns="49905" rIns="99873" bIns="49905" anchor="t" anchorCtr="0">
+          <a:bodyPr anchorCtr="0" anchor="t" bIns="19650" lIns="39325" spcFirstLastPara="1" rIns="39325" wrap="square" tIns="19650">
             <a:noAutofit/>
           </a:bodyPr>
           <a:lstStyle/>
           <a:p>
-            <a:pPr algn="ctr"/>
+            <a:pPr indent="0" lvl="0" marL="0" rtl="0" algn="ctr">
+              <a:spcBef>
+                <a:spcPts val="0"/>
+              </a:spcBef>
+              <a:spcAft>
+                <a:spcPts val="0"/>
+              </a:spcAft>
+              <a:buNone/>
+            </a:pPr>
             <a:r>
-              <a:rPr lang="en-GB" sz="1270">
+              <a:rPr lang="en-GB" sz="500">
                 <a:solidFill>
-                  <a:srgbClr val="7F7F7F"/>
+                  <a:srgbClr val="741B47"/>
                 </a:solidFill>
-                <a:latin typeface="Times New Roman"/>
-                <a:ea typeface="Times New Roman"/>
-                <a:cs typeface="Times New Roman"/>
-                <a:sym typeface="Times New Roman"/>
+                <a:latin typeface="Oswald"/>
+                <a:ea typeface="Oswald"/>
+                <a:cs typeface="Oswald"/>
+                <a:sym typeface="Oswald"/>
               </a:rPr>
               <a:t>write a new dish...</a:t>
             </a:r>
-            <a:endParaRPr sz="1270">
+            <a:endParaRPr sz="500">
               <a:solidFill>
-                <a:srgbClr val="7F7F7F"/>
+                <a:srgbClr val="741B47"/>
               </a:solidFill>
-              <a:latin typeface="Times New Roman"/>
-              <a:ea typeface="Times New Roman"/>
-              <a:cs typeface="Times New Roman"/>
-              <a:sym typeface="Times New Roman"/>
+              <a:latin typeface="Oswald"/>
+              <a:ea typeface="Oswald"/>
+              <a:cs typeface="Oswald"/>
+              <a:sym typeface="Oswald"/>
             </a:endParaRPr>
           </a:p>
         </p:txBody>
       </p:sp>
       <p:sp>
         <p:nvSpPr>
-          <p:cNvPr id="91" name="Google Shape;91;p15"/>
+          <p:cNvPr id="92" name="Google Shape;92;p15"/>
           <p:cNvSpPr txBox="1"/>
           <p:nvPr/>
         </p:nvSpPr>
         <p:spPr>
           <a:xfrm>
-            <a:off x="1962295" y="3403367"/>
-            <a:ext cx="2729905" cy="482286"/>
+            <a:off x="848854" y="1418657"/>
+            <a:ext cx="1074900" cy="189900"/>
           </a:xfrm>
           <a:prstGeom prst="rect">
             <a:avLst/>
@@ -7462,46 +7715,54 @@
           </a:ln>
         </p:spPr>
         <p:txBody>
-          <a:bodyPr spcFirstLastPara="1" wrap="square" lIns="99873" tIns="49905" rIns="99873" bIns="49905" anchor="t" anchorCtr="0">
+          <a:bodyPr anchorCtr="0" anchor="t" bIns="19650" lIns="39325" spcFirstLastPara="1" rIns="39325" wrap="square" tIns="19650">
             <a:noAutofit/>
           </a:bodyPr>
           <a:lstStyle/>
           <a:p>
-            <a:pPr algn="ctr"/>
+            <a:pPr indent="0" lvl="0" marL="0" rtl="0" algn="ctr">
+              <a:spcBef>
+                <a:spcPts val="0"/>
+              </a:spcBef>
+              <a:spcAft>
+                <a:spcPts val="0"/>
+              </a:spcAft>
+              <a:buNone/>
+            </a:pPr>
             <a:r>
-              <a:rPr lang="en-GB" sz="1270">
+              <a:rPr lang="en-GB" sz="500">
                 <a:solidFill>
-                  <a:srgbClr val="7F7F7F"/>
+                  <a:srgbClr val="741B47"/>
                 </a:solidFill>
-                <a:latin typeface="Times New Roman"/>
-                <a:ea typeface="Times New Roman"/>
-                <a:cs typeface="Times New Roman"/>
-                <a:sym typeface="Times New Roman"/>
+                <a:latin typeface="Oswald"/>
+                <a:ea typeface="Oswald"/>
+                <a:cs typeface="Oswald"/>
+                <a:sym typeface="Oswald"/>
               </a:rPr>
               <a:t>write a new dish...</a:t>
             </a:r>
-            <a:endParaRPr sz="1270">
+            <a:endParaRPr sz="500">
               <a:solidFill>
-                <a:srgbClr val="7F7F7F"/>
+                <a:srgbClr val="741B47"/>
               </a:solidFill>
-              <a:latin typeface="Times New Roman"/>
-              <a:ea typeface="Times New Roman"/>
-              <a:cs typeface="Times New Roman"/>
-              <a:sym typeface="Times New Roman"/>
+              <a:latin typeface="Oswald"/>
+              <a:ea typeface="Oswald"/>
+              <a:cs typeface="Oswald"/>
+              <a:sym typeface="Oswald"/>
             </a:endParaRPr>
           </a:p>
         </p:txBody>
       </p:sp>
       <p:sp>
         <p:nvSpPr>
-          <p:cNvPr id="92" name="Google Shape;92;p15"/>
+          <p:cNvPr id="93" name="Google Shape;93;p15"/>
           <p:cNvSpPr txBox="1"/>
           <p:nvPr/>
         </p:nvSpPr>
         <p:spPr>
           <a:xfrm>
-            <a:off x="1962295" y="3016319"/>
-            <a:ext cx="2729905" cy="482286"/>
+            <a:off x="848854" y="1266257"/>
+            <a:ext cx="1074900" cy="189900"/>
           </a:xfrm>
           <a:prstGeom prst="rect">
             <a:avLst/>
@@ -7512,46 +7773,54 @@
           </a:ln>
         </p:spPr>
         <p:txBody>
-          <a:bodyPr spcFirstLastPara="1" wrap="square" lIns="99873" tIns="49905" rIns="99873" bIns="49905" anchor="t" anchorCtr="0">
+          <a:bodyPr anchorCtr="0" anchor="t" bIns="19650" lIns="39325" spcFirstLastPara="1" rIns="39325" wrap="square" tIns="19650">
             <a:noAutofit/>
           </a:bodyPr>
           <a:lstStyle/>
           <a:p>
-            <a:pPr algn="ctr"/>
+            <a:pPr indent="0" lvl="0" marL="0" rtl="0" algn="ctr">
+              <a:spcBef>
+                <a:spcPts val="0"/>
+              </a:spcBef>
+              <a:spcAft>
+                <a:spcPts val="0"/>
+              </a:spcAft>
+              <a:buNone/>
+            </a:pPr>
             <a:r>
-              <a:rPr lang="en-GB" sz="1778">
+              <a:rPr lang="en-GB" sz="700">
                 <a:solidFill>
-                  <a:srgbClr val="7F7F7F"/>
+                  <a:srgbClr val="741B47"/>
                 </a:solidFill>
-                <a:latin typeface="Times New Roman"/>
-                <a:ea typeface="Times New Roman"/>
-                <a:cs typeface="Times New Roman"/>
-                <a:sym typeface="Times New Roman"/>
+                <a:latin typeface="Oswald"/>
+                <a:ea typeface="Oswald"/>
+                <a:cs typeface="Oswald"/>
+                <a:sym typeface="Oswald"/>
               </a:rPr>
               <a:t>Dish Name</a:t>
             </a:r>
-            <a:endParaRPr sz="1778">
+            <a:endParaRPr sz="700">
               <a:solidFill>
-                <a:srgbClr val="7F7F7F"/>
+                <a:srgbClr val="741B47"/>
               </a:solidFill>
-              <a:latin typeface="Times New Roman"/>
-              <a:ea typeface="Times New Roman"/>
-              <a:cs typeface="Times New Roman"/>
-              <a:sym typeface="Times New Roman"/>
+              <a:latin typeface="Oswald"/>
+              <a:ea typeface="Oswald"/>
+              <a:cs typeface="Oswald"/>
+              <a:sym typeface="Oswald"/>
             </a:endParaRPr>
           </a:p>
         </p:txBody>
       </p:sp>
       <p:sp>
         <p:nvSpPr>
-          <p:cNvPr id="93" name="Google Shape;93;p15"/>
+          <p:cNvPr id="94" name="Google Shape;94;p15"/>
           <p:cNvSpPr txBox="1"/>
           <p:nvPr/>
         </p:nvSpPr>
         <p:spPr>
           <a:xfrm>
-            <a:off x="1962295" y="2048700"/>
-            <a:ext cx="2729905" cy="482286"/>
+            <a:off x="848854" y="885257"/>
+            <a:ext cx="1074900" cy="189900"/>
           </a:xfrm>
           <a:prstGeom prst="rect">
             <a:avLst/>
@@ -7562,32 +7831,40 @@
           </a:ln>
         </p:spPr>
         <p:txBody>
-          <a:bodyPr spcFirstLastPara="1" wrap="square" lIns="99873" tIns="49905" rIns="99873" bIns="49905" anchor="t" anchorCtr="0">
+          <a:bodyPr anchorCtr="0" anchor="t" bIns="19650" lIns="39325" spcFirstLastPara="1" rIns="39325" wrap="square" tIns="19650">
             <a:noAutofit/>
           </a:bodyPr>
           <a:lstStyle/>
           <a:p>
-            <a:pPr algn="ctr"/>
+            <a:pPr indent="0" lvl="0" marL="0" rtl="0" algn="ctr">
+              <a:spcBef>
+                <a:spcPts val="0"/>
+              </a:spcBef>
+              <a:spcAft>
+                <a:spcPts val="0"/>
+              </a:spcAft>
+              <a:buNone/>
+            </a:pPr>
             <a:r>
-              <a:rPr lang="en-GB" sz="3810">
+              <a:rPr lang="en-GB" sz="1500">
                 <a:solidFill>
-                  <a:srgbClr val="7F7F7F"/>
+                  <a:srgbClr val="741B47"/>
                 </a:solidFill>
-                <a:latin typeface="Times New Roman"/>
-                <a:ea typeface="Times New Roman"/>
-                <a:cs typeface="Times New Roman"/>
-                <a:sym typeface="Times New Roman"/>
+                <a:latin typeface="Oswald"/>
+                <a:ea typeface="Oswald"/>
+                <a:cs typeface="Oswald"/>
+                <a:sym typeface="Oswald"/>
               </a:rPr>
               <a:t>Menu</a:t>
             </a:r>
-            <a:endParaRPr sz="3810">
+            <a:endParaRPr sz="1500">
               <a:solidFill>
-                <a:srgbClr val="7F7F7F"/>
+                <a:srgbClr val="741B47"/>
               </a:solidFill>
-              <a:latin typeface="Times New Roman"/>
-              <a:ea typeface="Times New Roman"/>
-              <a:cs typeface="Times New Roman"/>
-              <a:sym typeface="Times New Roman"/>
+              <a:latin typeface="Oswald"/>
+              <a:ea typeface="Oswald"/>
+              <a:cs typeface="Oswald"/>
+              <a:sym typeface="Oswald"/>
             </a:endParaRPr>
           </a:p>
         </p:txBody>
@@ -7601,7 +7878,7 @@
 </file>
 
 <file path=ppt/slides/slide4.xml><?xml version="1.0" encoding="utf-8"?>
-<p:sld xmlns:a="http://schemas.openxmlformats.org/drawingml/2006/main" xmlns:r="http://schemas.openxmlformats.org/officeDocument/2006/relationships" xmlns:p="http://schemas.openxmlformats.org/presentationml/2006/main">
+<p:sld xmlns:a="http://schemas.openxmlformats.org/drawingml/2006/main" xmlns:r="http://schemas.openxmlformats.org/officeDocument/2006/relationships" xmlns:mc="http://schemas.openxmlformats.org/markup-compatibility/2006" xmlns:mv="urn:schemas-microsoft-com:mac:vml" xmlns:p="http://schemas.openxmlformats.org/presentationml/2006/main" xmlns:c="http://schemas.openxmlformats.org/drawingml/2006/chart" xmlns:dgm="http://schemas.openxmlformats.org/drawingml/2006/diagram" xmlns:o="urn:schemas-microsoft-com:office:office" xmlns:v="urn:schemas-microsoft-com:vml" xmlns:pvml="urn:schemas-microsoft-com:office:powerpoint" xmlns:com="http://schemas.openxmlformats.org/drawingml/2006/compatibility" xmlns:p14="http://schemas.microsoft.com/office/powerpoint/2010/main" xmlns:p15="http://schemas.microsoft.com/office/powerpoint/2012/main" xmlns:ahyp="http://schemas.microsoft.com/office/drawing/2018/hyperlinkcolor">
   <p:cSld>
     <p:bg>
       <p:bgPr>
@@ -7613,12 +7890,11 @@
             <a:fillRect/>
           </a:stretch>
         </a:blipFill>
-        <a:effectLst/>
       </p:bgPr>
     </p:bg>
     <p:spTree>
       <p:nvGrpSpPr>
-        <p:cNvPr id="1" name="Shape 97"/>
+        <p:cNvPr id="98" name="Shape 98"/>
         <p:cNvGrpSpPr/>
         <p:nvPr/>
       </p:nvGrpSpPr>
@@ -7632,14 +7908,14 @@
       </p:grpSpPr>
       <p:sp>
         <p:nvSpPr>
-          <p:cNvPr id="98" name="Google Shape;98;p16"/>
+          <p:cNvPr id="99" name="Google Shape;99;p16"/>
           <p:cNvSpPr txBox="1"/>
           <p:nvPr/>
         </p:nvSpPr>
         <p:spPr>
           <a:xfrm>
-            <a:off x="2155819" y="3790414"/>
-            <a:ext cx="2729905" cy="482286"/>
+            <a:off x="848850" y="1300039"/>
+            <a:ext cx="1074900" cy="220500"/>
           </a:xfrm>
           <a:prstGeom prst="rect">
             <a:avLst/>
@@ -7650,46 +7926,54 @@
           </a:ln>
         </p:spPr>
         <p:txBody>
-          <a:bodyPr spcFirstLastPara="1" wrap="square" lIns="99873" tIns="49905" rIns="99873" bIns="49905" anchor="t" anchorCtr="0">
+          <a:bodyPr anchorCtr="0" anchor="t" bIns="19650" lIns="39325" spcFirstLastPara="1" rIns="39325" wrap="square" tIns="19650">
             <a:noAutofit/>
           </a:bodyPr>
           <a:lstStyle/>
           <a:p>
-            <a:pPr algn="ctr"/>
+            <a:pPr indent="0" lvl="0" marL="0" rtl="0" algn="ctr">
+              <a:spcBef>
+                <a:spcPts val="0"/>
+              </a:spcBef>
+              <a:spcAft>
+                <a:spcPts val="0"/>
+              </a:spcAft>
+              <a:buNone/>
+            </a:pPr>
             <a:r>
-              <a:rPr lang="en-GB" sz="1270">
+              <a:rPr lang="en-GB" sz="600">
                 <a:solidFill>
-                  <a:srgbClr val="7F7F7F"/>
+                  <a:srgbClr val="434343"/>
                 </a:solidFill>
-                <a:latin typeface="Times New Roman"/>
-                <a:ea typeface="Times New Roman"/>
-                <a:cs typeface="Times New Roman"/>
-                <a:sym typeface="Times New Roman"/>
+                <a:latin typeface="Itim"/>
+                <a:ea typeface="Itim"/>
+                <a:cs typeface="Itim"/>
+                <a:sym typeface="Itim"/>
               </a:rPr>
               <a:t>0.00$</a:t>
             </a:r>
-            <a:endParaRPr sz="1270">
+            <a:endParaRPr sz="600">
               <a:solidFill>
-                <a:srgbClr val="7F7F7F"/>
+                <a:srgbClr val="434343"/>
               </a:solidFill>
-              <a:latin typeface="Times New Roman"/>
-              <a:ea typeface="Times New Roman"/>
-              <a:cs typeface="Times New Roman"/>
-              <a:sym typeface="Times New Roman"/>
+              <a:latin typeface="Itim"/>
+              <a:ea typeface="Itim"/>
+              <a:cs typeface="Itim"/>
+              <a:sym typeface="Itim"/>
             </a:endParaRPr>
           </a:p>
         </p:txBody>
       </p:sp>
       <p:sp>
         <p:nvSpPr>
-          <p:cNvPr id="99" name="Google Shape;99;p16"/>
+          <p:cNvPr id="100" name="Google Shape;100;p16"/>
           <p:cNvSpPr txBox="1"/>
           <p:nvPr/>
         </p:nvSpPr>
         <p:spPr>
           <a:xfrm>
-            <a:off x="2155819" y="4196764"/>
-            <a:ext cx="2729905" cy="482286"/>
+            <a:off x="848850" y="1485700"/>
+            <a:ext cx="1074900" cy="220500"/>
           </a:xfrm>
           <a:prstGeom prst="rect">
             <a:avLst/>
@@ -7700,46 +7984,54 @@
           </a:ln>
         </p:spPr>
         <p:txBody>
-          <a:bodyPr spcFirstLastPara="1" wrap="square" lIns="99873" tIns="49905" rIns="99873" bIns="49905" anchor="t" anchorCtr="0">
+          <a:bodyPr anchorCtr="0" anchor="t" bIns="19650" lIns="39325" spcFirstLastPara="1" rIns="39325" wrap="square" tIns="19650">
             <a:noAutofit/>
           </a:bodyPr>
           <a:lstStyle/>
           <a:p>
-            <a:pPr algn="ctr"/>
+            <a:pPr indent="0" lvl="0" marL="0" rtl="0" algn="ctr">
+              <a:spcBef>
+                <a:spcPts val="0"/>
+              </a:spcBef>
+              <a:spcAft>
+                <a:spcPts val="0"/>
+              </a:spcAft>
+              <a:buNone/>
+            </a:pPr>
             <a:r>
-              <a:rPr lang="en-GB" sz="1270">
+              <a:rPr i="1" lang="en-GB" sz="600">
                 <a:solidFill>
-                  <a:srgbClr val="7F7F7F"/>
+                  <a:srgbClr val="434343"/>
                 </a:solidFill>
-                <a:latin typeface="Times New Roman"/>
-                <a:ea typeface="Times New Roman"/>
-                <a:cs typeface="Times New Roman"/>
-                <a:sym typeface="Times New Roman"/>
+                <a:latin typeface="Itim"/>
+                <a:ea typeface="Itim"/>
+                <a:cs typeface="Itim"/>
+                <a:sym typeface="Itim"/>
               </a:rPr>
               <a:t>write a new dish...</a:t>
             </a:r>
-            <a:endParaRPr sz="1270">
+            <a:endParaRPr i="1" sz="600">
               <a:solidFill>
-                <a:srgbClr val="7F7F7F"/>
+                <a:srgbClr val="434343"/>
               </a:solidFill>
-              <a:latin typeface="Times New Roman"/>
-              <a:ea typeface="Times New Roman"/>
-              <a:cs typeface="Times New Roman"/>
-              <a:sym typeface="Times New Roman"/>
+              <a:latin typeface="Itim"/>
+              <a:ea typeface="Itim"/>
+              <a:cs typeface="Itim"/>
+              <a:sym typeface="Itim"/>
             </a:endParaRPr>
           </a:p>
         </p:txBody>
       </p:sp>
       <p:sp>
         <p:nvSpPr>
-          <p:cNvPr id="100" name="Google Shape;100;p16"/>
+          <p:cNvPr id="101" name="Google Shape;101;p16"/>
           <p:cNvSpPr txBox="1"/>
           <p:nvPr/>
         </p:nvSpPr>
         <p:spPr>
           <a:xfrm>
-            <a:off x="2155819" y="4603113"/>
-            <a:ext cx="2729905" cy="482286"/>
+            <a:off x="848850" y="1671361"/>
+            <a:ext cx="1074900" cy="220500"/>
           </a:xfrm>
           <a:prstGeom prst="rect">
             <a:avLst/>
@@ -7750,46 +8042,54 @@
           </a:ln>
         </p:spPr>
         <p:txBody>
-          <a:bodyPr spcFirstLastPara="1" wrap="square" lIns="99873" tIns="49905" rIns="99873" bIns="49905" anchor="t" anchorCtr="0">
+          <a:bodyPr anchorCtr="0" anchor="t" bIns="19650" lIns="39325" spcFirstLastPara="1" rIns="39325" wrap="square" tIns="19650">
             <a:noAutofit/>
           </a:bodyPr>
           <a:lstStyle/>
           <a:p>
-            <a:pPr algn="ctr"/>
+            <a:pPr indent="0" lvl="0" marL="0" rtl="0" algn="ctr">
+              <a:spcBef>
+                <a:spcPts val="0"/>
+              </a:spcBef>
+              <a:spcAft>
+                <a:spcPts val="0"/>
+              </a:spcAft>
+              <a:buNone/>
+            </a:pPr>
             <a:r>
-              <a:rPr lang="en-GB" sz="1270">
+              <a:rPr i="1" lang="en-GB" sz="600">
                 <a:solidFill>
-                  <a:srgbClr val="7F7F7F"/>
+                  <a:srgbClr val="434343"/>
                 </a:solidFill>
-                <a:latin typeface="Times New Roman"/>
-                <a:ea typeface="Times New Roman"/>
-                <a:cs typeface="Times New Roman"/>
-                <a:sym typeface="Times New Roman"/>
+                <a:latin typeface="Itim"/>
+                <a:ea typeface="Itim"/>
+                <a:cs typeface="Itim"/>
+                <a:sym typeface="Itim"/>
               </a:rPr>
               <a:t>write a new dish...</a:t>
             </a:r>
-            <a:endParaRPr sz="1270">
+            <a:endParaRPr i="1" sz="600">
               <a:solidFill>
-                <a:srgbClr val="7F7F7F"/>
+                <a:srgbClr val="434343"/>
               </a:solidFill>
-              <a:latin typeface="Times New Roman"/>
-              <a:ea typeface="Times New Roman"/>
-              <a:cs typeface="Times New Roman"/>
-              <a:sym typeface="Times New Roman"/>
+              <a:latin typeface="Itim"/>
+              <a:ea typeface="Itim"/>
+              <a:cs typeface="Itim"/>
+              <a:sym typeface="Itim"/>
             </a:endParaRPr>
           </a:p>
         </p:txBody>
       </p:sp>
       <p:sp>
         <p:nvSpPr>
-          <p:cNvPr id="101" name="Google Shape;101;p16"/>
+          <p:cNvPr id="102" name="Google Shape;102;p16"/>
           <p:cNvSpPr txBox="1"/>
           <p:nvPr/>
         </p:nvSpPr>
         <p:spPr>
           <a:xfrm>
-            <a:off x="2155819" y="5009462"/>
-            <a:ext cx="2729905" cy="482286"/>
+            <a:off x="848850" y="1857023"/>
+            <a:ext cx="1074900" cy="220500"/>
           </a:xfrm>
           <a:prstGeom prst="rect">
             <a:avLst/>
@@ -7800,46 +8100,54 @@
           </a:ln>
         </p:spPr>
         <p:txBody>
-          <a:bodyPr spcFirstLastPara="1" wrap="square" lIns="99873" tIns="49905" rIns="99873" bIns="49905" anchor="t" anchorCtr="0">
+          <a:bodyPr anchorCtr="0" anchor="t" bIns="19650" lIns="39325" spcFirstLastPara="1" rIns="39325" wrap="square" tIns="19650">
             <a:noAutofit/>
           </a:bodyPr>
           <a:lstStyle/>
           <a:p>
-            <a:pPr algn="ctr"/>
+            <a:pPr indent="0" lvl="0" marL="0" rtl="0" algn="ctr">
+              <a:spcBef>
+                <a:spcPts val="0"/>
+              </a:spcBef>
+              <a:spcAft>
+                <a:spcPts val="0"/>
+              </a:spcAft>
+              <a:buNone/>
+            </a:pPr>
             <a:r>
-              <a:rPr lang="en-GB" sz="1270">
+              <a:rPr i="1" lang="en-GB" sz="600">
                 <a:solidFill>
-                  <a:srgbClr val="7F7F7F"/>
+                  <a:srgbClr val="434343"/>
                 </a:solidFill>
-                <a:latin typeface="Times New Roman"/>
-                <a:ea typeface="Times New Roman"/>
-                <a:cs typeface="Times New Roman"/>
-                <a:sym typeface="Times New Roman"/>
+                <a:latin typeface="Itim"/>
+                <a:ea typeface="Itim"/>
+                <a:cs typeface="Itim"/>
+                <a:sym typeface="Itim"/>
               </a:rPr>
               <a:t>write a new dish...</a:t>
             </a:r>
-            <a:endParaRPr sz="1270">
+            <a:endParaRPr i="1" sz="600">
               <a:solidFill>
-                <a:srgbClr val="7F7F7F"/>
+                <a:srgbClr val="434343"/>
               </a:solidFill>
-              <a:latin typeface="Times New Roman"/>
-              <a:ea typeface="Times New Roman"/>
-              <a:cs typeface="Times New Roman"/>
-              <a:sym typeface="Times New Roman"/>
+              <a:latin typeface="Itim"/>
+              <a:ea typeface="Itim"/>
+              <a:cs typeface="Itim"/>
+              <a:sym typeface="Itim"/>
             </a:endParaRPr>
           </a:p>
         </p:txBody>
       </p:sp>
       <p:sp>
         <p:nvSpPr>
-          <p:cNvPr id="102" name="Google Shape;102;p16"/>
+          <p:cNvPr id="103" name="Google Shape;103;p16"/>
           <p:cNvSpPr txBox="1"/>
           <p:nvPr/>
         </p:nvSpPr>
         <p:spPr>
           <a:xfrm>
-            <a:off x="2155819" y="5415811"/>
-            <a:ext cx="2729905" cy="482286"/>
+            <a:off x="848850" y="2042684"/>
+            <a:ext cx="1074900" cy="220500"/>
           </a:xfrm>
           <a:prstGeom prst="rect">
             <a:avLst/>
@@ -7850,46 +8158,54 @@
           </a:ln>
         </p:spPr>
         <p:txBody>
-          <a:bodyPr spcFirstLastPara="1" wrap="square" lIns="99873" tIns="49905" rIns="99873" bIns="49905" anchor="t" anchorCtr="0">
+          <a:bodyPr anchorCtr="0" anchor="t" bIns="19650" lIns="39325" spcFirstLastPara="1" rIns="39325" wrap="square" tIns="19650">
             <a:noAutofit/>
           </a:bodyPr>
           <a:lstStyle/>
           <a:p>
-            <a:pPr algn="ctr"/>
+            <a:pPr indent="0" lvl="0" marL="0" rtl="0" algn="ctr">
+              <a:spcBef>
+                <a:spcPts val="0"/>
+              </a:spcBef>
+              <a:spcAft>
+                <a:spcPts val="0"/>
+              </a:spcAft>
+              <a:buNone/>
+            </a:pPr>
             <a:r>
-              <a:rPr lang="en-GB" sz="1270">
+              <a:rPr i="1" lang="en-GB" sz="600">
                 <a:solidFill>
-                  <a:srgbClr val="7F7F7F"/>
+                  <a:srgbClr val="434343"/>
                 </a:solidFill>
-                <a:latin typeface="Times New Roman"/>
-                <a:ea typeface="Times New Roman"/>
-                <a:cs typeface="Times New Roman"/>
-                <a:sym typeface="Times New Roman"/>
+                <a:latin typeface="Itim"/>
+                <a:ea typeface="Itim"/>
+                <a:cs typeface="Itim"/>
+                <a:sym typeface="Itim"/>
               </a:rPr>
               <a:t>write a new dish...</a:t>
             </a:r>
-            <a:endParaRPr sz="1270">
+            <a:endParaRPr i="1" sz="600">
               <a:solidFill>
-                <a:srgbClr val="7F7F7F"/>
+                <a:srgbClr val="434343"/>
               </a:solidFill>
-              <a:latin typeface="Times New Roman"/>
-              <a:ea typeface="Times New Roman"/>
-              <a:cs typeface="Times New Roman"/>
-              <a:sym typeface="Times New Roman"/>
+              <a:latin typeface="Itim"/>
+              <a:ea typeface="Itim"/>
+              <a:cs typeface="Itim"/>
+              <a:sym typeface="Itim"/>
             </a:endParaRPr>
           </a:p>
         </p:txBody>
       </p:sp>
       <p:sp>
         <p:nvSpPr>
-          <p:cNvPr id="103" name="Google Shape;103;p16"/>
+          <p:cNvPr id="104" name="Google Shape;104;p16"/>
           <p:cNvSpPr txBox="1"/>
           <p:nvPr/>
         </p:nvSpPr>
         <p:spPr>
           <a:xfrm>
-            <a:off x="2155819" y="5822160"/>
-            <a:ext cx="2729905" cy="482286"/>
+            <a:off x="848850" y="2228345"/>
+            <a:ext cx="1074900" cy="220500"/>
           </a:xfrm>
           <a:prstGeom prst="rect">
             <a:avLst/>
@@ -7900,46 +8216,54 @@
           </a:ln>
         </p:spPr>
         <p:txBody>
-          <a:bodyPr spcFirstLastPara="1" wrap="square" lIns="99873" tIns="49905" rIns="99873" bIns="49905" anchor="t" anchorCtr="0">
+          <a:bodyPr anchorCtr="0" anchor="t" bIns="19650" lIns="39325" spcFirstLastPara="1" rIns="39325" wrap="square" tIns="19650">
             <a:noAutofit/>
           </a:bodyPr>
           <a:lstStyle/>
           <a:p>
-            <a:pPr algn="ctr"/>
+            <a:pPr indent="0" lvl="0" marL="0" rtl="0" algn="ctr">
+              <a:spcBef>
+                <a:spcPts val="0"/>
+              </a:spcBef>
+              <a:spcAft>
+                <a:spcPts val="0"/>
+              </a:spcAft>
+              <a:buNone/>
+            </a:pPr>
             <a:r>
-              <a:rPr lang="en-GB" sz="1270">
+              <a:rPr i="1" lang="en-GB" sz="600">
                 <a:solidFill>
-                  <a:srgbClr val="7F7F7F"/>
+                  <a:srgbClr val="434343"/>
                 </a:solidFill>
-                <a:latin typeface="Times New Roman"/>
-                <a:ea typeface="Times New Roman"/>
-                <a:cs typeface="Times New Roman"/>
-                <a:sym typeface="Times New Roman"/>
+                <a:latin typeface="Itim"/>
+                <a:ea typeface="Itim"/>
+                <a:cs typeface="Itim"/>
+                <a:sym typeface="Itim"/>
               </a:rPr>
               <a:t>write a new dish...</a:t>
             </a:r>
-            <a:endParaRPr sz="1270">
+            <a:endParaRPr i="1" sz="600">
               <a:solidFill>
-                <a:srgbClr val="7F7F7F"/>
+                <a:srgbClr val="434343"/>
               </a:solidFill>
-              <a:latin typeface="Times New Roman"/>
-              <a:ea typeface="Times New Roman"/>
-              <a:cs typeface="Times New Roman"/>
-              <a:sym typeface="Times New Roman"/>
+              <a:latin typeface="Itim"/>
+              <a:ea typeface="Itim"/>
+              <a:cs typeface="Itim"/>
+              <a:sym typeface="Itim"/>
             </a:endParaRPr>
           </a:p>
         </p:txBody>
       </p:sp>
       <p:sp>
         <p:nvSpPr>
-          <p:cNvPr id="104" name="Google Shape;104;p16"/>
+          <p:cNvPr id="105" name="Google Shape;105;p16"/>
           <p:cNvSpPr txBox="1"/>
           <p:nvPr/>
         </p:nvSpPr>
         <p:spPr>
           <a:xfrm>
-            <a:off x="2155819" y="6228510"/>
-            <a:ext cx="2729905" cy="482286"/>
+            <a:off x="848850" y="2414006"/>
+            <a:ext cx="1074900" cy="220500"/>
           </a:xfrm>
           <a:prstGeom prst="rect">
             <a:avLst/>
@@ -7950,46 +8274,54 @@
           </a:ln>
         </p:spPr>
         <p:txBody>
-          <a:bodyPr spcFirstLastPara="1" wrap="square" lIns="99873" tIns="49905" rIns="99873" bIns="49905" anchor="t" anchorCtr="0">
+          <a:bodyPr anchorCtr="0" anchor="t" bIns="19650" lIns="39325" spcFirstLastPara="1" rIns="39325" wrap="square" tIns="19650">
             <a:noAutofit/>
           </a:bodyPr>
           <a:lstStyle/>
           <a:p>
-            <a:pPr algn="ctr"/>
+            <a:pPr indent="0" lvl="0" marL="0" rtl="0" algn="ctr">
+              <a:spcBef>
+                <a:spcPts val="0"/>
+              </a:spcBef>
+              <a:spcAft>
+                <a:spcPts val="0"/>
+              </a:spcAft>
+              <a:buNone/>
+            </a:pPr>
             <a:r>
-              <a:rPr lang="en-GB" sz="1270">
+              <a:rPr i="1" lang="en-GB" sz="600">
                 <a:solidFill>
-                  <a:srgbClr val="7F7F7F"/>
+                  <a:srgbClr val="434343"/>
                 </a:solidFill>
-                <a:latin typeface="Times New Roman"/>
-                <a:ea typeface="Times New Roman"/>
-                <a:cs typeface="Times New Roman"/>
-                <a:sym typeface="Times New Roman"/>
+                <a:latin typeface="Itim"/>
+                <a:ea typeface="Itim"/>
+                <a:cs typeface="Itim"/>
+                <a:sym typeface="Itim"/>
               </a:rPr>
               <a:t>write a new dish...</a:t>
             </a:r>
-            <a:endParaRPr sz="1270">
+            <a:endParaRPr i="1" sz="600">
               <a:solidFill>
-                <a:srgbClr val="7F7F7F"/>
+                <a:srgbClr val="434343"/>
               </a:solidFill>
-              <a:latin typeface="Times New Roman"/>
-              <a:ea typeface="Times New Roman"/>
-              <a:cs typeface="Times New Roman"/>
-              <a:sym typeface="Times New Roman"/>
+              <a:latin typeface="Itim"/>
+              <a:ea typeface="Itim"/>
+              <a:cs typeface="Itim"/>
+              <a:sym typeface="Itim"/>
             </a:endParaRPr>
           </a:p>
         </p:txBody>
       </p:sp>
       <p:sp>
         <p:nvSpPr>
-          <p:cNvPr id="105" name="Google Shape;105;p16"/>
+          <p:cNvPr id="106" name="Google Shape;106;p16"/>
           <p:cNvSpPr txBox="1"/>
           <p:nvPr/>
         </p:nvSpPr>
         <p:spPr>
           <a:xfrm>
-            <a:off x="2155819" y="6634859"/>
-            <a:ext cx="2729905" cy="482286"/>
+            <a:off x="848850" y="2599667"/>
+            <a:ext cx="1074900" cy="220500"/>
           </a:xfrm>
           <a:prstGeom prst="rect">
             <a:avLst/>
@@ -8000,46 +8332,54 @@
           </a:ln>
         </p:spPr>
         <p:txBody>
-          <a:bodyPr spcFirstLastPara="1" wrap="square" lIns="99873" tIns="49905" rIns="99873" bIns="49905" anchor="t" anchorCtr="0">
+          <a:bodyPr anchorCtr="0" anchor="t" bIns="19650" lIns="39325" spcFirstLastPara="1" rIns="39325" wrap="square" tIns="19650">
             <a:noAutofit/>
           </a:bodyPr>
           <a:lstStyle/>
           <a:p>
-            <a:pPr algn="ctr"/>
+            <a:pPr indent="0" lvl="0" marL="0" rtl="0" algn="ctr">
+              <a:spcBef>
+                <a:spcPts val="0"/>
+              </a:spcBef>
+              <a:spcAft>
+                <a:spcPts val="0"/>
+              </a:spcAft>
+              <a:buNone/>
+            </a:pPr>
             <a:r>
-              <a:rPr lang="en-GB" sz="1270">
+              <a:rPr i="1" lang="en-GB" sz="600">
                 <a:solidFill>
-                  <a:srgbClr val="7F7F7F"/>
+                  <a:srgbClr val="434343"/>
                 </a:solidFill>
-                <a:latin typeface="Times New Roman"/>
-                <a:ea typeface="Times New Roman"/>
-                <a:cs typeface="Times New Roman"/>
-                <a:sym typeface="Times New Roman"/>
+                <a:latin typeface="Itim"/>
+                <a:ea typeface="Itim"/>
+                <a:cs typeface="Itim"/>
+                <a:sym typeface="Itim"/>
               </a:rPr>
               <a:t>write a new dish...</a:t>
             </a:r>
-            <a:endParaRPr sz="1270">
+            <a:endParaRPr i="1" sz="600">
               <a:solidFill>
-                <a:srgbClr val="7F7F7F"/>
+                <a:srgbClr val="434343"/>
               </a:solidFill>
-              <a:latin typeface="Times New Roman"/>
-              <a:ea typeface="Times New Roman"/>
-              <a:cs typeface="Times New Roman"/>
-              <a:sym typeface="Times New Roman"/>
+              <a:latin typeface="Itim"/>
+              <a:ea typeface="Itim"/>
+              <a:cs typeface="Itim"/>
+              <a:sym typeface="Itim"/>
             </a:endParaRPr>
           </a:p>
         </p:txBody>
       </p:sp>
       <p:sp>
         <p:nvSpPr>
-          <p:cNvPr id="106" name="Google Shape;106;p16"/>
+          <p:cNvPr id="107" name="Google Shape;107;p16"/>
           <p:cNvSpPr txBox="1"/>
           <p:nvPr/>
         </p:nvSpPr>
         <p:spPr>
           <a:xfrm>
-            <a:off x="2155819" y="3403367"/>
-            <a:ext cx="2729905" cy="482286"/>
+            <a:off x="848850" y="1123197"/>
+            <a:ext cx="1074900" cy="220500"/>
           </a:xfrm>
           <a:prstGeom prst="rect">
             <a:avLst/>
@@ -8050,46 +8390,54 @@
           </a:ln>
         </p:spPr>
         <p:txBody>
-          <a:bodyPr spcFirstLastPara="1" wrap="square" lIns="99873" tIns="49905" rIns="99873" bIns="49905" anchor="t" anchorCtr="0">
+          <a:bodyPr anchorCtr="0" anchor="t" bIns="19650" lIns="39325" spcFirstLastPara="1" rIns="39325" wrap="square" tIns="19650">
             <a:noAutofit/>
           </a:bodyPr>
           <a:lstStyle/>
           <a:p>
-            <a:pPr algn="ctr"/>
+            <a:pPr indent="0" lvl="0" marL="0" rtl="0" algn="ctr">
+              <a:spcBef>
+                <a:spcPts val="0"/>
+              </a:spcBef>
+              <a:spcAft>
+                <a:spcPts val="0"/>
+              </a:spcAft>
+              <a:buNone/>
+            </a:pPr>
             <a:r>
-              <a:rPr lang="en-GB" sz="1270">
+              <a:rPr lang="en-GB" sz="600">
                 <a:solidFill>
-                  <a:srgbClr val="7F7F7F"/>
+                  <a:srgbClr val="434343"/>
                 </a:solidFill>
-                <a:latin typeface="Times New Roman"/>
-                <a:ea typeface="Times New Roman"/>
-                <a:cs typeface="Times New Roman"/>
-                <a:sym typeface="Times New Roman"/>
+                <a:latin typeface="Itim"/>
+                <a:ea typeface="Itim"/>
+                <a:cs typeface="Itim"/>
+                <a:sym typeface="Itim"/>
               </a:rPr>
-              <a:t>write a new dish...</a:t>
+              <a:t>dish description...</a:t>
             </a:r>
-            <a:endParaRPr sz="1270">
+            <a:endParaRPr sz="600">
               <a:solidFill>
-                <a:srgbClr val="7F7F7F"/>
+                <a:srgbClr val="434343"/>
               </a:solidFill>
-              <a:latin typeface="Times New Roman"/>
-              <a:ea typeface="Times New Roman"/>
-              <a:cs typeface="Times New Roman"/>
-              <a:sym typeface="Times New Roman"/>
+              <a:latin typeface="Itim"/>
+              <a:ea typeface="Itim"/>
+              <a:cs typeface="Itim"/>
+              <a:sym typeface="Itim"/>
             </a:endParaRPr>
           </a:p>
         </p:txBody>
       </p:sp>
       <p:sp>
         <p:nvSpPr>
-          <p:cNvPr id="107" name="Google Shape;107;p16"/>
+          <p:cNvPr id="108" name="Google Shape;108;p16"/>
           <p:cNvSpPr txBox="1"/>
           <p:nvPr/>
         </p:nvSpPr>
         <p:spPr>
           <a:xfrm>
-            <a:off x="2155819" y="3016319"/>
-            <a:ext cx="2729905" cy="482286"/>
+            <a:off x="848850" y="946355"/>
+            <a:ext cx="1074900" cy="220500"/>
           </a:xfrm>
           <a:prstGeom prst="rect">
             <a:avLst/>
@@ -8100,46 +8448,54 @@
           </a:ln>
         </p:spPr>
         <p:txBody>
-          <a:bodyPr spcFirstLastPara="1" wrap="square" lIns="99873" tIns="49905" rIns="99873" bIns="49905" anchor="t" anchorCtr="0">
+          <a:bodyPr anchorCtr="0" anchor="t" bIns="19650" lIns="39325" spcFirstLastPara="1" rIns="39325" wrap="square" tIns="19650">
             <a:noAutofit/>
           </a:bodyPr>
           <a:lstStyle/>
           <a:p>
-            <a:pPr algn="ctr"/>
+            <a:pPr indent="0" lvl="0" marL="0" rtl="0" algn="ctr">
+              <a:spcBef>
+                <a:spcPts val="0"/>
+              </a:spcBef>
+              <a:spcAft>
+                <a:spcPts val="0"/>
+              </a:spcAft>
+              <a:buNone/>
+            </a:pPr>
             <a:r>
-              <a:rPr lang="en-GB" sz="1778">
+              <a:rPr lang="en-GB" sz="800">
                 <a:solidFill>
-                  <a:srgbClr val="7F7F7F"/>
+                  <a:srgbClr val="434343"/>
                 </a:solidFill>
-                <a:latin typeface="Times New Roman"/>
-                <a:ea typeface="Times New Roman"/>
-                <a:cs typeface="Times New Roman"/>
-                <a:sym typeface="Times New Roman"/>
+                <a:latin typeface="Itim"/>
+                <a:ea typeface="Itim"/>
+                <a:cs typeface="Itim"/>
+                <a:sym typeface="Itim"/>
               </a:rPr>
               <a:t>Dish Name</a:t>
             </a:r>
-            <a:endParaRPr sz="1778">
+            <a:endParaRPr sz="800">
               <a:solidFill>
-                <a:srgbClr val="7F7F7F"/>
+                <a:srgbClr val="434343"/>
               </a:solidFill>
-              <a:latin typeface="Times New Roman"/>
-              <a:ea typeface="Times New Roman"/>
-              <a:cs typeface="Times New Roman"/>
-              <a:sym typeface="Times New Roman"/>
+              <a:latin typeface="Itim"/>
+              <a:ea typeface="Itim"/>
+              <a:cs typeface="Itim"/>
+              <a:sym typeface="Itim"/>
             </a:endParaRPr>
           </a:p>
         </p:txBody>
       </p:sp>
       <p:sp>
         <p:nvSpPr>
-          <p:cNvPr id="108" name="Google Shape;108;p16"/>
+          <p:cNvPr id="109" name="Google Shape;109;p16"/>
           <p:cNvSpPr txBox="1"/>
           <p:nvPr/>
         </p:nvSpPr>
         <p:spPr>
           <a:xfrm>
-            <a:off x="2155819" y="2048700"/>
-            <a:ext cx="2729905" cy="482286"/>
+            <a:off x="848850" y="504249"/>
+            <a:ext cx="1074900" cy="220500"/>
           </a:xfrm>
           <a:prstGeom prst="rect">
             <a:avLst/>
@@ -8150,32 +8506,40 @@
           </a:ln>
         </p:spPr>
         <p:txBody>
-          <a:bodyPr spcFirstLastPara="1" wrap="square" lIns="99873" tIns="49905" rIns="99873" bIns="49905" anchor="t" anchorCtr="0">
+          <a:bodyPr anchorCtr="0" anchor="t" bIns="19650" lIns="39325" spcFirstLastPara="1" rIns="39325" wrap="square" tIns="19650">
             <a:noAutofit/>
           </a:bodyPr>
           <a:lstStyle/>
           <a:p>
-            <a:pPr algn="ctr"/>
+            <a:pPr indent="0" lvl="0" marL="0" rtl="0" algn="ctr">
+              <a:spcBef>
+                <a:spcPts val="0"/>
+              </a:spcBef>
+              <a:spcAft>
+                <a:spcPts val="0"/>
+              </a:spcAft>
+              <a:buNone/>
+            </a:pPr>
             <a:r>
-              <a:rPr lang="en-GB" sz="3810">
+              <a:rPr lang="en-GB" sz="1600">
                 <a:solidFill>
-                  <a:srgbClr val="7F7F7F"/>
+                  <a:srgbClr val="434343"/>
                 </a:solidFill>
-                <a:latin typeface="Times New Roman"/>
-                <a:ea typeface="Times New Roman"/>
-                <a:cs typeface="Times New Roman"/>
-                <a:sym typeface="Times New Roman"/>
+                <a:latin typeface="Itim"/>
+                <a:ea typeface="Itim"/>
+                <a:cs typeface="Itim"/>
+                <a:sym typeface="Itim"/>
               </a:rPr>
               <a:t>Menu</a:t>
             </a:r>
-            <a:endParaRPr sz="3810">
+            <a:endParaRPr sz="1600">
               <a:solidFill>
-                <a:srgbClr val="7F7F7F"/>
+                <a:srgbClr val="434343"/>
               </a:solidFill>
-              <a:latin typeface="Times New Roman"/>
-              <a:ea typeface="Times New Roman"/>
-              <a:cs typeface="Times New Roman"/>
-              <a:sym typeface="Times New Roman"/>
+              <a:latin typeface="Itim"/>
+              <a:ea typeface="Itim"/>
+              <a:cs typeface="Itim"/>
+              <a:sym typeface="Itim"/>
             </a:endParaRPr>
           </a:p>
         </p:txBody>
@@ -8189,7 +8553,7 @@
 </file>
 
 <file path=ppt/slides/slide5.xml><?xml version="1.0" encoding="utf-8"?>
-<p:sld xmlns:a="http://schemas.openxmlformats.org/drawingml/2006/main" xmlns:r="http://schemas.openxmlformats.org/officeDocument/2006/relationships" xmlns:p="http://schemas.openxmlformats.org/presentationml/2006/main">
+<p:sld xmlns:a="http://schemas.openxmlformats.org/drawingml/2006/main" xmlns:r="http://schemas.openxmlformats.org/officeDocument/2006/relationships" xmlns:mc="http://schemas.openxmlformats.org/markup-compatibility/2006" xmlns:mv="urn:schemas-microsoft-com:mac:vml" xmlns:p="http://schemas.openxmlformats.org/presentationml/2006/main" xmlns:c="http://schemas.openxmlformats.org/drawingml/2006/chart" xmlns:dgm="http://schemas.openxmlformats.org/drawingml/2006/diagram" xmlns:o="urn:schemas-microsoft-com:office:office" xmlns:v="urn:schemas-microsoft-com:vml" xmlns:pvml="urn:schemas-microsoft-com:office:powerpoint" xmlns:com="http://schemas.openxmlformats.org/drawingml/2006/compatibility" xmlns:p14="http://schemas.microsoft.com/office/powerpoint/2010/main" xmlns:p15="http://schemas.microsoft.com/office/powerpoint/2012/main" xmlns:ahyp="http://schemas.microsoft.com/office/drawing/2018/hyperlinkcolor">
   <p:cSld>
     <p:bg>
       <p:bgPr>
@@ -8201,12 +8565,11 @@
             <a:fillRect/>
           </a:stretch>
         </a:blipFill>
-        <a:effectLst/>
       </p:bgPr>
     </p:bg>
     <p:spTree>
       <p:nvGrpSpPr>
-        <p:cNvPr id="1" name="Shape 112"/>
+        <p:cNvPr id="113" name="Shape 113"/>
         <p:cNvGrpSpPr/>
         <p:nvPr/>
       </p:nvGrpSpPr>
@@ -8220,14 +8583,14 @@
       </p:grpSpPr>
       <p:sp>
         <p:nvSpPr>
-          <p:cNvPr id="113" name="Google Shape;113;p17"/>
+          <p:cNvPr id="114" name="Google Shape;114;p17"/>
           <p:cNvSpPr txBox="1"/>
           <p:nvPr/>
         </p:nvSpPr>
         <p:spPr>
           <a:xfrm>
-            <a:off x="2155819" y="3790414"/>
-            <a:ext cx="2729905" cy="482286"/>
+            <a:off x="848850" y="1452439"/>
+            <a:ext cx="1074900" cy="220500"/>
           </a:xfrm>
           <a:prstGeom prst="rect">
             <a:avLst/>
@@ -8238,46 +8601,54 @@
           </a:ln>
         </p:spPr>
         <p:txBody>
-          <a:bodyPr spcFirstLastPara="1" wrap="square" lIns="99873" tIns="49905" rIns="99873" bIns="49905" anchor="t" anchorCtr="0">
+          <a:bodyPr anchorCtr="0" anchor="t" bIns="19650" lIns="39325" spcFirstLastPara="1" rIns="39325" wrap="square" tIns="19650">
             <a:noAutofit/>
           </a:bodyPr>
           <a:lstStyle/>
           <a:p>
-            <a:pPr algn="ctr"/>
+            <a:pPr indent="0" lvl="0" marL="0" rtl="0" algn="ctr">
+              <a:spcBef>
+                <a:spcPts val="0"/>
+              </a:spcBef>
+              <a:spcAft>
+                <a:spcPts val="0"/>
+              </a:spcAft>
+              <a:buNone/>
+            </a:pPr>
             <a:r>
-              <a:rPr lang="en-GB" sz="1270">
+              <a:rPr lang="en-GB" sz="700">
                 <a:solidFill>
-                  <a:srgbClr val="7F7F7F"/>
+                  <a:srgbClr val="D9D9D9"/>
                 </a:solidFill>
-                <a:latin typeface="Times New Roman"/>
-                <a:ea typeface="Times New Roman"/>
-                <a:cs typeface="Times New Roman"/>
-                <a:sym typeface="Times New Roman"/>
+                <a:latin typeface="Calibri"/>
+                <a:ea typeface="Calibri"/>
+                <a:cs typeface="Calibri"/>
+                <a:sym typeface="Calibri"/>
               </a:rPr>
               <a:t>0.00$</a:t>
             </a:r>
-            <a:endParaRPr sz="1270">
+            <a:endParaRPr sz="700">
               <a:solidFill>
-                <a:srgbClr val="7F7F7F"/>
+                <a:srgbClr val="D9D9D9"/>
               </a:solidFill>
-              <a:latin typeface="Times New Roman"/>
-              <a:ea typeface="Times New Roman"/>
-              <a:cs typeface="Times New Roman"/>
-              <a:sym typeface="Times New Roman"/>
+              <a:latin typeface="Calibri"/>
+              <a:ea typeface="Calibri"/>
+              <a:cs typeface="Calibri"/>
+              <a:sym typeface="Calibri"/>
             </a:endParaRPr>
           </a:p>
         </p:txBody>
       </p:sp>
       <p:sp>
         <p:nvSpPr>
-          <p:cNvPr id="114" name="Google Shape;114;p17"/>
+          <p:cNvPr id="115" name="Google Shape;115;p17"/>
           <p:cNvSpPr txBox="1"/>
           <p:nvPr/>
         </p:nvSpPr>
         <p:spPr>
           <a:xfrm>
-            <a:off x="2155819" y="4196764"/>
-            <a:ext cx="2729905" cy="482286"/>
+            <a:off x="848850" y="1638100"/>
+            <a:ext cx="1074900" cy="220500"/>
           </a:xfrm>
           <a:prstGeom prst="rect">
             <a:avLst/>
@@ -8288,46 +8659,54 @@
           </a:ln>
         </p:spPr>
         <p:txBody>
-          <a:bodyPr spcFirstLastPara="1" wrap="square" lIns="99873" tIns="49905" rIns="99873" bIns="49905" anchor="t" anchorCtr="0">
+          <a:bodyPr anchorCtr="0" anchor="t" bIns="19650" lIns="39325" spcFirstLastPara="1" rIns="39325" wrap="square" tIns="19650">
             <a:noAutofit/>
           </a:bodyPr>
           <a:lstStyle/>
           <a:p>
-            <a:pPr algn="ctr"/>
+            <a:pPr indent="0" lvl="0" marL="0" rtl="0" algn="ctr">
+              <a:spcBef>
+                <a:spcPts val="0"/>
+              </a:spcBef>
+              <a:spcAft>
+                <a:spcPts val="0"/>
+              </a:spcAft>
+              <a:buNone/>
+            </a:pPr>
             <a:r>
-              <a:rPr lang="en-GB" sz="1270">
+              <a:rPr i="1" lang="en-GB" sz="700">
                 <a:solidFill>
-                  <a:srgbClr val="7F7F7F"/>
+                  <a:srgbClr val="D9D9D9"/>
                 </a:solidFill>
-                <a:latin typeface="Times New Roman"/>
-                <a:ea typeface="Times New Roman"/>
-                <a:cs typeface="Times New Roman"/>
-                <a:sym typeface="Times New Roman"/>
+                <a:latin typeface="Calibri"/>
+                <a:ea typeface="Calibri"/>
+                <a:cs typeface="Calibri"/>
+                <a:sym typeface="Calibri"/>
               </a:rPr>
               <a:t>write a new dish...</a:t>
             </a:r>
-            <a:endParaRPr sz="1270">
+            <a:endParaRPr i="1" sz="700">
               <a:solidFill>
-                <a:srgbClr val="7F7F7F"/>
+                <a:srgbClr val="D9D9D9"/>
               </a:solidFill>
-              <a:latin typeface="Times New Roman"/>
-              <a:ea typeface="Times New Roman"/>
-              <a:cs typeface="Times New Roman"/>
-              <a:sym typeface="Times New Roman"/>
+              <a:latin typeface="Calibri"/>
+              <a:ea typeface="Calibri"/>
+              <a:cs typeface="Calibri"/>
+              <a:sym typeface="Calibri"/>
             </a:endParaRPr>
           </a:p>
         </p:txBody>
       </p:sp>
       <p:sp>
         <p:nvSpPr>
-          <p:cNvPr id="115" name="Google Shape;115;p17"/>
+          <p:cNvPr id="116" name="Google Shape;116;p17"/>
           <p:cNvSpPr txBox="1"/>
           <p:nvPr/>
         </p:nvSpPr>
         <p:spPr>
           <a:xfrm>
-            <a:off x="2155819" y="4603113"/>
-            <a:ext cx="2729905" cy="482286"/>
+            <a:off x="848850" y="1823761"/>
+            <a:ext cx="1074900" cy="220500"/>
           </a:xfrm>
           <a:prstGeom prst="rect">
             <a:avLst/>
@@ -8338,46 +8717,54 @@
           </a:ln>
         </p:spPr>
         <p:txBody>
-          <a:bodyPr spcFirstLastPara="1" wrap="square" lIns="99873" tIns="49905" rIns="99873" bIns="49905" anchor="t" anchorCtr="0">
+          <a:bodyPr anchorCtr="0" anchor="t" bIns="19650" lIns="39325" spcFirstLastPara="1" rIns="39325" wrap="square" tIns="19650">
             <a:noAutofit/>
           </a:bodyPr>
           <a:lstStyle/>
           <a:p>
-            <a:pPr algn="ctr"/>
+            <a:pPr indent="0" lvl="0" marL="0" rtl="0" algn="ctr">
+              <a:spcBef>
+                <a:spcPts val="0"/>
+              </a:spcBef>
+              <a:spcAft>
+                <a:spcPts val="0"/>
+              </a:spcAft>
+              <a:buNone/>
+            </a:pPr>
             <a:r>
-              <a:rPr lang="en-GB" sz="1270">
+              <a:rPr i="1" lang="en-GB" sz="700">
                 <a:solidFill>
-                  <a:srgbClr val="7F7F7F"/>
+                  <a:srgbClr val="D9D9D9"/>
                 </a:solidFill>
-                <a:latin typeface="Times New Roman"/>
-                <a:ea typeface="Times New Roman"/>
-                <a:cs typeface="Times New Roman"/>
-                <a:sym typeface="Times New Roman"/>
+                <a:latin typeface="Calibri"/>
+                <a:ea typeface="Calibri"/>
+                <a:cs typeface="Calibri"/>
+                <a:sym typeface="Calibri"/>
               </a:rPr>
               <a:t>write a new dish...</a:t>
             </a:r>
-            <a:endParaRPr sz="1270">
+            <a:endParaRPr i="1" sz="700">
               <a:solidFill>
-                <a:srgbClr val="7F7F7F"/>
+                <a:srgbClr val="D9D9D9"/>
               </a:solidFill>
-              <a:latin typeface="Times New Roman"/>
-              <a:ea typeface="Times New Roman"/>
-              <a:cs typeface="Times New Roman"/>
-              <a:sym typeface="Times New Roman"/>
+              <a:latin typeface="Calibri"/>
+              <a:ea typeface="Calibri"/>
+              <a:cs typeface="Calibri"/>
+              <a:sym typeface="Calibri"/>
             </a:endParaRPr>
           </a:p>
         </p:txBody>
       </p:sp>
       <p:sp>
         <p:nvSpPr>
-          <p:cNvPr id="116" name="Google Shape;116;p17"/>
+          <p:cNvPr id="117" name="Google Shape;117;p17"/>
           <p:cNvSpPr txBox="1"/>
           <p:nvPr/>
         </p:nvSpPr>
         <p:spPr>
           <a:xfrm>
-            <a:off x="2155819" y="5009462"/>
-            <a:ext cx="2729905" cy="482286"/>
+            <a:off x="848850" y="2009423"/>
+            <a:ext cx="1074900" cy="220500"/>
           </a:xfrm>
           <a:prstGeom prst="rect">
             <a:avLst/>
@@ -8388,46 +8775,54 @@
           </a:ln>
         </p:spPr>
         <p:txBody>
-          <a:bodyPr spcFirstLastPara="1" wrap="square" lIns="99873" tIns="49905" rIns="99873" bIns="49905" anchor="t" anchorCtr="0">
+          <a:bodyPr anchorCtr="0" anchor="t" bIns="19650" lIns="39325" spcFirstLastPara="1" rIns="39325" wrap="square" tIns="19650">
             <a:noAutofit/>
           </a:bodyPr>
           <a:lstStyle/>
           <a:p>
-            <a:pPr algn="ctr"/>
+            <a:pPr indent="0" lvl="0" marL="0" rtl="0" algn="ctr">
+              <a:spcBef>
+                <a:spcPts val="0"/>
+              </a:spcBef>
+              <a:spcAft>
+                <a:spcPts val="0"/>
+              </a:spcAft>
+              <a:buNone/>
+            </a:pPr>
             <a:r>
-              <a:rPr lang="en-GB" sz="1270">
+              <a:rPr i="1" lang="en-GB" sz="700">
                 <a:solidFill>
-                  <a:srgbClr val="7F7F7F"/>
+                  <a:srgbClr val="D9D9D9"/>
                 </a:solidFill>
-                <a:latin typeface="Times New Roman"/>
-                <a:ea typeface="Times New Roman"/>
-                <a:cs typeface="Times New Roman"/>
-                <a:sym typeface="Times New Roman"/>
+                <a:latin typeface="Calibri"/>
+                <a:ea typeface="Calibri"/>
+                <a:cs typeface="Calibri"/>
+                <a:sym typeface="Calibri"/>
               </a:rPr>
               <a:t>write a new dish...</a:t>
             </a:r>
-            <a:endParaRPr sz="1270">
+            <a:endParaRPr i="1" sz="700">
               <a:solidFill>
-                <a:srgbClr val="7F7F7F"/>
+                <a:srgbClr val="D9D9D9"/>
               </a:solidFill>
-              <a:latin typeface="Times New Roman"/>
-              <a:ea typeface="Times New Roman"/>
-              <a:cs typeface="Times New Roman"/>
-              <a:sym typeface="Times New Roman"/>
+              <a:latin typeface="Calibri"/>
+              <a:ea typeface="Calibri"/>
+              <a:cs typeface="Calibri"/>
+              <a:sym typeface="Calibri"/>
             </a:endParaRPr>
           </a:p>
         </p:txBody>
       </p:sp>
       <p:sp>
         <p:nvSpPr>
-          <p:cNvPr id="117" name="Google Shape;117;p17"/>
+          <p:cNvPr id="118" name="Google Shape;118;p17"/>
           <p:cNvSpPr txBox="1"/>
           <p:nvPr/>
         </p:nvSpPr>
         <p:spPr>
           <a:xfrm>
-            <a:off x="2155819" y="5415811"/>
-            <a:ext cx="2729905" cy="482286"/>
+            <a:off x="848850" y="2195084"/>
+            <a:ext cx="1074900" cy="220500"/>
           </a:xfrm>
           <a:prstGeom prst="rect">
             <a:avLst/>
@@ -8438,46 +8833,54 @@
           </a:ln>
         </p:spPr>
         <p:txBody>
-          <a:bodyPr spcFirstLastPara="1" wrap="square" lIns="99873" tIns="49905" rIns="99873" bIns="49905" anchor="t" anchorCtr="0">
+          <a:bodyPr anchorCtr="0" anchor="t" bIns="19650" lIns="39325" spcFirstLastPara="1" rIns="39325" wrap="square" tIns="19650">
             <a:noAutofit/>
           </a:bodyPr>
           <a:lstStyle/>
           <a:p>
-            <a:pPr algn="ctr"/>
+            <a:pPr indent="0" lvl="0" marL="0" rtl="0" algn="ctr">
+              <a:spcBef>
+                <a:spcPts val="0"/>
+              </a:spcBef>
+              <a:spcAft>
+                <a:spcPts val="0"/>
+              </a:spcAft>
+              <a:buNone/>
+            </a:pPr>
             <a:r>
-              <a:rPr lang="en-GB" sz="1270">
+              <a:rPr i="1" lang="en-GB" sz="700">
                 <a:solidFill>
-                  <a:srgbClr val="7F7F7F"/>
+                  <a:srgbClr val="D9D9D9"/>
                 </a:solidFill>
-                <a:latin typeface="Times New Roman"/>
-                <a:ea typeface="Times New Roman"/>
-                <a:cs typeface="Times New Roman"/>
-                <a:sym typeface="Times New Roman"/>
+                <a:latin typeface="Calibri"/>
+                <a:ea typeface="Calibri"/>
+                <a:cs typeface="Calibri"/>
+                <a:sym typeface="Calibri"/>
               </a:rPr>
               <a:t>write a new dish...</a:t>
             </a:r>
-            <a:endParaRPr sz="1270">
+            <a:endParaRPr i="1" sz="700">
               <a:solidFill>
-                <a:srgbClr val="7F7F7F"/>
+                <a:srgbClr val="D9D9D9"/>
               </a:solidFill>
-              <a:latin typeface="Times New Roman"/>
-              <a:ea typeface="Times New Roman"/>
-              <a:cs typeface="Times New Roman"/>
-              <a:sym typeface="Times New Roman"/>
+              <a:latin typeface="Calibri"/>
+              <a:ea typeface="Calibri"/>
+              <a:cs typeface="Calibri"/>
+              <a:sym typeface="Calibri"/>
             </a:endParaRPr>
           </a:p>
         </p:txBody>
       </p:sp>
       <p:sp>
         <p:nvSpPr>
-          <p:cNvPr id="118" name="Google Shape;118;p17"/>
+          <p:cNvPr id="119" name="Google Shape;119;p17"/>
           <p:cNvSpPr txBox="1"/>
           <p:nvPr/>
         </p:nvSpPr>
         <p:spPr>
           <a:xfrm>
-            <a:off x="2155819" y="5822160"/>
-            <a:ext cx="2729905" cy="482286"/>
+            <a:off x="848850" y="2380745"/>
+            <a:ext cx="1074900" cy="220500"/>
           </a:xfrm>
           <a:prstGeom prst="rect">
             <a:avLst/>
@@ -8488,46 +8891,54 @@
           </a:ln>
         </p:spPr>
         <p:txBody>
-          <a:bodyPr spcFirstLastPara="1" wrap="square" lIns="99873" tIns="49905" rIns="99873" bIns="49905" anchor="t" anchorCtr="0">
+          <a:bodyPr anchorCtr="0" anchor="t" bIns="19650" lIns="39325" spcFirstLastPara="1" rIns="39325" wrap="square" tIns="19650">
             <a:noAutofit/>
           </a:bodyPr>
           <a:lstStyle/>
           <a:p>
-            <a:pPr algn="ctr"/>
+            <a:pPr indent="0" lvl="0" marL="0" rtl="0" algn="ctr">
+              <a:spcBef>
+                <a:spcPts val="0"/>
+              </a:spcBef>
+              <a:spcAft>
+                <a:spcPts val="0"/>
+              </a:spcAft>
+              <a:buNone/>
+            </a:pPr>
             <a:r>
-              <a:rPr lang="en-GB" sz="1270">
+              <a:rPr i="1" lang="en-GB" sz="700">
                 <a:solidFill>
-                  <a:srgbClr val="7F7F7F"/>
+                  <a:srgbClr val="D9D9D9"/>
                 </a:solidFill>
-                <a:latin typeface="Times New Roman"/>
-                <a:ea typeface="Times New Roman"/>
-                <a:cs typeface="Times New Roman"/>
-                <a:sym typeface="Times New Roman"/>
+                <a:latin typeface="Calibri"/>
+                <a:ea typeface="Calibri"/>
+                <a:cs typeface="Calibri"/>
+                <a:sym typeface="Calibri"/>
               </a:rPr>
               <a:t>write a new dish...</a:t>
             </a:r>
-            <a:endParaRPr sz="1270">
+            <a:endParaRPr i="1" sz="700">
               <a:solidFill>
-                <a:srgbClr val="7F7F7F"/>
+                <a:srgbClr val="D9D9D9"/>
               </a:solidFill>
-              <a:latin typeface="Times New Roman"/>
-              <a:ea typeface="Times New Roman"/>
-              <a:cs typeface="Times New Roman"/>
-              <a:sym typeface="Times New Roman"/>
+              <a:latin typeface="Calibri"/>
+              <a:ea typeface="Calibri"/>
+              <a:cs typeface="Calibri"/>
+              <a:sym typeface="Calibri"/>
             </a:endParaRPr>
           </a:p>
         </p:txBody>
       </p:sp>
       <p:sp>
         <p:nvSpPr>
-          <p:cNvPr id="119" name="Google Shape;119;p17"/>
+          <p:cNvPr id="120" name="Google Shape;120;p17"/>
           <p:cNvSpPr txBox="1"/>
           <p:nvPr/>
         </p:nvSpPr>
         <p:spPr>
           <a:xfrm>
-            <a:off x="2155819" y="6228510"/>
-            <a:ext cx="2729905" cy="482286"/>
+            <a:off x="848850" y="2566406"/>
+            <a:ext cx="1074900" cy="220500"/>
           </a:xfrm>
           <a:prstGeom prst="rect">
             <a:avLst/>
@@ -8538,46 +8949,54 @@
           </a:ln>
         </p:spPr>
         <p:txBody>
-          <a:bodyPr spcFirstLastPara="1" wrap="square" lIns="99873" tIns="49905" rIns="99873" bIns="49905" anchor="t" anchorCtr="0">
+          <a:bodyPr anchorCtr="0" anchor="t" bIns="19650" lIns="39325" spcFirstLastPara="1" rIns="39325" wrap="square" tIns="19650">
             <a:noAutofit/>
           </a:bodyPr>
           <a:lstStyle/>
           <a:p>
-            <a:pPr algn="ctr"/>
+            <a:pPr indent="0" lvl="0" marL="0" rtl="0" algn="ctr">
+              <a:spcBef>
+                <a:spcPts val="0"/>
+              </a:spcBef>
+              <a:spcAft>
+                <a:spcPts val="0"/>
+              </a:spcAft>
+              <a:buNone/>
+            </a:pPr>
             <a:r>
-              <a:rPr lang="en-GB" sz="1270">
+              <a:rPr i="1" lang="en-GB" sz="700">
                 <a:solidFill>
-                  <a:srgbClr val="7F7F7F"/>
+                  <a:srgbClr val="D9D9D9"/>
                 </a:solidFill>
-                <a:latin typeface="Times New Roman"/>
-                <a:ea typeface="Times New Roman"/>
-                <a:cs typeface="Times New Roman"/>
-                <a:sym typeface="Times New Roman"/>
+                <a:latin typeface="Calibri"/>
+                <a:ea typeface="Calibri"/>
+                <a:cs typeface="Calibri"/>
+                <a:sym typeface="Calibri"/>
               </a:rPr>
               <a:t>write a new dish...</a:t>
             </a:r>
-            <a:endParaRPr sz="1270">
+            <a:endParaRPr i="1" sz="700">
               <a:solidFill>
-                <a:srgbClr val="7F7F7F"/>
+                <a:srgbClr val="D9D9D9"/>
               </a:solidFill>
-              <a:latin typeface="Times New Roman"/>
-              <a:ea typeface="Times New Roman"/>
-              <a:cs typeface="Times New Roman"/>
-              <a:sym typeface="Times New Roman"/>
+              <a:latin typeface="Calibri"/>
+              <a:ea typeface="Calibri"/>
+              <a:cs typeface="Calibri"/>
+              <a:sym typeface="Calibri"/>
             </a:endParaRPr>
           </a:p>
         </p:txBody>
       </p:sp>
       <p:sp>
         <p:nvSpPr>
-          <p:cNvPr id="120" name="Google Shape;120;p17"/>
+          <p:cNvPr id="121" name="Google Shape;121;p17"/>
           <p:cNvSpPr txBox="1"/>
           <p:nvPr/>
         </p:nvSpPr>
         <p:spPr>
           <a:xfrm>
-            <a:off x="2155819" y="6634859"/>
-            <a:ext cx="2729905" cy="482286"/>
+            <a:off x="848850" y="2752067"/>
+            <a:ext cx="1074900" cy="220500"/>
           </a:xfrm>
           <a:prstGeom prst="rect">
             <a:avLst/>
@@ -8588,46 +9007,54 @@
           </a:ln>
         </p:spPr>
         <p:txBody>
-          <a:bodyPr spcFirstLastPara="1" wrap="square" lIns="99873" tIns="49905" rIns="99873" bIns="49905" anchor="t" anchorCtr="0">
+          <a:bodyPr anchorCtr="0" anchor="t" bIns="19650" lIns="39325" spcFirstLastPara="1" rIns="39325" wrap="square" tIns="19650">
             <a:noAutofit/>
           </a:bodyPr>
           <a:lstStyle/>
           <a:p>
-            <a:pPr algn="ctr"/>
+            <a:pPr indent="0" lvl="0" marL="0" rtl="0" algn="ctr">
+              <a:spcBef>
+                <a:spcPts val="0"/>
+              </a:spcBef>
+              <a:spcAft>
+                <a:spcPts val="0"/>
+              </a:spcAft>
+              <a:buNone/>
+            </a:pPr>
             <a:r>
-              <a:rPr lang="en-GB" sz="1270">
+              <a:rPr i="1" lang="en-GB" sz="700">
                 <a:solidFill>
-                  <a:srgbClr val="7F7F7F"/>
+                  <a:srgbClr val="D9D9D9"/>
                 </a:solidFill>
-                <a:latin typeface="Times New Roman"/>
-                <a:ea typeface="Times New Roman"/>
-                <a:cs typeface="Times New Roman"/>
-                <a:sym typeface="Times New Roman"/>
+                <a:latin typeface="Calibri"/>
+                <a:ea typeface="Calibri"/>
+                <a:cs typeface="Calibri"/>
+                <a:sym typeface="Calibri"/>
               </a:rPr>
               <a:t>write a new dish...</a:t>
             </a:r>
-            <a:endParaRPr sz="1270">
+            <a:endParaRPr i="1" sz="700">
               <a:solidFill>
-                <a:srgbClr val="7F7F7F"/>
+                <a:srgbClr val="D9D9D9"/>
               </a:solidFill>
-              <a:latin typeface="Times New Roman"/>
-              <a:ea typeface="Times New Roman"/>
-              <a:cs typeface="Times New Roman"/>
-              <a:sym typeface="Times New Roman"/>
+              <a:latin typeface="Calibri"/>
+              <a:ea typeface="Calibri"/>
+              <a:cs typeface="Calibri"/>
+              <a:sym typeface="Calibri"/>
             </a:endParaRPr>
           </a:p>
         </p:txBody>
       </p:sp>
       <p:sp>
         <p:nvSpPr>
-          <p:cNvPr id="121" name="Google Shape;121;p17"/>
+          <p:cNvPr id="122" name="Google Shape;122;p17"/>
           <p:cNvSpPr txBox="1"/>
           <p:nvPr/>
         </p:nvSpPr>
         <p:spPr>
           <a:xfrm>
-            <a:off x="2155819" y="3403367"/>
-            <a:ext cx="2729905" cy="482286"/>
+            <a:off x="848850" y="1275597"/>
+            <a:ext cx="1074900" cy="220500"/>
           </a:xfrm>
           <a:prstGeom prst="rect">
             <a:avLst/>
@@ -8638,46 +9065,66 @@
           </a:ln>
         </p:spPr>
         <p:txBody>
-          <a:bodyPr spcFirstLastPara="1" wrap="square" lIns="99873" tIns="49905" rIns="99873" bIns="49905" anchor="t" anchorCtr="0">
+          <a:bodyPr anchorCtr="0" anchor="t" bIns="19650" lIns="39325" spcFirstLastPara="1" rIns="39325" wrap="square" tIns="19650">
             <a:noAutofit/>
           </a:bodyPr>
           <a:lstStyle/>
           <a:p>
-            <a:pPr algn="ctr"/>
+            <a:pPr indent="0" lvl="0" marL="0" rtl="0" algn="ctr">
+              <a:spcBef>
+                <a:spcPts val="0"/>
+              </a:spcBef>
+              <a:spcAft>
+                <a:spcPts val="0"/>
+              </a:spcAft>
+              <a:buNone/>
+            </a:pPr>
             <a:r>
-              <a:rPr lang="en-GB" sz="1270">
+              <a:rPr lang="en-GB" sz="700">
                 <a:solidFill>
-                  <a:srgbClr val="7F7F7F"/>
+                  <a:srgbClr val="D9D9D9"/>
                 </a:solidFill>
-                <a:latin typeface="Times New Roman"/>
-                <a:ea typeface="Times New Roman"/>
-                <a:cs typeface="Times New Roman"/>
-                <a:sym typeface="Times New Roman"/>
+                <a:latin typeface="Calibri"/>
+                <a:ea typeface="Calibri"/>
+                <a:cs typeface="Calibri"/>
+                <a:sym typeface="Calibri"/>
               </a:rPr>
-              <a:t>write a new dish...</a:t>
+              <a:t>dish description</a:t>
             </a:r>
-            <a:endParaRPr sz="1270">
+            <a:r>
+              <a:rPr lang="en-GB" sz="700">
+                <a:solidFill>
+                  <a:srgbClr val="D9D9D9"/>
+                </a:solidFill>
+                <a:latin typeface="Calibri"/>
+                <a:ea typeface="Calibri"/>
+                <a:cs typeface="Calibri"/>
+                <a:sym typeface="Calibri"/>
+              </a:rPr>
+              <a:t>...</a:t>
+            </a:r>
+            <a:endParaRPr sz="700">
               <a:solidFill>
-                <a:srgbClr val="7F7F7F"/>
+                <a:srgbClr val="D9D9D9"/>
               </a:solidFill>
-              <a:latin typeface="Times New Roman"/>
-              <a:ea typeface="Times New Roman"/>
-              <a:cs typeface="Times New Roman"/>
-              <a:sym typeface="Times New Roman"/>
+              <a:latin typeface="Calibri"/>
+              <a:ea typeface="Calibri"/>
+              <a:cs typeface="Calibri"/>
+              <a:sym typeface="Calibri"/>
             </a:endParaRPr>
           </a:p>
         </p:txBody>
       </p:sp>
       <p:sp>
         <p:nvSpPr>
-          <p:cNvPr id="122" name="Google Shape;122;p17"/>
+          <p:cNvPr id="123" name="Google Shape;123;p17"/>
           <p:cNvSpPr txBox="1"/>
           <p:nvPr/>
         </p:nvSpPr>
         <p:spPr>
           <a:xfrm>
-            <a:off x="2155819" y="3016319"/>
-            <a:ext cx="2729905" cy="482286"/>
+            <a:off x="848850" y="1098755"/>
+            <a:ext cx="1074900" cy="220500"/>
           </a:xfrm>
           <a:prstGeom prst="rect">
             <a:avLst/>
@@ -8688,46 +9135,54 @@
           </a:ln>
         </p:spPr>
         <p:txBody>
-          <a:bodyPr spcFirstLastPara="1" wrap="square" lIns="99873" tIns="49905" rIns="99873" bIns="49905" anchor="t" anchorCtr="0">
+          <a:bodyPr anchorCtr="0" anchor="t" bIns="19650" lIns="39325" spcFirstLastPara="1" rIns="39325" wrap="square" tIns="19650">
             <a:noAutofit/>
           </a:bodyPr>
           <a:lstStyle/>
           <a:p>
-            <a:pPr algn="ctr"/>
+            <a:pPr indent="0" lvl="0" marL="0" rtl="0" algn="ctr">
+              <a:spcBef>
+                <a:spcPts val="0"/>
+              </a:spcBef>
+              <a:spcAft>
+                <a:spcPts val="0"/>
+              </a:spcAft>
+              <a:buNone/>
+            </a:pPr>
             <a:r>
-              <a:rPr lang="en-GB" sz="1778">
+              <a:rPr lang="en-GB" sz="900">
                 <a:solidFill>
-                  <a:srgbClr val="7F7F7F"/>
+                  <a:srgbClr val="D9D9D9"/>
                 </a:solidFill>
-                <a:latin typeface="Times New Roman"/>
-                <a:ea typeface="Times New Roman"/>
-                <a:cs typeface="Times New Roman"/>
-                <a:sym typeface="Times New Roman"/>
+                <a:latin typeface="Calibri"/>
+                <a:ea typeface="Calibri"/>
+                <a:cs typeface="Calibri"/>
+                <a:sym typeface="Calibri"/>
               </a:rPr>
               <a:t>Dish Name</a:t>
             </a:r>
-            <a:endParaRPr sz="1778">
+            <a:endParaRPr sz="900">
               <a:solidFill>
-                <a:srgbClr val="7F7F7F"/>
+                <a:srgbClr val="D9D9D9"/>
               </a:solidFill>
-              <a:latin typeface="Times New Roman"/>
-              <a:ea typeface="Times New Roman"/>
-              <a:cs typeface="Times New Roman"/>
-              <a:sym typeface="Times New Roman"/>
+              <a:latin typeface="Calibri"/>
+              <a:ea typeface="Calibri"/>
+              <a:cs typeface="Calibri"/>
+              <a:sym typeface="Calibri"/>
             </a:endParaRPr>
           </a:p>
         </p:txBody>
       </p:sp>
       <p:sp>
         <p:nvSpPr>
-          <p:cNvPr id="123" name="Google Shape;123;p17"/>
+          <p:cNvPr id="124" name="Google Shape;124;p17"/>
           <p:cNvSpPr txBox="1"/>
           <p:nvPr/>
         </p:nvSpPr>
         <p:spPr>
           <a:xfrm>
-            <a:off x="2155819" y="2048700"/>
-            <a:ext cx="2729905" cy="482286"/>
+            <a:off x="848850" y="656649"/>
+            <a:ext cx="1074900" cy="220500"/>
           </a:xfrm>
           <a:prstGeom prst="rect">
             <a:avLst/>
@@ -8738,32 +9193,40 @@
           </a:ln>
         </p:spPr>
         <p:txBody>
-          <a:bodyPr spcFirstLastPara="1" wrap="square" lIns="99873" tIns="49905" rIns="99873" bIns="49905" anchor="t" anchorCtr="0">
+          <a:bodyPr anchorCtr="0" anchor="t" bIns="19650" lIns="39325" spcFirstLastPara="1" rIns="39325" wrap="square" tIns="19650">
             <a:noAutofit/>
           </a:bodyPr>
           <a:lstStyle/>
           <a:p>
-            <a:pPr algn="ctr"/>
+            <a:pPr indent="0" lvl="0" marL="0" rtl="0" algn="ctr">
+              <a:spcBef>
+                <a:spcPts val="0"/>
+              </a:spcBef>
+              <a:spcAft>
+                <a:spcPts val="0"/>
+              </a:spcAft>
+              <a:buNone/>
+            </a:pPr>
             <a:r>
-              <a:rPr lang="en-GB" sz="3810">
+              <a:rPr lang="en-GB" sz="1700">
                 <a:solidFill>
-                  <a:srgbClr val="7F7F7F"/>
+                  <a:srgbClr val="D9D9D9"/>
                 </a:solidFill>
-                <a:latin typeface="Times New Roman"/>
-                <a:ea typeface="Times New Roman"/>
-                <a:cs typeface="Times New Roman"/>
-                <a:sym typeface="Times New Roman"/>
+                <a:latin typeface="Calibri"/>
+                <a:ea typeface="Calibri"/>
+                <a:cs typeface="Calibri"/>
+                <a:sym typeface="Calibri"/>
               </a:rPr>
               <a:t>Menu</a:t>
             </a:r>
-            <a:endParaRPr sz="3810">
+            <a:endParaRPr sz="1700">
               <a:solidFill>
-                <a:srgbClr val="7F7F7F"/>
+                <a:srgbClr val="D9D9D9"/>
               </a:solidFill>
-              <a:latin typeface="Times New Roman"/>
-              <a:ea typeface="Times New Roman"/>
-              <a:cs typeface="Times New Roman"/>
-              <a:sym typeface="Times New Roman"/>
+              <a:latin typeface="Calibri"/>
+              <a:ea typeface="Calibri"/>
+              <a:cs typeface="Calibri"/>
+              <a:sym typeface="Calibri"/>
             </a:endParaRPr>
           </a:p>
         </p:txBody>
@@ -8777,7 +9240,7 @@
 </file>
 
 <file path=ppt/theme/theme1.xml><?xml version="1.0" encoding="utf-8"?>
-<a:theme xmlns:a="http://schemas.openxmlformats.org/drawingml/2006/main" name="Simple Light">
+<a:theme xmlns:a="http://schemas.openxmlformats.org/drawingml/2006/main" xmlns:r="http://schemas.openxmlformats.org/officeDocument/2006/relationships" name="Simple Light">
   <a:themeElements>
     <a:clrScheme name="Simple Light">
       <a:dk1>
@@ -9052,13 +9515,11 @@
       </a:bgFillStyleLst>
     </a:fmtScheme>
   </a:themeElements>
-  <a:objectDefaults/>
-  <a:extraClrSchemeLst/>
 </a:theme>
 </file>
 
 <file path=ppt/theme/theme2.xml><?xml version="1.0" encoding="utf-8"?>
-<a:theme xmlns:a="http://schemas.openxmlformats.org/drawingml/2006/main">
+<a:theme xmlns:a="http://schemas.openxmlformats.org/drawingml/2006/main" xmlns:r="http://schemas.openxmlformats.org/officeDocument/2006/relationships">
   <a:themeElements>
     <a:clrScheme name="Default">
       <a:dk1>
@@ -9333,7 +9794,5 @@
       </a:bgFillStyleLst>
     </a:fmtScheme>
   </a:themeElements>
-  <a:objectDefaults/>
-  <a:extraClrSchemeLst/>
 </a:theme>
 </file>
--- a/menu-maker.pptx
+++ b/menu-maker.pptx
@@ -1,41 +1,48 @@
 
 <file path=ppt/presentation.xml><?xml version="1.0" encoding="utf-8"?>
-<p:presentation xmlns:a="http://schemas.openxmlformats.org/drawingml/2006/main" xmlns:r="http://schemas.openxmlformats.org/officeDocument/2006/relationships" xmlns:mc="http://schemas.openxmlformats.org/markup-compatibility/2006" xmlns:mv="urn:schemas-microsoft-com:mac:vml" xmlns:p="http://schemas.openxmlformats.org/presentationml/2006/main" xmlns:c="http://schemas.openxmlformats.org/drawingml/2006/chart" xmlns:dgm="http://schemas.openxmlformats.org/drawingml/2006/diagram" xmlns:o="urn:schemas-microsoft-com:office:office" xmlns:v="urn:schemas-microsoft-com:vml" xmlns:pvml="urn:schemas-microsoft-com:office:powerpoint" xmlns:com="http://schemas.openxmlformats.org/drawingml/2006/compatibility" xmlns:p14="http://schemas.microsoft.com/office/powerpoint/2010/main" xmlns:p15="http://schemas.microsoft.com/office/powerpoint/2012/main" xmlns:ahyp="http://schemas.microsoft.com/office/drawing/2018/hyperlinkcolor" autoCompressPictures="0" embedTrueTypeFonts="1" strictFirstAndLastChars="0" saveSubsetFonts="1">
+<p:presentation xmlns:a="http://schemas.openxmlformats.org/drawingml/2006/main" xmlns:r="http://schemas.openxmlformats.org/officeDocument/2006/relationships" xmlns:p="http://schemas.openxmlformats.org/presentationml/2006/main" strictFirstAndLastChars="0" embedTrueTypeFonts="1" saveSubsetFonts="1" autoCompressPictures="0">
   <p:sldMasterIdLst>
-    <p:sldMasterId id="2147483659" r:id="rId4"/>
+    <p:sldMasterId id="2147483659" r:id="rId1"/>
   </p:sldMasterIdLst>
   <p:notesMasterIdLst>
-    <p:notesMasterId r:id="rId5"/>
+    <p:notesMasterId r:id="rId7"/>
   </p:notesMasterIdLst>
   <p:sldIdLst>
-    <p:sldId id="256" r:id="rId6"/>
-    <p:sldId id="257" r:id="rId7"/>
-    <p:sldId id="258" r:id="rId8"/>
-    <p:sldId id="259" r:id="rId9"/>
-    <p:sldId id="260" r:id="rId10"/>
+    <p:sldId id="256" r:id="rId2"/>
+    <p:sldId id="257" r:id="rId3"/>
+    <p:sldId id="258" r:id="rId4"/>
+    <p:sldId id="259" r:id="rId5"/>
+    <p:sldId id="260" r:id="rId6"/>
   </p:sldIdLst>
-  <p:sldSz cy="3600000" cx="2700000"/>
+  <p:sldSz cx="6858000" cy="9906000" type="A4"/>
   <p:notesSz cx="6858000" cy="9144000"/>
   <p:embeddedFontLst>
     <p:embeddedFont>
-      <p:font typeface="Spectral"/>
-      <p:regular r:id="rId11"/>
-      <p:bold r:id="rId12"/>
-      <p:italic r:id="rId13"/>
-      <p:boldItalic r:id="rId14"/>
+      <p:font typeface="Calibri" panose="020F0502020204030204" pitchFamily="34" charset="0"/>
+      <p:regular r:id="rId8"/>
+      <p:bold r:id="rId9"/>
+      <p:italic r:id="rId10"/>
+      <p:boldItalic r:id="rId11"/>
     </p:embeddedFont>
     <p:embeddedFont>
-      <p:font typeface="Oswald"/>
+      <p:font typeface="Itim" panose="020B0604020202020204" charset="-34"/>
+      <p:regular r:id="rId12"/>
+    </p:embeddedFont>
+    <p:embeddedFont>
+      <p:font typeface="Oswald" panose="020B0604020202020204" charset="0"/>
+      <p:regular r:id="rId13"/>
+      <p:bold r:id="rId14"/>
+    </p:embeddedFont>
+    <p:embeddedFont>
+      <p:font typeface="Spectral" panose="020B0604020202020204" charset="0"/>
       <p:regular r:id="rId15"/>
       <p:bold r:id="rId16"/>
-    </p:embeddedFont>
-    <p:embeddedFont>
-      <p:font typeface="Itim"/>
-      <p:regular r:id="rId17"/>
+      <p:italic r:id="rId17"/>
+      <p:boldItalic r:id="rId18"/>
     </p:embeddedFont>
   </p:embeddedFontLst>
   <p:defaultTextStyle>
-    <a:defPPr lvl="0" marR="0" rtl="0" algn="l">
+    <a:defPPr marR="0" lvl="0" algn="l" rtl="0">
       <a:lnSpc>
         <a:spcPct val="100000"/>
       </a:lnSpc>
@@ -46,7 +53,7 @@
         <a:spcPts val="0"/>
       </a:spcAft>
     </a:defPPr>
-    <a:lvl1pPr lvl="0" marR="0" rtl="0" algn="l">
+    <a:lvl1pPr marR="0" lvl="0" algn="l" rtl="0">
       <a:lnSpc>
         <a:spcPct val="100000"/>
       </a:lnSpc>
@@ -60,7 +67,7 @@
         <a:srgbClr val="000000"/>
       </a:buClr>
       <a:buFont typeface="Arial"/>
-      <a:defRPr b="0" i="0" sz="1400" u="none" cap="none" strike="noStrike">
+      <a:defRPr sz="3725" b="0" i="0" u="none" strike="noStrike" cap="none">
         <a:solidFill>
           <a:srgbClr val="000000"/>
         </a:solidFill>
@@ -70,7 +77,7 @@
         <a:sym typeface="Arial"/>
       </a:defRPr>
     </a:lvl1pPr>
-    <a:lvl2pPr lvl="1" marR="0" rtl="0" algn="l">
+    <a:lvl2pPr marR="0" lvl="1" algn="l" rtl="0">
       <a:lnSpc>
         <a:spcPct val="100000"/>
       </a:lnSpc>
@@ -84,7 +91,7 @@
         <a:srgbClr val="000000"/>
       </a:buClr>
       <a:buFont typeface="Arial"/>
-      <a:defRPr b="0" i="0" sz="1400" u="none" cap="none" strike="noStrike">
+      <a:defRPr sz="3725" b="0" i="0" u="none" strike="noStrike" cap="none">
         <a:solidFill>
           <a:srgbClr val="000000"/>
         </a:solidFill>
@@ -94,7 +101,7 @@
         <a:sym typeface="Arial"/>
       </a:defRPr>
     </a:lvl2pPr>
-    <a:lvl3pPr lvl="2" marR="0" rtl="0" algn="l">
+    <a:lvl3pPr marR="0" lvl="2" algn="l" rtl="0">
       <a:lnSpc>
         <a:spcPct val="100000"/>
       </a:lnSpc>
@@ -108,7 +115,7 @@
         <a:srgbClr val="000000"/>
       </a:buClr>
       <a:buFont typeface="Arial"/>
-      <a:defRPr b="0" i="0" sz="1400" u="none" cap="none" strike="noStrike">
+      <a:defRPr sz="3725" b="0" i="0" u="none" strike="noStrike" cap="none">
         <a:solidFill>
           <a:srgbClr val="000000"/>
         </a:solidFill>
@@ -118,7 +125,7 @@
         <a:sym typeface="Arial"/>
       </a:defRPr>
     </a:lvl3pPr>
-    <a:lvl4pPr lvl="3" marR="0" rtl="0" algn="l">
+    <a:lvl4pPr marR="0" lvl="3" algn="l" rtl="0">
       <a:lnSpc>
         <a:spcPct val="100000"/>
       </a:lnSpc>
@@ -132,7 +139,7 @@
         <a:srgbClr val="000000"/>
       </a:buClr>
       <a:buFont typeface="Arial"/>
-      <a:defRPr b="0" i="0" sz="1400" u="none" cap="none" strike="noStrike">
+      <a:defRPr sz="3725" b="0" i="0" u="none" strike="noStrike" cap="none">
         <a:solidFill>
           <a:srgbClr val="000000"/>
         </a:solidFill>
@@ -142,7 +149,7 @@
         <a:sym typeface="Arial"/>
       </a:defRPr>
     </a:lvl4pPr>
-    <a:lvl5pPr lvl="4" marR="0" rtl="0" algn="l">
+    <a:lvl5pPr marR="0" lvl="4" algn="l" rtl="0">
       <a:lnSpc>
         <a:spcPct val="100000"/>
       </a:lnSpc>
@@ -156,7 +163,7 @@
         <a:srgbClr val="000000"/>
       </a:buClr>
       <a:buFont typeface="Arial"/>
-      <a:defRPr b="0" i="0" sz="1400" u="none" cap="none" strike="noStrike">
+      <a:defRPr sz="3725" b="0" i="0" u="none" strike="noStrike" cap="none">
         <a:solidFill>
           <a:srgbClr val="000000"/>
         </a:solidFill>
@@ -166,7 +173,7 @@
         <a:sym typeface="Arial"/>
       </a:defRPr>
     </a:lvl5pPr>
-    <a:lvl6pPr lvl="5" marR="0" rtl="0" algn="l">
+    <a:lvl6pPr marR="0" lvl="5" algn="l" rtl="0">
       <a:lnSpc>
         <a:spcPct val="100000"/>
       </a:lnSpc>
@@ -180,7 +187,7 @@
         <a:srgbClr val="000000"/>
       </a:buClr>
       <a:buFont typeface="Arial"/>
-      <a:defRPr b="0" i="0" sz="1400" u="none" cap="none" strike="noStrike">
+      <a:defRPr sz="3725" b="0" i="0" u="none" strike="noStrike" cap="none">
         <a:solidFill>
           <a:srgbClr val="000000"/>
         </a:solidFill>
@@ -190,7 +197,7 @@
         <a:sym typeface="Arial"/>
       </a:defRPr>
     </a:lvl6pPr>
-    <a:lvl7pPr lvl="6" marR="0" rtl="0" algn="l">
+    <a:lvl7pPr marR="0" lvl="6" algn="l" rtl="0">
       <a:lnSpc>
         <a:spcPct val="100000"/>
       </a:lnSpc>
@@ -204,7 +211,7 @@
         <a:srgbClr val="000000"/>
       </a:buClr>
       <a:buFont typeface="Arial"/>
-      <a:defRPr b="0" i="0" sz="1400" u="none" cap="none" strike="noStrike">
+      <a:defRPr sz="3725" b="0" i="0" u="none" strike="noStrike" cap="none">
         <a:solidFill>
           <a:srgbClr val="000000"/>
         </a:solidFill>
@@ -214,7 +221,7 @@
         <a:sym typeface="Arial"/>
       </a:defRPr>
     </a:lvl7pPr>
-    <a:lvl8pPr lvl="7" marR="0" rtl="0" algn="l">
+    <a:lvl8pPr marR="0" lvl="7" algn="l" rtl="0">
       <a:lnSpc>
         <a:spcPct val="100000"/>
       </a:lnSpc>
@@ -228,7 +235,7 @@
         <a:srgbClr val="000000"/>
       </a:buClr>
       <a:buFont typeface="Arial"/>
-      <a:defRPr b="0" i="0" sz="1400" u="none" cap="none" strike="noStrike">
+      <a:defRPr sz="3725" b="0" i="0" u="none" strike="noStrike" cap="none">
         <a:solidFill>
           <a:srgbClr val="000000"/>
         </a:solidFill>
@@ -238,7 +245,7 @@
         <a:sym typeface="Arial"/>
       </a:defRPr>
     </a:lvl8pPr>
-    <a:lvl9pPr lvl="8" marR="0" rtl="0" algn="l">
+    <a:lvl9pPr marR="0" lvl="8" algn="l" rtl="0">
       <a:lnSpc>
         <a:spcPct val="100000"/>
       </a:lnSpc>
@@ -252,7 +259,7 @@
         <a:srgbClr val="000000"/>
       </a:buClr>
       <a:buFont typeface="Arial"/>
-      <a:defRPr b="0" i="0" sz="1400" u="none" cap="none" strike="noStrike">
+      <a:defRPr sz="3725" b="0" i="0" u="none" strike="noStrike" cap="none">
         <a:solidFill>
           <a:srgbClr val="000000"/>
         </a:solidFill>
@@ -265,13 +272,13 @@
   </p:defaultTextStyle>
   <p:extLst>
     <p:ext uri="{EFAFB233-063F-42B5-8137-9DF3F51BA10A}">
-      <p15:sldGuideLst>
-        <p15:guide id="1" orient="horz" pos="1134">
+      <p15:sldGuideLst xmlns:p15="http://schemas.microsoft.com/office/powerpoint/2012/main">
+        <p15:guide id="1" orient="horz" pos="3120" userDrawn="1">
           <p15:clr>
             <a:srgbClr val="A4A3A4"/>
           </p15:clr>
         </p15:guide>
-        <p15:guide id="2" pos="850">
+        <p15:guide id="2" pos="2159" userDrawn="1">
           <p15:clr>
             <a:srgbClr val="A4A3A4"/>
           </p15:clr>
@@ -283,11 +290,16 @@
 </file>
 
 <file path=ppt/notesMasters/notesMaster1.xml><?xml version="1.0" encoding="utf-8"?>
-<p:notesMaster xmlns:a="http://schemas.openxmlformats.org/drawingml/2006/main" xmlns:r="http://schemas.openxmlformats.org/officeDocument/2006/relationships" xmlns:mc="http://schemas.openxmlformats.org/markup-compatibility/2006" xmlns:mv="urn:schemas-microsoft-com:mac:vml" xmlns:p="http://schemas.openxmlformats.org/presentationml/2006/main" xmlns:c="http://schemas.openxmlformats.org/drawingml/2006/chart" xmlns:dgm="http://schemas.openxmlformats.org/drawingml/2006/diagram" xmlns:o="urn:schemas-microsoft-com:office:office" xmlns:v="urn:schemas-microsoft-com:vml" xmlns:pvml="urn:schemas-microsoft-com:office:powerpoint" xmlns:com="http://schemas.openxmlformats.org/drawingml/2006/compatibility" xmlns:p14="http://schemas.microsoft.com/office/powerpoint/2010/main" xmlns:p15="http://schemas.microsoft.com/office/powerpoint/2012/main" xmlns:ahyp="http://schemas.microsoft.com/office/drawing/2018/hyperlinkcolor">
+<p:notesMaster xmlns:a="http://schemas.openxmlformats.org/drawingml/2006/main" xmlns:r="http://schemas.openxmlformats.org/officeDocument/2006/relationships" xmlns:p="http://schemas.openxmlformats.org/presentationml/2006/main">
   <p:cSld>
+    <p:bg>
+      <p:bgRef idx="1001">
+        <a:schemeClr val="bg1"/>
+      </p:bgRef>
+    </p:bg>
     <p:spTree>
       <p:nvGrpSpPr>
-        <p:cNvPr id="2" name="Shape 2"/>
+        <p:cNvPr id="1" name="Shape 2"/>
         <p:cNvGrpSpPr/>
         <p:nvPr/>
       </p:nvGrpSpPr>
@@ -302,20 +314,26 @@
       <p:sp>
         <p:nvSpPr>
           <p:cNvPr id="3" name="Google Shape;3;n"/>
-          <p:cNvSpPr/>
+          <p:cNvSpPr>
+            <a:spLocks noGrp="1" noRot="1" noChangeAspect="1"/>
+          </p:cNvSpPr>
           <p:nvPr>
-            <p:ph idx="2" type="sldImg"/>
+            <p:ph type="sldImg" idx="2"/>
           </p:nvPr>
         </p:nvSpPr>
         <p:spPr>
           <a:xfrm>
-            <a:off x="2143447" y="685800"/>
-            <a:ext cx="2571900" cy="3429000"/>
+            <a:off x="2241550" y="685800"/>
+            <a:ext cx="2374900" cy="3429000"/>
           </a:xfrm>
           <a:custGeom>
-            <a:rect b="b" l="l" r="r" t="t"/>
+            <a:avLst/>
+            <a:gdLst/>
+            <a:ahLst/>
+            <a:cxnLst/>
+            <a:rect l="l" t="t" r="r" b="b"/>
             <a:pathLst>
-              <a:path extrusionOk="0" h="120000" w="120000">
+              <a:path w="120000" h="120000" extrusionOk="0">
                 <a:moveTo>
                   <a:pt x="0" y="0"/>
                 </a:moveTo>
@@ -333,23 +351,25 @@
             </a:pathLst>
           </a:custGeom>
           <a:noFill/>
-          <a:ln cap="flat" cmpd="sng" w="9525">
+          <a:ln w="9525" cap="flat" cmpd="sng">
             <a:solidFill>
               <a:srgbClr val="000000"/>
             </a:solidFill>
             <a:prstDash val="solid"/>
             <a:round/>
-            <a:headEnd len="sm" w="sm" type="none"/>
-            <a:tailEnd len="sm" w="sm" type="none"/>
+            <a:headEnd type="none" w="sm" len="sm"/>
+            <a:tailEnd type="none" w="sm" len="sm"/>
           </a:ln>
         </p:spPr>
       </p:sp>
       <p:sp>
         <p:nvSpPr>
           <p:cNvPr id="4" name="Google Shape;4;n"/>
-          <p:cNvSpPr txBox="1"/>
+          <p:cNvSpPr txBox="1">
+            <a:spLocks noGrp="1"/>
+          </p:cNvSpPr>
           <p:nvPr>
-            <p:ph idx="1" type="body"/>
+            <p:ph type="body" idx="1"/>
           </p:nvPr>
         </p:nvSpPr>
         <p:spPr>
@@ -366,11 +386,11 @@
           </a:ln>
         </p:spPr>
         <p:txBody>
-          <a:bodyPr anchorCtr="0" anchor="t" bIns="91425" lIns="91425" spcFirstLastPara="1" rIns="91425" wrap="square" tIns="91425">
+          <a:bodyPr spcFirstLastPara="1" wrap="square" lIns="91425" tIns="91425" rIns="91425" bIns="91425" anchor="t" anchorCtr="0">
             <a:noAutofit/>
           </a:bodyPr>
           <a:lstStyle>
-            <a:lvl1pPr indent="-298450" lvl="0" marL="457200">
+            <a:lvl1pPr marL="457200" lvl="0" indent="-298450">
               <a:spcBef>
                 <a:spcPts val="0"/>
               </a:spcBef>
@@ -381,7 +401,7 @@
               <a:buChar char="●"/>
               <a:defRPr sz="1100"/>
             </a:lvl1pPr>
-            <a:lvl2pPr indent="-298450" lvl="1" marL="914400">
+            <a:lvl2pPr marL="914400" lvl="1" indent="-298450">
               <a:spcBef>
                 <a:spcPts val="0"/>
               </a:spcBef>
@@ -392,7 +412,7 @@
               <a:buChar char="○"/>
               <a:defRPr sz="1100"/>
             </a:lvl2pPr>
-            <a:lvl3pPr indent="-298450" lvl="2" marL="1371600">
+            <a:lvl3pPr marL="1371600" lvl="2" indent="-298450">
               <a:spcBef>
                 <a:spcPts val="0"/>
               </a:spcBef>
@@ -403,7 +423,7 @@
               <a:buChar char="■"/>
               <a:defRPr sz="1100"/>
             </a:lvl3pPr>
-            <a:lvl4pPr indent="-298450" lvl="3" marL="1828800">
+            <a:lvl4pPr marL="1828800" lvl="3" indent="-298450">
               <a:spcBef>
                 <a:spcPts val="0"/>
               </a:spcBef>
@@ -414,7 +434,7 @@
               <a:buChar char="●"/>
               <a:defRPr sz="1100"/>
             </a:lvl4pPr>
-            <a:lvl5pPr indent="-298450" lvl="4" marL="2286000">
+            <a:lvl5pPr marL="2286000" lvl="4" indent="-298450">
               <a:spcBef>
                 <a:spcPts val="0"/>
               </a:spcBef>
@@ -425,7 +445,7 @@
               <a:buChar char="○"/>
               <a:defRPr sz="1100"/>
             </a:lvl5pPr>
-            <a:lvl6pPr indent="-298450" lvl="5" marL="2743200">
+            <a:lvl6pPr marL="2743200" lvl="5" indent="-298450">
               <a:spcBef>
                 <a:spcPts val="0"/>
               </a:spcBef>
@@ -436,7 +456,7 @@
               <a:buChar char="■"/>
               <a:defRPr sz="1100"/>
             </a:lvl6pPr>
-            <a:lvl7pPr indent="-298450" lvl="6" marL="3200400">
+            <a:lvl7pPr marL="3200400" lvl="6" indent="-298450">
               <a:spcBef>
                 <a:spcPts val="0"/>
               </a:spcBef>
@@ -447,7 +467,7 @@
               <a:buChar char="●"/>
               <a:defRPr sz="1100"/>
             </a:lvl7pPr>
-            <a:lvl8pPr indent="-298450" lvl="7" marL="3657600">
+            <a:lvl8pPr marL="3657600" lvl="7" indent="-298450">
               <a:spcBef>
                 <a:spcPts val="0"/>
               </a:spcBef>
@@ -458,7 +478,7 @@
               <a:buChar char="○"/>
               <a:defRPr sz="1100"/>
             </a:lvl8pPr>
-            <a:lvl9pPr indent="-298450" lvl="8" marL="4114800">
+            <a:lvl9pPr marL="4114800" lvl="8" indent="-298450">
               <a:spcBef>
                 <a:spcPts val="0"/>
               </a:spcBef>
@@ -470,14 +490,16 @@
               <a:defRPr sz="1100"/>
             </a:lvl9pPr>
           </a:lstStyle>
-          <a:p/>
+          <a:p>
+            <a:endParaRPr/>
+          </a:p>
         </p:txBody>
       </p:sp>
     </p:spTree>
   </p:cSld>
-  <p:clrMap accent1="accent1" accent2="accent2" accent3="accent3" accent4="accent4" accent5="accent5" accent6="accent6" bg1="lt1" bg2="dk2" tx1="dk1" tx2="lt2" folHlink="folHlink" hlink="hlink"/>
+  <p:clrMap bg1="lt1" tx1="dk1" bg2="dk2" tx2="lt2" accent1="accent1" accent2="accent2" accent3="accent3" accent4="accent4" accent5="accent5" accent6="accent6" hlink="hlink" folHlink="folHlink"/>
   <p:notesStyle>
-    <a:defPPr lvl="0" marR="0" rtl="0" algn="l">
+    <a:defPPr marR="0" lvl="0" algn="l" rtl="0">
       <a:lnSpc>
         <a:spcPct val="100000"/>
       </a:lnSpc>
@@ -488,7 +510,7 @@
         <a:spcPts val="0"/>
       </a:spcAft>
     </a:defPPr>
-    <a:lvl1pPr lvl="0" marR="0" rtl="0" algn="l">
+    <a:lvl1pPr marR="0" lvl="0" algn="l" rtl="0">
       <a:lnSpc>
         <a:spcPct val="100000"/>
       </a:lnSpc>
@@ -502,7 +524,7 @@
         <a:srgbClr val="000000"/>
       </a:buClr>
       <a:buFont typeface="Arial"/>
-      <a:defRPr b="0" i="0" sz="1400" u="none" cap="none" strike="noStrike">
+      <a:defRPr sz="3725" b="0" i="0" u="none" strike="noStrike" cap="none">
         <a:solidFill>
           <a:srgbClr val="000000"/>
         </a:solidFill>
@@ -512,7 +534,7 @@
         <a:sym typeface="Arial"/>
       </a:defRPr>
     </a:lvl1pPr>
-    <a:lvl2pPr lvl="1" marR="0" rtl="0" algn="l">
+    <a:lvl2pPr marR="0" lvl="1" algn="l" rtl="0">
       <a:lnSpc>
         <a:spcPct val="100000"/>
       </a:lnSpc>
@@ -526,7 +548,7 @@
         <a:srgbClr val="000000"/>
       </a:buClr>
       <a:buFont typeface="Arial"/>
-      <a:defRPr b="0" i="0" sz="1400" u="none" cap="none" strike="noStrike">
+      <a:defRPr sz="3725" b="0" i="0" u="none" strike="noStrike" cap="none">
         <a:solidFill>
           <a:srgbClr val="000000"/>
         </a:solidFill>
@@ -536,7 +558,7 @@
         <a:sym typeface="Arial"/>
       </a:defRPr>
     </a:lvl2pPr>
-    <a:lvl3pPr lvl="2" marR="0" rtl="0" algn="l">
+    <a:lvl3pPr marR="0" lvl="2" algn="l" rtl="0">
       <a:lnSpc>
         <a:spcPct val="100000"/>
       </a:lnSpc>
@@ -550,7 +572,7 @@
         <a:srgbClr val="000000"/>
       </a:buClr>
       <a:buFont typeface="Arial"/>
-      <a:defRPr b="0" i="0" sz="1400" u="none" cap="none" strike="noStrike">
+      <a:defRPr sz="3725" b="0" i="0" u="none" strike="noStrike" cap="none">
         <a:solidFill>
           <a:srgbClr val="000000"/>
         </a:solidFill>
@@ -560,7 +582,7 @@
         <a:sym typeface="Arial"/>
       </a:defRPr>
     </a:lvl3pPr>
-    <a:lvl4pPr lvl="3" marR="0" rtl="0" algn="l">
+    <a:lvl4pPr marR="0" lvl="3" algn="l" rtl="0">
       <a:lnSpc>
         <a:spcPct val="100000"/>
       </a:lnSpc>
@@ -574,7 +596,7 @@
         <a:srgbClr val="000000"/>
       </a:buClr>
       <a:buFont typeface="Arial"/>
-      <a:defRPr b="0" i="0" sz="1400" u="none" cap="none" strike="noStrike">
+      <a:defRPr sz="3725" b="0" i="0" u="none" strike="noStrike" cap="none">
         <a:solidFill>
           <a:srgbClr val="000000"/>
         </a:solidFill>
@@ -584,7 +606,7 @@
         <a:sym typeface="Arial"/>
       </a:defRPr>
     </a:lvl4pPr>
-    <a:lvl5pPr lvl="4" marR="0" rtl="0" algn="l">
+    <a:lvl5pPr marR="0" lvl="4" algn="l" rtl="0">
       <a:lnSpc>
         <a:spcPct val="100000"/>
       </a:lnSpc>
@@ -598,7 +620,7 @@
         <a:srgbClr val="000000"/>
       </a:buClr>
       <a:buFont typeface="Arial"/>
-      <a:defRPr b="0" i="0" sz="1400" u="none" cap="none" strike="noStrike">
+      <a:defRPr sz="3725" b="0" i="0" u="none" strike="noStrike" cap="none">
         <a:solidFill>
           <a:srgbClr val="000000"/>
         </a:solidFill>
@@ -608,7 +630,7 @@
         <a:sym typeface="Arial"/>
       </a:defRPr>
     </a:lvl5pPr>
-    <a:lvl6pPr lvl="5" marR="0" rtl="0" algn="l">
+    <a:lvl6pPr marR="0" lvl="5" algn="l" rtl="0">
       <a:lnSpc>
         <a:spcPct val="100000"/>
       </a:lnSpc>
@@ -622,7 +644,7 @@
         <a:srgbClr val="000000"/>
       </a:buClr>
       <a:buFont typeface="Arial"/>
-      <a:defRPr b="0" i="0" sz="1400" u="none" cap="none" strike="noStrike">
+      <a:defRPr sz="3725" b="0" i="0" u="none" strike="noStrike" cap="none">
         <a:solidFill>
           <a:srgbClr val="000000"/>
         </a:solidFill>
@@ -632,7 +654,7 @@
         <a:sym typeface="Arial"/>
       </a:defRPr>
     </a:lvl6pPr>
-    <a:lvl7pPr lvl="6" marR="0" rtl="0" algn="l">
+    <a:lvl7pPr marR="0" lvl="6" algn="l" rtl="0">
       <a:lnSpc>
         <a:spcPct val="100000"/>
       </a:lnSpc>
@@ -646,7 +668,7 @@
         <a:srgbClr val="000000"/>
       </a:buClr>
       <a:buFont typeface="Arial"/>
-      <a:defRPr b="0" i="0" sz="1400" u="none" cap="none" strike="noStrike">
+      <a:defRPr sz="3725" b="0" i="0" u="none" strike="noStrike" cap="none">
         <a:solidFill>
           <a:srgbClr val="000000"/>
         </a:solidFill>
@@ -656,7 +678,7 @@
         <a:sym typeface="Arial"/>
       </a:defRPr>
     </a:lvl7pPr>
-    <a:lvl8pPr lvl="7" marR="0" rtl="0" algn="l">
+    <a:lvl8pPr marR="0" lvl="7" algn="l" rtl="0">
       <a:lnSpc>
         <a:spcPct val="100000"/>
       </a:lnSpc>
@@ -670,7 +692,7 @@
         <a:srgbClr val="000000"/>
       </a:buClr>
       <a:buFont typeface="Arial"/>
-      <a:defRPr b="0" i="0" sz="1400" u="none" cap="none" strike="noStrike">
+      <a:defRPr sz="3725" b="0" i="0" u="none" strike="noStrike" cap="none">
         <a:solidFill>
           <a:srgbClr val="000000"/>
         </a:solidFill>
@@ -680,7 +702,7 @@
         <a:sym typeface="Arial"/>
       </a:defRPr>
     </a:lvl8pPr>
-    <a:lvl9pPr lvl="8" marR="0" rtl="0" algn="l">
+    <a:lvl9pPr marR="0" lvl="8" algn="l" rtl="0">
       <a:lnSpc>
         <a:spcPct val="100000"/>
       </a:lnSpc>
@@ -694,7 +716,7 @@
         <a:srgbClr val="000000"/>
       </a:buClr>
       <a:buFont typeface="Arial"/>
-      <a:defRPr b="0" i="0" sz="1400" u="none" cap="none" strike="noStrike">
+      <a:defRPr sz="3725" b="0" i="0" u="none" strike="noStrike" cap="none">
         <a:solidFill>
           <a:srgbClr val="000000"/>
         </a:solidFill>
@@ -709,11 +731,11 @@
 </file>
 
 <file path=ppt/notesSlides/notesSlide1.xml><?xml version="1.0" encoding="utf-8"?>
-<p:notes xmlns:a="http://schemas.openxmlformats.org/drawingml/2006/main" xmlns:r="http://schemas.openxmlformats.org/officeDocument/2006/relationships" xmlns:mc="http://schemas.openxmlformats.org/markup-compatibility/2006" xmlns:mv="urn:schemas-microsoft-com:mac:vml" xmlns:p="http://schemas.openxmlformats.org/presentationml/2006/main" xmlns:c="http://schemas.openxmlformats.org/drawingml/2006/chart" xmlns:dgm="http://schemas.openxmlformats.org/drawingml/2006/diagram" xmlns:o="urn:schemas-microsoft-com:office:office" xmlns:v="urn:schemas-microsoft-com:vml" xmlns:pvml="urn:schemas-microsoft-com:office:powerpoint" xmlns:com="http://schemas.openxmlformats.org/drawingml/2006/compatibility" xmlns:p14="http://schemas.microsoft.com/office/powerpoint/2010/main" xmlns:p15="http://schemas.microsoft.com/office/powerpoint/2012/main" xmlns:ahyp="http://schemas.microsoft.com/office/drawing/2018/hyperlinkcolor" showMasterPhAnim="0" showMasterSp="0">
+<p:notes xmlns:a="http://schemas.openxmlformats.org/drawingml/2006/main" xmlns:r="http://schemas.openxmlformats.org/officeDocument/2006/relationships" xmlns:p="http://schemas.openxmlformats.org/presentationml/2006/main" showMasterSp="0" showMasterPhAnim="0">
   <p:cSld>
     <p:spTree>
       <p:nvGrpSpPr>
-        <p:cNvPr id="50" name="Shape 50"/>
+        <p:cNvPr id="1" name="Shape 50"/>
         <p:cNvGrpSpPr/>
         <p:nvPr/>
       </p:nvGrpSpPr>
@@ -728,20 +750,26 @@
       <p:sp>
         <p:nvSpPr>
           <p:cNvPr id="51" name="Google Shape;51;gaf81e2ceda_0_50:notes"/>
-          <p:cNvSpPr/>
+          <p:cNvSpPr>
+            <a:spLocks noGrp="1" noRot="1" noChangeAspect="1"/>
+          </p:cNvSpPr>
           <p:nvPr>
-            <p:ph idx="2" type="sldImg"/>
+            <p:ph type="sldImg" idx="2"/>
           </p:nvPr>
         </p:nvSpPr>
         <p:spPr>
           <a:xfrm>
-            <a:off x="2143447" y="685800"/>
-            <a:ext cx="2571900" cy="3429000"/>
+            <a:off x="2241550" y="685800"/>
+            <a:ext cx="2374900" cy="3429000"/>
           </a:xfrm>
           <a:custGeom>
-            <a:rect b="b" l="l" r="r" t="t"/>
+            <a:avLst/>
+            <a:gdLst/>
+            <a:ahLst/>
+            <a:cxnLst/>
+            <a:rect l="l" t="t" r="r" b="b"/>
             <a:pathLst>
-              <a:path extrusionOk="0" h="120000" w="120000">
+              <a:path w="120000" h="120000" extrusionOk="0">
                 <a:moveTo>
                   <a:pt x="0" y="0"/>
                 </a:moveTo>
@@ -763,9 +791,11 @@
       <p:sp>
         <p:nvSpPr>
           <p:cNvPr id="52" name="Google Shape;52;gaf81e2ceda_0_50:notes"/>
-          <p:cNvSpPr txBox="1"/>
+          <p:cNvSpPr txBox="1">
+            <a:spLocks noGrp="1"/>
+          </p:cNvSpPr>
           <p:nvPr>
-            <p:ph idx="1" type="body"/>
+            <p:ph type="body" idx="1"/>
           </p:nvPr>
         </p:nvSpPr>
         <p:spPr>
@@ -778,12 +808,12 @@
           </a:prstGeom>
         </p:spPr>
         <p:txBody>
-          <a:bodyPr anchorCtr="0" anchor="t" bIns="91425" lIns="91425" spcFirstLastPara="1" rIns="91425" wrap="square" tIns="91425">
+          <a:bodyPr spcFirstLastPara="1" wrap="square" lIns="91425" tIns="91425" rIns="91425" bIns="91425" anchor="t" anchorCtr="0">
             <a:noAutofit/>
           </a:bodyPr>
           <a:lstStyle/>
           <a:p>
-            <a:pPr indent="0" lvl="0" marL="0" rtl="0" algn="l">
+            <a:pPr marL="0" lvl="0" indent="0" algn="l" rtl="0">
               <a:spcBef>
                 <a:spcPts val="0"/>
               </a:spcBef>
@@ -792,9 +822,6 @@
               </a:spcAft>
               <a:buNone/>
             </a:pPr>
-            <a:r>
-              <a:t/>
-            </a:r>
             <a:endParaRPr/>
           </a:p>
         </p:txBody>
@@ -808,11 +835,11 @@
 </file>
 
 <file path=ppt/notesSlides/notesSlide2.xml><?xml version="1.0" encoding="utf-8"?>
-<p:notes xmlns:a="http://schemas.openxmlformats.org/drawingml/2006/main" xmlns:r="http://schemas.openxmlformats.org/officeDocument/2006/relationships" xmlns:mc="http://schemas.openxmlformats.org/markup-compatibility/2006" xmlns:mv="urn:schemas-microsoft-com:mac:vml" xmlns:p="http://schemas.openxmlformats.org/presentationml/2006/main" xmlns:c="http://schemas.openxmlformats.org/drawingml/2006/chart" xmlns:dgm="http://schemas.openxmlformats.org/drawingml/2006/diagram" xmlns:o="urn:schemas-microsoft-com:office:office" xmlns:v="urn:schemas-microsoft-com:vml" xmlns:pvml="urn:schemas-microsoft-com:office:powerpoint" xmlns:com="http://schemas.openxmlformats.org/drawingml/2006/compatibility" xmlns:p14="http://schemas.microsoft.com/office/powerpoint/2010/main" xmlns:p15="http://schemas.microsoft.com/office/powerpoint/2012/main" xmlns:ahyp="http://schemas.microsoft.com/office/drawing/2018/hyperlinkcolor" showMasterPhAnim="0" showMasterSp="0">
+<p:notes xmlns:a="http://schemas.openxmlformats.org/drawingml/2006/main" xmlns:r="http://schemas.openxmlformats.org/officeDocument/2006/relationships" xmlns:p="http://schemas.openxmlformats.org/presentationml/2006/main" showMasterSp="0" showMasterPhAnim="0">
   <p:cSld>
     <p:spTree>
       <p:nvGrpSpPr>
-        <p:cNvPr id="65" name="Shape 65"/>
+        <p:cNvPr id="1" name="Shape 65"/>
         <p:cNvGrpSpPr/>
         <p:nvPr/>
       </p:nvGrpSpPr>
@@ -827,20 +854,26 @@
       <p:sp>
         <p:nvSpPr>
           <p:cNvPr id="66" name="Google Shape;66;gaf81e2ceda_0_64:notes"/>
-          <p:cNvSpPr/>
+          <p:cNvSpPr>
+            <a:spLocks noGrp="1" noRot="1" noChangeAspect="1"/>
+          </p:cNvSpPr>
           <p:nvPr>
-            <p:ph idx="2" type="sldImg"/>
+            <p:ph type="sldImg" idx="2"/>
           </p:nvPr>
         </p:nvSpPr>
         <p:spPr>
           <a:xfrm>
-            <a:off x="2143447" y="685800"/>
-            <a:ext cx="2571900" cy="3429000"/>
+            <a:off x="2241550" y="685800"/>
+            <a:ext cx="2374900" cy="3429000"/>
           </a:xfrm>
           <a:custGeom>
-            <a:rect b="b" l="l" r="r" t="t"/>
+            <a:avLst/>
+            <a:gdLst/>
+            <a:ahLst/>
+            <a:cxnLst/>
+            <a:rect l="l" t="t" r="r" b="b"/>
             <a:pathLst>
-              <a:path extrusionOk="0" h="120000" w="120000">
+              <a:path w="120000" h="120000" extrusionOk="0">
                 <a:moveTo>
                   <a:pt x="0" y="0"/>
                 </a:moveTo>
@@ -862,9 +895,11 @@
       <p:sp>
         <p:nvSpPr>
           <p:cNvPr id="67" name="Google Shape;67;gaf81e2ceda_0_64:notes"/>
-          <p:cNvSpPr txBox="1"/>
+          <p:cNvSpPr txBox="1">
+            <a:spLocks noGrp="1"/>
+          </p:cNvSpPr>
           <p:nvPr>
-            <p:ph idx="1" type="body"/>
+            <p:ph type="body" idx="1"/>
           </p:nvPr>
         </p:nvSpPr>
         <p:spPr>
@@ -877,12 +912,12 @@
           </a:prstGeom>
         </p:spPr>
         <p:txBody>
-          <a:bodyPr anchorCtr="0" anchor="t" bIns="91425" lIns="91425" spcFirstLastPara="1" rIns="91425" wrap="square" tIns="91425">
+          <a:bodyPr spcFirstLastPara="1" wrap="square" lIns="91425" tIns="91425" rIns="91425" bIns="91425" anchor="t" anchorCtr="0">
             <a:noAutofit/>
           </a:bodyPr>
           <a:lstStyle/>
           <a:p>
-            <a:pPr indent="0" lvl="0" marL="0" rtl="0" algn="l">
+            <a:pPr marL="0" lvl="0" indent="0" algn="l" rtl="0">
               <a:spcBef>
                 <a:spcPts val="0"/>
               </a:spcBef>
@@ -891,9 +926,6 @@
               </a:spcAft>
               <a:buNone/>
             </a:pPr>
-            <a:r>
-              <a:t/>
-            </a:r>
             <a:endParaRPr/>
           </a:p>
         </p:txBody>
@@ -907,11 +939,11 @@
 </file>
 
 <file path=ppt/notesSlides/notesSlide3.xml><?xml version="1.0" encoding="utf-8"?>
-<p:notes xmlns:a="http://schemas.openxmlformats.org/drawingml/2006/main" xmlns:r="http://schemas.openxmlformats.org/officeDocument/2006/relationships" xmlns:mc="http://schemas.openxmlformats.org/markup-compatibility/2006" xmlns:mv="urn:schemas-microsoft-com:mac:vml" xmlns:p="http://schemas.openxmlformats.org/presentationml/2006/main" xmlns:c="http://schemas.openxmlformats.org/drawingml/2006/chart" xmlns:dgm="http://schemas.openxmlformats.org/drawingml/2006/diagram" xmlns:o="urn:schemas-microsoft-com:office:office" xmlns:v="urn:schemas-microsoft-com:vml" xmlns:pvml="urn:schemas-microsoft-com:office:powerpoint" xmlns:com="http://schemas.openxmlformats.org/drawingml/2006/compatibility" xmlns:p14="http://schemas.microsoft.com/office/powerpoint/2010/main" xmlns:p15="http://schemas.microsoft.com/office/powerpoint/2012/main" xmlns:ahyp="http://schemas.microsoft.com/office/drawing/2018/hyperlinkcolor" showMasterPhAnim="0" showMasterSp="0">
+<p:notes xmlns:a="http://schemas.openxmlformats.org/drawingml/2006/main" xmlns:r="http://schemas.openxmlformats.org/officeDocument/2006/relationships" xmlns:p="http://schemas.openxmlformats.org/presentationml/2006/main" showMasterSp="0" showMasterPhAnim="0">
   <p:cSld>
     <p:spTree>
       <p:nvGrpSpPr>
-        <p:cNvPr id="80" name="Shape 80"/>
+        <p:cNvPr id="1" name="Shape 80"/>
         <p:cNvGrpSpPr/>
         <p:nvPr/>
       </p:nvGrpSpPr>
@@ -926,20 +958,26 @@
       <p:sp>
         <p:nvSpPr>
           <p:cNvPr id="81" name="Google Shape;81;gaf81e2ceda_0_78:notes"/>
-          <p:cNvSpPr/>
+          <p:cNvSpPr>
+            <a:spLocks noGrp="1" noRot="1" noChangeAspect="1"/>
+          </p:cNvSpPr>
           <p:nvPr>
-            <p:ph idx="2" type="sldImg"/>
+            <p:ph type="sldImg" idx="2"/>
           </p:nvPr>
         </p:nvSpPr>
         <p:spPr>
           <a:xfrm>
-            <a:off x="2143447" y="685800"/>
-            <a:ext cx="2571900" cy="3429000"/>
+            <a:off x="2241550" y="685800"/>
+            <a:ext cx="2374900" cy="3429000"/>
           </a:xfrm>
           <a:custGeom>
-            <a:rect b="b" l="l" r="r" t="t"/>
+            <a:avLst/>
+            <a:gdLst/>
+            <a:ahLst/>
+            <a:cxnLst/>
+            <a:rect l="l" t="t" r="r" b="b"/>
             <a:pathLst>
-              <a:path extrusionOk="0" h="120000" w="120000">
+              <a:path w="120000" h="120000" extrusionOk="0">
                 <a:moveTo>
                   <a:pt x="0" y="0"/>
                 </a:moveTo>
@@ -961,9 +999,11 @@
       <p:sp>
         <p:nvSpPr>
           <p:cNvPr id="82" name="Google Shape;82;gaf81e2ceda_0_78:notes"/>
-          <p:cNvSpPr txBox="1"/>
+          <p:cNvSpPr txBox="1">
+            <a:spLocks noGrp="1"/>
+          </p:cNvSpPr>
           <p:nvPr>
-            <p:ph idx="1" type="body"/>
+            <p:ph type="body" idx="1"/>
           </p:nvPr>
         </p:nvSpPr>
         <p:spPr>
@@ -976,12 +1016,12 @@
           </a:prstGeom>
         </p:spPr>
         <p:txBody>
-          <a:bodyPr anchorCtr="0" anchor="t" bIns="91425" lIns="91425" spcFirstLastPara="1" rIns="91425" wrap="square" tIns="91425">
+          <a:bodyPr spcFirstLastPara="1" wrap="square" lIns="91425" tIns="91425" rIns="91425" bIns="91425" anchor="t" anchorCtr="0">
             <a:noAutofit/>
           </a:bodyPr>
           <a:lstStyle/>
           <a:p>
-            <a:pPr indent="0" lvl="0" marL="0" rtl="0" algn="l">
+            <a:pPr marL="0" lvl="0" indent="0" algn="l" rtl="0">
               <a:spcBef>
                 <a:spcPts val="0"/>
               </a:spcBef>
@@ -990,9 +1030,6 @@
               </a:spcAft>
               <a:buNone/>
             </a:pPr>
-            <a:r>
-              <a:t/>
-            </a:r>
             <a:endParaRPr/>
           </a:p>
         </p:txBody>
@@ -1006,11 +1043,11 @@
 </file>
 
 <file path=ppt/notesSlides/notesSlide4.xml><?xml version="1.0" encoding="utf-8"?>
-<p:notes xmlns:a="http://schemas.openxmlformats.org/drawingml/2006/main" xmlns:r="http://schemas.openxmlformats.org/officeDocument/2006/relationships" xmlns:mc="http://schemas.openxmlformats.org/markup-compatibility/2006" xmlns:mv="urn:schemas-microsoft-com:mac:vml" xmlns:p="http://schemas.openxmlformats.org/presentationml/2006/main" xmlns:c="http://schemas.openxmlformats.org/drawingml/2006/chart" xmlns:dgm="http://schemas.openxmlformats.org/drawingml/2006/diagram" xmlns:o="urn:schemas-microsoft-com:office:office" xmlns:v="urn:schemas-microsoft-com:vml" xmlns:pvml="urn:schemas-microsoft-com:office:powerpoint" xmlns:com="http://schemas.openxmlformats.org/drawingml/2006/compatibility" xmlns:p14="http://schemas.microsoft.com/office/powerpoint/2010/main" xmlns:p15="http://schemas.microsoft.com/office/powerpoint/2012/main" xmlns:ahyp="http://schemas.microsoft.com/office/drawing/2018/hyperlinkcolor" showMasterPhAnim="0" showMasterSp="0">
+<p:notes xmlns:a="http://schemas.openxmlformats.org/drawingml/2006/main" xmlns:r="http://schemas.openxmlformats.org/officeDocument/2006/relationships" xmlns:p="http://schemas.openxmlformats.org/presentationml/2006/main" showMasterSp="0" showMasterPhAnim="0">
   <p:cSld>
     <p:spTree>
       <p:nvGrpSpPr>
-        <p:cNvPr id="95" name="Shape 95"/>
+        <p:cNvPr id="1" name="Shape 95"/>
         <p:cNvGrpSpPr/>
         <p:nvPr/>
       </p:nvGrpSpPr>
@@ -1025,20 +1062,26 @@
       <p:sp>
         <p:nvSpPr>
           <p:cNvPr id="96" name="Google Shape;96;gaf81e2ceda_0_92:notes"/>
-          <p:cNvSpPr/>
+          <p:cNvSpPr>
+            <a:spLocks noGrp="1" noRot="1" noChangeAspect="1"/>
+          </p:cNvSpPr>
           <p:nvPr>
-            <p:ph idx="2" type="sldImg"/>
+            <p:ph type="sldImg" idx="2"/>
           </p:nvPr>
         </p:nvSpPr>
         <p:spPr>
           <a:xfrm>
-            <a:off x="2143447" y="685800"/>
-            <a:ext cx="2571900" cy="3429000"/>
+            <a:off x="2241550" y="685800"/>
+            <a:ext cx="2374900" cy="3429000"/>
           </a:xfrm>
           <a:custGeom>
-            <a:rect b="b" l="l" r="r" t="t"/>
+            <a:avLst/>
+            <a:gdLst/>
+            <a:ahLst/>
+            <a:cxnLst/>
+            <a:rect l="l" t="t" r="r" b="b"/>
             <a:pathLst>
-              <a:path extrusionOk="0" h="120000" w="120000">
+              <a:path w="120000" h="120000" extrusionOk="0">
                 <a:moveTo>
                   <a:pt x="0" y="0"/>
                 </a:moveTo>
@@ -1060,9 +1103,11 @@
       <p:sp>
         <p:nvSpPr>
           <p:cNvPr id="97" name="Google Shape;97;gaf81e2ceda_0_92:notes"/>
-          <p:cNvSpPr txBox="1"/>
+          <p:cNvSpPr txBox="1">
+            <a:spLocks noGrp="1"/>
+          </p:cNvSpPr>
           <p:nvPr>
-            <p:ph idx="1" type="body"/>
+            <p:ph type="body" idx="1"/>
           </p:nvPr>
         </p:nvSpPr>
         <p:spPr>
@@ -1075,12 +1120,12 @@
           </a:prstGeom>
         </p:spPr>
         <p:txBody>
-          <a:bodyPr anchorCtr="0" anchor="t" bIns="91425" lIns="91425" spcFirstLastPara="1" rIns="91425" wrap="square" tIns="91425">
+          <a:bodyPr spcFirstLastPara="1" wrap="square" lIns="91425" tIns="91425" rIns="91425" bIns="91425" anchor="t" anchorCtr="0">
             <a:noAutofit/>
           </a:bodyPr>
           <a:lstStyle/>
           <a:p>
-            <a:pPr indent="0" lvl="0" marL="0" rtl="0" algn="l">
+            <a:pPr marL="0" lvl="0" indent="0" algn="l" rtl="0">
               <a:spcBef>
                 <a:spcPts val="0"/>
               </a:spcBef>
@@ -1089,9 +1134,6 @@
               </a:spcAft>
               <a:buNone/>
             </a:pPr>
-            <a:r>
-              <a:t/>
-            </a:r>
             <a:endParaRPr/>
           </a:p>
         </p:txBody>
@@ -1105,11 +1147,11 @@
 </file>
 
 <file path=ppt/notesSlides/notesSlide5.xml><?xml version="1.0" encoding="utf-8"?>
-<p:notes xmlns:a="http://schemas.openxmlformats.org/drawingml/2006/main" xmlns:r="http://schemas.openxmlformats.org/officeDocument/2006/relationships" xmlns:mc="http://schemas.openxmlformats.org/markup-compatibility/2006" xmlns:mv="urn:schemas-microsoft-com:mac:vml" xmlns:p="http://schemas.openxmlformats.org/presentationml/2006/main" xmlns:c="http://schemas.openxmlformats.org/drawingml/2006/chart" xmlns:dgm="http://schemas.openxmlformats.org/drawingml/2006/diagram" xmlns:o="urn:schemas-microsoft-com:office:office" xmlns:v="urn:schemas-microsoft-com:vml" xmlns:pvml="urn:schemas-microsoft-com:office:powerpoint" xmlns:com="http://schemas.openxmlformats.org/drawingml/2006/compatibility" xmlns:p14="http://schemas.microsoft.com/office/powerpoint/2010/main" xmlns:p15="http://schemas.microsoft.com/office/powerpoint/2012/main" xmlns:ahyp="http://schemas.microsoft.com/office/drawing/2018/hyperlinkcolor" showMasterPhAnim="0" showMasterSp="0">
+<p:notes xmlns:a="http://schemas.openxmlformats.org/drawingml/2006/main" xmlns:r="http://schemas.openxmlformats.org/officeDocument/2006/relationships" xmlns:p="http://schemas.openxmlformats.org/presentationml/2006/main" showMasterSp="0" showMasterPhAnim="0">
   <p:cSld>
     <p:spTree>
       <p:nvGrpSpPr>
-        <p:cNvPr id="110" name="Shape 110"/>
+        <p:cNvPr id="1" name="Shape 110"/>
         <p:cNvGrpSpPr/>
         <p:nvPr/>
       </p:nvGrpSpPr>
@@ -1124,20 +1166,26 @@
       <p:sp>
         <p:nvSpPr>
           <p:cNvPr id="111" name="Google Shape;111;p:notes"/>
-          <p:cNvSpPr/>
+          <p:cNvSpPr>
+            <a:spLocks noGrp="1" noRot="1" noChangeAspect="1"/>
+          </p:cNvSpPr>
           <p:nvPr>
-            <p:ph idx="2" type="sldImg"/>
+            <p:ph type="sldImg" idx="2"/>
           </p:nvPr>
         </p:nvSpPr>
         <p:spPr>
           <a:xfrm>
-            <a:off x="2143447" y="685800"/>
-            <a:ext cx="2571900" cy="3429000"/>
+            <a:off x="2241550" y="685800"/>
+            <a:ext cx="2374900" cy="3429000"/>
           </a:xfrm>
           <a:custGeom>
-            <a:rect b="b" l="l" r="r" t="t"/>
+            <a:avLst/>
+            <a:gdLst/>
+            <a:ahLst/>
+            <a:cxnLst/>
+            <a:rect l="l" t="t" r="r" b="b"/>
             <a:pathLst>
-              <a:path extrusionOk="0" h="120000" w="120000">
+              <a:path w="120000" h="120000" extrusionOk="0">
                 <a:moveTo>
                   <a:pt x="0" y="0"/>
                 </a:moveTo>
@@ -1159,9 +1207,11 @@
       <p:sp>
         <p:nvSpPr>
           <p:cNvPr id="112" name="Google Shape;112;p:notes"/>
-          <p:cNvSpPr txBox="1"/>
+          <p:cNvSpPr txBox="1">
+            <a:spLocks noGrp="1"/>
+          </p:cNvSpPr>
           <p:nvPr>
-            <p:ph idx="1" type="body"/>
+            <p:ph type="body" idx="1"/>
           </p:nvPr>
         </p:nvSpPr>
         <p:spPr>
@@ -1174,12 +1224,12 @@
           </a:prstGeom>
         </p:spPr>
         <p:txBody>
-          <a:bodyPr anchorCtr="0" anchor="t" bIns="91425" lIns="91425" spcFirstLastPara="1" rIns="91425" wrap="square" tIns="91425">
+          <a:bodyPr spcFirstLastPara="1" wrap="square" lIns="91425" tIns="91425" rIns="91425" bIns="91425" anchor="t" anchorCtr="0">
             <a:noAutofit/>
           </a:bodyPr>
           <a:lstStyle/>
           <a:p>
-            <a:pPr indent="0" lvl="0" marL="0" rtl="0" algn="l">
+            <a:pPr marL="0" lvl="0" indent="0" algn="l" rtl="0">
               <a:spcBef>
                 <a:spcPts val="0"/>
               </a:spcBef>
@@ -1188,9 +1238,6 @@
               </a:spcAft>
               <a:buNone/>
             </a:pPr>
-            <a:r>
-              <a:t/>
-            </a:r>
             <a:endParaRPr/>
           </a:p>
         </p:txBody>
@@ -1204,11 +1251,11 @@
 </file>
 
 <file path=ppt/slideLayouts/slideLayout1.xml><?xml version="1.0" encoding="utf-8"?>
-<p:sldLayout xmlns:a="http://schemas.openxmlformats.org/drawingml/2006/main" xmlns:r="http://schemas.openxmlformats.org/officeDocument/2006/relationships" xmlns:mc="http://schemas.openxmlformats.org/markup-compatibility/2006" xmlns:mv="urn:schemas-microsoft-com:mac:vml" xmlns:p="http://schemas.openxmlformats.org/presentationml/2006/main" xmlns:c="http://schemas.openxmlformats.org/drawingml/2006/chart" xmlns:dgm="http://schemas.openxmlformats.org/drawingml/2006/diagram" xmlns:o="urn:schemas-microsoft-com:office:office" xmlns:v="urn:schemas-microsoft-com:vml" xmlns:pvml="urn:schemas-microsoft-com:office:powerpoint" xmlns:com="http://schemas.openxmlformats.org/drawingml/2006/compatibility" xmlns:p14="http://schemas.microsoft.com/office/powerpoint/2010/main" xmlns:p15="http://schemas.microsoft.com/office/powerpoint/2012/main" xmlns:ahyp="http://schemas.microsoft.com/office/drawing/2018/hyperlinkcolor" matchingName="Title slide" type="title">
+<p:sldLayout xmlns:a="http://schemas.openxmlformats.org/drawingml/2006/main" xmlns:r="http://schemas.openxmlformats.org/officeDocument/2006/relationships" xmlns:p="http://schemas.openxmlformats.org/presentationml/2006/main" matchingName="Title slide" type="title">
   <p:cSld name="TITLE">
     <p:spTree>
       <p:nvGrpSpPr>
-        <p:cNvPr id="9" name="Shape 9"/>
+        <p:cNvPr id="1" name="Shape 9"/>
         <p:cNvGrpSpPr/>
         <p:nvPr/>
       </p:nvGrpSpPr>
@@ -1223,22 +1270,24 @@
       <p:sp>
         <p:nvSpPr>
           <p:cNvPr id="10" name="Google Shape;10;p2"/>
-          <p:cNvSpPr txBox="1"/>
+          <p:cNvSpPr txBox="1">
+            <a:spLocks noGrp="1"/>
+          </p:cNvSpPr>
           <p:nvPr>
             <p:ph type="ctrTitle"/>
           </p:nvPr>
         </p:nvSpPr>
         <p:spPr>
           <a:xfrm>
-            <a:off x="92040" y="521137"/>
-            <a:ext cx="2515800" cy="1436700"/>
+            <a:off x="233752" y="1433816"/>
+            <a:ext cx="6389332" cy="3952825"/>
           </a:xfrm>
           <a:prstGeom prst="rect">
             <a:avLst/>
           </a:prstGeom>
         </p:spPr>
         <p:txBody>
-          <a:bodyPr anchorCtr="0" anchor="b" bIns="39325" lIns="39325" spcFirstLastPara="1" rIns="39325" wrap="square" tIns="39325">
+          <a:bodyPr spcFirstLastPara="1" wrap="square" lIns="39325" tIns="39325" rIns="39325" bIns="39325" anchor="b" anchorCtr="0">
             <a:noAutofit/>
           </a:bodyPr>
           <a:lstStyle>
@@ -1251,7 +1300,7 @@
               </a:spcAft>
               <a:buSzPts val="2200"/>
               <a:buNone/>
-              <a:defRPr sz="2200"/>
+              <a:defRPr sz="5587"/>
             </a:lvl1pPr>
             <a:lvl2pPr lvl="1" algn="ctr">
               <a:spcBef>
@@ -1262,7 +1311,7 @@
               </a:spcAft>
               <a:buSzPts val="2200"/>
               <a:buNone/>
-              <a:defRPr sz="2200"/>
+              <a:defRPr sz="5587"/>
             </a:lvl2pPr>
             <a:lvl3pPr lvl="2" algn="ctr">
               <a:spcBef>
@@ -1273,7 +1322,7 @@
               </a:spcAft>
               <a:buSzPts val="2200"/>
               <a:buNone/>
-              <a:defRPr sz="2200"/>
+              <a:defRPr sz="5587"/>
             </a:lvl3pPr>
             <a:lvl4pPr lvl="3" algn="ctr">
               <a:spcBef>
@@ -1284,7 +1333,7 @@
               </a:spcAft>
               <a:buSzPts val="2200"/>
               <a:buNone/>
-              <a:defRPr sz="2200"/>
+              <a:defRPr sz="5587"/>
             </a:lvl4pPr>
             <a:lvl5pPr lvl="4" algn="ctr">
               <a:spcBef>
@@ -1295,7 +1344,7 @@
               </a:spcAft>
               <a:buSzPts val="2200"/>
               <a:buNone/>
-              <a:defRPr sz="2200"/>
+              <a:defRPr sz="5587"/>
             </a:lvl5pPr>
             <a:lvl6pPr lvl="5" algn="ctr">
               <a:spcBef>
@@ -1306,7 +1355,7 @@
               </a:spcAft>
               <a:buSzPts val="2200"/>
               <a:buNone/>
-              <a:defRPr sz="2200"/>
+              <a:defRPr sz="5587"/>
             </a:lvl6pPr>
             <a:lvl7pPr lvl="6" algn="ctr">
               <a:spcBef>
@@ -1317,7 +1366,7 @@
               </a:spcAft>
               <a:buSzPts val="2200"/>
               <a:buNone/>
-              <a:defRPr sz="2200"/>
+              <a:defRPr sz="5587"/>
             </a:lvl7pPr>
             <a:lvl8pPr lvl="7" algn="ctr">
               <a:spcBef>
@@ -1328,7 +1377,7 @@
               </a:spcAft>
               <a:buSzPts val="2200"/>
               <a:buNone/>
-              <a:defRPr sz="2200"/>
+              <a:defRPr sz="5587"/>
             </a:lvl8pPr>
             <a:lvl9pPr lvl="8" algn="ctr">
               <a:spcBef>
@@ -1339,31 +1388,35 @@
               </a:spcAft>
               <a:buSzPts val="2200"/>
               <a:buNone/>
-              <a:defRPr sz="2200"/>
+              <a:defRPr sz="5587"/>
             </a:lvl9pPr>
           </a:lstStyle>
-          <a:p/>
+          <a:p>
+            <a:endParaRPr/>
+          </a:p>
         </p:txBody>
       </p:sp>
       <p:sp>
         <p:nvSpPr>
           <p:cNvPr id="11" name="Google Shape;11;p2"/>
-          <p:cNvSpPr txBox="1"/>
+          <p:cNvSpPr txBox="1">
+            <a:spLocks noGrp="1"/>
+          </p:cNvSpPr>
           <p:nvPr>
-            <p:ph idx="1" type="subTitle"/>
+            <p:ph type="subTitle" idx="1"/>
           </p:nvPr>
         </p:nvSpPr>
         <p:spPr>
           <a:xfrm>
-            <a:off x="92037" y="1983640"/>
-            <a:ext cx="2515800" cy="554700"/>
+            <a:off x="233745" y="5457634"/>
+            <a:ext cx="6389332" cy="1526159"/>
           </a:xfrm>
           <a:prstGeom prst="rect">
             <a:avLst/>
           </a:prstGeom>
         </p:spPr>
         <p:txBody>
-          <a:bodyPr anchorCtr="0" anchor="t" bIns="39325" lIns="39325" spcFirstLastPara="1" rIns="39325" wrap="square" tIns="39325">
+          <a:bodyPr spcFirstLastPara="1" wrap="square" lIns="39325" tIns="39325" rIns="39325" bIns="39325" anchor="t" anchorCtr="0">
             <a:noAutofit/>
           </a:bodyPr>
           <a:lstStyle>
@@ -1379,7 +1432,7 @@
               </a:spcAft>
               <a:buSzPts val="1200"/>
               <a:buNone/>
-              <a:defRPr sz="1200"/>
+              <a:defRPr sz="3048"/>
             </a:lvl1pPr>
             <a:lvl2pPr lvl="1" algn="ctr">
               <a:lnSpc>
@@ -1393,7 +1446,7 @@
               </a:spcAft>
               <a:buSzPts val="1200"/>
               <a:buNone/>
-              <a:defRPr sz="1200"/>
+              <a:defRPr sz="3048"/>
             </a:lvl2pPr>
             <a:lvl3pPr lvl="2" algn="ctr">
               <a:lnSpc>
@@ -1407,7 +1460,7 @@
               </a:spcAft>
               <a:buSzPts val="1200"/>
               <a:buNone/>
-              <a:defRPr sz="1200"/>
+              <a:defRPr sz="3048"/>
             </a:lvl3pPr>
             <a:lvl4pPr lvl="3" algn="ctr">
               <a:lnSpc>
@@ -1421,7 +1474,7 @@
               </a:spcAft>
               <a:buSzPts val="1200"/>
               <a:buNone/>
-              <a:defRPr sz="1200"/>
+              <a:defRPr sz="3048"/>
             </a:lvl4pPr>
             <a:lvl5pPr lvl="4" algn="ctr">
               <a:lnSpc>
@@ -1435,7 +1488,7 @@
               </a:spcAft>
               <a:buSzPts val="1200"/>
               <a:buNone/>
-              <a:defRPr sz="1200"/>
+              <a:defRPr sz="3048"/>
             </a:lvl5pPr>
             <a:lvl6pPr lvl="5" algn="ctr">
               <a:lnSpc>
@@ -1449,7 +1502,7 @@
               </a:spcAft>
               <a:buSzPts val="1200"/>
               <a:buNone/>
-              <a:defRPr sz="1200"/>
+              <a:defRPr sz="3048"/>
             </a:lvl6pPr>
             <a:lvl7pPr lvl="6" algn="ctr">
               <a:lnSpc>
@@ -1463,7 +1516,7 @@
               </a:spcAft>
               <a:buSzPts val="1200"/>
               <a:buNone/>
-              <a:defRPr sz="1200"/>
+              <a:defRPr sz="3048"/>
             </a:lvl7pPr>
             <a:lvl8pPr lvl="7" algn="ctr">
               <a:lnSpc>
@@ -1477,7 +1530,7 @@
               </a:spcAft>
               <a:buSzPts val="1200"/>
               <a:buNone/>
-              <a:defRPr sz="1200"/>
+              <a:defRPr sz="3048"/>
             </a:lvl8pPr>
             <a:lvl9pPr lvl="8" algn="ctr">
               <a:lnSpc>
@@ -1491,31 +1544,35 @@
               </a:spcAft>
               <a:buSzPts val="1200"/>
               <a:buNone/>
-              <a:defRPr sz="1200"/>
+              <a:defRPr sz="3048"/>
             </a:lvl9pPr>
           </a:lstStyle>
-          <a:p/>
+          <a:p>
+            <a:endParaRPr/>
+          </a:p>
         </p:txBody>
       </p:sp>
       <p:sp>
         <p:nvSpPr>
           <p:cNvPr id="12" name="Google Shape;12;p2"/>
-          <p:cNvSpPr txBox="1"/>
+          <p:cNvSpPr txBox="1">
+            <a:spLocks noGrp="1"/>
+          </p:cNvSpPr>
           <p:nvPr>
-            <p:ph idx="12" type="sldNum"/>
+            <p:ph type="sldNum" idx="12"/>
           </p:nvPr>
         </p:nvSpPr>
         <p:spPr>
           <a:xfrm>
-            <a:off x="2501710" y="3263844"/>
-            <a:ext cx="162000" cy="275400"/>
+            <a:off x="6353548" y="8979888"/>
+            <a:ext cx="411428" cy="757714"/>
           </a:xfrm>
           <a:prstGeom prst="rect">
             <a:avLst/>
           </a:prstGeom>
         </p:spPr>
         <p:txBody>
-          <a:bodyPr anchorCtr="0" anchor="ctr" bIns="39325" lIns="39325" spcFirstLastPara="1" rIns="39325" wrap="square" tIns="39325">
+          <a:bodyPr spcFirstLastPara="1" wrap="square" lIns="39325" tIns="39325" rIns="39325" bIns="39325" anchor="ctr" anchorCtr="0">
             <a:noAutofit/>
           </a:bodyPr>
           <a:lstStyle>
@@ -1557,20 +1614,12 @@
             </a:lvl9pPr>
           </a:lstStyle>
           <a:p>
-            <a:pPr indent="0" lvl="0" marL="0" rtl="0" algn="r">
-              <a:spcBef>
-                <a:spcPts val="0"/>
-              </a:spcBef>
-              <a:spcAft>
-                <a:spcPts val="0"/>
-              </a:spcAft>
-              <a:buNone/>
-            </a:pPr>
             <a:fld id="{00000000-1234-1234-1234-123412341234}" type="slidenum">
-              <a:rPr lang="en-GB"/>
+              <a:rPr lang="en-GB" smtClean="0"/>
+              <a:pPr/>
               <a:t>‹#›</a:t>
             </a:fld>
-            <a:endParaRPr/>
+            <a:endParaRPr lang="en-GB"/>
           </a:p>
         </p:txBody>
       </p:sp>
@@ -1583,11 +1632,11 @@
 </file>
 
 <file path=ppt/slideLayouts/slideLayout10.xml><?xml version="1.0" encoding="utf-8"?>
-<p:sldLayout xmlns:a="http://schemas.openxmlformats.org/drawingml/2006/main" xmlns:r="http://schemas.openxmlformats.org/officeDocument/2006/relationships" xmlns:mc="http://schemas.openxmlformats.org/markup-compatibility/2006" xmlns:mv="urn:schemas-microsoft-com:mac:vml" xmlns:p="http://schemas.openxmlformats.org/presentationml/2006/main" xmlns:c="http://schemas.openxmlformats.org/drawingml/2006/chart" xmlns:dgm="http://schemas.openxmlformats.org/drawingml/2006/diagram" xmlns:o="urn:schemas-microsoft-com:office:office" xmlns:v="urn:schemas-microsoft-com:vml" xmlns:pvml="urn:schemas-microsoft-com:office:powerpoint" xmlns:com="http://schemas.openxmlformats.org/drawingml/2006/compatibility" xmlns:p14="http://schemas.microsoft.com/office/powerpoint/2010/main" xmlns:p15="http://schemas.microsoft.com/office/powerpoint/2012/main" xmlns:ahyp="http://schemas.microsoft.com/office/drawing/2018/hyperlinkcolor" matchingName="Big number">
+<p:sldLayout xmlns:a="http://schemas.openxmlformats.org/drawingml/2006/main" xmlns:r="http://schemas.openxmlformats.org/officeDocument/2006/relationships" xmlns:p="http://schemas.openxmlformats.org/presentationml/2006/main" matchingName="Big number">
   <p:cSld name="BIG_NUMBER">
     <p:spTree>
       <p:nvGrpSpPr>
-        <p:cNvPr id="44" name="Shape 44"/>
+        <p:cNvPr id="1" name="Shape 44"/>
         <p:cNvGrpSpPr/>
         <p:nvPr/>
       </p:nvGrpSpPr>
@@ -1602,22 +1651,24 @@
       <p:sp>
         <p:nvSpPr>
           <p:cNvPr id="45" name="Google Shape;45;p11"/>
-          <p:cNvSpPr txBox="1"/>
+          <p:cNvSpPr txBox="1">
+            <a:spLocks noGrp="1"/>
+          </p:cNvSpPr>
           <p:nvPr>
-            <p:ph hasCustomPrompt="1" type="title"/>
+            <p:ph type="title" hasCustomPrompt="1"/>
           </p:nvPr>
         </p:nvSpPr>
         <p:spPr>
           <a:xfrm>
-            <a:off x="92037" y="774191"/>
-            <a:ext cx="2515800" cy="1374300"/>
+            <a:off x="233745" y="2130049"/>
+            <a:ext cx="6389332" cy="3781143"/>
           </a:xfrm>
           <a:prstGeom prst="rect">
             <a:avLst/>
           </a:prstGeom>
         </p:spPr>
         <p:txBody>
-          <a:bodyPr anchorCtr="0" anchor="b" bIns="39325" lIns="39325" spcFirstLastPara="1" rIns="39325" wrap="square" tIns="39325">
+          <a:bodyPr spcFirstLastPara="1" wrap="square" lIns="39325" tIns="39325" rIns="39325" bIns="39325" anchor="b" anchorCtr="0">
             <a:noAutofit/>
           </a:bodyPr>
           <a:lstStyle>
@@ -1630,7 +1681,7 @@
               </a:spcAft>
               <a:buSzPts val="5200"/>
               <a:buNone/>
-              <a:defRPr sz="5200"/>
+              <a:defRPr sz="13206"/>
             </a:lvl1pPr>
             <a:lvl2pPr lvl="1" algn="ctr">
               <a:spcBef>
@@ -1641,7 +1692,7 @@
               </a:spcAft>
               <a:buSzPts val="5200"/>
               <a:buNone/>
-              <a:defRPr sz="5200"/>
+              <a:defRPr sz="13206"/>
             </a:lvl2pPr>
             <a:lvl3pPr lvl="2" algn="ctr">
               <a:spcBef>
@@ -1652,7 +1703,7 @@
               </a:spcAft>
               <a:buSzPts val="5200"/>
               <a:buNone/>
-              <a:defRPr sz="5200"/>
+              <a:defRPr sz="13206"/>
             </a:lvl3pPr>
             <a:lvl4pPr lvl="3" algn="ctr">
               <a:spcBef>
@@ -1663,7 +1714,7 @@
               </a:spcAft>
               <a:buSzPts val="5200"/>
               <a:buNone/>
-              <a:defRPr sz="5200"/>
+              <a:defRPr sz="13206"/>
             </a:lvl4pPr>
             <a:lvl5pPr lvl="4" algn="ctr">
               <a:spcBef>
@@ -1674,7 +1725,7 @@
               </a:spcAft>
               <a:buSzPts val="5200"/>
               <a:buNone/>
-              <a:defRPr sz="5200"/>
+              <a:defRPr sz="13206"/>
             </a:lvl5pPr>
             <a:lvl6pPr lvl="5" algn="ctr">
               <a:spcBef>
@@ -1685,7 +1736,7 @@
               </a:spcAft>
               <a:buSzPts val="5200"/>
               <a:buNone/>
-              <a:defRPr sz="5200"/>
+              <a:defRPr sz="13206"/>
             </a:lvl6pPr>
             <a:lvl7pPr lvl="6" algn="ctr">
               <a:spcBef>
@@ -1696,7 +1747,7 @@
               </a:spcAft>
               <a:buSzPts val="5200"/>
               <a:buNone/>
-              <a:defRPr sz="5200"/>
+              <a:defRPr sz="13206"/>
             </a:lvl7pPr>
             <a:lvl8pPr lvl="7" algn="ctr">
               <a:spcBef>
@@ -1707,7 +1758,7 @@
               </a:spcAft>
               <a:buSzPts val="5200"/>
               <a:buNone/>
-              <a:defRPr sz="5200"/>
+              <a:defRPr sz="13206"/>
             </a:lvl8pPr>
             <a:lvl9pPr lvl="8" algn="ctr">
               <a:spcBef>
@@ -1718,7 +1769,7 @@
               </a:spcAft>
               <a:buSzPts val="5200"/>
               <a:buNone/>
-              <a:defRPr sz="5200"/>
+              <a:defRPr sz="13206"/>
             </a:lvl9pPr>
           </a:lstStyle>
           <a:p>
@@ -1731,26 +1782,28 @@
       <p:sp>
         <p:nvSpPr>
           <p:cNvPr id="46" name="Google Shape;46;p11"/>
-          <p:cNvSpPr txBox="1"/>
+          <p:cNvSpPr txBox="1">
+            <a:spLocks noGrp="1"/>
+          </p:cNvSpPr>
           <p:nvPr>
-            <p:ph idx="1" type="body"/>
+            <p:ph type="body" idx="1"/>
           </p:nvPr>
         </p:nvSpPr>
         <p:spPr>
           <a:xfrm>
-            <a:off x="92037" y="2206282"/>
-            <a:ext cx="2515800" cy="910500"/>
+            <a:off x="233745" y="6070194"/>
+            <a:ext cx="6389332" cy="2505079"/>
           </a:xfrm>
           <a:prstGeom prst="rect">
             <a:avLst/>
           </a:prstGeom>
         </p:spPr>
         <p:txBody>
-          <a:bodyPr anchorCtr="0" anchor="t" bIns="39325" lIns="39325" spcFirstLastPara="1" rIns="39325" wrap="square" tIns="39325">
+          <a:bodyPr spcFirstLastPara="1" wrap="square" lIns="39325" tIns="39325" rIns="39325" bIns="39325" anchor="t" anchorCtr="0">
             <a:noAutofit/>
           </a:bodyPr>
           <a:lstStyle>
-            <a:lvl1pPr indent="-279400" lvl="0" marL="457200" algn="ctr">
+            <a:lvl1pPr marL="1161151" lvl="0" indent="-709592" algn="ctr">
               <a:spcBef>
                 <a:spcPts val="0"/>
               </a:spcBef>
@@ -1761,9 +1814,9 @@
               <a:buChar char="●"/>
               <a:defRPr/>
             </a:lvl1pPr>
-            <a:lvl2pPr indent="-266700" lvl="1" marL="914400" algn="ctr">
-              <a:spcBef>
-                <a:spcPts val="700"/>
+            <a:lvl2pPr marL="2322302" lvl="1" indent="-677338" algn="ctr">
+              <a:spcBef>
+                <a:spcPts val="1778"/>
               </a:spcBef>
               <a:spcAft>
                 <a:spcPts val="0"/>
@@ -1772,9 +1825,9 @@
               <a:buChar char="○"/>
               <a:defRPr/>
             </a:lvl2pPr>
-            <a:lvl3pPr indent="-266700" lvl="2" marL="1371600" algn="ctr">
-              <a:spcBef>
-                <a:spcPts val="700"/>
+            <a:lvl3pPr marL="3483453" lvl="2" indent="-677338" algn="ctr">
+              <a:spcBef>
+                <a:spcPts val="1778"/>
               </a:spcBef>
               <a:spcAft>
                 <a:spcPts val="0"/>
@@ -1783,9 +1836,9 @@
               <a:buChar char="■"/>
               <a:defRPr/>
             </a:lvl3pPr>
-            <a:lvl4pPr indent="-266700" lvl="3" marL="1828800" algn="ctr">
-              <a:spcBef>
-                <a:spcPts val="700"/>
+            <a:lvl4pPr marL="4644603" lvl="3" indent="-677338" algn="ctr">
+              <a:spcBef>
+                <a:spcPts val="1778"/>
               </a:spcBef>
               <a:spcAft>
                 <a:spcPts val="0"/>
@@ -1794,9 +1847,9 @@
               <a:buChar char="●"/>
               <a:defRPr/>
             </a:lvl4pPr>
-            <a:lvl5pPr indent="-266700" lvl="4" marL="2286000" algn="ctr">
-              <a:spcBef>
-                <a:spcPts val="700"/>
+            <a:lvl5pPr marL="5805754" lvl="4" indent="-677338" algn="ctr">
+              <a:spcBef>
+                <a:spcPts val="1778"/>
               </a:spcBef>
               <a:spcAft>
                 <a:spcPts val="0"/>
@@ -1805,9 +1858,9 @@
               <a:buChar char="○"/>
               <a:defRPr/>
             </a:lvl5pPr>
-            <a:lvl6pPr indent="-266700" lvl="5" marL="2743200" algn="ctr">
-              <a:spcBef>
-                <a:spcPts val="700"/>
+            <a:lvl6pPr marL="6966905" lvl="5" indent="-677338" algn="ctr">
+              <a:spcBef>
+                <a:spcPts val="1778"/>
               </a:spcBef>
               <a:spcAft>
                 <a:spcPts val="0"/>
@@ -1816,9 +1869,9 @@
               <a:buChar char="■"/>
               <a:defRPr/>
             </a:lvl6pPr>
-            <a:lvl7pPr indent="-266700" lvl="6" marL="3200400" algn="ctr">
-              <a:spcBef>
-                <a:spcPts val="700"/>
+            <a:lvl7pPr marL="8128056" lvl="6" indent="-677338" algn="ctr">
+              <a:spcBef>
+                <a:spcPts val="1778"/>
               </a:spcBef>
               <a:spcAft>
                 <a:spcPts val="0"/>
@@ -1827,9 +1880,9 @@
               <a:buChar char="●"/>
               <a:defRPr/>
             </a:lvl7pPr>
-            <a:lvl8pPr indent="-266700" lvl="7" marL="3657600" algn="ctr">
-              <a:spcBef>
-                <a:spcPts val="700"/>
+            <a:lvl8pPr marL="9289207" lvl="7" indent="-677338" algn="ctr">
+              <a:spcBef>
+                <a:spcPts val="1778"/>
               </a:spcBef>
               <a:spcAft>
                 <a:spcPts val="0"/>
@@ -1838,40 +1891,44 @@
               <a:buChar char="○"/>
               <a:defRPr/>
             </a:lvl8pPr>
-            <a:lvl9pPr indent="-266700" lvl="8" marL="4114800" algn="ctr">
-              <a:spcBef>
-                <a:spcPts val="700"/>
-              </a:spcBef>
-              <a:spcAft>
-                <a:spcPts val="700"/>
+            <a:lvl9pPr marL="10450358" lvl="8" indent="-677338" algn="ctr">
+              <a:spcBef>
+                <a:spcPts val="1778"/>
+              </a:spcBef>
+              <a:spcAft>
+                <a:spcPts val="1778"/>
               </a:spcAft>
               <a:buSzPts val="600"/>
               <a:buChar char="■"/>
               <a:defRPr/>
             </a:lvl9pPr>
           </a:lstStyle>
-          <a:p/>
+          <a:p>
+            <a:endParaRPr/>
+          </a:p>
         </p:txBody>
       </p:sp>
       <p:sp>
         <p:nvSpPr>
           <p:cNvPr id="47" name="Google Shape;47;p11"/>
-          <p:cNvSpPr txBox="1"/>
+          <p:cNvSpPr txBox="1">
+            <a:spLocks noGrp="1"/>
+          </p:cNvSpPr>
           <p:nvPr>
-            <p:ph idx="12" type="sldNum"/>
+            <p:ph type="sldNum" idx="12"/>
           </p:nvPr>
         </p:nvSpPr>
         <p:spPr>
           <a:xfrm>
-            <a:off x="2501710" y="3263844"/>
-            <a:ext cx="162000" cy="275400"/>
+            <a:off x="6353548" y="8979888"/>
+            <a:ext cx="411428" cy="757714"/>
           </a:xfrm>
           <a:prstGeom prst="rect">
             <a:avLst/>
           </a:prstGeom>
         </p:spPr>
         <p:txBody>
-          <a:bodyPr anchorCtr="0" anchor="ctr" bIns="39325" lIns="39325" spcFirstLastPara="1" rIns="39325" wrap="square" tIns="39325">
+          <a:bodyPr spcFirstLastPara="1" wrap="square" lIns="39325" tIns="39325" rIns="39325" bIns="39325" anchor="ctr" anchorCtr="0">
             <a:noAutofit/>
           </a:bodyPr>
           <a:lstStyle>
@@ -1913,20 +1970,12 @@
             </a:lvl9pPr>
           </a:lstStyle>
           <a:p>
-            <a:pPr indent="0" lvl="0" marL="0" rtl="0" algn="r">
-              <a:spcBef>
-                <a:spcPts val="0"/>
-              </a:spcBef>
-              <a:spcAft>
-                <a:spcPts val="0"/>
-              </a:spcAft>
-              <a:buNone/>
-            </a:pPr>
             <a:fld id="{00000000-1234-1234-1234-123412341234}" type="slidenum">
-              <a:rPr lang="en-GB"/>
+              <a:rPr lang="en-GB" smtClean="0"/>
+              <a:pPr/>
               <a:t>‹#›</a:t>
             </a:fld>
-            <a:endParaRPr/>
+            <a:endParaRPr lang="en-GB"/>
           </a:p>
         </p:txBody>
       </p:sp>
@@ -1939,11 +1988,11 @@
 </file>
 
 <file path=ppt/slideLayouts/slideLayout11.xml><?xml version="1.0" encoding="utf-8"?>
-<p:sldLayout xmlns:a="http://schemas.openxmlformats.org/drawingml/2006/main" xmlns:r="http://schemas.openxmlformats.org/officeDocument/2006/relationships" xmlns:mc="http://schemas.openxmlformats.org/markup-compatibility/2006" xmlns:mv="urn:schemas-microsoft-com:mac:vml" xmlns:p="http://schemas.openxmlformats.org/presentationml/2006/main" xmlns:c="http://schemas.openxmlformats.org/drawingml/2006/chart" xmlns:dgm="http://schemas.openxmlformats.org/drawingml/2006/diagram" xmlns:o="urn:schemas-microsoft-com:office:office" xmlns:v="urn:schemas-microsoft-com:vml" xmlns:pvml="urn:schemas-microsoft-com:office:powerpoint" xmlns:com="http://schemas.openxmlformats.org/drawingml/2006/compatibility" xmlns:p14="http://schemas.microsoft.com/office/powerpoint/2010/main" xmlns:p15="http://schemas.microsoft.com/office/powerpoint/2012/main" xmlns:ahyp="http://schemas.microsoft.com/office/drawing/2018/hyperlinkcolor" matchingName="Blank" type="blank">
+<p:sldLayout xmlns:a="http://schemas.openxmlformats.org/drawingml/2006/main" xmlns:r="http://schemas.openxmlformats.org/officeDocument/2006/relationships" xmlns:p="http://schemas.openxmlformats.org/presentationml/2006/main" matchingName="Blank" type="blank">
   <p:cSld name="BLANK">
     <p:spTree>
       <p:nvGrpSpPr>
-        <p:cNvPr id="48" name="Shape 48"/>
+        <p:cNvPr id="1" name="Shape 48"/>
         <p:cNvGrpSpPr/>
         <p:nvPr/>
       </p:nvGrpSpPr>
@@ -1958,22 +2007,24 @@
       <p:sp>
         <p:nvSpPr>
           <p:cNvPr id="49" name="Google Shape;49;p12"/>
-          <p:cNvSpPr txBox="1"/>
+          <p:cNvSpPr txBox="1">
+            <a:spLocks noGrp="1"/>
+          </p:cNvSpPr>
           <p:nvPr>
-            <p:ph idx="12" type="sldNum"/>
+            <p:ph type="sldNum" idx="12"/>
           </p:nvPr>
         </p:nvSpPr>
         <p:spPr>
           <a:xfrm>
-            <a:off x="2501710" y="3263844"/>
-            <a:ext cx="162000" cy="275400"/>
+            <a:off x="6353548" y="8979888"/>
+            <a:ext cx="411428" cy="757714"/>
           </a:xfrm>
           <a:prstGeom prst="rect">
             <a:avLst/>
           </a:prstGeom>
         </p:spPr>
         <p:txBody>
-          <a:bodyPr anchorCtr="0" anchor="ctr" bIns="39325" lIns="39325" spcFirstLastPara="1" rIns="39325" wrap="square" tIns="39325">
+          <a:bodyPr spcFirstLastPara="1" wrap="square" lIns="39325" tIns="39325" rIns="39325" bIns="39325" anchor="ctr" anchorCtr="0">
             <a:noAutofit/>
           </a:bodyPr>
           <a:lstStyle>
@@ -2015,20 +2066,12 @@
             </a:lvl9pPr>
           </a:lstStyle>
           <a:p>
-            <a:pPr indent="0" lvl="0" marL="0" rtl="0" algn="r">
-              <a:spcBef>
-                <a:spcPts val="0"/>
-              </a:spcBef>
-              <a:spcAft>
-                <a:spcPts val="0"/>
-              </a:spcAft>
-              <a:buNone/>
-            </a:pPr>
             <a:fld id="{00000000-1234-1234-1234-123412341234}" type="slidenum">
-              <a:rPr lang="en-GB"/>
+              <a:rPr lang="en-GB" smtClean="0"/>
+              <a:pPr/>
               <a:t>‹#›</a:t>
             </a:fld>
-            <a:endParaRPr/>
+            <a:endParaRPr lang="en-GB"/>
           </a:p>
         </p:txBody>
       </p:sp>
@@ -2041,11 +2084,11 @@
 </file>
 
 <file path=ppt/slideLayouts/slideLayout2.xml><?xml version="1.0" encoding="utf-8"?>
-<p:sldLayout xmlns:a="http://schemas.openxmlformats.org/drawingml/2006/main" xmlns:r="http://schemas.openxmlformats.org/officeDocument/2006/relationships" xmlns:mc="http://schemas.openxmlformats.org/markup-compatibility/2006" xmlns:mv="urn:schemas-microsoft-com:mac:vml" xmlns:p="http://schemas.openxmlformats.org/presentationml/2006/main" xmlns:c="http://schemas.openxmlformats.org/drawingml/2006/chart" xmlns:dgm="http://schemas.openxmlformats.org/drawingml/2006/diagram" xmlns:o="urn:schemas-microsoft-com:office:office" xmlns:v="urn:schemas-microsoft-com:vml" xmlns:pvml="urn:schemas-microsoft-com:office:powerpoint" xmlns:com="http://schemas.openxmlformats.org/drawingml/2006/compatibility" xmlns:p14="http://schemas.microsoft.com/office/powerpoint/2010/main" xmlns:p15="http://schemas.microsoft.com/office/powerpoint/2012/main" xmlns:ahyp="http://schemas.microsoft.com/office/drawing/2018/hyperlinkcolor" matchingName="Section header" type="secHead">
+<p:sldLayout xmlns:a="http://schemas.openxmlformats.org/drawingml/2006/main" xmlns:r="http://schemas.openxmlformats.org/officeDocument/2006/relationships" xmlns:p="http://schemas.openxmlformats.org/presentationml/2006/main" matchingName="Section header" type="secHead">
   <p:cSld name="SECTION_HEADER">
     <p:spTree>
       <p:nvGrpSpPr>
-        <p:cNvPr id="13" name="Shape 13"/>
+        <p:cNvPr id="1" name="Shape 13"/>
         <p:cNvGrpSpPr/>
         <p:nvPr/>
       </p:nvGrpSpPr>
@@ -2060,22 +2103,24 @@
       <p:sp>
         <p:nvSpPr>
           <p:cNvPr id="14" name="Google Shape;14;p3"/>
-          <p:cNvSpPr txBox="1"/>
+          <p:cNvSpPr txBox="1">
+            <a:spLocks noGrp="1"/>
+          </p:cNvSpPr>
           <p:nvPr>
             <p:ph type="title"/>
           </p:nvPr>
         </p:nvSpPr>
         <p:spPr>
           <a:xfrm>
-            <a:off x="92037" y="1505407"/>
-            <a:ext cx="2515800" cy="589200"/>
+            <a:off x="233745" y="4141861"/>
+            <a:ext cx="6389332" cy="1621079"/>
           </a:xfrm>
           <a:prstGeom prst="rect">
             <a:avLst/>
           </a:prstGeom>
         </p:spPr>
         <p:txBody>
-          <a:bodyPr anchorCtr="0" anchor="ctr" bIns="39325" lIns="39325" spcFirstLastPara="1" rIns="39325" wrap="square" tIns="39325">
+          <a:bodyPr spcFirstLastPara="1" wrap="square" lIns="39325" tIns="39325" rIns="39325" bIns="39325" anchor="ctr" anchorCtr="0">
             <a:noAutofit/>
           </a:bodyPr>
           <a:lstStyle>
@@ -2088,7 +2133,7 @@
               </a:spcAft>
               <a:buSzPts val="1500"/>
               <a:buNone/>
-              <a:defRPr sz="1500"/>
+              <a:defRPr sz="3810"/>
             </a:lvl1pPr>
             <a:lvl2pPr lvl="1" algn="ctr">
               <a:spcBef>
@@ -2099,7 +2144,7 @@
               </a:spcAft>
               <a:buSzPts val="1500"/>
               <a:buNone/>
-              <a:defRPr sz="1500"/>
+              <a:defRPr sz="3810"/>
             </a:lvl2pPr>
             <a:lvl3pPr lvl="2" algn="ctr">
               <a:spcBef>
@@ -2110,7 +2155,7 @@
               </a:spcAft>
               <a:buSzPts val="1500"/>
               <a:buNone/>
-              <a:defRPr sz="1500"/>
+              <a:defRPr sz="3810"/>
             </a:lvl3pPr>
             <a:lvl4pPr lvl="3" algn="ctr">
               <a:spcBef>
@@ -2121,7 +2166,7 @@
               </a:spcAft>
               <a:buSzPts val="1500"/>
               <a:buNone/>
-              <a:defRPr sz="1500"/>
+              <a:defRPr sz="3810"/>
             </a:lvl4pPr>
             <a:lvl5pPr lvl="4" algn="ctr">
               <a:spcBef>
@@ -2132,7 +2177,7 @@
               </a:spcAft>
               <a:buSzPts val="1500"/>
               <a:buNone/>
-              <a:defRPr sz="1500"/>
+              <a:defRPr sz="3810"/>
             </a:lvl5pPr>
             <a:lvl6pPr lvl="5" algn="ctr">
               <a:spcBef>
@@ -2143,7 +2188,7 @@
               </a:spcAft>
               <a:buSzPts val="1500"/>
               <a:buNone/>
-              <a:defRPr sz="1500"/>
+              <a:defRPr sz="3810"/>
             </a:lvl6pPr>
             <a:lvl7pPr lvl="6" algn="ctr">
               <a:spcBef>
@@ -2154,7 +2199,7 @@
               </a:spcAft>
               <a:buSzPts val="1500"/>
               <a:buNone/>
-              <a:defRPr sz="1500"/>
+              <a:defRPr sz="3810"/>
             </a:lvl7pPr>
             <a:lvl8pPr lvl="7" algn="ctr">
               <a:spcBef>
@@ -2165,7 +2210,7 @@
               </a:spcAft>
               <a:buSzPts val="1500"/>
               <a:buNone/>
-              <a:defRPr sz="1500"/>
+              <a:defRPr sz="3810"/>
             </a:lvl8pPr>
             <a:lvl9pPr lvl="8" algn="ctr">
               <a:spcBef>
@@ -2176,31 +2221,35 @@
               </a:spcAft>
               <a:buSzPts val="1500"/>
               <a:buNone/>
-              <a:defRPr sz="1500"/>
+              <a:defRPr sz="3810"/>
             </a:lvl9pPr>
           </a:lstStyle>
-          <a:p/>
+          <a:p>
+            <a:endParaRPr/>
+          </a:p>
         </p:txBody>
       </p:sp>
       <p:sp>
         <p:nvSpPr>
           <p:cNvPr id="15" name="Google Shape;15;p3"/>
-          <p:cNvSpPr txBox="1"/>
+          <p:cNvSpPr txBox="1">
+            <a:spLocks noGrp="1"/>
+          </p:cNvSpPr>
           <p:nvPr>
-            <p:ph idx="12" type="sldNum"/>
+            <p:ph type="sldNum" idx="12"/>
           </p:nvPr>
         </p:nvSpPr>
         <p:spPr>
           <a:xfrm>
-            <a:off x="2501710" y="3263844"/>
-            <a:ext cx="162000" cy="275400"/>
+            <a:off x="6353548" y="8979888"/>
+            <a:ext cx="411428" cy="757714"/>
           </a:xfrm>
           <a:prstGeom prst="rect">
             <a:avLst/>
           </a:prstGeom>
         </p:spPr>
         <p:txBody>
-          <a:bodyPr anchorCtr="0" anchor="ctr" bIns="39325" lIns="39325" spcFirstLastPara="1" rIns="39325" wrap="square" tIns="39325">
+          <a:bodyPr spcFirstLastPara="1" wrap="square" lIns="39325" tIns="39325" rIns="39325" bIns="39325" anchor="ctr" anchorCtr="0">
             <a:noAutofit/>
           </a:bodyPr>
           <a:lstStyle>
@@ -2242,20 +2291,12 @@
             </a:lvl9pPr>
           </a:lstStyle>
           <a:p>
-            <a:pPr indent="0" lvl="0" marL="0" rtl="0" algn="r">
-              <a:spcBef>
-                <a:spcPts val="0"/>
-              </a:spcBef>
-              <a:spcAft>
-                <a:spcPts val="0"/>
-              </a:spcAft>
-              <a:buNone/>
-            </a:pPr>
             <a:fld id="{00000000-1234-1234-1234-123412341234}" type="slidenum">
-              <a:rPr lang="en-GB"/>
+              <a:rPr lang="en-GB" smtClean="0"/>
+              <a:pPr/>
               <a:t>‹#›</a:t>
             </a:fld>
-            <a:endParaRPr/>
+            <a:endParaRPr lang="en-GB"/>
           </a:p>
         </p:txBody>
       </p:sp>
@@ -2268,11 +2309,11 @@
 </file>
 
 <file path=ppt/slideLayouts/slideLayout3.xml><?xml version="1.0" encoding="utf-8"?>
-<p:sldLayout xmlns:a="http://schemas.openxmlformats.org/drawingml/2006/main" xmlns:r="http://schemas.openxmlformats.org/officeDocument/2006/relationships" xmlns:mc="http://schemas.openxmlformats.org/markup-compatibility/2006" xmlns:mv="urn:schemas-microsoft-com:mac:vml" xmlns:p="http://schemas.openxmlformats.org/presentationml/2006/main" xmlns:c="http://schemas.openxmlformats.org/drawingml/2006/chart" xmlns:dgm="http://schemas.openxmlformats.org/drawingml/2006/diagram" xmlns:o="urn:schemas-microsoft-com:office:office" xmlns:v="urn:schemas-microsoft-com:vml" xmlns:pvml="urn:schemas-microsoft-com:office:powerpoint" xmlns:com="http://schemas.openxmlformats.org/drawingml/2006/compatibility" xmlns:p14="http://schemas.microsoft.com/office/powerpoint/2010/main" xmlns:p15="http://schemas.microsoft.com/office/powerpoint/2012/main" xmlns:ahyp="http://schemas.microsoft.com/office/drawing/2018/hyperlinkcolor" matchingName="Title and body" type="tx">
+<p:sldLayout xmlns:a="http://schemas.openxmlformats.org/drawingml/2006/main" xmlns:r="http://schemas.openxmlformats.org/officeDocument/2006/relationships" xmlns:p="http://schemas.openxmlformats.org/presentationml/2006/main" matchingName="Title and body" type="tx">
   <p:cSld name="TITLE_AND_BODY">
     <p:spTree>
       <p:nvGrpSpPr>
-        <p:cNvPr id="16" name="Shape 16"/>
+        <p:cNvPr id="1" name="Shape 16"/>
         <p:cNvGrpSpPr/>
         <p:nvPr/>
       </p:nvGrpSpPr>
@@ -2287,22 +2328,24 @@
       <p:sp>
         <p:nvSpPr>
           <p:cNvPr id="17" name="Google Shape;17;p4"/>
-          <p:cNvSpPr txBox="1"/>
+          <p:cNvSpPr txBox="1">
+            <a:spLocks noGrp="1"/>
+          </p:cNvSpPr>
           <p:nvPr>
             <p:ph type="title"/>
           </p:nvPr>
         </p:nvSpPr>
         <p:spPr>
           <a:xfrm>
-            <a:off x="92037" y="311479"/>
-            <a:ext cx="2515800" cy="400800"/>
+            <a:off x="233745" y="856979"/>
+            <a:ext cx="6389332" cy="1102730"/>
           </a:xfrm>
           <a:prstGeom prst="rect">
             <a:avLst/>
           </a:prstGeom>
         </p:spPr>
         <p:txBody>
-          <a:bodyPr anchorCtr="0" anchor="t" bIns="39325" lIns="39325" spcFirstLastPara="1" rIns="39325" wrap="square" tIns="39325">
+          <a:bodyPr spcFirstLastPara="1" wrap="square" lIns="39325" tIns="39325" rIns="39325" bIns="39325" anchor="t" anchorCtr="0">
             <a:noAutofit/>
           </a:bodyPr>
           <a:lstStyle>
@@ -2406,32 +2449,36 @@
               <a:defRPr/>
             </a:lvl9pPr>
           </a:lstStyle>
-          <a:p/>
+          <a:p>
+            <a:endParaRPr/>
+          </a:p>
         </p:txBody>
       </p:sp>
       <p:sp>
         <p:nvSpPr>
           <p:cNvPr id="18" name="Google Shape;18;p4"/>
-          <p:cNvSpPr txBox="1"/>
+          <p:cNvSpPr txBox="1">
+            <a:spLocks noGrp="1"/>
+          </p:cNvSpPr>
           <p:nvPr>
-            <p:ph idx="1" type="body"/>
+            <p:ph type="body" idx="1"/>
           </p:nvPr>
         </p:nvSpPr>
         <p:spPr>
           <a:xfrm>
-            <a:off x="92037" y="806632"/>
-            <a:ext cx="2515800" cy="2391300"/>
+            <a:off x="233745" y="2219305"/>
+            <a:ext cx="6389332" cy="6579238"/>
           </a:xfrm>
           <a:prstGeom prst="rect">
             <a:avLst/>
           </a:prstGeom>
         </p:spPr>
         <p:txBody>
-          <a:bodyPr anchorCtr="0" anchor="t" bIns="39325" lIns="39325" spcFirstLastPara="1" rIns="39325" wrap="square" tIns="39325">
+          <a:bodyPr spcFirstLastPara="1" wrap="square" lIns="39325" tIns="39325" rIns="39325" bIns="39325" anchor="t" anchorCtr="0">
             <a:noAutofit/>
           </a:bodyPr>
           <a:lstStyle>
-            <a:lvl1pPr indent="-279400" lvl="0" marL="457200">
+            <a:lvl1pPr marL="1161151" lvl="0" indent="-709592">
               <a:spcBef>
                 <a:spcPts val="0"/>
               </a:spcBef>
@@ -2442,9 +2489,9 @@
               <a:buChar char="●"/>
               <a:defRPr/>
             </a:lvl1pPr>
-            <a:lvl2pPr indent="-266700" lvl="1" marL="914400">
-              <a:spcBef>
-                <a:spcPts val="700"/>
+            <a:lvl2pPr marL="2322302" lvl="1" indent="-677338">
+              <a:spcBef>
+                <a:spcPts val="1778"/>
               </a:spcBef>
               <a:spcAft>
                 <a:spcPts val="0"/>
@@ -2453,9 +2500,9 @@
               <a:buChar char="○"/>
               <a:defRPr/>
             </a:lvl2pPr>
-            <a:lvl3pPr indent="-266700" lvl="2" marL="1371600">
-              <a:spcBef>
-                <a:spcPts val="700"/>
+            <a:lvl3pPr marL="3483453" lvl="2" indent="-677338">
+              <a:spcBef>
+                <a:spcPts val="1778"/>
               </a:spcBef>
               <a:spcAft>
                 <a:spcPts val="0"/>
@@ -2464,9 +2511,9 @@
               <a:buChar char="■"/>
               <a:defRPr/>
             </a:lvl3pPr>
-            <a:lvl4pPr indent="-266700" lvl="3" marL="1828800">
-              <a:spcBef>
-                <a:spcPts val="700"/>
+            <a:lvl4pPr marL="4644603" lvl="3" indent="-677338">
+              <a:spcBef>
+                <a:spcPts val="1778"/>
               </a:spcBef>
               <a:spcAft>
                 <a:spcPts val="0"/>
@@ -2475,9 +2522,9 @@
               <a:buChar char="●"/>
               <a:defRPr/>
             </a:lvl4pPr>
-            <a:lvl5pPr indent="-266700" lvl="4" marL="2286000">
-              <a:spcBef>
-                <a:spcPts val="700"/>
+            <a:lvl5pPr marL="5805754" lvl="4" indent="-677338">
+              <a:spcBef>
+                <a:spcPts val="1778"/>
               </a:spcBef>
               <a:spcAft>
                 <a:spcPts val="0"/>
@@ -2486,9 +2533,9 @@
               <a:buChar char="○"/>
               <a:defRPr/>
             </a:lvl5pPr>
-            <a:lvl6pPr indent="-266700" lvl="5" marL="2743200">
-              <a:spcBef>
-                <a:spcPts val="700"/>
+            <a:lvl6pPr marL="6966905" lvl="5" indent="-677338">
+              <a:spcBef>
+                <a:spcPts val="1778"/>
               </a:spcBef>
               <a:spcAft>
                 <a:spcPts val="0"/>
@@ -2497,9 +2544,9 @@
               <a:buChar char="■"/>
               <a:defRPr/>
             </a:lvl6pPr>
-            <a:lvl7pPr indent="-266700" lvl="6" marL="3200400">
-              <a:spcBef>
-                <a:spcPts val="700"/>
+            <a:lvl7pPr marL="8128056" lvl="6" indent="-677338">
+              <a:spcBef>
+                <a:spcPts val="1778"/>
               </a:spcBef>
               <a:spcAft>
                 <a:spcPts val="0"/>
@@ -2508,9 +2555,9 @@
               <a:buChar char="●"/>
               <a:defRPr/>
             </a:lvl7pPr>
-            <a:lvl8pPr indent="-266700" lvl="7" marL="3657600">
-              <a:spcBef>
-                <a:spcPts val="700"/>
+            <a:lvl8pPr marL="9289207" lvl="7" indent="-677338">
+              <a:spcBef>
+                <a:spcPts val="1778"/>
               </a:spcBef>
               <a:spcAft>
                 <a:spcPts val="0"/>
@@ -2519,40 +2566,44 @@
               <a:buChar char="○"/>
               <a:defRPr/>
             </a:lvl8pPr>
-            <a:lvl9pPr indent="-266700" lvl="8" marL="4114800">
-              <a:spcBef>
-                <a:spcPts val="700"/>
-              </a:spcBef>
-              <a:spcAft>
-                <a:spcPts val="700"/>
+            <a:lvl9pPr marL="10450358" lvl="8" indent="-677338">
+              <a:spcBef>
+                <a:spcPts val="1778"/>
+              </a:spcBef>
+              <a:spcAft>
+                <a:spcPts val="1778"/>
               </a:spcAft>
               <a:buSzPts val="600"/>
               <a:buChar char="■"/>
               <a:defRPr/>
             </a:lvl9pPr>
           </a:lstStyle>
-          <a:p/>
+          <a:p>
+            <a:endParaRPr/>
+          </a:p>
         </p:txBody>
       </p:sp>
       <p:sp>
         <p:nvSpPr>
           <p:cNvPr id="19" name="Google Shape;19;p4"/>
-          <p:cNvSpPr txBox="1"/>
+          <p:cNvSpPr txBox="1">
+            <a:spLocks noGrp="1"/>
+          </p:cNvSpPr>
           <p:nvPr>
-            <p:ph idx="12" type="sldNum"/>
+            <p:ph type="sldNum" idx="12"/>
           </p:nvPr>
         </p:nvSpPr>
         <p:spPr>
           <a:xfrm>
-            <a:off x="2501710" y="3263844"/>
-            <a:ext cx="162000" cy="275400"/>
+            <a:off x="6353548" y="8979888"/>
+            <a:ext cx="411428" cy="757714"/>
           </a:xfrm>
           <a:prstGeom prst="rect">
             <a:avLst/>
           </a:prstGeom>
         </p:spPr>
         <p:txBody>
-          <a:bodyPr anchorCtr="0" anchor="ctr" bIns="39325" lIns="39325" spcFirstLastPara="1" rIns="39325" wrap="square" tIns="39325">
+          <a:bodyPr spcFirstLastPara="1" wrap="square" lIns="39325" tIns="39325" rIns="39325" bIns="39325" anchor="ctr" anchorCtr="0">
             <a:noAutofit/>
           </a:bodyPr>
           <a:lstStyle>
@@ -2594,20 +2645,12 @@
             </a:lvl9pPr>
           </a:lstStyle>
           <a:p>
-            <a:pPr indent="0" lvl="0" marL="0" rtl="0" algn="r">
-              <a:spcBef>
-                <a:spcPts val="0"/>
-              </a:spcBef>
-              <a:spcAft>
-                <a:spcPts val="0"/>
-              </a:spcAft>
-              <a:buNone/>
-            </a:pPr>
             <a:fld id="{00000000-1234-1234-1234-123412341234}" type="slidenum">
-              <a:rPr lang="en-GB"/>
+              <a:rPr lang="en-GB" smtClean="0"/>
+              <a:pPr/>
               <a:t>‹#›</a:t>
             </a:fld>
-            <a:endParaRPr/>
+            <a:endParaRPr lang="en-GB"/>
           </a:p>
         </p:txBody>
       </p:sp>
@@ -2620,11 +2663,11 @@
 </file>
 
 <file path=ppt/slideLayouts/slideLayout4.xml><?xml version="1.0" encoding="utf-8"?>
-<p:sldLayout xmlns:a="http://schemas.openxmlformats.org/drawingml/2006/main" xmlns:r="http://schemas.openxmlformats.org/officeDocument/2006/relationships" xmlns:mc="http://schemas.openxmlformats.org/markup-compatibility/2006" xmlns:mv="urn:schemas-microsoft-com:mac:vml" xmlns:p="http://schemas.openxmlformats.org/presentationml/2006/main" xmlns:c="http://schemas.openxmlformats.org/drawingml/2006/chart" xmlns:dgm="http://schemas.openxmlformats.org/drawingml/2006/diagram" xmlns:o="urn:schemas-microsoft-com:office:office" xmlns:v="urn:schemas-microsoft-com:vml" xmlns:pvml="urn:schemas-microsoft-com:office:powerpoint" xmlns:com="http://schemas.openxmlformats.org/drawingml/2006/compatibility" xmlns:p14="http://schemas.microsoft.com/office/powerpoint/2010/main" xmlns:p15="http://schemas.microsoft.com/office/powerpoint/2012/main" xmlns:ahyp="http://schemas.microsoft.com/office/drawing/2018/hyperlinkcolor" matchingName="Title and two columns" type="twoColTx">
+<p:sldLayout xmlns:a="http://schemas.openxmlformats.org/drawingml/2006/main" xmlns:r="http://schemas.openxmlformats.org/officeDocument/2006/relationships" xmlns:p="http://schemas.openxmlformats.org/presentationml/2006/main" matchingName="Title and two columns" type="twoColTx">
   <p:cSld name="TITLE_AND_TWO_COLUMNS">
     <p:spTree>
       <p:nvGrpSpPr>
-        <p:cNvPr id="20" name="Shape 20"/>
+        <p:cNvPr id="1" name="Shape 20"/>
         <p:cNvGrpSpPr/>
         <p:nvPr/>
       </p:nvGrpSpPr>
@@ -2639,22 +2682,24 @@
       <p:sp>
         <p:nvSpPr>
           <p:cNvPr id="21" name="Google Shape;21;p5"/>
-          <p:cNvSpPr txBox="1"/>
+          <p:cNvSpPr txBox="1">
+            <a:spLocks noGrp="1"/>
+          </p:cNvSpPr>
           <p:nvPr>
             <p:ph type="title"/>
           </p:nvPr>
         </p:nvSpPr>
         <p:spPr>
           <a:xfrm>
-            <a:off x="92037" y="311479"/>
-            <a:ext cx="2515800" cy="400800"/>
+            <a:off x="233745" y="856979"/>
+            <a:ext cx="6389332" cy="1102730"/>
           </a:xfrm>
           <a:prstGeom prst="rect">
             <a:avLst/>
           </a:prstGeom>
         </p:spPr>
         <p:txBody>
-          <a:bodyPr anchorCtr="0" anchor="t" bIns="39325" lIns="39325" spcFirstLastPara="1" rIns="39325" wrap="square" tIns="39325">
+          <a:bodyPr spcFirstLastPara="1" wrap="square" lIns="39325" tIns="39325" rIns="39325" bIns="39325" anchor="t" anchorCtr="0">
             <a:noAutofit/>
           </a:bodyPr>
           <a:lstStyle>
@@ -2758,32 +2803,36 @@
               <a:defRPr/>
             </a:lvl9pPr>
           </a:lstStyle>
-          <a:p/>
+          <a:p>
+            <a:endParaRPr/>
+          </a:p>
         </p:txBody>
       </p:sp>
       <p:sp>
         <p:nvSpPr>
           <p:cNvPr id="22" name="Google Shape;22;p5"/>
-          <p:cNvSpPr txBox="1"/>
+          <p:cNvSpPr txBox="1">
+            <a:spLocks noGrp="1"/>
+          </p:cNvSpPr>
           <p:nvPr>
-            <p:ph idx="1" type="body"/>
+            <p:ph type="body" idx="1"/>
           </p:nvPr>
         </p:nvSpPr>
         <p:spPr>
           <a:xfrm>
-            <a:off x="92037" y="806632"/>
-            <a:ext cx="1181100" cy="2391300"/>
+            <a:off x="233745" y="2219305"/>
+            <a:ext cx="2999618" cy="6579238"/>
           </a:xfrm>
           <a:prstGeom prst="rect">
             <a:avLst/>
           </a:prstGeom>
         </p:spPr>
         <p:txBody>
-          <a:bodyPr anchorCtr="0" anchor="t" bIns="39325" lIns="39325" spcFirstLastPara="1" rIns="39325" wrap="square" tIns="39325">
+          <a:bodyPr spcFirstLastPara="1" wrap="square" lIns="39325" tIns="39325" rIns="39325" bIns="39325" anchor="t" anchorCtr="0">
             <a:noAutofit/>
           </a:bodyPr>
           <a:lstStyle>
-            <a:lvl1pPr indent="-266700" lvl="0" marL="457200">
+            <a:lvl1pPr marL="1161151" lvl="0" indent="-677338">
               <a:spcBef>
                 <a:spcPts val="0"/>
               </a:spcBef>
@@ -2792,123 +2841,127 @@
               </a:spcAft>
               <a:buSzPts val="600"/>
               <a:buChar char="●"/>
-              <a:defRPr sz="600"/>
+              <a:defRPr sz="1524"/>
             </a:lvl1pPr>
-            <a:lvl2pPr indent="-260350" lvl="1" marL="914400">
-              <a:spcBef>
-                <a:spcPts val="700"/>
+            <a:lvl2pPr marL="2322302" lvl="1" indent="-661211">
+              <a:spcBef>
+                <a:spcPts val="1778"/>
               </a:spcBef>
               <a:spcAft>
                 <a:spcPts val="0"/>
               </a:spcAft>
               <a:buSzPts val="500"/>
               <a:buChar char="○"/>
-              <a:defRPr sz="500"/>
+              <a:defRPr sz="1270"/>
             </a:lvl2pPr>
-            <a:lvl3pPr indent="-260350" lvl="2" marL="1371600">
-              <a:spcBef>
-                <a:spcPts val="700"/>
+            <a:lvl3pPr marL="3483453" lvl="2" indent="-661211">
+              <a:spcBef>
+                <a:spcPts val="1778"/>
               </a:spcBef>
               <a:spcAft>
                 <a:spcPts val="0"/>
               </a:spcAft>
               <a:buSzPts val="500"/>
               <a:buChar char="■"/>
-              <a:defRPr sz="500"/>
+              <a:defRPr sz="1270"/>
             </a:lvl3pPr>
-            <a:lvl4pPr indent="-260350" lvl="3" marL="1828800">
-              <a:spcBef>
-                <a:spcPts val="700"/>
+            <a:lvl4pPr marL="4644603" lvl="3" indent="-661211">
+              <a:spcBef>
+                <a:spcPts val="1778"/>
               </a:spcBef>
               <a:spcAft>
                 <a:spcPts val="0"/>
               </a:spcAft>
               <a:buSzPts val="500"/>
               <a:buChar char="●"/>
-              <a:defRPr sz="500"/>
+              <a:defRPr sz="1270"/>
             </a:lvl4pPr>
-            <a:lvl5pPr indent="-260350" lvl="4" marL="2286000">
-              <a:spcBef>
-                <a:spcPts val="700"/>
+            <a:lvl5pPr marL="5805754" lvl="4" indent="-661211">
+              <a:spcBef>
+                <a:spcPts val="1778"/>
               </a:spcBef>
               <a:spcAft>
                 <a:spcPts val="0"/>
               </a:spcAft>
               <a:buSzPts val="500"/>
               <a:buChar char="○"/>
-              <a:defRPr sz="500"/>
+              <a:defRPr sz="1270"/>
             </a:lvl5pPr>
-            <a:lvl6pPr indent="-260350" lvl="5" marL="2743200">
-              <a:spcBef>
-                <a:spcPts val="700"/>
+            <a:lvl6pPr marL="6966905" lvl="5" indent="-661211">
+              <a:spcBef>
+                <a:spcPts val="1778"/>
               </a:spcBef>
               <a:spcAft>
                 <a:spcPts val="0"/>
               </a:spcAft>
               <a:buSzPts val="500"/>
               <a:buChar char="■"/>
-              <a:defRPr sz="500"/>
+              <a:defRPr sz="1270"/>
             </a:lvl6pPr>
-            <a:lvl7pPr indent="-260350" lvl="6" marL="3200400">
-              <a:spcBef>
-                <a:spcPts val="700"/>
+            <a:lvl7pPr marL="8128056" lvl="6" indent="-661211">
+              <a:spcBef>
+                <a:spcPts val="1778"/>
               </a:spcBef>
               <a:spcAft>
                 <a:spcPts val="0"/>
               </a:spcAft>
               <a:buSzPts val="500"/>
               <a:buChar char="●"/>
-              <a:defRPr sz="500"/>
+              <a:defRPr sz="1270"/>
             </a:lvl7pPr>
-            <a:lvl8pPr indent="-260350" lvl="7" marL="3657600">
-              <a:spcBef>
-                <a:spcPts val="700"/>
+            <a:lvl8pPr marL="9289207" lvl="7" indent="-661211">
+              <a:spcBef>
+                <a:spcPts val="1778"/>
               </a:spcBef>
               <a:spcAft>
                 <a:spcPts val="0"/>
               </a:spcAft>
               <a:buSzPts val="500"/>
               <a:buChar char="○"/>
-              <a:defRPr sz="500"/>
+              <a:defRPr sz="1270"/>
             </a:lvl8pPr>
-            <a:lvl9pPr indent="-260350" lvl="8" marL="4114800">
-              <a:spcBef>
-                <a:spcPts val="700"/>
-              </a:spcBef>
-              <a:spcAft>
-                <a:spcPts val="700"/>
+            <a:lvl9pPr marL="10450358" lvl="8" indent="-661211">
+              <a:spcBef>
+                <a:spcPts val="1778"/>
+              </a:spcBef>
+              <a:spcAft>
+                <a:spcPts val="1778"/>
               </a:spcAft>
               <a:buSzPts val="500"/>
               <a:buChar char="■"/>
-              <a:defRPr sz="500"/>
+              <a:defRPr sz="1270"/>
             </a:lvl9pPr>
           </a:lstStyle>
-          <a:p/>
+          <a:p>
+            <a:endParaRPr/>
+          </a:p>
         </p:txBody>
       </p:sp>
       <p:sp>
         <p:nvSpPr>
           <p:cNvPr id="23" name="Google Shape;23;p5"/>
-          <p:cNvSpPr txBox="1"/>
+          <p:cNvSpPr txBox="1">
+            <a:spLocks noGrp="1"/>
+          </p:cNvSpPr>
           <p:nvPr>
-            <p:ph idx="2" type="body"/>
+            <p:ph type="body" idx="2"/>
           </p:nvPr>
         </p:nvSpPr>
         <p:spPr>
           <a:xfrm>
-            <a:off x="1426890" y="806632"/>
-            <a:ext cx="1181100" cy="2391300"/>
+            <a:off x="3623847" y="2219305"/>
+            <a:ext cx="2999618" cy="6579238"/>
           </a:xfrm>
           <a:prstGeom prst="rect">
             <a:avLst/>
           </a:prstGeom>
         </p:spPr>
         <p:txBody>
-          <a:bodyPr anchorCtr="0" anchor="t" bIns="39325" lIns="39325" spcFirstLastPara="1" rIns="39325" wrap="square" tIns="39325">
+          <a:bodyPr spcFirstLastPara="1" wrap="square" lIns="39325" tIns="39325" rIns="39325" bIns="39325" anchor="t" anchorCtr="0">
             <a:noAutofit/>
           </a:bodyPr>
           <a:lstStyle>
-            <a:lvl1pPr indent="-266700" lvl="0" marL="457200">
+            <a:lvl1pPr marL="1161151" lvl="0" indent="-677338">
               <a:spcBef>
                 <a:spcPts val="0"/>
               </a:spcBef>
@@ -2917,119 +2970,123 @@
               </a:spcAft>
               <a:buSzPts val="600"/>
               <a:buChar char="●"/>
-              <a:defRPr sz="600"/>
+              <a:defRPr sz="1524"/>
             </a:lvl1pPr>
-            <a:lvl2pPr indent="-260350" lvl="1" marL="914400">
-              <a:spcBef>
-                <a:spcPts val="700"/>
+            <a:lvl2pPr marL="2322302" lvl="1" indent="-661211">
+              <a:spcBef>
+                <a:spcPts val="1778"/>
               </a:spcBef>
               <a:spcAft>
                 <a:spcPts val="0"/>
               </a:spcAft>
               <a:buSzPts val="500"/>
               <a:buChar char="○"/>
-              <a:defRPr sz="500"/>
+              <a:defRPr sz="1270"/>
             </a:lvl2pPr>
-            <a:lvl3pPr indent="-260350" lvl="2" marL="1371600">
-              <a:spcBef>
-                <a:spcPts val="700"/>
+            <a:lvl3pPr marL="3483453" lvl="2" indent="-661211">
+              <a:spcBef>
+                <a:spcPts val="1778"/>
               </a:spcBef>
               <a:spcAft>
                 <a:spcPts val="0"/>
               </a:spcAft>
               <a:buSzPts val="500"/>
               <a:buChar char="■"/>
-              <a:defRPr sz="500"/>
+              <a:defRPr sz="1270"/>
             </a:lvl3pPr>
-            <a:lvl4pPr indent="-260350" lvl="3" marL="1828800">
-              <a:spcBef>
-                <a:spcPts val="700"/>
+            <a:lvl4pPr marL="4644603" lvl="3" indent="-661211">
+              <a:spcBef>
+                <a:spcPts val="1778"/>
               </a:spcBef>
               <a:spcAft>
                 <a:spcPts val="0"/>
               </a:spcAft>
               <a:buSzPts val="500"/>
               <a:buChar char="●"/>
-              <a:defRPr sz="500"/>
+              <a:defRPr sz="1270"/>
             </a:lvl4pPr>
-            <a:lvl5pPr indent="-260350" lvl="4" marL="2286000">
-              <a:spcBef>
-                <a:spcPts val="700"/>
+            <a:lvl5pPr marL="5805754" lvl="4" indent="-661211">
+              <a:spcBef>
+                <a:spcPts val="1778"/>
               </a:spcBef>
               <a:spcAft>
                 <a:spcPts val="0"/>
               </a:spcAft>
               <a:buSzPts val="500"/>
               <a:buChar char="○"/>
-              <a:defRPr sz="500"/>
+              <a:defRPr sz="1270"/>
             </a:lvl5pPr>
-            <a:lvl6pPr indent="-260350" lvl="5" marL="2743200">
-              <a:spcBef>
-                <a:spcPts val="700"/>
+            <a:lvl6pPr marL="6966905" lvl="5" indent="-661211">
+              <a:spcBef>
+                <a:spcPts val="1778"/>
               </a:spcBef>
               <a:spcAft>
                 <a:spcPts val="0"/>
               </a:spcAft>
               <a:buSzPts val="500"/>
               <a:buChar char="■"/>
-              <a:defRPr sz="500"/>
+              <a:defRPr sz="1270"/>
             </a:lvl6pPr>
-            <a:lvl7pPr indent="-260350" lvl="6" marL="3200400">
-              <a:spcBef>
-                <a:spcPts val="700"/>
+            <a:lvl7pPr marL="8128056" lvl="6" indent="-661211">
+              <a:spcBef>
+                <a:spcPts val="1778"/>
               </a:spcBef>
               <a:spcAft>
                 <a:spcPts val="0"/>
               </a:spcAft>
               <a:buSzPts val="500"/>
               <a:buChar char="●"/>
-              <a:defRPr sz="500"/>
+              <a:defRPr sz="1270"/>
             </a:lvl7pPr>
-            <a:lvl8pPr indent="-260350" lvl="7" marL="3657600">
-              <a:spcBef>
-                <a:spcPts val="700"/>
+            <a:lvl8pPr marL="9289207" lvl="7" indent="-661211">
+              <a:spcBef>
+                <a:spcPts val="1778"/>
               </a:spcBef>
               <a:spcAft>
                 <a:spcPts val="0"/>
               </a:spcAft>
               <a:buSzPts val="500"/>
               <a:buChar char="○"/>
-              <a:defRPr sz="500"/>
+              <a:defRPr sz="1270"/>
             </a:lvl8pPr>
-            <a:lvl9pPr indent="-260350" lvl="8" marL="4114800">
-              <a:spcBef>
-                <a:spcPts val="700"/>
-              </a:spcBef>
-              <a:spcAft>
-                <a:spcPts val="700"/>
+            <a:lvl9pPr marL="10450358" lvl="8" indent="-661211">
+              <a:spcBef>
+                <a:spcPts val="1778"/>
+              </a:spcBef>
+              <a:spcAft>
+                <a:spcPts val="1778"/>
               </a:spcAft>
               <a:buSzPts val="500"/>
               <a:buChar char="■"/>
-              <a:defRPr sz="500"/>
+              <a:defRPr sz="1270"/>
             </a:lvl9pPr>
           </a:lstStyle>
-          <a:p/>
+          <a:p>
+            <a:endParaRPr/>
+          </a:p>
         </p:txBody>
       </p:sp>
       <p:sp>
         <p:nvSpPr>
           <p:cNvPr id="24" name="Google Shape;24;p5"/>
-          <p:cNvSpPr txBox="1"/>
+          <p:cNvSpPr txBox="1">
+            <a:spLocks noGrp="1"/>
+          </p:cNvSpPr>
           <p:nvPr>
-            <p:ph idx="12" type="sldNum"/>
+            <p:ph type="sldNum" idx="12"/>
           </p:nvPr>
         </p:nvSpPr>
         <p:spPr>
           <a:xfrm>
-            <a:off x="2501710" y="3263844"/>
-            <a:ext cx="162000" cy="275400"/>
+            <a:off x="6353548" y="8979888"/>
+            <a:ext cx="411428" cy="757714"/>
           </a:xfrm>
           <a:prstGeom prst="rect">
             <a:avLst/>
           </a:prstGeom>
         </p:spPr>
         <p:txBody>
-          <a:bodyPr anchorCtr="0" anchor="ctr" bIns="39325" lIns="39325" spcFirstLastPara="1" rIns="39325" wrap="square" tIns="39325">
+          <a:bodyPr spcFirstLastPara="1" wrap="square" lIns="39325" tIns="39325" rIns="39325" bIns="39325" anchor="ctr" anchorCtr="0">
             <a:noAutofit/>
           </a:bodyPr>
           <a:lstStyle>
@@ -3071,20 +3128,12 @@
             </a:lvl9pPr>
           </a:lstStyle>
           <a:p>
-            <a:pPr indent="0" lvl="0" marL="0" rtl="0" algn="r">
-              <a:spcBef>
-                <a:spcPts val="0"/>
-              </a:spcBef>
-              <a:spcAft>
-                <a:spcPts val="0"/>
-              </a:spcAft>
-              <a:buNone/>
-            </a:pPr>
             <a:fld id="{00000000-1234-1234-1234-123412341234}" type="slidenum">
-              <a:rPr lang="en-GB"/>
+              <a:rPr lang="en-GB" smtClean="0"/>
+              <a:pPr/>
               <a:t>‹#›</a:t>
             </a:fld>
-            <a:endParaRPr/>
+            <a:endParaRPr lang="en-GB"/>
           </a:p>
         </p:txBody>
       </p:sp>
@@ -3097,11 +3146,11 @@
 </file>
 
 <file path=ppt/slideLayouts/slideLayout5.xml><?xml version="1.0" encoding="utf-8"?>
-<p:sldLayout xmlns:a="http://schemas.openxmlformats.org/drawingml/2006/main" xmlns:r="http://schemas.openxmlformats.org/officeDocument/2006/relationships" xmlns:mc="http://schemas.openxmlformats.org/markup-compatibility/2006" xmlns:mv="urn:schemas-microsoft-com:mac:vml" xmlns:p="http://schemas.openxmlformats.org/presentationml/2006/main" xmlns:c="http://schemas.openxmlformats.org/drawingml/2006/chart" xmlns:dgm="http://schemas.openxmlformats.org/drawingml/2006/diagram" xmlns:o="urn:schemas-microsoft-com:office:office" xmlns:v="urn:schemas-microsoft-com:vml" xmlns:pvml="urn:schemas-microsoft-com:office:powerpoint" xmlns:com="http://schemas.openxmlformats.org/drawingml/2006/compatibility" xmlns:p14="http://schemas.microsoft.com/office/powerpoint/2010/main" xmlns:p15="http://schemas.microsoft.com/office/powerpoint/2012/main" xmlns:ahyp="http://schemas.microsoft.com/office/drawing/2018/hyperlinkcolor" matchingName="Title only" type="titleOnly">
+<p:sldLayout xmlns:a="http://schemas.openxmlformats.org/drawingml/2006/main" xmlns:r="http://schemas.openxmlformats.org/officeDocument/2006/relationships" xmlns:p="http://schemas.openxmlformats.org/presentationml/2006/main" matchingName="Title only" type="titleOnly">
   <p:cSld name="TITLE_ONLY">
     <p:spTree>
       <p:nvGrpSpPr>
-        <p:cNvPr id="25" name="Shape 25"/>
+        <p:cNvPr id="1" name="Shape 25"/>
         <p:cNvGrpSpPr/>
         <p:nvPr/>
       </p:nvGrpSpPr>
@@ -3116,22 +3165,24 @@
       <p:sp>
         <p:nvSpPr>
           <p:cNvPr id="26" name="Google Shape;26;p6"/>
-          <p:cNvSpPr txBox="1"/>
+          <p:cNvSpPr txBox="1">
+            <a:spLocks noGrp="1"/>
+          </p:cNvSpPr>
           <p:nvPr>
             <p:ph type="title"/>
           </p:nvPr>
         </p:nvSpPr>
         <p:spPr>
           <a:xfrm>
-            <a:off x="92037" y="311479"/>
-            <a:ext cx="2515800" cy="400800"/>
+            <a:off x="233745" y="856979"/>
+            <a:ext cx="6389332" cy="1102730"/>
           </a:xfrm>
           <a:prstGeom prst="rect">
             <a:avLst/>
           </a:prstGeom>
         </p:spPr>
         <p:txBody>
-          <a:bodyPr anchorCtr="0" anchor="t" bIns="39325" lIns="39325" spcFirstLastPara="1" rIns="39325" wrap="square" tIns="39325">
+          <a:bodyPr spcFirstLastPara="1" wrap="square" lIns="39325" tIns="39325" rIns="39325" bIns="39325" anchor="t" anchorCtr="0">
             <a:noAutofit/>
           </a:bodyPr>
           <a:lstStyle>
@@ -3235,28 +3286,32 @@
               <a:defRPr/>
             </a:lvl9pPr>
           </a:lstStyle>
-          <a:p/>
+          <a:p>
+            <a:endParaRPr/>
+          </a:p>
         </p:txBody>
       </p:sp>
       <p:sp>
         <p:nvSpPr>
           <p:cNvPr id="27" name="Google Shape;27;p6"/>
-          <p:cNvSpPr txBox="1"/>
+          <p:cNvSpPr txBox="1">
+            <a:spLocks noGrp="1"/>
+          </p:cNvSpPr>
           <p:nvPr>
-            <p:ph idx="12" type="sldNum"/>
+            <p:ph type="sldNum" idx="12"/>
           </p:nvPr>
         </p:nvSpPr>
         <p:spPr>
           <a:xfrm>
-            <a:off x="2501710" y="3263844"/>
-            <a:ext cx="162000" cy="275400"/>
+            <a:off x="6353548" y="8979888"/>
+            <a:ext cx="411428" cy="757714"/>
           </a:xfrm>
           <a:prstGeom prst="rect">
             <a:avLst/>
           </a:prstGeom>
         </p:spPr>
         <p:txBody>
-          <a:bodyPr anchorCtr="0" anchor="ctr" bIns="39325" lIns="39325" spcFirstLastPara="1" rIns="39325" wrap="square" tIns="39325">
+          <a:bodyPr spcFirstLastPara="1" wrap="square" lIns="39325" tIns="39325" rIns="39325" bIns="39325" anchor="ctr" anchorCtr="0">
             <a:noAutofit/>
           </a:bodyPr>
           <a:lstStyle>
@@ -3298,20 +3353,12 @@
             </a:lvl9pPr>
           </a:lstStyle>
           <a:p>
-            <a:pPr indent="0" lvl="0" marL="0" rtl="0" algn="r">
-              <a:spcBef>
-                <a:spcPts val="0"/>
-              </a:spcBef>
-              <a:spcAft>
-                <a:spcPts val="0"/>
-              </a:spcAft>
-              <a:buNone/>
-            </a:pPr>
             <a:fld id="{00000000-1234-1234-1234-123412341234}" type="slidenum">
-              <a:rPr lang="en-GB"/>
+              <a:rPr lang="en-GB" smtClean="0"/>
+              <a:pPr/>
               <a:t>‹#›</a:t>
             </a:fld>
-            <a:endParaRPr/>
+            <a:endParaRPr lang="en-GB"/>
           </a:p>
         </p:txBody>
       </p:sp>
@@ -3324,11 +3371,11 @@
 </file>
 
 <file path=ppt/slideLayouts/slideLayout6.xml><?xml version="1.0" encoding="utf-8"?>
-<p:sldLayout xmlns:a="http://schemas.openxmlformats.org/drawingml/2006/main" xmlns:r="http://schemas.openxmlformats.org/officeDocument/2006/relationships" xmlns:mc="http://schemas.openxmlformats.org/markup-compatibility/2006" xmlns:mv="urn:schemas-microsoft-com:mac:vml" xmlns:p="http://schemas.openxmlformats.org/presentationml/2006/main" xmlns:c="http://schemas.openxmlformats.org/drawingml/2006/chart" xmlns:dgm="http://schemas.openxmlformats.org/drawingml/2006/diagram" xmlns:o="urn:schemas-microsoft-com:office:office" xmlns:v="urn:schemas-microsoft-com:vml" xmlns:pvml="urn:schemas-microsoft-com:office:powerpoint" xmlns:com="http://schemas.openxmlformats.org/drawingml/2006/compatibility" xmlns:p14="http://schemas.microsoft.com/office/powerpoint/2010/main" xmlns:p15="http://schemas.microsoft.com/office/powerpoint/2012/main" xmlns:ahyp="http://schemas.microsoft.com/office/drawing/2018/hyperlinkcolor" matchingName="One column text">
+<p:sldLayout xmlns:a="http://schemas.openxmlformats.org/drawingml/2006/main" xmlns:r="http://schemas.openxmlformats.org/officeDocument/2006/relationships" xmlns:p="http://schemas.openxmlformats.org/presentationml/2006/main" matchingName="One column text">
   <p:cSld name="ONE_COLUMN_TEXT">
     <p:spTree>
       <p:nvGrpSpPr>
-        <p:cNvPr id="28" name="Shape 28"/>
+        <p:cNvPr id="1" name="Shape 28"/>
         <p:cNvGrpSpPr/>
         <p:nvPr/>
       </p:nvGrpSpPr>
@@ -3343,22 +3390,24 @@
       <p:sp>
         <p:nvSpPr>
           <p:cNvPr id="29" name="Google Shape;29;p7"/>
-          <p:cNvSpPr txBox="1"/>
+          <p:cNvSpPr txBox="1">
+            <a:spLocks noGrp="1"/>
+          </p:cNvSpPr>
           <p:nvPr>
             <p:ph type="title"/>
           </p:nvPr>
         </p:nvSpPr>
         <p:spPr>
           <a:xfrm>
-            <a:off x="92037" y="388871"/>
-            <a:ext cx="829200" cy="528900"/>
+            <a:off x="233745" y="1069909"/>
+            <a:ext cx="2105904" cy="1455175"/>
           </a:xfrm>
           <a:prstGeom prst="rect">
             <a:avLst/>
           </a:prstGeom>
         </p:spPr>
         <p:txBody>
-          <a:bodyPr anchorCtr="0" anchor="b" bIns="39325" lIns="39325" spcFirstLastPara="1" rIns="39325" wrap="square" tIns="39325">
+          <a:bodyPr spcFirstLastPara="1" wrap="square" lIns="39325" tIns="39325" rIns="39325" bIns="39325" anchor="b" anchorCtr="0">
             <a:noAutofit/>
           </a:bodyPr>
           <a:lstStyle>
@@ -3371,7 +3420,7 @@
               </a:spcAft>
               <a:buSzPts val="1000"/>
               <a:buNone/>
-              <a:defRPr sz="1000"/>
+              <a:defRPr sz="2540"/>
             </a:lvl1pPr>
             <a:lvl2pPr lvl="1">
               <a:spcBef>
@@ -3382,7 +3431,7 @@
               </a:spcAft>
               <a:buSzPts val="1000"/>
               <a:buNone/>
-              <a:defRPr sz="1000"/>
+              <a:defRPr sz="2540"/>
             </a:lvl2pPr>
             <a:lvl3pPr lvl="2">
               <a:spcBef>
@@ -3393,7 +3442,7 @@
               </a:spcAft>
               <a:buSzPts val="1000"/>
               <a:buNone/>
-              <a:defRPr sz="1000"/>
+              <a:defRPr sz="2540"/>
             </a:lvl3pPr>
             <a:lvl4pPr lvl="3">
               <a:spcBef>
@@ -3404,7 +3453,7 @@
               </a:spcAft>
               <a:buSzPts val="1000"/>
               <a:buNone/>
-              <a:defRPr sz="1000"/>
+              <a:defRPr sz="2540"/>
             </a:lvl4pPr>
             <a:lvl5pPr lvl="4">
               <a:spcBef>
@@ -3415,7 +3464,7 @@
               </a:spcAft>
               <a:buSzPts val="1000"/>
               <a:buNone/>
-              <a:defRPr sz="1000"/>
+              <a:defRPr sz="2540"/>
             </a:lvl5pPr>
             <a:lvl6pPr lvl="5">
               <a:spcBef>
@@ -3426,7 +3475,7 @@
               </a:spcAft>
               <a:buSzPts val="1000"/>
               <a:buNone/>
-              <a:defRPr sz="1000"/>
+              <a:defRPr sz="2540"/>
             </a:lvl6pPr>
             <a:lvl7pPr lvl="6">
               <a:spcBef>
@@ -3437,7 +3486,7 @@
               </a:spcAft>
               <a:buSzPts val="1000"/>
               <a:buNone/>
-              <a:defRPr sz="1000"/>
+              <a:defRPr sz="2540"/>
             </a:lvl7pPr>
             <a:lvl8pPr lvl="7">
               <a:spcBef>
@@ -3448,7 +3497,7 @@
               </a:spcAft>
               <a:buSzPts val="1000"/>
               <a:buNone/>
-              <a:defRPr sz="1000"/>
+              <a:defRPr sz="2540"/>
             </a:lvl8pPr>
             <a:lvl9pPr lvl="8">
               <a:spcBef>
@@ -3459,35 +3508,39 @@
               </a:spcAft>
               <a:buSzPts val="1000"/>
               <a:buNone/>
-              <a:defRPr sz="1000"/>
+              <a:defRPr sz="2540"/>
             </a:lvl9pPr>
           </a:lstStyle>
-          <a:p/>
+          <a:p>
+            <a:endParaRPr/>
+          </a:p>
         </p:txBody>
       </p:sp>
       <p:sp>
         <p:nvSpPr>
           <p:cNvPr id="30" name="Google Shape;30;p7"/>
-          <p:cNvSpPr txBox="1"/>
+          <p:cNvSpPr txBox="1">
+            <a:spLocks noGrp="1"/>
+          </p:cNvSpPr>
           <p:nvPr>
-            <p:ph idx="1" type="body"/>
+            <p:ph type="body" idx="1"/>
           </p:nvPr>
         </p:nvSpPr>
         <p:spPr>
           <a:xfrm>
-            <a:off x="92037" y="972598"/>
-            <a:ext cx="829200" cy="2225400"/>
+            <a:off x="233745" y="2675931"/>
+            <a:ext cx="2105904" cy="6122794"/>
           </a:xfrm>
           <a:prstGeom prst="rect">
             <a:avLst/>
           </a:prstGeom>
         </p:spPr>
         <p:txBody>
-          <a:bodyPr anchorCtr="0" anchor="t" bIns="39325" lIns="39325" spcFirstLastPara="1" rIns="39325" wrap="square" tIns="39325">
+          <a:bodyPr spcFirstLastPara="1" wrap="square" lIns="39325" tIns="39325" rIns="39325" bIns="39325" anchor="t" anchorCtr="0">
             <a:noAutofit/>
           </a:bodyPr>
           <a:lstStyle>
-            <a:lvl1pPr indent="-260350" lvl="0" marL="457200">
+            <a:lvl1pPr marL="1161151" lvl="0" indent="-661211">
               <a:spcBef>
                 <a:spcPts val="0"/>
               </a:spcBef>
@@ -3496,119 +3549,123 @@
               </a:spcAft>
               <a:buSzPts val="500"/>
               <a:buChar char="●"/>
-              <a:defRPr sz="500"/>
+              <a:defRPr sz="1270"/>
             </a:lvl1pPr>
-            <a:lvl2pPr indent="-260350" lvl="1" marL="914400">
-              <a:spcBef>
-                <a:spcPts val="700"/>
+            <a:lvl2pPr marL="2322302" lvl="1" indent="-661211">
+              <a:spcBef>
+                <a:spcPts val="1778"/>
               </a:spcBef>
               <a:spcAft>
                 <a:spcPts val="0"/>
               </a:spcAft>
               <a:buSzPts val="500"/>
               <a:buChar char="○"/>
-              <a:defRPr sz="500"/>
+              <a:defRPr sz="1270"/>
             </a:lvl2pPr>
-            <a:lvl3pPr indent="-260350" lvl="2" marL="1371600">
-              <a:spcBef>
-                <a:spcPts val="700"/>
+            <a:lvl3pPr marL="3483453" lvl="2" indent="-661211">
+              <a:spcBef>
+                <a:spcPts val="1778"/>
               </a:spcBef>
               <a:spcAft>
                 <a:spcPts val="0"/>
               </a:spcAft>
               <a:buSzPts val="500"/>
               <a:buChar char="■"/>
-              <a:defRPr sz="500"/>
+              <a:defRPr sz="1270"/>
             </a:lvl3pPr>
-            <a:lvl4pPr indent="-260350" lvl="3" marL="1828800">
-              <a:spcBef>
-                <a:spcPts val="700"/>
+            <a:lvl4pPr marL="4644603" lvl="3" indent="-661211">
+              <a:spcBef>
+                <a:spcPts val="1778"/>
               </a:spcBef>
               <a:spcAft>
                 <a:spcPts val="0"/>
               </a:spcAft>
               <a:buSzPts val="500"/>
               <a:buChar char="●"/>
-              <a:defRPr sz="500"/>
+              <a:defRPr sz="1270"/>
             </a:lvl4pPr>
-            <a:lvl5pPr indent="-260350" lvl="4" marL="2286000">
-              <a:spcBef>
-                <a:spcPts val="700"/>
+            <a:lvl5pPr marL="5805754" lvl="4" indent="-661211">
+              <a:spcBef>
+                <a:spcPts val="1778"/>
               </a:spcBef>
               <a:spcAft>
                 <a:spcPts val="0"/>
               </a:spcAft>
               <a:buSzPts val="500"/>
               <a:buChar char="○"/>
-              <a:defRPr sz="500"/>
+              <a:defRPr sz="1270"/>
             </a:lvl5pPr>
-            <a:lvl6pPr indent="-260350" lvl="5" marL="2743200">
-              <a:spcBef>
-                <a:spcPts val="700"/>
+            <a:lvl6pPr marL="6966905" lvl="5" indent="-661211">
+              <a:spcBef>
+                <a:spcPts val="1778"/>
               </a:spcBef>
               <a:spcAft>
                 <a:spcPts val="0"/>
               </a:spcAft>
               <a:buSzPts val="500"/>
               <a:buChar char="■"/>
-              <a:defRPr sz="500"/>
+              <a:defRPr sz="1270"/>
             </a:lvl6pPr>
-            <a:lvl7pPr indent="-260350" lvl="6" marL="3200400">
-              <a:spcBef>
-                <a:spcPts val="700"/>
+            <a:lvl7pPr marL="8128056" lvl="6" indent="-661211">
+              <a:spcBef>
+                <a:spcPts val="1778"/>
               </a:spcBef>
               <a:spcAft>
                 <a:spcPts val="0"/>
               </a:spcAft>
               <a:buSzPts val="500"/>
               <a:buChar char="●"/>
-              <a:defRPr sz="500"/>
+              <a:defRPr sz="1270"/>
             </a:lvl7pPr>
-            <a:lvl8pPr indent="-260350" lvl="7" marL="3657600">
-              <a:spcBef>
-                <a:spcPts val="700"/>
+            <a:lvl8pPr marL="9289207" lvl="7" indent="-661211">
+              <a:spcBef>
+                <a:spcPts val="1778"/>
               </a:spcBef>
               <a:spcAft>
                 <a:spcPts val="0"/>
               </a:spcAft>
               <a:buSzPts val="500"/>
               <a:buChar char="○"/>
-              <a:defRPr sz="500"/>
+              <a:defRPr sz="1270"/>
             </a:lvl8pPr>
-            <a:lvl9pPr indent="-260350" lvl="8" marL="4114800">
-              <a:spcBef>
-                <a:spcPts val="700"/>
-              </a:spcBef>
-              <a:spcAft>
-                <a:spcPts val="700"/>
+            <a:lvl9pPr marL="10450358" lvl="8" indent="-661211">
+              <a:spcBef>
+                <a:spcPts val="1778"/>
+              </a:spcBef>
+              <a:spcAft>
+                <a:spcPts val="1778"/>
               </a:spcAft>
               <a:buSzPts val="500"/>
               <a:buChar char="■"/>
-              <a:defRPr sz="500"/>
+              <a:defRPr sz="1270"/>
             </a:lvl9pPr>
           </a:lstStyle>
-          <a:p/>
+          <a:p>
+            <a:endParaRPr/>
+          </a:p>
         </p:txBody>
       </p:sp>
       <p:sp>
         <p:nvSpPr>
           <p:cNvPr id="31" name="Google Shape;31;p7"/>
-          <p:cNvSpPr txBox="1"/>
+          <p:cNvSpPr txBox="1">
+            <a:spLocks noGrp="1"/>
+          </p:cNvSpPr>
           <p:nvPr>
-            <p:ph idx="12" type="sldNum"/>
+            <p:ph type="sldNum" idx="12"/>
           </p:nvPr>
         </p:nvSpPr>
         <p:spPr>
           <a:xfrm>
-            <a:off x="2501710" y="3263844"/>
-            <a:ext cx="162000" cy="275400"/>
+            <a:off x="6353548" y="8979888"/>
+            <a:ext cx="411428" cy="757714"/>
           </a:xfrm>
           <a:prstGeom prst="rect">
             <a:avLst/>
           </a:prstGeom>
         </p:spPr>
         <p:txBody>
-          <a:bodyPr anchorCtr="0" anchor="ctr" bIns="39325" lIns="39325" spcFirstLastPara="1" rIns="39325" wrap="square" tIns="39325">
+          <a:bodyPr spcFirstLastPara="1" wrap="square" lIns="39325" tIns="39325" rIns="39325" bIns="39325" anchor="ctr" anchorCtr="0">
             <a:noAutofit/>
           </a:bodyPr>
           <a:lstStyle>
@@ -3650,20 +3707,12 @@
             </a:lvl9pPr>
           </a:lstStyle>
           <a:p>
-            <a:pPr indent="0" lvl="0" marL="0" rtl="0" algn="r">
-              <a:spcBef>
-                <a:spcPts val="0"/>
-              </a:spcBef>
-              <a:spcAft>
-                <a:spcPts val="0"/>
-              </a:spcAft>
-              <a:buNone/>
-            </a:pPr>
             <a:fld id="{00000000-1234-1234-1234-123412341234}" type="slidenum">
-              <a:rPr lang="en-GB"/>
+              <a:rPr lang="en-GB" smtClean="0"/>
+              <a:pPr/>
               <a:t>‹#›</a:t>
             </a:fld>
-            <a:endParaRPr/>
+            <a:endParaRPr lang="en-GB"/>
           </a:p>
         </p:txBody>
       </p:sp>
@@ -3676,11 +3725,11 @@
 </file>
 
 <file path=ppt/slideLayouts/slideLayout7.xml><?xml version="1.0" encoding="utf-8"?>
-<p:sldLayout xmlns:a="http://schemas.openxmlformats.org/drawingml/2006/main" xmlns:r="http://schemas.openxmlformats.org/officeDocument/2006/relationships" xmlns:mc="http://schemas.openxmlformats.org/markup-compatibility/2006" xmlns:mv="urn:schemas-microsoft-com:mac:vml" xmlns:p="http://schemas.openxmlformats.org/presentationml/2006/main" xmlns:c="http://schemas.openxmlformats.org/drawingml/2006/chart" xmlns:dgm="http://schemas.openxmlformats.org/drawingml/2006/diagram" xmlns:o="urn:schemas-microsoft-com:office:office" xmlns:v="urn:schemas-microsoft-com:vml" xmlns:pvml="urn:schemas-microsoft-com:office:powerpoint" xmlns:com="http://schemas.openxmlformats.org/drawingml/2006/compatibility" xmlns:p14="http://schemas.microsoft.com/office/powerpoint/2010/main" xmlns:p15="http://schemas.microsoft.com/office/powerpoint/2012/main" xmlns:ahyp="http://schemas.microsoft.com/office/drawing/2018/hyperlinkcolor" matchingName="Main point">
+<p:sldLayout xmlns:a="http://schemas.openxmlformats.org/drawingml/2006/main" xmlns:r="http://schemas.openxmlformats.org/officeDocument/2006/relationships" xmlns:p="http://schemas.openxmlformats.org/presentationml/2006/main" matchingName="Main point">
   <p:cSld name="MAIN_POINT">
     <p:spTree>
       <p:nvGrpSpPr>
-        <p:cNvPr id="32" name="Shape 32"/>
+        <p:cNvPr id="1" name="Shape 32"/>
         <p:cNvGrpSpPr/>
         <p:nvPr/>
       </p:nvGrpSpPr>
@@ -3695,22 +3744,24 @@
       <p:sp>
         <p:nvSpPr>
           <p:cNvPr id="33" name="Google Shape;33;p8"/>
-          <p:cNvSpPr txBox="1"/>
+          <p:cNvSpPr txBox="1">
+            <a:spLocks noGrp="1"/>
+          </p:cNvSpPr>
           <p:nvPr>
             <p:ph type="title"/>
           </p:nvPr>
         </p:nvSpPr>
         <p:spPr>
           <a:xfrm>
-            <a:off x="144759" y="315066"/>
-            <a:ext cx="1880400" cy="2863200"/>
+            <a:off x="367642" y="866848"/>
+            <a:ext cx="4775618" cy="7877587"/>
           </a:xfrm>
           <a:prstGeom prst="rect">
             <a:avLst/>
           </a:prstGeom>
         </p:spPr>
         <p:txBody>
-          <a:bodyPr anchorCtr="0" anchor="ctr" bIns="39325" lIns="39325" spcFirstLastPara="1" rIns="39325" wrap="square" tIns="39325">
+          <a:bodyPr spcFirstLastPara="1" wrap="square" lIns="39325" tIns="39325" rIns="39325" bIns="39325" anchor="ctr" anchorCtr="0">
             <a:noAutofit/>
           </a:bodyPr>
           <a:lstStyle>
@@ -3723,7 +3774,7 @@
               </a:spcAft>
               <a:buSzPts val="2100"/>
               <a:buNone/>
-              <a:defRPr sz="2100"/>
+              <a:defRPr sz="5333"/>
             </a:lvl1pPr>
             <a:lvl2pPr lvl="1">
               <a:spcBef>
@@ -3734,7 +3785,7 @@
               </a:spcAft>
               <a:buSzPts val="2100"/>
               <a:buNone/>
-              <a:defRPr sz="2100"/>
+              <a:defRPr sz="5333"/>
             </a:lvl2pPr>
             <a:lvl3pPr lvl="2">
               <a:spcBef>
@@ -3745,7 +3796,7 @@
               </a:spcAft>
               <a:buSzPts val="2100"/>
               <a:buNone/>
-              <a:defRPr sz="2100"/>
+              <a:defRPr sz="5333"/>
             </a:lvl3pPr>
             <a:lvl4pPr lvl="3">
               <a:spcBef>
@@ -3756,7 +3807,7 @@
               </a:spcAft>
               <a:buSzPts val="2100"/>
               <a:buNone/>
-              <a:defRPr sz="2100"/>
+              <a:defRPr sz="5333"/>
             </a:lvl4pPr>
             <a:lvl5pPr lvl="4">
               <a:spcBef>
@@ -3767,7 +3818,7 @@
               </a:spcAft>
               <a:buSzPts val="2100"/>
               <a:buNone/>
-              <a:defRPr sz="2100"/>
+              <a:defRPr sz="5333"/>
             </a:lvl5pPr>
             <a:lvl6pPr lvl="5">
               <a:spcBef>
@@ -3778,7 +3829,7 @@
               </a:spcAft>
               <a:buSzPts val="2100"/>
               <a:buNone/>
-              <a:defRPr sz="2100"/>
+              <a:defRPr sz="5333"/>
             </a:lvl6pPr>
             <a:lvl7pPr lvl="6">
               <a:spcBef>
@@ -3789,7 +3840,7 @@
               </a:spcAft>
               <a:buSzPts val="2100"/>
               <a:buNone/>
-              <a:defRPr sz="2100"/>
+              <a:defRPr sz="5333"/>
             </a:lvl7pPr>
             <a:lvl8pPr lvl="7">
               <a:spcBef>
@@ -3800,7 +3851,7 @@
               </a:spcAft>
               <a:buSzPts val="2100"/>
               <a:buNone/>
-              <a:defRPr sz="2100"/>
+              <a:defRPr sz="5333"/>
             </a:lvl8pPr>
             <a:lvl9pPr lvl="8">
               <a:spcBef>
@@ -3811,31 +3862,35 @@
               </a:spcAft>
               <a:buSzPts val="2100"/>
               <a:buNone/>
-              <a:defRPr sz="2100"/>
+              <a:defRPr sz="5333"/>
             </a:lvl9pPr>
           </a:lstStyle>
-          <a:p/>
+          <a:p>
+            <a:endParaRPr/>
+          </a:p>
         </p:txBody>
       </p:sp>
       <p:sp>
         <p:nvSpPr>
           <p:cNvPr id="34" name="Google Shape;34;p8"/>
-          <p:cNvSpPr txBox="1"/>
+          <p:cNvSpPr txBox="1">
+            <a:spLocks noGrp="1"/>
+          </p:cNvSpPr>
           <p:nvPr>
-            <p:ph idx="12" type="sldNum"/>
+            <p:ph type="sldNum" idx="12"/>
           </p:nvPr>
         </p:nvSpPr>
         <p:spPr>
           <a:xfrm>
-            <a:off x="2501710" y="3263844"/>
-            <a:ext cx="162000" cy="275400"/>
+            <a:off x="6353548" y="8979888"/>
+            <a:ext cx="411428" cy="757714"/>
           </a:xfrm>
           <a:prstGeom prst="rect">
             <a:avLst/>
           </a:prstGeom>
         </p:spPr>
         <p:txBody>
-          <a:bodyPr anchorCtr="0" anchor="ctr" bIns="39325" lIns="39325" spcFirstLastPara="1" rIns="39325" wrap="square" tIns="39325">
+          <a:bodyPr spcFirstLastPara="1" wrap="square" lIns="39325" tIns="39325" rIns="39325" bIns="39325" anchor="ctr" anchorCtr="0">
             <a:noAutofit/>
           </a:bodyPr>
           <a:lstStyle>
@@ -3877,20 +3932,12 @@
             </a:lvl9pPr>
           </a:lstStyle>
           <a:p>
-            <a:pPr indent="0" lvl="0" marL="0" rtl="0" algn="r">
-              <a:spcBef>
-                <a:spcPts val="0"/>
-              </a:spcBef>
-              <a:spcAft>
-                <a:spcPts val="0"/>
-              </a:spcAft>
-              <a:buNone/>
-            </a:pPr>
             <a:fld id="{00000000-1234-1234-1234-123412341234}" type="slidenum">
-              <a:rPr lang="en-GB"/>
+              <a:rPr lang="en-GB" smtClean="0"/>
+              <a:pPr/>
               <a:t>‹#›</a:t>
             </a:fld>
-            <a:endParaRPr/>
+            <a:endParaRPr lang="en-GB"/>
           </a:p>
         </p:txBody>
       </p:sp>
@@ -3903,11 +3950,11 @@
 </file>
 
 <file path=ppt/slideLayouts/slideLayout8.xml><?xml version="1.0" encoding="utf-8"?>
-<p:sldLayout xmlns:a="http://schemas.openxmlformats.org/drawingml/2006/main" xmlns:r="http://schemas.openxmlformats.org/officeDocument/2006/relationships" xmlns:mc="http://schemas.openxmlformats.org/markup-compatibility/2006" xmlns:mv="urn:schemas-microsoft-com:mac:vml" xmlns:p="http://schemas.openxmlformats.org/presentationml/2006/main" xmlns:c="http://schemas.openxmlformats.org/drawingml/2006/chart" xmlns:dgm="http://schemas.openxmlformats.org/drawingml/2006/diagram" xmlns:o="urn:schemas-microsoft-com:office:office" xmlns:v="urn:schemas-microsoft-com:vml" xmlns:pvml="urn:schemas-microsoft-com:office:powerpoint" xmlns:com="http://schemas.openxmlformats.org/drawingml/2006/compatibility" xmlns:p14="http://schemas.microsoft.com/office/powerpoint/2010/main" xmlns:p15="http://schemas.microsoft.com/office/powerpoint/2012/main" xmlns:ahyp="http://schemas.microsoft.com/office/drawing/2018/hyperlinkcolor" matchingName="Section title and description">
+<p:sldLayout xmlns:a="http://schemas.openxmlformats.org/drawingml/2006/main" xmlns:r="http://schemas.openxmlformats.org/officeDocument/2006/relationships" xmlns:p="http://schemas.openxmlformats.org/presentationml/2006/main" matchingName="Section title and description">
   <p:cSld name="SECTION_TITLE_AND_DESCRIPTION">
     <p:spTree>
       <p:nvGrpSpPr>
-        <p:cNvPr id="35" name="Shape 35"/>
+        <p:cNvPr id="1" name="Shape 35"/>
         <p:cNvGrpSpPr/>
         <p:nvPr/>
       </p:nvGrpSpPr>
@@ -3927,8 +3974,8 @@
         </p:nvSpPr>
         <p:spPr>
           <a:xfrm>
-            <a:off x="1350000" y="-87"/>
-            <a:ext cx="1350000" cy="3600000"/>
+            <a:off x="3428571" y="-239"/>
+            <a:ext cx="3428571" cy="9904762"/>
           </a:xfrm>
           <a:prstGeom prst="rect">
             <a:avLst/>
@@ -3941,12 +3988,12 @@
           </a:ln>
         </p:spPr>
         <p:txBody>
-          <a:bodyPr anchorCtr="0" anchor="ctr" bIns="39325" lIns="39325" spcFirstLastPara="1" rIns="39325" wrap="square" tIns="39325">
+          <a:bodyPr spcFirstLastPara="1" wrap="square" lIns="99873" tIns="99873" rIns="99873" bIns="99873" anchor="ctr" anchorCtr="0">
             <a:noAutofit/>
           </a:bodyPr>
           <a:lstStyle/>
           <a:p>
-            <a:pPr indent="0" lvl="0" marL="0" rtl="0" algn="l">
+            <a:pPr marL="0" lvl="0" indent="0" algn="l" rtl="0">
               <a:spcBef>
                 <a:spcPts val="0"/>
               </a:spcBef>
@@ -3955,32 +4002,31 @@
               </a:spcAft>
               <a:buNone/>
             </a:pPr>
-            <a:r>
-              <a:t/>
-            </a:r>
-            <a:endParaRPr/>
+            <a:endParaRPr sz="9460"/>
           </a:p>
         </p:txBody>
       </p:sp>
       <p:sp>
         <p:nvSpPr>
           <p:cNvPr id="37" name="Google Shape;37;p9"/>
-          <p:cNvSpPr txBox="1"/>
+          <p:cNvSpPr txBox="1">
+            <a:spLocks noGrp="1"/>
+          </p:cNvSpPr>
           <p:nvPr>
             <p:ph type="title"/>
           </p:nvPr>
         </p:nvSpPr>
         <p:spPr>
           <a:xfrm>
-            <a:off x="78396" y="863115"/>
-            <a:ext cx="1194300" cy="1037400"/>
+            <a:off x="199101" y="2374708"/>
+            <a:ext cx="3033142" cy="2854222"/>
           </a:xfrm>
           <a:prstGeom prst="rect">
             <a:avLst/>
           </a:prstGeom>
         </p:spPr>
         <p:txBody>
-          <a:bodyPr anchorCtr="0" anchor="b" bIns="39325" lIns="39325" spcFirstLastPara="1" rIns="39325" wrap="square" tIns="39325">
+          <a:bodyPr spcFirstLastPara="1" wrap="square" lIns="39325" tIns="39325" rIns="39325" bIns="39325" anchor="b" anchorCtr="0">
             <a:noAutofit/>
           </a:bodyPr>
           <a:lstStyle>
@@ -3993,7 +4039,7 @@
               </a:spcAft>
               <a:buSzPts val="1800"/>
               <a:buNone/>
-              <a:defRPr sz="1800"/>
+              <a:defRPr sz="4571"/>
             </a:lvl1pPr>
             <a:lvl2pPr lvl="1" algn="ctr">
               <a:spcBef>
@@ -4004,7 +4050,7 @@
               </a:spcAft>
               <a:buSzPts val="1800"/>
               <a:buNone/>
-              <a:defRPr sz="1800"/>
+              <a:defRPr sz="4571"/>
             </a:lvl2pPr>
             <a:lvl3pPr lvl="2" algn="ctr">
               <a:spcBef>
@@ -4015,7 +4061,7 @@
               </a:spcAft>
               <a:buSzPts val="1800"/>
               <a:buNone/>
-              <a:defRPr sz="1800"/>
+              <a:defRPr sz="4571"/>
             </a:lvl3pPr>
             <a:lvl4pPr lvl="3" algn="ctr">
               <a:spcBef>
@@ -4026,7 +4072,7 @@
               </a:spcAft>
               <a:buSzPts val="1800"/>
               <a:buNone/>
-              <a:defRPr sz="1800"/>
+              <a:defRPr sz="4571"/>
             </a:lvl4pPr>
             <a:lvl5pPr lvl="4" algn="ctr">
               <a:spcBef>
@@ -4037,7 +4083,7 @@
               </a:spcAft>
               <a:buSzPts val="1800"/>
               <a:buNone/>
-              <a:defRPr sz="1800"/>
+              <a:defRPr sz="4571"/>
             </a:lvl5pPr>
             <a:lvl6pPr lvl="5" algn="ctr">
               <a:spcBef>
@@ -4048,7 +4094,7 @@
               </a:spcAft>
               <a:buSzPts val="1800"/>
               <a:buNone/>
-              <a:defRPr sz="1800"/>
+              <a:defRPr sz="4571"/>
             </a:lvl6pPr>
             <a:lvl7pPr lvl="6" algn="ctr">
               <a:spcBef>
@@ -4059,7 +4105,7 @@
               </a:spcAft>
               <a:buSzPts val="1800"/>
               <a:buNone/>
-              <a:defRPr sz="1800"/>
+              <a:defRPr sz="4571"/>
             </a:lvl7pPr>
             <a:lvl8pPr lvl="7" algn="ctr">
               <a:spcBef>
@@ -4070,7 +4116,7 @@
               </a:spcAft>
               <a:buSzPts val="1800"/>
               <a:buNone/>
-              <a:defRPr sz="1800"/>
+              <a:defRPr sz="4571"/>
             </a:lvl8pPr>
             <a:lvl9pPr lvl="8" algn="ctr">
               <a:spcBef>
@@ -4081,31 +4127,35 @@
               </a:spcAft>
               <a:buSzPts val="1800"/>
               <a:buNone/>
-              <a:defRPr sz="1800"/>
+              <a:defRPr sz="4571"/>
             </a:lvl9pPr>
           </a:lstStyle>
-          <a:p/>
+          <a:p>
+            <a:endParaRPr/>
+          </a:p>
         </p:txBody>
       </p:sp>
       <p:sp>
         <p:nvSpPr>
           <p:cNvPr id="38" name="Google Shape;38;p9"/>
-          <p:cNvSpPr txBox="1"/>
+          <p:cNvSpPr txBox="1">
+            <a:spLocks noGrp="1"/>
+          </p:cNvSpPr>
           <p:nvPr>
-            <p:ph idx="1" type="subTitle"/>
+            <p:ph type="subTitle" idx="1"/>
           </p:nvPr>
         </p:nvSpPr>
         <p:spPr>
           <a:xfrm>
-            <a:off x="78396" y="1961907"/>
-            <a:ext cx="1194300" cy="864600"/>
+            <a:off x="199101" y="5397839"/>
+            <a:ext cx="3033142" cy="2378794"/>
           </a:xfrm>
           <a:prstGeom prst="rect">
             <a:avLst/>
           </a:prstGeom>
         </p:spPr>
         <p:txBody>
-          <a:bodyPr anchorCtr="0" anchor="t" bIns="39325" lIns="39325" spcFirstLastPara="1" rIns="39325" wrap="square" tIns="39325">
+          <a:bodyPr spcFirstLastPara="1" wrap="square" lIns="39325" tIns="39325" rIns="39325" bIns="39325" anchor="t" anchorCtr="0">
             <a:noAutofit/>
           </a:bodyPr>
           <a:lstStyle>
@@ -4121,7 +4171,7 @@
               </a:spcAft>
               <a:buSzPts val="900"/>
               <a:buNone/>
-              <a:defRPr sz="900"/>
+              <a:defRPr sz="2286"/>
             </a:lvl1pPr>
             <a:lvl2pPr lvl="1" algn="ctr">
               <a:lnSpc>
@@ -4135,7 +4185,7 @@
               </a:spcAft>
               <a:buSzPts val="900"/>
               <a:buNone/>
-              <a:defRPr sz="900"/>
+              <a:defRPr sz="2286"/>
             </a:lvl2pPr>
             <a:lvl3pPr lvl="2" algn="ctr">
               <a:lnSpc>
@@ -4149,7 +4199,7 @@
               </a:spcAft>
               <a:buSzPts val="900"/>
               <a:buNone/>
-              <a:defRPr sz="900"/>
+              <a:defRPr sz="2286"/>
             </a:lvl3pPr>
             <a:lvl4pPr lvl="3" algn="ctr">
               <a:lnSpc>
@@ -4163,7 +4213,7 @@
               </a:spcAft>
               <a:buSzPts val="900"/>
               <a:buNone/>
-              <a:defRPr sz="900"/>
+              <a:defRPr sz="2286"/>
             </a:lvl4pPr>
             <a:lvl5pPr lvl="4" algn="ctr">
               <a:lnSpc>
@@ -4177,7 +4227,7 @@
               </a:spcAft>
               <a:buSzPts val="900"/>
               <a:buNone/>
-              <a:defRPr sz="900"/>
+              <a:defRPr sz="2286"/>
             </a:lvl5pPr>
             <a:lvl6pPr lvl="5" algn="ctr">
               <a:lnSpc>
@@ -4191,7 +4241,7 @@
               </a:spcAft>
               <a:buSzPts val="900"/>
               <a:buNone/>
-              <a:defRPr sz="900"/>
+              <a:defRPr sz="2286"/>
             </a:lvl6pPr>
             <a:lvl7pPr lvl="6" algn="ctr">
               <a:lnSpc>
@@ -4205,7 +4255,7 @@
               </a:spcAft>
               <a:buSzPts val="900"/>
               <a:buNone/>
-              <a:defRPr sz="900"/>
+              <a:defRPr sz="2286"/>
             </a:lvl7pPr>
             <a:lvl8pPr lvl="7" algn="ctr">
               <a:lnSpc>
@@ -4219,7 +4269,7 @@
               </a:spcAft>
               <a:buSzPts val="900"/>
               <a:buNone/>
-              <a:defRPr sz="900"/>
+              <a:defRPr sz="2286"/>
             </a:lvl8pPr>
             <a:lvl9pPr lvl="8" algn="ctr">
               <a:lnSpc>
@@ -4233,35 +4283,39 @@
               </a:spcAft>
               <a:buSzPts val="900"/>
               <a:buNone/>
-              <a:defRPr sz="900"/>
+              <a:defRPr sz="2286"/>
             </a:lvl9pPr>
           </a:lstStyle>
-          <a:p/>
+          <a:p>
+            <a:endParaRPr/>
+          </a:p>
         </p:txBody>
       </p:sp>
       <p:sp>
         <p:nvSpPr>
           <p:cNvPr id="39" name="Google Shape;39;p9"/>
-          <p:cNvSpPr txBox="1"/>
+          <p:cNvSpPr txBox="1">
+            <a:spLocks noGrp="1"/>
+          </p:cNvSpPr>
           <p:nvPr>
-            <p:ph idx="2" type="body"/>
+            <p:ph type="body" idx="2"/>
           </p:nvPr>
         </p:nvSpPr>
         <p:spPr>
           <a:xfrm>
-            <a:off x="1458514" y="506789"/>
-            <a:ext cx="1133100" cy="2586300"/>
+            <a:off x="3704162" y="1394340"/>
+            <a:ext cx="2877714" cy="7115746"/>
           </a:xfrm>
           <a:prstGeom prst="rect">
             <a:avLst/>
           </a:prstGeom>
         </p:spPr>
         <p:txBody>
-          <a:bodyPr anchorCtr="0" anchor="ctr" bIns="39325" lIns="39325" spcFirstLastPara="1" rIns="39325" wrap="square" tIns="39325">
+          <a:bodyPr spcFirstLastPara="1" wrap="square" lIns="39325" tIns="39325" rIns="39325" bIns="39325" anchor="ctr" anchorCtr="0">
             <a:noAutofit/>
           </a:bodyPr>
           <a:lstStyle>
-            <a:lvl1pPr indent="-279400" lvl="0" marL="457200">
+            <a:lvl1pPr marL="1161151" lvl="0" indent="-709592">
               <a:spcBef>
                 <a:spcPts val="0"/>
               </a:spcBef>
@@ -4272,9 +4326,9 @@
               <a:buChar char="●"/>
               <a:defRPr/>
             </a:lvl1pPr>
-            <a:lvl2pPr indent="-266700" lvl="1" marL="914400">
-              <a:spcBef>
-                <a:spcPts val="700"/>
+            <a:lvl2pPr marL="2322302" lvl="1" indent="-677338">
+              <a:spcBef>
+                <a:spcPts val="1778"/>
               </a:spcBef>
               <a:spcAft>
                 <a:spcPts val="0"/>
@@ -4283,9 +4337,9 @@
               <a:buChar char="○"/>
               <a:defRPr/>
             </a:lvl2pPr>
-            <a:lvl3pPr indent="-266700" lvl="2" marL="1371600">
-              <a:spcBef>
-                <a:spcPts val="700"/>
+            <a:lvl3pPr marL="3483453" lvl="2" indent="-677338">
+              <a:spcBef>
+                <a:spcPts val="1778"/>
               </a:spcBef>
               <a:spcAft>
                 <a:spcPts val="0"/>
@@ -4294,9 +4348,9 @@
               <a:buChar char="■"/>
               <a:defRPr/>
             </a:lvl3pPr>
-            <a:lvl4pPr indent="-266700" lvl="3" marL="1828800">
-              <a:spcBef>
-                <a:spcPts val="700"/>
+            <a:lvl4pPr marL="4644603" lvl="3" indent="-677338">
+              <a:spcBef>
+                <a:spcPts val="1778"/>
               </a:spcBef>
               <a:spcAft>
                 <a:spcPts val="0"/>
@@ -4305,9 +4359,9 @@
               <a:buChar char="●"/>
               <a:defRPr/>
             </a:lvl4pPr>
-            <a:lvl5pPr indent="-266700" lvl="4" marL="2286000">
-              <a:spcBef>
-                <a:spcPts val="700"/>
+            <a:lvl5pPr marL="5805754" lvl="4" indent="-677338">
+              <a:spcBef>
+                <a:spcPts val="1778"/>
               </a:spcBef>
               <a:spcAft>
                 <a:spcPts val="0"/>
@@ -4316,9 +4370,9 @@
               <a:buChar char="○"/>
               <a:defRPr/>
             </a:lvl5pPr>
-            <a:lvl6pPr indent="-266700" lvl="5" marL="2743200">
-              <a:spcBef>
-                <a:spcPts val="700"/>
+            <a:lvl6pPr marL="6966905" lvl="5" indent="-677338">
+              <a:spcBef>
+                <a:spcPts val="1778"/>
               </a:spcBef>
               <a:spcAft>
                 <a:spcPts val="0"/>
@@ -4327,9 +4381,9 @@
               <a:buChar char="■"/>
               <a:defRPr/>
             </a:lvl6pPr>
-            <a:lvl7pPr indent="-266700" lvl="6" marL="3200400">
-              <a:spcBef>
-                <a:spcPts val="700"/>
+            <a:lvl7pPr marL="8128056" lvl="6" indent="-677338">
+              <a:spcBef>
+                <a:spcPts val="1778"/>
               </a:spcBef>
               <a:spcAft>
                 <a:spcPts val="0"/>
@@ -4338,9 +4392,9 @@
               <a:buChar char="●"/>
               <a:defRPr/>
             </a:lvl7pPr>
-            <a:lvl8pPr indent="-266700" lvl="7" marL="3657600">
-              <a:spcBef>
-                <a:spcPts val="700"/>
+            <a:lvl8pPr marL="9289207" lvl="7" indent="-677338">
+              <a:spcBef>
+                <a:spcPts val="1778"/>
               </a:spcBef>
               <a:spcAft>
                 <a:spcPts val="0"/>
@@ -4349,40 +4403,44 @@
               <a:buChar char="○"/>
               <a:defRPr/>
             </a:lvl8pPr>
-            <a:lvl9pPr indent="-266700" lvl="8" marL="4114800">
-              <a:spcBef>
-                <a:spcPts val="700"/>
-              </a:spcBef>
-              <a:spcAft>
-                <a:spcPts val="700"/>
+            <a:lvl9pPr marL="10450358" lvl="8" indent="-677338">
+              <a:spcBef>
+                <a:spcPts val="1778"/>
+              </a:spcBef>
+              <a:spcAft>
+                <a:spcPts val="1778"/>
               </a:spcAft>
               <a:buSzPts val="600"/>
               <a:buChar char="■"/>
               <a:defRPr/>
             </a:lvl9pPr>
           </a:lstStyle>
-          <a:p/>
+          <a:p>
+            <a:endParaRPr/>
+          </a:p>
         </p:txBody>
       </p:sp>
       <p:sp>
         <p:nvSpPr>
           <p:cNvPr id="40" name="Google Shape;40;p9"/>
-          <p:cNvSpPr txBox="1"/>
+          <p:cNvSpPr txBox="1">
+            <a:spLocks noGrp="1"/>
+          </p:cNvSpPr>
           <p:nvPr>
-            <p:ph idx="12" type="sldNum"/>
+            <p:ph type="sldNum" idx="12"/>
           </p:nvPr>
         </p:nvSpPr>
         <p:spPr>
           <a:xfrm>
-            <a:off x="2501710" y="3263844"/>
-            <a:ext cx="162000" cy="275400"/>
+            <a:off x="6353548" y="8979888"/>
+            <a:ext cx="411428" cy="757714"/>
           </a:xfrm>
           <a:prstGeom prst="rect">
             <a:avLst/>
           </a:prstGeom>
         </p:spPr>
         <p:txBody>
-          <a:bodyPr anchorCtr="0" anchor="ctr" bIns="39325" lIns="39325" spcFirstLastPara="1" rIns="39325" wrap="square" tIns="39325">
+          <a:bodyPr spcFirstLastPara="1" wrap="square" lIns="39325" tIns="39325" rIns="39325" bIns="39325" anchor="ctr" anchorCtr="0">
             <a:noAutofit/>
           </a:bodyPr>
           <a:lstStyle>
@@ -4424,20 +4482,12 @@
             </a:lvl9pPr>
           </a:lstStyle>
           <a:p>
-            <a:pPr indent="0" lvl="0" marL="0" rtl="0" algn="r">
-              <a:spcBef>
-                <a:spcPts val="0"/>
-              </a:spcBef>
-              <a:spcAft>
-                <a:spcPts val="0"/>
-              </a:spcAft>
-              <a:buNone/>
-            </a:pPr>
             <a:fld id="{00000000-1234-1234-1234-123412341234}" type="slidenum">
-              <a:rPr lang="en-GB"/>
+              <a:rPr lang="en-GB" smtClean="0"/>
+              <a:pPr/>
               <a:t>‹#›</a:t>
             </a:fld>
-            <a:endParaRPr/>
+            <a:endParaRPr lang="en-GB"/>
           </a:p>
         </p:txBody>
       </p:sp>
@@ -4450,11 +4500,11 @@
 </file>
 
 <file path=ppt/slideLayouts/slideLayout9.xml><?xml version="1.0" encoding="utf-8"?>
-<p:sldLayout xmlns:a="http://schemas.openxmlformats.org/drawingml/2006/main" xmlns:r="http://schemas.openxmlformats.org/officeDocument/2006/relationships" xmlns:mc="http://schemas.openxmlformats.org/markup-compatibility/2006" xmlns:mv="urn:schemas-microsoft-com:mac:vml" xmlns:p="http://schemas.openxmlformats.org/presentationml/2006/main" xmlns:c="http://schemas.openxmlformats.org/drawingml/2006/chart" xmlns:dgm="http://schemas.openxmlformats.org/drawingml/2006/diagram" xmlns:o="urn:schemas-microsoft-com:office:office" xmlns:v="urn:schemas-microsoft-com:vml" xmlns:pvml="urn:schemas-microsoft-com:office:powerpoint" xmlns:com="http://schemas.openxmlformats.org/drawingml/2006/compatibility" xmlns:p14="http://schemas.microsoft.com/office/powerpoint/2010/main" xmlns:p15="http://schemas.microsoft.com/office/powerpoint/2012/main" xmlns:ahyp="http://schemas.microsoft.com/office/drawing/2018/hyperlinkcolor" matchingName="Caption">
+<p:sldLayout xmlns:a="http://schemas.openxmlformats.org/drawingml/2006/main" xmlns:r="http://schemas.openxmlformats.org/officeDocument/2006/relationships" xmlns:p="http://schemas.openxmlformats.org/presentationml/2006/main" matchingName="Caption">
   <p:cSld name="CAPTION_ONLY">
     <p:spTree>
       <p:nvGrpSpPr>
-        <p:cNvPr id="41" name="Shape 41"/>
+        <p:cNvPr id="1" name="Shape 41"/>
         <p:cNvGrpSpPr/>
         <p:nvPr/>
       </p:nvGrpSpPr>
@@ -4469,26 +4519,28 @@
       <p:sp>
         <p:nvSpPr>
           <p:cNvPr id="42" name="Google Shape;42;p10"/>
-          <p:cNvSpPr txBox="1"/>
+          <p:cNvSpPr txBox="1">
+            <a:spLocks noGrp="1"/>
+          </p:cNvSpPr>
           <p:nvPr>
-            <p:ph idx="1" type="body"/>
+            <p:ph type="body" idx="1"/>
           </p:nvPr>
         </p:nvSpPr>
         <p:spPr>
           <a:xfrm>
-            <a:off x="92037" y="2961032"/>
-            <a:ext cx="1771200" cy="423600"/>
+            <a:off x="233745" y="8146755"/>
+            <a:ext cx="4498285" cy="1165460"/>
           </a:xfrm>
           <a:prstGeom prst="rect">
             <a:avLst/>
           </a:prstGeom>
         </p:spPr>
         <p:txBody>
-          <a:bodyPr anchorCtr="0" anchor="ctr" bIns="39325" lIns="39325" spcFirstLastPara="1" rIns="39325" wrap="square" tIns="39325">
+          <a:bodyPr spcFirstLastPara="1" wrap="square" lIns="39325" tIns="39325" rIns="39325" bIns="39325" anchor="ctr" anchorCtr="0">
             <a:noAutofit/>
           </a:bodyPr>
           <a:lstStyle>
-            <a:lvl1pPr indent="-228600" lvl="0" marL="457200">
+            <a:lvl1pPr marL="1161151" lvl="0" indent="-580575">
               <a:lnSpc>
                 <a:spcPct val="100000"/>
               </a:lnSpc>
@@ -4503,28 +4555,32 @@
               <a:defRPr/>
             </a:lvl1pPr>
           </a:lstStyle>
-          <a:p/>
+          <a:p>
+            <a:endParaRPr/>
+          </a:p>
         </p:txBody>
       </p:sp>
       <p:sp>
         <p:nvSpPr>
           <p:cNvPr id="43" name="Google Shape;43;p10"/>
-          <p:cNvSpPr txBox="1"/>
+          <p:cNvSpPr txBox="1">
+            <a:spLocks noGrp="1"/>
+          </p:cNvSpPr>
           <p:nvPr>
-            <p:ph idx="12" type="sldNum"/>
+            <p:ph type="sldNum" idx="12"/>
           </p:nvPr>
         </p:nvSpPr>
         <p:spPr>
           <a:xfrm>
-            <a:off x="2501710" y="3263844"/>
-            <a:ext cx="162000" cy="275400"/>
+            <a:off x="6353548" y="8979888"/>
+            <a:ext cx="411428" cy="757714"/>
           </a:xfrm>
           <a:prstGeom prst="rect">
             <a:avLst/>
           </a:prstGeom>
         </p:spPr>
         <p:txBody>
-          <a:bodyPr anchorCtr="0" anchor="ctr" bIns="39325" lIns="39325" spcFirstLastPara="1" rIns="39325" wrap="square" tIns="39325">
+          <a:bodyPr spcFirstLastPara="1" wrap="square" lIns="39325" tIns="39325" rIns="39325" bIns="39325" anchor="ctr" anchorCtr="0">
             <a:noAutofit/>
           </a:bodyPr>
           <a:lstStyle>
@@ -4566,20 +4622,12 @@
             </a:lvl9pPr>
           </a:lstStyle>
           <a:p>
-            <a:pPr indent="0" lvl="0" marL="0" rtl="0" algn="r">
-              <a:spcBef>
-                <a:spcPts val="0"/>
-              </a:spcBef>
-              <a:spcAft>
-                <a:spcPts val="0"/>
-              </a:spcAft>
-              <a:buNone/>
-            </a:pPr>
             <a:fld id="{00000000-1234-1234-1234-123412341234}" type="slidenum">
-              <a:rPr lang="en-GB"/>
+              <a:rPr lang="en-GB" smtClean="0"/>
+              <a:pPr/>
               <a:t>‹#›</a:t>
             </a:fld>
-            <a:endParaRPr/>
+            <a:endParaRPr lang="en-GB"/>
           </a:p>
         </p:txBody>
       </p:sp>
@@ -4592,18 +4640,19 @@
 </file>
 
 <file path=ppt/slideMasters/slideMaster1.xml><?xml version="1.0" encoding="utf-8"?>
-<p:sldMaster xmlns:a="http://schemas.openxmlformats.org/drawingml/2006/main" xmlns:r="http://schemas.openxmlformats.org/officeDocument/2006/relationships" xmlns:mc="http://schemas.openxmlformats.org/markup-compatibility/2006" xmlns:mv="urn:schemas-microsoft-com:mac:vml" xmlns:p="http://schemas.openxmlformats.org/presentationml/2006/main" xmlns:c="http://schemas.openxmlformats.org/drawingml/2006/chart" xmlns:dgm="http://schemas.openxmlformats.org/drawingml/2006/diagram" xmlns:o="urn:schemas-microsoft-com:office:office" xmlns:v="urn:schemas-microsoft-com:vml" xmlns:pvml="urn:schemas-microsoft-com:office:powerpoint" xmlns:com="http://schemas.openxmlformats.org/drawingml/2006/compatibility" xmlns:p14="http://schemas.microsoft.com/office/powerpoint/2010/main" xmlns:p15="http://schemas.microsoft.com/office/powerpoint/2012/main" xmlns:ahyp="http://schemas.microsoft.com/office/drawing/2018/hyperlinkcolor">
+<p:sldMaster xmlns:a="http://schemas.openxmlformats.org/drawingml/2006/main" xmlns:r="http://schemas.openxmlformats.org/officeDocument/2006/relationships" xmlns:p="http://schemas.openxmlformats.org/presentationml/2006/main">
   <p:cSld name="simple-light-2">
     <p:bg>
       <p:bgPr>
         <a:solidFill>
           <a:schemeClr val="lt1"/>
         </a:solidFill>
+        <a:effectLst/>
       </p:bgPr>
     </p:bg>
     <p:spTree>
       <p:nvGrpSpPr>
-        <p:cNvPr id="5" name="Shape 5"/>
+        <p:cNvPr id="1" name="Shape 5"/>
         <p:cNvGrpSpPr/>
         <p:nvPr/>
       </p:nvGrpSpPr>
@@ -4618,15 +4667,17 @@
       <p:sp>
         <p:nvSpPr>
           <p:cNvPr id="6" name="Google Shape;6;p1"/>
-          <p:cNvSpPr txBox="1"/>
+          <p:cNvSpPr txBox="1">
+            <a:spLocks noGrp="1"/>
+          </p:cNvSpPr>
           <p:nvPr>
             <p:ph type="title"/>
           </p:nvPr>
         </p:nvSpPr>
         <p:spPr>
           <a:xfrm>
-            <a:off x="92037" y="311479"/>
-            <a:ext cx="2515800" cy="400800"/>
+            <a:off x="233745" y="856979"/>
+            <a:ext cx="6389332" cy="1102730"/>
           </a:xfrm>
           <a:prstGeom prst="rect">
             <a:avLst/>
@@ -4637,7 +4688,7 @@
           </a:ln>
         </p:spPr>
         <p:txBody>
-          <a:bodyPr anchorCtr="0" anchor="t" bIns="39325" lIns="39325" spcFirstLastPara="1" rIns="39325" wrap="square" tIns="39325">
+          <a:bodyPr spcFirstLastPara="1" wrap="square" lIns="39325" tIns="39325" rIns="39325" bIns="39325" anchor="t" anchorCtr="0">
             <a:noAutofit/>
           </a:bodyPr>
           <a:lstStyle>
@@ -4804,21 +4855,25 @@
               </a:defRPr>
             </a:lvl9pPr>
           </a:lstStyle>
-          <a:p/>
+          <a:p>
+            <a:endParaRPr/>
+          </a:p>
         </p:txBody>
       </p:sp>
       <p:sp>
         <p:nvSpPr>
           <p:cNvPr id="7" name="Google Shape;7;p1"/>
-          <p:cNvSpPr txBox="1"/>
+          <p:cNvSpPr txBox="1">
+            <a:spLocks noGrp="1"/>
+          </p:cNvSpPr>
           <p:nvPr>
-            <p:ph idx="1" type="body"/>
+            <p:ph type="body" idx="1"/>
           </p:nvPr>
         </p:nvSpPr>
         <p:spPr>
           <a:xfrm>
-            <a:off x="92037" y="806632"/>
-            <a:ext cx="2515800" cy="2391300"/>
+            <a:off x="233745" y="2219305"/>
+            <a:ext cx="6389332" cy="6579238"/>
           </a:xfrm>
           <a:prstGeom prst="rect">
             <a:avLst/>
@@ -4829,11 +4884,11 @@
           </a:ln>
         </p:spPr>
         <p:txBody>
-          <a:bodyPr anchorCtr="0" anchor="t" bIns="39325" lIns="39325" spcFirstLastPara="1" rIns="39325" wrap="square" tIns="39325">
+          <a:bodyPr spcFirstLastPara="1" wrap="square" lIns="39325" tIns="39325" rIns="39325" bIns="39325" anchor="t" anchorCtr="0">
             <a:noAutofit/>
           </a:bodyPr>
           <a:lstStyle>
-            <a:lvl1pPr indent="-279400" lvl="0" marL="457200">
+            <a:lvl1pPr marL="457200" lvl="0" indent="-279400">
               <a:lnSpc>
                 <a:spcPct val="115000"/>
               </a:lnSpc>
@@ -4854,7 +4909,7 @@
                 </a:solidFill>
               </a:defRPr>
             </a:lvl1pPr>
-            <a:lvl2pPr indent="-266700" lvl="1" marL="914400">
+            <a:lvl2pPr marL="914400" lvl="1" indent="-266700">
               <a:lnSpc>
                 <a:spcPct val="115000"/>
               </a:lnSpc>
@@ -4875,7 +4930,7 @@
                 </a:solidFill>
               </a:defRPr>
             </a:lvl2pPr>
-            <a:lvl3pPr indent="-266700" lvl="2" marL="1371600">
+            <a:lvl3pPr marL="1371600" lvl="2" indent="-266700">
               <a:lnSpc>
                 <a:spcPct val="115000"/>
               </a:lnSpc>
@@ -4896,7 +4951,7 @@
                 </a:solidFill>
               </a:defRPr>
             </a:lvl3pPr>
-            <a:lvl4pPr indent="-266700" lvl="3" marL="1828800">
+            <a:lvl4pPr marL="1828800" lvl="3" indent="-266700">
               <a:lnSpc>
                 <a:spcPct val="115000"/>
               </a:lnSpc>
@@ -4917,7 +4972,7 @@
                 </a:solidFill>
               </a:defRPr>
             </a:lvl4pPr>
-            <a:lvl5pPr indent="-266700" lvl="4" marL="2286000">
+            <a:lvl5pPr marL="2286000" lvl="4" indent="-266700">
               <a:lnSpc>
                 <a:spcPct val="115000"/>
               </a:lnSpc>
@@ -4938,7 +4993,7 @@
                 </a:solidFill>
               </a:defRPr>
             </a:lvl5pPr>
-            <a:lvl6pPr indent="-266700" lvl="5" marL="2743200">
+            <a:lvl6pPr marL="2743200" lvl="5" indent="-266700">
               <a:lnSpc>
                 <a:spcPct val="115000"/>
               </a:lnSpc>
@@ -4959,7 +5014,7 @@
                 </a:solidFill>
               </a:defRPr>
             </a:lvl6pPr>
-            <a:lvl7pPr indent="-266700" lvl="6" marL="3200400">
+            <a:lvl7pPr marL="3200400" lvl="6" indent="-266700">
               <a:lnSpc>
                 <a:spcPct val="115000"/>
               </a:lnSpc>
@@ -4980,7 +5035,7 @@
                 </a:solidFill>
               </a:defRPr>
             </a:lvl7pPr>
-            <a:lvl8pPr indent="-266700" lvl="7" marL="3657600">
+            <a:lvl8pPr marL="3657600" lvl="7" indent="-266700">
               <a:lnSpc>
                 <a:spcPct val="115000"/>
               </a:lnSpc>
@@ -5001,7 +5056,7 @@
                 </a:solidFill>
               </a:defRPr>
             </a:lvl8pPr>
-            <a:lvl9pPr indent="-266700" lvl="8" marL="4114800">
+            <a:lvl9pPr marL="4114800" lvl="8" indent="-266700">
               <a:lnSpc>
                 <a:spcPct val="115000"/>
               </a:lnSpc>
@@ -5023,21 +5078,25 @@
               </a:defRPr>
             </a:lvl9pPr>
           </a:lstStyle>
-          <a:p/>
+          <a:p>
+            <a:endParaRPr/>
+          </a:p>
         </p:txBody>
       </p:sp>
       <p:sp>
         <p:nvSpPr>
           <p:cNvPr id="8" name="Google Shape;8;p1"/>
-          <p:cNvSpPr txBox="1"/>
+          <p:cNvSpPr txBox="1">
+            <a:spLocks noGrp="1"/>
+          </p:cNvSpPr>
           <p:nvPr>
-            <p:ph idx="12" type="sldNum"/>
+            <p:ph type="sldNum" idx="12"/>
           </p:nvPr>
         </p:nvSpPr>
         <p:spPr>
           <a:xfrm>
-            <a:off x="2501710" y="3263844"/>
-            <a:ext cx="162000" cy="275400"/>
+            <a:off x="6353548" y="8979888"/>
+            <a:ext cx="411428" cy="757714"/>
           </a:xfrm>
           <a:prstGeom prst="rect">
             <a:avLst/>
@@ -5048,13 +5107,13 @@
           </a:ln>
         </p:spPr>
         <p:txBody>
-          <a:bodyPr anchorCtr="0" anchor="ctr" bIns="39325" lIns="39325" spcFirstLastPara="1" rIns="39325" wrap="square" tIns="39325">
+          <a:bodyPr spcFirstLastPara="1" wrap="square" lIns="39325" tIns="39325" rIns="39325" bIns="39325" anchor="ctr" anchorCtr="0">
             <a:noAutofit/>
           </a:bodyPr>
           <a:lstStyle>
             <a:lvl1pPr lvl="0" algn="r">
               <a:buNone/>
-              <a:defRPr sz="400">
+              <a:defRPr sz="1016">
                 <a:solidFill>
                   <a:schemeClr val="dk2"/>
                 </a:solidFill>
@@ -5062,7 +5121,7 @@
             </a:lvl1pPr>
             <a:lvl2pPr lvl="1" algn="r">
               <a:buNone/>
-              <a:defRPr sz="400">
+              <a:defRPr sz="1016">
                 <a:solidFill>
                   <a:schemeClr val="dk2"/>
                 </a:solidFill>
@@ -5070,7 +5129,7 @@
             </a:lvl2pPr>
             <a:lvl3pPr lvl="2" algn="r">
               <a:buNone/>
-              <a:defRPr sz="400">
+              <a:defRPr sz="1016">
                 <a:solidFill>
                   <a:schemeClr val="dk2"/>
                 </a:solidFill>
@@ -5078,7 +5137,7 @@
             </a:lvl3pPr>
             <a:lvl4pPr lvl="3" algn="r">
               <a:buNone/>
-              <a:defRPr sz="400">
+              <a:defRPr sz="1016">
                 <a:solidFill>
                   <a:schemeClr val="dk2"/>
                 </a:solidFill>
@@ -5086,7 +5145,7 @@
             </a:lvl4pPr>
             <a:lvl5pPr lvl="4" algn="r">
               <a:buNone/>
-              <a:defRPr sz="400">
+              <a:defRPr sz="1016">
                 <a:solidFill>
                   <a:schemeClr val="dk2"/>
                 </a:solidFill>
@@ -5094,7 +5153,7 @@
             </a:lvl5pPr>
             <a:lvl6pPr lvl="5" algn="r">
               <a:buNone/>
-              <a:defRPr sz="400">
+              <a:defRPr sz="1016">
                 <a:solidFill>
                   <a:schemeClr val="dk2"/>
                 </a:solidFill>
@@ -5102,7 +5161,7 @@
             </a:lvl6pPr>
             <a:lvl7pPr lvl="6" algn="r">
               <a:buNone/>
-              <a:defRPr sz="400">
+              <a:defRPr sz="1016">
                 <a:solidFill>
                   <a:schemeClr val="dk2"/>
                 </a:solidFill>
@@ -5110,7 +5169,7 @@
             </a:lvl7pPr>
             <a:lvl8pPr lvl="7" algn="r">
               <a:buNone/>
-              <a:defRPr sz="400">
+              <a:defRPr sz="1016">
                 <a:solidFill>
                   <a:schemeClr val="dk2"/>
                 </a:solidFill>
@@ -5118,7 +5177,7 @@
             </a:lvl8pPr>
             <a:lvl9pPr lvl="8" algn="r">
               <a:buNone/>
-              <a:defRPr sz="400">
+              <a:defRPr sz="1016">
                 <a:solidFill>
                   <a:schemeClr val="dk2"/>
                 </a:solidFill>
@@ -5126,26 +5185,18 @@
             </a:lvl9pPr>
           </a:lstStyle>
           <a:p>
-            <a:pPr indent="0" lvl="0" marL="0" rtl="0" algn="r">
-              <a:spcBef>
-                <a:spcPts val="0"/>
-              </a:spcBef>
-              <a:spcAft>
-                <a:spcPts val="0"/>
-              </a:spcAft>
-              <a:buNone/>
-            </a:pPr>
             <a:fld id="{00000000-1234-1234-1234-123412341234}" type="slidenum">
-              <a:rPr lang="en-GB"/>
+              <a:rPr lang="en-GB" smtClean="0"/>
+              <a:pPr/>
               <a:t>‹#›</a:t>
             </a:fld>
-            <a:endParaRPr/>
+            <a:endParaRPr lang="en-GB"/>
           </a:p>
         </p:txBody>
       </p:sp>
     </p:spTree>
   </p:cSld>
-  <p:clrMap accent1="accent1" accent2="accent2" accent3="accent3" accent4="accent4" accent5="accent5" accent6="accent6" bg1="lt1" bg2="dk2" tx1="dk1" tx2="lt2" folHlink="folHlink" hlink="hlink"/>
+  <p:clrMap bg1="lt1" tx1="dk1" bg2="dk2" tx2="lt2" accent1="accent1" accent2="accent2" accent3="accent3" accent4="accent4" accent5="accent5" accent6="accent6" hlink="hlink" folHlink="folHlink"/>
   <p:sldLayoutIdLst>
     <p:sldLayoutId id="2147483648" r:id="rId1"/>
     <p:sldLayoutId id="2147483649" r:id="rId2"/>
@@ -5159,10 +5210,10 @@
     <p:sldLayoutId id="2147483657" r:id="rId10"/>
     <p:sldLayoutId id="2147483658" r:id="rId11"/>
   </p:sldLayoutIdLst>
-  <p:hf dt="0" ftr="0" hdr="0" sldNum="0"/>
+  <p:hf sldNum="0" hdr="0" ftr="0" dt="0"/>
   <p:txStyles>
     <p:titleStyle>
-      <a:defPPr lvl="0" marR="0" rtl="0" algn="l">
+      <a:defPPr marR="0" lvl="0" algn="l" rtl="0">
         <a:lnSpc>
           <a:spcPct val="100000"/>
         </a:lnSpc>
@@ -5173,7 +5224,7 @@
           <a:spcPts val="0"/>
         </a:spcAft>
       </a:defPPr>
-      <a:lvl1pPr lvl="0" marR="0" rtl="0" algn="l">
+      <a:lvl1pPr marR="0" lvl="0" algn="l" rtl="0">
         <a:lnSpc>
           <a:spcPct val="100000"/>
         </a:lnSpc>
@@ -5187,7 +5238,7 @@
           <a:srgbClr val="000000"/>
         </a:buClr>
         <a:buFont typeface="Arial"/>
-        <a:defRPr b="0" i="0" sz="1400" u="none" cap="none" strike="noStrike">
+        <a:defRPr sz="3556" b="0" i="0" u="none" strike="noStrike" cap="none">
           <a:solidFill>
             <a:srgbClr val="000000"/>
           </a:solidFill>
@@ -5197,7 +5248,7 @@
           <a:sym typeface="Arial"/>
         </a:defRPr>
       </a:lvl1pPr>
-      <a:lvl2pPr lvl="1" marR="0" rtl="0" algn="l">
+      <a:lvl2pPr marR="0" lvl="1" algn="l" rtl="0">
         <a:lnSpc>
           <a:spcPct val="100000"/>
         </a:lnSpc>
@@ -5211,7 +5262,7 @@
           <a:srgbClr val="000000"/>
         </a:buClr>
         <a:buFont typeface="Arial"/>
-        <a:defRPr b="0" i="0" sz="1400" u="none" cap="none" strike="noStrike">
+        <a:defRPr sz="3556" b="0" i="0" u="none" strike="noStrike" cap="none">
           <a:solidFill>
             <a:srgbClr val="000000"/>
           </a:solidFill>
@@ -5221,7 +5272,7 @@
           <a:sym typeface="Arial"/>
         </a:defRPr>
       </a:lvl2pPr>
-      <a:lvl3pPr lvl="2" marR="0" rtl="0" algn="l">
+      <a:lvl3pPr marR="0" lvl="2" algn="l" rtl="0">
         <a:lnSpc>
           <a:spcPct val="100000"/>
         </a:lnSpc>
@@ -5235,7 +5286,7 @@
           <a:srgbClr val="000000"/>
         </a:buClr>
         <a:buFont typeface="Arial"/>
-        <a:defRPr b="0" i="0" sz="1400" u="none" cap="none" strike="noStrike">
+        <a:defRPr sz="3556" b="0" i="0" u="none" strike="noStrike" cap="none">
           <a:solidFill>
             <a:srgbClr val="000000"/>
           </a:solidFill>
@@ -5245,7 +5296,7 @@
           <a:sym typeface="Arial"/>
         </a:defRPr>
       </a:lvl3pPr>
-      <a:lvl4pPr lvl="3" marR="0" rtl="0" algn="l">
+      <a:lvl4pPr marR="0" lvl="3" algn="l" rtl="0">
         <a:lnSpc>
           <a:spcPct val="100000"/>
         </a:lnSpc>
@@ -5259,7 +5310,7 @@
           <a:srgbClr val="000000"/>
         </a:buClr>
         <a:buFont typeface="Arial"/>
-        <a:defRPr b="0" i="0" sz="1400" u="none" cap="none" strike="noStrike">
+        <a:defRPr sz="3556" b="0" i="0" u="none" strike="noStrike" cap="none">
           <a:solidFill>
             <a:srgbClr val="000000"/>
           </a:solidFill>
@@ -5269,7 +5320,7 @@
           <a:sym typeface="Arial"/>
         </a:defRPr>
       </a:lvl4pPr>
-      <a:lvl5pPr lvl="4" marR="0" rtl="0" algn="l">
+      <a:lvl5pPr marR="0" lvl="4" algn="l" rtl="0">
         <a:lnSpc>
           <a:spcPct val="100000"/>
         </a:lnSpc>
@@ -5283,7 +5334,7 @@
           <a:srgbClr val="000000"/>
         </a:buClr>
         <a:buFont typeface="Arial"/>
-        <a:defRPr b="0" i="0" sz="1400" u="none" cap="none" strike="noStrike">
+        <a:defRPr sz="3556" b="0" i="0" u="none" strike="noStrike" cap="none">
           <a:solidFill>
             <a:srgbClr val="000000"/>
           </a:solidFill>
@@ -5293,7 +5344,7 @@
           <a:sym typeface="Arial"/>
         </a:defRPr>
       </a:lvl5pPr>
-      <a:lvl6pPr lvl="5" marR="0" rtl="0" algn="l">
+      <a:lvl6pPr marR="0" lvl="5" algn="l" rtl="0">
         <a:lnSpc>
           <a:spcPct val="100000"/>
         </a:lnSpc>
@@ -5307,7 +5358,7 @@
           <a:srgbClr val="000000"/>
         </a:buClr>
         <a:buFont typeface="Arial"/>
-        <a:defRPr b="0" i="0" sz="1400" u="none" cap="none" strike="noStrike">
+        <a:defRPr sz="3556" b="0" i="0" u="none" strike="noStrike" cap="none">
           <a:solidFill>
             <a:srgbClr val="000000"/>
           </a:solidFill>
@@ -5317,7 +5368,7 @@
           <a:sym typeface="Arial"/>
         </a:defRPr>
       </a:lvl6pPr>
-      <a:lvl7pPr lvl="6" marR="0" rtl="0" algn="l">
+      <a:lvl7pPr marR="0" lvl="6" algn="l" rtl="0">
         <a:lnSpc>
           <a:spcPct val="100000"/>
         </a:lnSpc>
@@ -5331,7 +5382,7 @@
           <a:srgbClr val="000000"/>
         </a:buClr>
         <a:buFont typeface="Arial"/>
-        <a:defRPr b="0" i="0" sz="1400" u="none" cap="none" strike="noStrike">
+        <a:defRPr sz="3556" b="0" i="0" u="none" strike="noStrike" cap="none">
           <a:solidFill>
             <a:srgbClr val="000000"/>
           </a:solidFill>
@@ -5341,7 +5392,7 @@
           <a:sym typeface="Arial"/>
         </a:defRPr>
       </a:lvl7pPr>
-      <a:lvl8pPr lvl="7" marR="0" rtl="0" algn="l">
+      <a:lvl8pPr marR="0" lvl="7" algn="l" rtl="0">
         <a:lnSpc>
           <a:spcPct val="100000"/>
         </a:lnSpc>
@@ -5355,7 +5406,7 @@
           <a:srgbClr val="000000"/>
         </a:buClr>
         <a:buFont typeface="Arial"/>
-        <a:defRPr b="0" i="0" sz="1400" u="none" cap="none" strike="noStrike">
+        <a:defRPr sz="3556" b="0" i="0" u="none" strike="noStrike" cap="none">
           <a:solidFill>
             <a:srgbClr val="000000"/>
           </a:solidFill>
@@ -5365,7 +5416,7 @@
           <a:sym typeface="Arial"/>
         </a:defRPr>
       </a:lvl8pPr>
-      <a:lvl9pPr lvl="8" marR="0" rtl="0" algn="l">
+      <a:lvl9pPr marR="0" lvl="8" algn="l" rtl="0">
         <a:lnSpc>
           <a:spcPct val="100000"/>
         </a:lnSpc>
@@ -5379,7 +5430,7 @@
           <a:srgbClr val="000000"/>
         </a:buClr>
         <a:buFont typeface="Arial"/>
-        <a:defRPr b="0" i="0" sz="1400" u="none" cap="none" strike="noStrike">
+        <a:defRPr sz="3556" b="0" i="0" u="none" strike="noStrike" cap="none">
           <a:solidFill>
             <a:srgbClr val="000000"/>
           </a:solidFill>
@@ -5391,7 +5442,7 @@
       </a:lvl9pPr>
     </p:titleStyle>
     <p:bodyStyle>
-      <a:defPPr lvl="0" marR="0" rtl="0" algn="l">
+      <a:defPPr marR="0" lvl="0" algn="l" rtl="0">
         <a:lnSpc>
           <a:spcPct val="100000"/>
         </a:lnSpc>
@@ -5402,7 +5453,7 @@
           <a:spcPts val="0"/>
         </a:spcAft>
       </a:defPPr>
-      <a:lvl1pPr lvl="0" marR="0" rtl="0" algn="l">
+      <a:lvl1pPr marR="0" lvl="0" algn="l" rtl="0">
         <a:lnSpc>
           <a:spcPct val="100000"/>
         </a:lnSpc>
@@ -5416,7 +5467,7 @@
           <a:srgbClr val="000000"/>
         </a:buClr>
         <a:buFont typeface="Arial"/>
-        <a:defRPr b="0" i="0" sz="1400" u="none" cap="none" strike="noStrike">
+        <a:defRPr sz="3556" b="0" i="0" u="none" strike="noStrike" cap="none">
           <a:solidFill>
             <a:srgbClr val="000000"/>
           </a:solidFill>
@@ -5426,7 +5477,7 @@
           <a:sym typeface="Arial"/>
         </a:defRPr>
       </a:lvl1pPr>
-      <a:lvl2pPr lvl="1" marR="0" rtl="0" algn="l">
+      <a:lvl2pPr marR="0" lvl="1" algn="l" rtl="0">
         <a:lnSpc>
           <a:spcPct val="100000"/>
         </a:lnSpc>
@@ -5440,7 +5491,7 @@
           <a:srgbClr val="000000"/>
         </a:buClr>
         <a:buFont typeface="Arial"/>
-        <a:defRPr b="0" i="0" sz="1400" u="none" cap="none" strike="noStrike">
+        <a:defRPr sz="3556" b="0" i="0" u="none" strike="noStrike" cap="none">
           <a:solidFill>
             <a:srgbClr val="000000"/>
           </a:solidFill>
@@ -5450,7 +5501,7 @@
           <a:sym typeface="Arial"/>
         </a:defRPr>
       </a:lvl2pPr>
-      <a:lvl3pPr lvl="2" marR="0" rtl="0" algn="l">
+      <a:lvl3pPr marR="0" lvl="2" algn="l" rtl="0">
         <a:lnSpc>
           <a:spcPct val="100000"/>
         </a:lnSpc>
@@ -5464,7 +5515,7 @@
           <a:srgbClr val="000000"/>
         </a:buClr>
         <a:buFont typeface="Arial"/>
-        <a:defRPr b="0" i="0" sz="1400" u="none" cap="none" strike="noStrike">
+        <a:defRPr sz="3556" b="0" i="0" u="none" strike="noStrike" cap="none">
           <a:solidFill>
             <a:srgbClr val="000000"/>
           </a:solidFill>
@@ -5474,7 +5525,7 @@
           <a:sym typeface="Arial"/>
         </a:defRPr>
       </a:lvl3pPr>
-      <a:lvl4pPr lvl="3" marR="0" rtl="0" algn="l">
+      <a:lvl4pPr marR="0" lvl="3" algn="l" rtl="0">
         <a:lnSpc>
           <a:spcPct val="100000"/>
         </a:lnSpc>
@@ -5488,7 +5539,7 @@
           <a:srgbClr val="000000"/>
         </a:buClr>
         <a:buFont typeface="Arial"/>
-        <a:defRPr b="0" i="0" sz="1400" u="none" cap="none" strike="noStrike">
+        <a:defRPr sz="3556" b="0" i="0" u="none" strike="noStrike" cap="none">
           <a:solidFill>
             <a:srgbClr val="000000"/>
           </a:solidFill>
@@ -5498,7 +5549,7 @@
           <a:sym typeface="Arial"/>
         </a:defRPr>
       </a:lvl4pPr>
-      <a:lvl5pPr lvl="4" marR="0" rtl="0" algn="l">
+      <a:lvl5pPr marR="0" lvl="4" algn="l" rtl="0">
         <a:lnSpc>
           <a:spcPct val="100000"/>
         </a:lnSpc>
@@ -5512,7 +5563,7 @@
           <a:srgbClr val="000000"/>
         </a:buClr>
         <a:buFont typeface="Arial"/>
-        <a:defRPr b="0" i="0" sz="1400" u="none" cap="none" strike="noStrike">
+        <a:defRPr sz="3556" b="0" i="0" u="none" strike="noStrike" cap="none">
           <a:solidFill>
             <a:srgbClr val="000000"/>
           </a:solidFill>
@@ -5522,7 +5573,7 @@
           <a:sym typeface="Arial"/>
         </a:defRPr>
       </a:lvl5pPr>
-      <a:lvl6pPr lvl="5" marR="0" rtl="0" algn="l">
+      <a:lvl6pPr marR="0" lvl="5" algn="l" rtl="0">
         <a:lnSpc>
           <a:spcPct val="100000"/>
         </a:lnSpc>
@@ -5536,7 +5587,7 @@
           <a:srgbClr val="000000"/>
         </a:buClr>
         <a:buFont typeface="Arial"/>
-        <a:defRPr b="0" i="0" sz="1400" u="none" cap="none" strike="noStrike">
+        <a:defRPr sz="3556" b="0" i="0" u="none" strike="noStrike" cap="none">
           <a:solidFill>
             <a:srgbClr val="000000"/>
           </a:solidFill>
@@ -5546,7 +5597,7 @@
           <a:sym typeface="Arial"/>
         </a:defRPr>
       </a:lvl6pPr>
-      <a:lvl7pPr lvl="6" marR="0" rtl="0" algn="l">
+      <a:lvl7pPr marR="0" lvl="6" algn="l" rtl="0">
         <a:lnSpc>
           <a:spcPct val="100000"/>
         </a:lnSpc>
@@ -5560,7 +5611,7 @@
           <a:srgbClr val="000000"/>
         </a:buClr>
         <a:buFont typeface="Arial"/>
-        <a:defRPr b="0" i="0" sz="1400" u="none" cap="none" strike="noStrike">
+        <a:defRPr sz="3556" b="0" i="0" u="none" strike="noStrike" cap="none">
           <a:solidFill>
             <a:srgbClr val="000000"/>
           </a:solidFill>
@@ -5570,7 +5621,7 @@
           <a:sym typeface="Arial"/>
         </a:defRPr>
       </a:lvl7pPr>
-      <a:lvl8pPr lvl="7" marR="0" rtl="0" algn="l">
+      <a:lvl8pPr marR="0" lvl="7" algn="l" rtl="0">
         <a:lnSpc>
           <a:spcPct val="100000"/>
         </a:lnSpc>
@@ -5584,7 +5635,7 @@
           <a:srgbClr val="000000"/>
         </a:buClr>
         <a:buFont typeface="Arial"/>
-        <a:defRPr b="0" i="0" sz="1400" u="none" cap="none" strike="noStrike">
+        <a:defRPr sz="3556" b="0" i="0" u="none" strike="noStrike" cap="none">
           <a:solidFill>
             <a:srgbClr val="000000"/>
           </a:solidFill>
@@ -5594,7 +5645,7 @@
           <a:sym typeface="Arial"/>
         </a:defRPr>
       </a:lvl8pPr>
-      <a:lvl9pPr lvl="8" marR="0" rtl="0" algn="l">
+      <a:lvl9pPr marR="0" lvl="8" algn="l" rtl="0">
         <a:lnSpc>
           <a:spcPct val="100000"/>
         </a:lnSpc>
@@ -5608,7 +5659,7 @@
           <a:srgbClr val="000000"/>
         </a:buClr>
         <a:buFont typeface="Arial"/>
-        <a:defRPr b="0" i="0" sz="1400" u="none" cap="none" strike="noStrike">
+        <a:defRPr sz="3556" b="0" i="0" u="none" strike="noStrike" cap="none">
           <a:solidFill>
             <a:srgbClr val="000000"/>
           </a:solidFill>
@@ -5620,7 +5671,7 @@
       </a:lvl9pPr>
     </p:bodyStyle>
     <p:otherStyle>
-      <a:defPPr lvl="0" marR="0" rtl="0" algn="l">
+      <a:defPPr marR="0" lvl="0" algn="l" rtl="0">
         <a:lnSpc>
           <a:spcPct val="100000"/>
         </a:lnSpc>
@@ -5631,7 +5682,7 @@
           <a:spcPts val="0"/>
         </a:spcAft>
       </a:defPPr>
-      <a:lvl1pPr lvl="0" marR="0" rtl="0" algn="l">
+      <a:lvl1pPr marR="0" lvl="0" algn="l" rtl="0">
         <a:lnSpc>
           <a:spcPct val="100000"/>
         </a:lnSpc>
@@ -5645,7 +5696,7 @@
           <a:srgbClr val="000000"/>
         </a:buClr>
         <a:buFont typeface="Arial"/>
-        <a:defRPr b="0" i="0" sz="1400" u="none" cap="none" strike="noStrike">
+        <a:defRPr sz="3556" b="0" i="0" u="none" strike="noStrike" cap="none">
           <a:solidFill>
             <a:srgbClr val="000000"/>
           </a:solidFill>
@@ -5655,7 +5706,7 @@
           <a:sym typeface="Arial"/>
         </a:defRPr>
       </a:lvl1pPr>
-      <a:lvl2pPr lvl="1" marR="0" rtl="0" algn="l">
+      <a:lvl2pPr marR="0" lvl="1" algn="l" rtl="0">
         <a:lnSpc>
           <a:spcPct val="100000"/>
         </a:lnSpc>
@@ -5669,7 +5720,7 @@
           <a:srgbClr val="000000"/>
         </a:buClr>
         <a:buFont typeface="Arial"/>
-        <a:defRPr b="0" i="0" sz="1400" u="none" cap="none" strike="noStrike">
+        <a:defRPr sz="3556" b="0" i="0" u="none" strike="noStrike" cap="none">
           <a:solidFill>
             <a:srgbClr val="000000"/>
           </a:solidFill>
@@ -5679,7 +5730,7 @@
           <a:sym typeface="Arial"/>
         </a:defRPr>
       </a:lvl2pPr>
-      <a:lvl3pPr lvl="2" marR="0" rtl="0" algn="l">
+      <a:lvl3pPr marR="0" lvl="2" algn="l" rtl="0">
         <a:lnSpc>
           <a:spcPct val="100000"/>
         </a:lnSpc>
@@ -5693,7 +5744,7 @@
           <a:srgbClr val="000000"/>
         </a:buClr>
         <a:buFont typeface="Arial"/>
-        <a:defRPr b="0" i="0" sz="1400" u="none" cap="none" strike="noStrike">
+        <a:defRPr sz="3556" b="0" i="0" u="none" strike="noStrike" cap="none">
           <a:solidFill>
             <a:srgbClr val="000000"/>
           </a:solidFill>
@@ -5703,7 +5754,7 @@
           <a:sym typeface="Arial"/>
         </a:defRPr>
       </a:lvl3pPr>
-      <a:lvl4pPr lvl="3" marR="0" rtl="0" algn="l">
+      <a:lvl4pPr marR="0" lvl="3" algn="l" rtl="0">
         <a:lnSpc>
           <a:spcPct val="100000"/>
         </a:lnSpc>
@@ -5717,7 +5768,7 @@
           <a:srgbClr val="000000"/>
         </a:buClr>
         <a:buFont typeface="Arial"/>
-        <a:defRPr b="0" i="0" sz="1400" u="none" cap="none" strike="noStrike">
+        <a:defRPr sz="3556" b="0" i="0" u="none" strike="noStrike" cap="none">
           <a:solidFill>
             <a:srgbClr val="000000"/>
           </a:solidFill>
@@ -5727,7 +5778,7 @@
           <a:sym typeface="Arial"/>
         </a:defRPr>
       </a:lvl4pPr>
-      <a:lvl5pPr lvl="4" marR="0" rtl="0" algn="l">
+      <a:lvl5pPr marR="0" lvl="4" algn="l" rtl="0">
         <a:lnSpc>
           <a:spcPct val="100000"/>
         </a:lnSpc>
@@ -5741,7 +5792,7 @@
           <a:srgbClr val="000000"/>
         </a:buClr>
         <a:buFont typeface="Arial"/>
-        <a:defRPr b="0" i="0" sz="1400" u="none" cap="none" strike="noStrike">
+        <a:defRPr sz="3556" b="0" i="0" u="none" strike="noStrike" cap="none">
           <a:solidFill>
             <a:srgbClr val="000000"/>
           </a:solidFill>
@@ -5751,7 +5802,7 @@
           <a:sym typeface="Arial"/>
         </a:defRPr>
       </a:lvl5pPr>
-      <a:lvl6pPr lvl="5" marR="0" rtl="0" algn="l">
+      <a:lvl6pPr marR="0" lvl="5" algn="l" rtl="0">
         <a:lnSpc>
           <a:spcPct val="100000"/>
         </a:lnSpc>
@@ -5765,7 +5816,7 @@
           <a:srgbClr val="000000"/>
         </a:buClr>
         <a:buFont typeface="Arial"/>
-        <a:defRPr b="0" i="0" sz="1400" u="none" cap="none" strike="noStrike">
+        <a:defRPr sz="3556" b="0" i="0" u="none" strike="noStrike" cap="none">
           <a:solidFill>
             <a:srgbClr val="000000"/>
           </a:solidFill>
@@ -5775,7 +5826,7 @@
           <a:sym typeface="Arial"/>
         </a:defRPr>
       </a:lvl6pPr>
-      <a:lvl7pPr lvl="6" marR="0" rtl="0" algn="l">
+      <a:lvl7pPr marR="0" lvl="6" algn="l" rtl="0">
         <a:lnSpc>
           <a:spcPct val="100000"/>
         </a:lnSpc>
@@ -5789,7 +5840,7 @@
           <a:srgbClr val="000000"/>
         </a:buClr>
         <a:buFont typeface="Arial"/>
-        <a:defRPr b="0" i="0" sz="1400" u="none" cap="none" strike="noStrike">
+        <a:defRPr sz="3556" b="0" i="0" u="none" strike="noStrike" cap="none">
           <a:solidFill>
             <a:srgbClr val="000000"/>
           </a:solidFill>
@@ -5799,7 +5850,7 @@
           <a:sym typeface="Arial"/>
         </a:defRPr>
       </a:lvl7pPr>
-      <a:lvl8pPr lvl="7" marR="0" rtl="0" algn="l">
+      <a:lvl8pPr marR="0" lvl="7" algn="l" rtl="0">
         <a:lnSpc>
           <a:spcPct val="100000"/>
         </a:lnSpc>
@@ -5813,7 +5864,7 @@
           <a:srgbClr val="000000"/>
         </a:buClr>
         <a:buFont typeface="Arial"/>
-        <a:defRPr b="0" i="0" sz="1400" u="none" cap="none" strike="noStrike">
+        <a:defRPr sz="3556" b="0" i="0" u="none" strike="noStrike" cap="none">
           <a:solidFill>
             <a:srgbClr val="000000"/>
           </a:solidFill>
@@ -5823,7 +5874,7 @@
           <a:sym typeface="Arial"/>
         </a:defRPr>
       </a:lvl8pPr>
-      <a:lvl9pPr lvl="8" marR="0" rtl="0" algn="l">
+      <a:lvl9pPr marR="0" lvl="8" algn="l" rtl="0">
         <a:lnSpc>
           <a:spcPct val="100000"/>
         </a:lnSpc>
@@ -5837,7 +5888,7 @@
           <a:srgbClr val="000000"/>
         </a:buClr>
         <a:buFont typeface="Arial"/>
-        <a:defRPr b="0" i="0" sz="1400" u="none" cap="none" strike="noStrike">
+        <a:defRPr sz="3556" b="0" i="0" u="none" strike="noStrike" cap="none">
           <a:solidFill>
             <a:srgbClr val="000000"/>
           </a:solidFill>
@@ -5853,7 +5904,7 @@
 </file>
 
 <file path=ppt/slides/slide1.xml><?xml version="1.0" encoding="utf-8"?>
-<p:sld xmlns:a="http://schemas.openxmlformats.org/drawingml/2006/main" xmlns:r="http://schemas.openxmlformats.org/officeDocument/2006/relationships" xmlns:mc="http://schemas.openxmlformats.org/markup-compatibility/2006" xmlns:mv="urn:schemas-microsoft-com:mac:vml" xmlns:p="http://schemas.openxmlformats.org/presentationml/2006/main" xmlns:c="http://schemas.openxmlformats.org/drawingml/2006/chart" xmlns:dgm="http://schemas.openxmlformats.org/drawingml/2006/diagram" xmlns:o="urn:schemas-microsoft-com:office:office" xmlns:v="urn:schemas-microsoft-com:vml" xmlns:pvml="urn:schemas-microsoft-com:office:powerpoint" xmlns:com="http://schemas.openxmlformats.org/drawingml/2006/compatibility" xmlns:p14="http://schemas.microsoft.com/office/powerpoint/2010/main" xmlns:p15="http://schemas.microsoft.com/office/powerpoint/2012/main" xmlns:ahyp="http://schemas.microsoft.com/office/drawing/2018/hyperlinkcolor">
+<p:sld xmlns:a="http://schemas.openxmlformats.org/drawingml/2006/main" xmlns:r="http://schemas.openxmlformats.org/officeDocument/2006/relationships" xmlns:p="http://schemas.openxmlformats.org/presentationml/2006/main">
   <p:cSld>
     <p:bg>
       <p:bgPr>
@@ -5865,11 +5916,12 @@
             <a:fillRect/>
           </a:stretch>
         </a:blipFill>
+        <a:effectLst/>
       </p:bgPr>
     </p:bg>
     <p:spTree>
       <p:nvGrpSpPr>
-        <p:cNvPr id="53" name="Shape 53"/>
+        <p:cNvPr id="1" name="Shape 53"/>
         <p:cNvGrpSpPr/>
         <p:nvPr/>
       </p:nvGrpSpPr>
@@ -5889,8 +5941,8 @@
         </p:nvSpPr>
         <p:spPr>
           <a:xfrm>
-            <a:off x="848850" y="1071439"/>
-            <a:ext cx="1074900" cy="220500"/>
+            <a:off x="2155809" y="3102115"/>
+            <a:ext cx="2729905" cy="560000"/>
           </a:xfrm>
           <a:prstGeom prst="rect">
             <a:avLst/>
@@ -5901,22 +5953,14 @@
           </a:ln>
         </p:spPr>
         <p:txBody>
-          <a:bodyPr anchorCtr="0" anchor="t" bIns="19650" lIns="39325" spcFirstLastPara="1" rIns="39325" wrap="square" tIns="19650">
+          <a:bodyPr spcFirstLastPara="1" wrap="square" lIns="99873" tIns="49905" rIns="99873" bIns="49905" anchor="t" anchorCtr="0">
             <a:noAutofit/>
           </a:bodyPr>
           <a:lstStyle/>
           <a:p>
-            <a:pPr indent="0" lvl="0" marL="0" rtl="0" algn="ctr">
-              <a:spcBef>
-                <a:spcPts val="0"/>
-              </a:spcBef>
-              <a:spcAft>
-                <a:spcPts val="0"/>
-              </a:spcAft>
-              <a:buNone/>
-            </a:pPr>
+            <a:pPr algn="ctr"/>
             <a:r>
-              <a:rPr lang="en-GB" sz="700">
+              <a:rPr lang="en-GB" sz="1778">
                 <a:solidFill>
                   <a:srgbClr val="434343"/>
                 </a:solidFill>
@@ -5927,7 +5971,7 @@
               </a:rPr>
               <a:t>0.00$</a:t>
             </a:r>
-            <a:endParaRPr sz="700">
+            <a:endParaRPr sz="1778">
               <a:solidFill>
                 <a:srgbClr val="434343"/>
               </a:solidFill>
@@ -5947,8 +5991,8 @@
         </p:nvSpPr>
         <p:spPr>
           <a:xfrm>
-            <a:off x="848850" y="1257100"/>
-            <a:ext cx="1074900" cy="220500"/>
+            <a:off x="2155809" y="3573635"/>
+            <a:ext cx="2729905" cy="560000"/>
           </a:xfrm>
           <a:prstGeom prst="rect">
             <a:avLst/>
@@ -5959,22 +6003,14 @@
           </a:ln>
         </p:spPr>
         <p:txBody>
-          <a:bodyPr anchorCtr="0" anchor="t" bIns="19650" lIns="39325" spcFirstLastPara="1" rIns="39325" wrap="square" tIns="19650">
+          <a:bodyPr spcFirstLastPara="1" wrap="square" lIns="99873" tIns="49905" rIns="99873" bIns="49905" anchor="t" anchorCtr="0">
             <a:noAutofit/>
           </a:bodyPr>
           <a:lstStyle/>
           <a:p>
-            <a:pPr indent="0" lvl="0" marL="0" rtl="0" algn="ctr">
-              <a:spcBef>
-                <a:spcPts val="0"/>
-              </a:spcBef>
-              <a:spcAft>
-                <a:spcPts val="0"/>
-              </a:spcAft>
-              <a:buNone/>
-            </a:pPr>
+            <a:pPr algn="ctr"/>
             <a:r>
-              <a:rPr i="1" lang="en-GB" sz="700">
+              <a:rPr lang="en-GB" sz="1778" i="1">
                 <a:solidFill>
                   <a:srgbClr val="434343"/>
                 </a:solidFill>
@@ -5985,7 +6021,7 @@
               </a:rPr>
               <a:t>write a new dish...</a:t>
             </a:r>
-            <a:endParaRPr i="1" sz="700">
+            <a:endParaRPr sz="1778" i="1">
               <a:solidFill>
                 <a:srgbClr val="434343"/>
               </a:solidFill>
@@ -6005,8 +6041,8 @@
         </p:nvSpPr>
         <p:spPr>
           <a:xfrm>
-            <a:off x="848850" y="1442761"/>
-            <a:ext cx="1074900" cy="220500"/>
+            <a:off x="2155809" y="4045155"/>
+            <a:ext cx="2729905" cy="560000"/>
           </a:xfrm>
           <a:prstGeom prst="rect">
             <a:avLst/>
@@ -6017,22 +6053,14 @@
           </a:ln>
         </p:spPr>
         <p:txBody>
-          <a:bodyPr anchorCtr="0" anchor="t" bIns="19650" lIns="39325" spcFirstLastPara="1" rIns="39325" wrap="square" tIns="19650">
+          <a:bodyPr spcFirstLastPara="1" wrap="square" lIns="99873" tIns="49905" rIns="99873" bIns="49905" anchor="t" anchorCtr="0">
             <a:noAutofit/>
           </a:bodyPr>
           <a:lstStyle/>
           <a:p>
-            <a:pPr indent="0" lvl="0" marL="0" rtl="0" algn="ctr">
-              <a:spcBef>
-                <a:spcPts val="0"/>
-              </a:spcBef>
-              <a:spcAft>
-                <a:spcPts val="0"/>
-              </a:spcAft>
-              <a:buNone/>
-            </a:pPr>
+            <a:pPr algn="ctr"/>
             <a:r>
-              <a:rPr i="1" lang="en-GB" sz="700">
+              <a:rPr lang="en-GB" sz="1778" i="1">
                 <a:solidFill>
                   <a:srgbClr val="434343"/>
                 </a:solidFill>
@@ -6043,7 +6071,7 @@
               </a:rPr>
               <a:t>write a new dish...</a:t>
             </a:r>
-            <a:endParaRPr i="1" sz="700">
+            <a:endParaRPr sz="1778" i="1">
               <a:solidFill>
                 <a:srgbClr val="434343"/>
               </a:solidFill>
@@ -6063,8 +6091,8 @@
         </p:nvSpPr>
         <p:spPr>
           <a:xfrm>
-            <a:off x="848850" y="1628423"/>
-            <a:ext cx="1074900" cy="220500"/>
+            <a:off x="2155809" y="4516677"/>
+            <a:ext cx="2729905" cy="560000"/>
           </a:xfrm>
           <a:prstGeom prst="rect">
             <a:avLst/>
@@ -6075,22 +6103,14 @@
           </a:ln>
         </p:spPr>
         <p:txBody>
-          <a:bodyPr anchorCtr="0" anchor="t" bIns="19650" lIns="39325" spcFirstLastPara="1" rIns="39325" wrap="square" tIns="19650">
+          <a:bodyPr spcFirstLastPara="1" wrap="square" lIns="99873" tIns="49905" rIns="99873" bIns="49905" anchor="t" anchorCtr="0">
             <a:noAutofit/>
           </a:bodyPr>
           <a:lstStyle/>
           <a:p>
-            <a:pPr indent="0" lvl="0" marL="0" rtl="0" algn="ctr">
-              <a:spcBef>
-                <a:spcPts val="0"/>
-              </a:spcBef>
-              <a:spcAft>
-                <a:spcPts val="0"/>
-              </a:spcAft>
-              <a:buNone/>
-            </a:pPr>
+            <a:pPr algn="ctr"/>
             <a:r>
-              <a:rPr i="1" lang="en-GB" sz="700">
+              <a:rPr lang="en-GB" sz="1778" i="1">
                 <a:solidFill>
                   <a:srgbClr val="434343"/>
                 </a:solidFill>
@@ -6101,7 +6121,7 @@
               </a:rPr>
               <a:t>write a new dish...</a:t>
             </a:r>
-            <a:endParaRPr i="1" sz="700">
+            <a:endParaRPr sz="1778" i="1">
               <a:solidFill>
                 <a:srgbClr val="434343"/>
               </a:solidFill>
@@ -6121,8 +6141,8 @@
         </p:nvSpPr>
         <p:spPr>
           <a:xfrm>
-            <a:off x="848850" y="1814084"/>
-            <a:ext cx="1074900" cy="220500"/>
+            <a:off x="2155809" y="4988197"/>
+            <a:ext cx="2729905" cy="560000"/>
           </a:xfrm>
           <a:prstGeom prst="rect">
             <a:avLst/>
@@ -6133,22 +6153,14 @@
           </a:ln>
         </p:spPr>
         <p:txBody>
-          <a:bodyPr anchorCtr="0" anchor="t" bIns="19650" lIns="39325" spcFirstLastPara="1" rIns="39325" wrap="square" tIns="19650">
+          <a:bodyPr spcFirstLastPara="1" wrap="square" lIns="99873" tIns="49905" rIns="99873" bIns="49905" anchor="t" anchorCtr="0">
             <a:noAutofit/>
           </a:bodyPr>
           <a:lstStyle/>
           <a:p>
-            <a:pPr indent="0" lvl="0" marL="0" rtl="0" algn="ctr">
-              <a:spcBef>
-                <a:spcPts val="0"/>
-              </a:spcBef>
-              <a:spcAft>
-                <a:spcPts val="0"/>
-              </a:spcAft>
-              <a:buNone/>
-            </a:pPr>
+            <a:pPr algn="ctr"/>
             <a:r>
-              <a:rPr i="1" lang="en-GB" sz="700">
+              <a:rPr lang="en-GB" sz="1778" i="1">
                 <a:solidFill>
                   <a:srgbClr val="434343"/>
                 </a:solidFill>
@@ -6159,7 +6171,7 @@
               </a:rPr>
               <a:t>write a new dish...</a:t>
             </a:r>
-            <a:endParaRPr i="1" sz="700">
+            <a:endParaRPr sz="1778" i="1">
               <a:solidFill>
                 <a:srgbClr val="434343"/>
               </a:solidFill>
@@ -6179,8 +6191,8 @@
         </p:nvSpPr>
         <p:spPr>
           <a:xfrm>
-            <a:off x="848850" y="1999745"/>
-            <a:ext cx="1074900" cy="220500"/>
+            <a:off x="2155809" y="5459717"/>
+            <a:ext cx="2729905" cy="560000"/>
           </a:xfrm>
           <a:prstGeom prst="rect">
             <a:avLst/>
@@ -6191,22 +6203,14 @@
           </a:ln>
         </p:spPr>
         <p:txBody>
-          <a:bodyPr anchorCtr="0" anchor="t" bIns="19650" lIns="39325" spcFirstLastPara="1" rIns="39325" wrap="square" tIns="19650">
+          <a:bodyPr spcFirstLastPara="1" wrap="square" lIns="99873" tIns="49905" rIns="99873" bIns="49905" anchor="t" anchorCtr="0">
             <a:noAutofit/>
           </a:bodyPr>
           <a:lstStyle/>
           <a:p>
-            <a:pPr indent="0" lvl="0" marL="0" rtl="0" algn="ctr">
-              <a:spcBef>
-                <a:spcPts val="0"/>
-              </a:spcBef>
-              <a:spcAft>
-                <a:spcPts val="0"/>
-              </a:spcAft>
-              <a:buNone/>
-            </a:pPr>
+            <a:pPr algn="ctr"/>
             <a:r>
-              <a:rPr i="1" lang="en-GB" sz="700">
+              <a:rPr lang="en-GB" sz="1778" i="1">
                 <a:solidFill>
                   <a:srgbClr val="434343"/>
                 </a:solidFill>
@@ -6217,7 +6221,7 @@
               </a:rPr>
               <a:t>write a new dish...</a:t>
             </a:r>
-            <a:endParaRPr i="1" sz="700">
+            <a:endParaRPr sz="1778" i="1">
               <a:solidFill>
                 <a:srgbClr val="434343"/>
               </a:solidFill>
@@ -6237,8 +6241,8 @@
         </p:nvSpPr>
         <p:spPr>
           <a:xfrm>
-            <a:off x="848850" y="2185406"/>
-            <a:ext cx="1074900" cy="220500"/>
+            <a:off x="2155809" y="5931237"/>
+            <a:ext cx="2729905" cy="560000"/>
           </a:xfrm>
           <a:prstGeom prst="rect">
             <a:avLst/>
@@ -6249,22 +6253,14 @@
           </a:ln>
         </p:spPr>
         <p:txBody>
-          <a:bodyPr anchorCtr="0" anchor="t" bIns="19650" lIns="39325" spcFirstLastPara="1" rIns="39325" wrap="square" tIns="19650">
+          <a:bodyPr spcFirstLastPara="1" wrap="square" lIns="99873" tIns="49905" rIns="99873" bIns="49905" anchor="t" anchorCtr="0">
             <a:noAutofit/>
           </a:bodyPr>
           <a:lstStyle/>
           <a:p>
-            <a:pPr indent="0" lvl="0" marL="0" rtl="0" algn="ctr">
-              <a:spcBef>
-                <a:spcPts val="0"/>
-              </a:spcBef>
-              <a:spcAft>
-                <a:spcPts val="0"/>
-              </a:spcAft>
-              <a:buNone/>
-            </a:pPr>
+            <a:pPr algn="ctr"/>
             <a:r>
-              <a:rPr i="1" lang="en-GB" sz="700">
+              <a:rPr lang="en-GB" sz="1778" i="1">
                 <a:solidFill>
                   <a:srgbClr val="434343"/>
                 </a:solidFill>
@@ -6275,7 +6271,7 @@
               </a:rPr>
               <a:t>write a new dish...</a:t>
             </a:r>
-            <a:endParaRPr i="1" sz="700">
+            <a:endParaRPr sz="1778" i="1">
               <a:solidFill>
                 <a:srgbClr val="434343"/>
               </a:solidFill>
@@ -6295,8 +6291,8 @@
         </p:nvSpPr>
         <p:spPr>
           <a:xfrm>
-            <a:off x="848850" y="2371067"/>
-            <a:ext cx="1074900" cy="220500"/>
+            <a:off x="2155809" y="6402757"/>
+            <a:ext cx="2729905" cy="560000"/>
           </a:xfrm>
           <a:prstGeom prst="rect">
             <a:avLst/>
@@ -6307,22 +6303,14 @@
           </a:ln>
         </p:spPr>
         <p:txBody>
-          <a:bodyPr anchorCtr="0" anchor="t" bIns="19650" lIns="39325" spcFirstLastPara="1" rIns="39325" wrap="square" tIns="19650">
+          <a:bodyPr spcFirstLastPara="1" wrap="square" lIns="99873" tIns="49905" rIns="99873" bIns="49905" anchor="t" anchorCtr="0">
             <a:noAutofit/>
           </a:bodyPr>
           <a:lstStyle/>
           <a:p>
-            <a:pPr indent="0" lvl="0" marL="0" rtl="0" algn="ctr">
-              <a:spcBef>
-                <a:spcPts val="0"/>
-              </a:spcBef>
-              <a:spcAft>
-                <a:spcPts val="0"/>
-              </a:spcAft>
-              <a:buNone/>
-            </a:pPr>
+            <a:pPr algn="ctr"/>
             <a:r>
-              <a:rPr i="1" lang="en-GB" sz="700">
+              <a:rPr lang="en-GB" sz="1778" i="1">
                 <a:solidFill>
                   <a:srgbClr val="434343"/>
                 </a:solidFill>
@@ -6333,7 +6321,7 @@
               </a:rPr>
               <a:t>write a new dish...</a:t>
             </a:r>
-            <a:endParaRPr i="1" sz="700">
+            <a:endParaRPr sz="1778" i="1">
               <a:solidFill>
                 <a:srgbClr val="434343"/>
               </a:solidFill>
@@ -6353,8 +6341,8 @@
         </p:nvSpPr>
         <p:spPr>
           <a:xfrm>
-            <a:off x="848850" y="894597"/>
-            <a:ext cx="1074900" cy="220500"/>
+            <a:off x="2155809" y="2652992"/>
+            <a:ext cx="2729905" cy="560000"/>
           </a:xfrm>
           <a:prstGeom prst="rect">
             <a:avLst/>
@@ -6365,22 +6353,14 @@
           </a:ln>
         </p:spPr>
         <p:txBody>
-          <a:bodyPr anchorCtr="0" anchor="t" bIns="19650" lIns="39325" spcFirstLastPara="1" rIns="39325" wrap="square" tIns="19650">
+          <a:bodyPr spcFirstLastPara="1" wrap="square" lIns="99873" tIns="49905" rIns="99873" bIns="49905" anchor="t" anchorCtr="0">
             <a:noAutofit/>
           </a:bodyPr>
           <a:lstStyle/>
           <a:p>
-            <a:pPr indent="0" lvl="0" marL="0" rtl="0" algn="ctr">
-              <a:spcBef>
-                <a:spcPts val="0"/>
-              </a:spcBef>
-              <a:spcAft>
-                <a:spcPts val="0"/>
-              </a:spcAft>
-              <a:buNone/>
-            </a:pPr>
+            <a:pPr algn="ctr"/>
             <a:r>
-              <a:rPr lang="en-GB" sz="700">
+              <a:rPr lang="en-GB" sz="1778">
                 <a:solidFill>
                   <a:srgbClr val="434343"/>
                 </a:solidFill>
@@ -6391,7 +6371,7 @@
               </a:rPr>
               <a:t>dish description...</a:t>
             </a:r>
-            <a:endParaRPr sz="700">
+            <a:endParaRPr sz="1778">
               <a:solidFill>
                 <a:srgbClr val="434343"/>
               </a:solidFill>
@@ -6411,8 +6391,8 @@
         </p:nvSpPr>
         <p:spPr>
           <a:xfrm>
-            <a:off x="848850" y="717755"/>
-            <a:ext cx="1074900" cy="220500"/>
+            <a:off x="2155809" y="2203870"/>
+            <a:ext cx="2729905" cy="560000"/>
           </a:xfrm>
           <a:prstGeom prst="rect">
             <a:avLst/>
@@ -6423,22 +6403,14 @@
           </a:ln>
         </p:spPr>
         <p:txBody>
-          <a:bodyPr anchorCtr="0" anchor="t" bIns="19650" lIns="39325" spcFirstLastPara="1" rIns="39325" wrap="square" tIns="19650">
+          <a:bodyPr spcFirstLastPara="1" wrap="square" lIns="99873" tIns="49905" rIns="99873" bIns="49905" anchor="t" anchorCtr="0">
             <a:noAutofit/>
           </a:bodyPr>
           <a:lstStyle/>
           <a:p>
-            <a:pPr indent="0" lvl="0" marL="0" rtl="0" algn="ctr">
-              <a:spcBef>
-                <a:spcPts val="0"/>
-              </a:spcBef>
-              <a:spcAft>
-                <a:spcPts val="0"/>
-              </a:spcAft>
-              <a:buNone/>
-            </a:pPr>
+            <a:pPr algn="ctr"/>
             <a:r>
-              <a:rPr lang="en-GB" sz="900">
+              <a:rPr lang="en-GB" sz="2286">
                 <a:solidFill>
                   <a:srgbClr val="434343"/>
                 </a:solidFill>
@@ -6449,7 +6421,7 @@
               </a:rPr>
               <a:t>Dish Name</a:t>
             </a:r>
-            <a:endParaRPr sz="900">
+            <a:endParaRPr sz="2286">
               <a:solidFill>
                 <a:srgbClr val="434343"/>
               </a:solidFill>
@@ -6469,8 +6441,8 @@
         </p:nvSpPr>
         <p:spPr>
           <a:xfrm>
-            <a:off x="848850" y="275649"/>
-            <a:ext cx="1074900" cy="220500"/>
+            <a:off x="2155809" y="1081061"/>
+            <a:ext cx="2729905" cy="560000"/>
           </a:xfrm>
           <a:prstGeom prst="rect">
             <a:avLst/>
@@ -6481,22 +6453,14 @@
           </a:ln>
         </p:spPr>
         <p:txBody>
-          <a:bodyPr anchorCtr="0" anchor="t" bIns="19650" lIns="39325" spcFirstLastPara="1" rIns="39325" wrap="square" tIns="19650">
+          <a:bodyPr spcFirstLastPara="1" wrap="square" lIns="99873" tIns="49905" rIns="99873" bIns="49905" anchor="t" anchorCtr="0">
             <a:noAutofit/>
           </a:bodyPr>
           <a:lstStyle/>
           <a:p>
-            <a:pPr indent="0" lvl="0" marL="0" rtl="0" algn="ctr">
-              <a:spcBef>
-                <a:spcPts val="0"/>
-              </a:spcBef>
-              <a:spcAft>
-                <a:spcPts val="0"/>
-              </a:spcAft>
-              <a:buNone/>
-            </a:pPr>
+            <a:pPr algn="ctr"/>
             <a:r>
-              <a:rPr lang="en-GB" sz="1700">
+              <a:rPr lang="en-GB" sz="4317">
                 <a:solidFill>
                   <a:srgbClr val="434343"/>
                 </a:solidFill>
@@ -6507,7 +6471,7 @@
               </a:rPr>
               <a:t>Menu</a:t>
             </a:r>
-            <a:endParaRPr sz="1700">
+            <a:endParaRPr sz="4317">
               <a:solidFill>
                 <a:srgbClr val="434343"/>
               </a:solidFill>
@@ -6528,7 +6492,7 @@
 </file>
 
 <file path=ppt/slides/slide2.xml><?xml version="1.0" encoding="utf-8"?>
-<p:sld xmlns:a="http://schemas.openxmlformats.org/drawingml/2006/main" xmlns:r="http://schemas.openxmlformats.org/officeDocument/2006/relationships" xmlns:mc="http://schemas.openxmlformats.org/markup-compatibility/2006" xmlns:mv="urn:schemas-microsoft-com:mac:vml" xmlns:p="http://schemas.openxmlformats.org/presentationml/2006/main" xmlns:c="http://schemas.openxmlformats.org/drawingml/2006/chart" xmlns:dgm="http://schemas.openxmlformats.org/drawingml/2006/diagram" xmlns:o="urn:schemas-microsoft-com:office:office" xmlns:v="urn:schemas-microsoft-com:vml" xmlns:pvml="urn:schemas-microsoft-com:office:powerpoint" xmlns:com="http://schemas.openxmlformats.org/drawingml/2006/compatibility" xmlns:p14="http://schemas.microsoft.com/office/powerpoint/2010/main" xmlns:p15="http://schemas.microsoft.com/office/powerpoint/2012/main" xmlns:ahyp="http://schemas.microsoft.com/office/drawing/2018/hyperlinkcolor">
+<p:sld xmlns:a="http://schemas.openxmlformats.org/drawingml/2006/main" xmlns:r="http://schemas.openxmlformats.org/officeDocument/2006/relationships" xmlns:p="http://schemas.openxmlformats.org/presentationml/2006/main">
   <p:cSld>
     <p:bg>
       <p:bgPr>
@@ -6540,11 +6504,12 @@
             <a:fillRect/>
           </a:stretch>
         </a:blipFill>
+        <a:effectLst/>
       </p:bgPr>
     </p:bg>
     <p:spTree>
       <p:nvGrpSpPr>
-        <p:cNvPr id="68" name="Shape 68"/>
+        <p:cNvPr id="1" name="Shape 68"/>
         <p:cNvGrpSpPr/>
         <p:nvPr/>
       </p:nvGrpSpPr>
@@ -6564,8 +6529,8 @@
         </p:nvSpPr>
         <p:spPr>
           <a:xfrm>
-            <a:off x="772654" y="1342457"/>
-            <a:ext cx="1074900" cy="189900"/>
+            <a:off x="1962295" y="3790414"/>
+            <a:ext cx="2729905" cy="482286"/>
           </a:xfrm>
           <a:prstGeom prst="rect">
             <a:avLst/>
@@ -6576,22 +6541,14 @@
           </a:ln>
         </p:spPr>
         <p:txBody>
-          <a:bodyPr anchorCtr="0" anchor="t" bIns="19650" lIns="39325" spcFirstLastPara="1" rIns="39325" wrap="square" tIns="19650">
+          <a:bodyPr spcFirstLastPara="1" wrap="square" lIns="99873" tIns="49905" rIns="99873" bIns="49905" anchor="t" anchorCtr="0">
             <a:noAutofit/>
           </a:bodyPr>
           <a:lstStyle/>
           <a:p>
-            <a:pPr indent="0" lvl="0" marL="0" rtl="0" algn="ctr">
-              <a:spcBef>
-                <a:spcPts val="0"/>
-              </a:spcBef>
-              <a:spcAft>
-                <a:spcPts val="0"/>
-              </a:spcAft>
-              <a:buNone/>
-            </a:pPr>
+            <a:pPr algn="ctr"/>
             <a:r>
-              <a:rPr lang="en-GB" sz="500">
+              <a:rPr lang="en-GB" sz="1270">
                 <a:solidFill>
                   <a:srgbClr val="7F7F7F"/>
                 </a:solidFill>
@@ -6602,7 +6559,7 @@
               </a:rPr>
               <a:t>0.00$</a:t>
             </a:r>
-            <a:endParaRPr sz="500">
+            <a:endParaRPr sz="1270">
               <a:solidFill>
                 <a:srgbClr val="7F7F7F"/>
               </a:solidFill>
@@ -6622,8 +6579,8 @@
         </p:nvSpPr>
         <p:spPr>
           <a:xfrm>
-            <a:off x="772654" y="1502457"/>
-            <a:ext cx="1074900" cy="189900"/>
+            <a:off x="1962295" y="4196764"/>
+            <a:ext cx="2729905" cy="482286"/>
           </a:xfrm>
           <a:prstGeom prst="rect">
             <a:avLst/>
@@ -6634,22 +6591,14 @@
           </a:ln>
         </p:spPr>
         <p:txBody>
-          <a:bodyPr anchorCtr="0" anchor="t" bIns="19650" lIns="39325" spcFirstLastPara="1" rIns="39325" wrap="square" tIns="19650">
+          <a:bodyPr spcFirstLastPara="1" wrap="square" lIns="99873" tIns="49905" rIns="99873" bIns="49905" anchor="t" anchorCtr="0">
             <a:noAutofit/>
           </a:bodyPr>
           <a:lstStyle/>
           <a:p>
-            <a:pPr indent="0" lvl="0" marL="0" rtl="0" algn="ctr">
-              <a:spcBef>
-                <a:spcPts val="0"/>
-              </a:spcBef>
-              <a:spcAft>
-                <a:spcPts val="0"/>
-              </a:spcAft>
-              <a:buNone/>
-            </a:pPr>
+            <a:pPr algn="ctr"/>
             <a:r>
-              <a:rPr i="1" lang="en-GB" sz="500">
+              <a:rPr lang="en-GB" sz="1270" i="1">
                 <a:solidFill>
                   <a:srgbClr val="7F7F7F"/>
                 </a:solidFill>
@@ -6660,7 +6609,7 @@
               </a:rPr>
               <a:t>write a new dish...</a:t>
             </a:r>
-            <a:endParaRPr i="1" sz="500">
+            <a:endParaRPr sz="1270" i="1">
               <a:solidFill>
                 <a:srgbClr val="7F7F7F"/>
               </a:solidFill>
@@ -6680,8 +6629,8 @@
         </p:nvSpPr>
         <p:spPr>
           <a:xfrm>
-            <a:off x="772654" y="1662457"/>
-            <a:ext cx="1074900" cy="189900"/>
+            <a:off x="1962295" y="4603113"/>
+            <a:ext cx="2729905" cy="482286"/>
           </a:xfrm>
           <a:prstGeom prst="rect">
             <a:avLst/>
@@ -6692,22 +6641,14 @@
           </a:ln>
         </p:spPr>
         <p:txBody>
-          <a:bodyPr anchorCtr="0" anchor="t" bIns="19650" lIns="39325" spcFirstLastPara="1" rIns="39325" wrap="square" tIns="19650">
+          <a:bodyPr spcFirstLastPara="1" wrap="square" lIns="99873" tIns="49905" rIns="99873" bIns="49905" anchor="t" anchorCtr="0">
             <a:noAutofit/>
           </a:bodyPr>
           <a:lstStyle/>
           <a:p>
-            <a:pPr indent="0" lvl="0" marL="0" rtl="0" algn="ctr">
-              <a:spcBef>
-                <a:spcPts val="0"/>
-              </a:spcBef>
-              <a:spcAft>
-                <a:spcPts val="0"/>
-              </a:spcAft>
-              <a:buNone/>
-            </a:pPr>
+            <a:pPr algn="ctr"/>
             <a:r>
-              <a:rPr i="1" lang="en-GB" sz="500">
+              <a:rPr lang="en-GB" sz="1270" i="1">
                 <a:solidFill>
                   <a:srgbClr val="7F7F7F"/>
                 </a:solidFill>
@@ -6718,7 +6659,7 @@
               </a:rPr>
               <a:t>write a new dish...</a:t>
             </a:r>
-            <a:endParaRPr i="1" sz="500">
+            <a:endParaRPr sz="1270" i="1">
               <a:solidFill>
                 <a:srgbClr val="7F7F7F"/>
               </a:solidFill>
@@ -6738,8 +6679,8 @@
         </p:nvSpPr>
         <p:spPr>
           <a:xfrm>
-            <a:off x="772654" y="1822457"/>
-            <a:ext cx="1074900" cy="189900"/>
+            <a:off x="1962295" y="5009462"/>
+            <a:ext cx="2729905" cy="482286"/>
           </a:xfrm>
           <a:prstGeom prst="rect">
             <a:avLst/>
@@ -6750,22 +6691,14 @@
           </a:ln>
         </p:spPr>
         <p:txBody>
-          <a:bodyPr anchorCtr="0" anchor="t" bIns="19650" lIns="39325" spcFirstLastPara="1" rIns="39325" wrap="square" tIns="19650">
+          <a:bodyPr spcFirstLastPara="1" wrap="square" lIns="99873" tIns="49905" rIns="99873" bIns="49905" anchor="t" anchorCtr="0">
             <a:noAutofit/>
           </a:bodyPr>
           <a:lstStyle/>
           <a:p>
-            <a:pPr indent="0" lvl="0" marL="0" rtl="0" algn="ctr">
-              <a:spcBef>
-                <a:spcPts val="0"/>
-              </a:spcBef>
-              <a:spcAft>
-                <a:spcPts val="0"/>
-              </a:spcAft>
-              <a:buNone/>
-            </a:pPr>
+            <a:pPr algn="ctr"/>
             <a:r>
-              <a:rPr i="1" lang="en-GB" sz="500">
+              <a:rPr lang="en-GB" sz="1270" i="1">
                 <a:solidFill>
                   <a:srgbClr val="7F7F7F"/>
                 </a:solidFill>
@@ -6776,7 +6709,7 @@
               </a:rPr>
               <a:t>write a new dish...</a:t>
             </a:r>
-            <a:endParaRPr i="1" sz="500">
+            <a:endParaRPr sz="1270" i="1">
               <a:solidFill>
                 <a:srgbClr val="7F7F7F"/>
               </a:solidFill>
@@ -6796,8 +6729,8 @@
         </p:nvSpPr>
         <p:spPr>
           <a:xfrm>
-            <a:off x="772654" y="1982457"/>
-            <a:ext cx="1074900" cy="189900"/>
+            <a:off x="1962295" y="5415811"/>
+            <a:ext cx="2729905" cy="482286"/>
           </a:xfrm>
           <a:prstGeom prst="rect">
             <a:avLst/>
@@ -6808,22 +6741,14 @@
           </a:ln>
         </p:spPr>
         <p:txBody>
-          <a:bodyPr anchorCtr="0" anchor="t" bIns="19650" lIns="39325" spcFirstLastPara="1" rIns="39325" wrap="square" tIns="19650">
+          <a:bodyPr spcFirstLastPara="1" wrap="square" lIns="99873" tIns="49905" rIns="99873" bIns="49905" anchor="t" anchorCtr="0">
             <a:noAutofit/>
           </a:bodyPr>
           <a:lstStyle/>
           <a:p>
-            <a:pPr indent="0" lvl="0" marL="0" rtl="0" algn="ctr">
-              <a:spcBef>
-                <a:spcPts val="0"/>
-              </a:spcBef>
-              <a:spcAft>
-                <a:spcPts val="0"/>
-              </a:spcAft>
-              <a:buNone/>
-            </a:pPr>
+            <a:pPr algn="ctr"/>
             <a:r>
-              <a:rPr i="1" lang="en-GB" sz="500">
+              <a:rPr lang="en-GB" sz="1270" i="1">
                 <a:solidFill>
                   <a:srgbClr val="7F7F7F"/>
                 </a:solidFill>
@@ -6834,7 +6759,7 @@
               </a:rPr>
               <a:t>write a new dish...</a:t>
             </a:r>
-            <a:endParaRPr i="1" sz="500">
+            <a:endParaRPr sz="1270" i="1">
               <a:solidFill>
                 <a:srgbClr val="7F7F7F"/>
               </a:solidFill>
@@ -6854,8 +6779,8 @@
         </p:nvSpPr>
         <p:spPr>
           <a:xfrm>
-            <a:off x="772654" y="2142457"/>
-            <a:ext cx="1074900" cy="189900"/>
+            <a:off x="1962295" y="5822160"/>
+            <a:ext cx="2729905" cy="482286"/>
           </a:xfrm>
           <a:prstGeom prst="rect">
             <a:avLst/>
@@ -6866,22 +6791,14 @@
           </a:ln>
         </p:spPr>
         <p:txBody>
-          <a:bodyPr anchorCtr="0" anchor="t" bIns="19650" lIns="39325" spcFirstLastPara="1" rIns="39325" wrap="square" tIns="19650">
+          <a:bodyPr spcFirstLastPara="1" wrap="square" lIns="99873" tIns="49905" rIns="99873" bIns="49905" anchor="t" anchorCtr="0">
             <a:noAutofit/>
           </a:bodyPr>
           <a:lstStyle/>
           <a:p>
-            <a:pPr indent="0" lvl="0" marL="0" rtl="0" algn="ctr">
-              <a:spcBef>
-                <a:spcPts val="0"/>
-              </a:spcBef>
-              <a:spcAft>
-                <a:spcPts val="0"/>
-              </a:spcAft>
-              <a:buNone/>
-            </a:pPr>
+            <a:pPr algn="ctr"/>
             <a:r>
-              <a:rPr i="1" lang="en-GB" sz="500">
+              <a:rPr lang="en-GB" sz="1270" i="1">
                 <a:solidFill>
                   <a:srgbClr val="7F7F7F"/>
                 </a:solidFill>
@@ -6892,7 +6809,7 @@
               </a:rPr>
               <a:t>write a new dish...</a:t>
             </a:r>
-            <a:endParaRPr i="1" sz="500">
+            <a:endParaRPr sz="1270" i="1">
               <a:solidFill>
                 <a:srgbClr val="7F7F7F"/>
               </a:solidFill>
@@ -6912,8 +6829,8 @@
         </p:nvSpPr>
         <p:spPr>
           <a:xfrm>
-            <a:off x="772654" y="2302457"/>
-            <a:ext cx="1074900" cy="189900"/>
+            <a:off x="1962295" y="6228510"/>
+            <a:ext cx="2729905" cy="482286"/>
           </a:xfrm>
           <a:prstGeom prst="rect">
             <a:avLst/>
@@ -6924,22 +6841,14 @@
           </a:ln>
         </p:spPr>
         <p:txBody>
-          <a:bodyPr anchorCtr="0" anchor="t" bIns="19650" lIns="39325" spcFirstLastPara="1" rIns="39325" wrap="square" tIns="19650">
+          <a:bodyPr spcFirstLastPara="1" wrap="square" lIns="99873" tIns="49905" rIns="99873" bIns="49905" anchor="t" anchorCtr="0">
             <a:noAutofit/>
           </a:bodyPr>
           <a:lstStyle/>
           <a:p>
-            <a:pPr indent="0" lvl="0" marL="0" rtl="0" algn="ctr">
-              <a:spcBef>
-                <a:spcPts val="0"/>
-              </a:spcBef>
-              <a:spcAft>
-                <a:spcPts val="0"/>
-              </a:spcAft>
-              <a:buNone/>
-            </a:pPr>
+            <a:pPr algn="ctr"/>
             <a:r>
-              <a:rPr i="1" lang="en-GB" sz="500">
+              <a:rPr lang="en-GB" sz="1270" i="1">
                 <a:solidFill>
                   <a:srgbClr val="7F7F7F"/>
                 </a:solidFill>
@@ -6950,7 +6859,7 @@
               </a:rPr>
               <a:t>write a new dish...</a:t>
             </a:r>
-            <a:endParaRPr i="1" sz="500">
+            <a:endParaRPr sz="1270" i="1">
               <a:solidFill>
                 <a:srgbClr val="7F7F7F"/>
               </a:solidFill>
@@ -6970,8 +6879,8 @@
         </p:nvSpPr>
         <p:spPr>
           <a:xfrm>
-            <a:off x="772654" y="2462457"/>
-            <a:ext cx="1074900" cy="189900"/>
+            <a:off x="1962295" y="6634859"/>
+            <a:ext cx="2729905" cy="482286"/>
           </a:xfrm>
           <a:prstGeom prst="rect">
             <a:avLst/>
@@ -6982,22 +6891,14 @@
           </a:ln>
         </p:spPr>
         <p:txBody>
-          <a:bodyPr anchorCtr="0" anchor="t" bIns="19650" lIns="39325" spcFirstLastPara="1" rIns="39325" wrap="square" tIns="19650">
+          <a:bodyPr spcFirstLastPara="1" wrap="square" lIns="99873" tIns="49905" rIns="99873" bIns="49905" anchor="t" anchorCtr="0">
             <a:noAutofit/>
           </a:bodyPr>
           <a:lstStyle/>
           <a:p>
-            <a:pPr indent="0" lvl="0" marL="0" rtl="0" algn="ctr">
-              <a:spcBef>
-                <a:spcPts val="0"/>
-              </a:spcBef>
-              <a:spcAft>
-                <a:spcPts val="0"/>
-              </a:spcAft>
-              <a:buNone/>
-            </a:pPr>
+            <a:pPr algn="ctr"/>
             <a:r>
-              <a:rPr i="1" lang="en-GB" sz="500">
+              <a:rPr lang="en-GB" sz="1270" i="1">
                 <a:solidFill>
                   <a:srgbClr val="7F7F7F"/>
                 </a:solidFill>
@@ -7008,7 +6909,7 @@
               </a:rPr>
               <a:t>write a new dish...</a:t>
             </a:r>
-            <a:endParaRPr i="1" sz="500">
+            <a:endParaRPr sz="1270" i="1">
               <a:solidFill>
                 <a:srgbClr val="7F7F7F"/>
               </a:solidFill>
@@ -7028,8 +6929,8 @@
         </p:nvSpPr>
         <p:spPr>
           <a:xfrm>
-            <a:off x="772654" y="1190057"/>
-            <a:ext cx="1074900" cy="189900"/>
+            <a:off x="1962295" y="3403367"/>
+            <a:ext cx="2729905" cy="482286"/>
           </a:xfrm>
           <a:prstGeom prst="rect">
             <a:avLst/>
@@ -7040,22 +6941,14 @@
           </a:ln>
         </p:spPr>
         <p:txBody>
-          <a:bodyPr anchorCtr="0" anchor="t" bIns="19650" lIns="39325" spcFirstLastPara="1" rIns="39325" wrap="square" tIns="19650">
+          <a:bodyPr spcFirstLastPara="1" wrap="square" lIns="99873" tIns="49905" rIns="99873" bIns="49905" anchor="t" anchorCtr="0">
             <a:noAutofit/>
           </a:bodyPr>
           <a:lstStyle/>
           <a:p>
-            <a:pPr indent="0" lvl="0" marL="0" rtl="0" algn="ctr">
-              <a:spcBef>
-                <a:spcPts val="0"/>
-              </a:spcBef>
-              <a:spcAft>
-                <a:spcPts val="0"/>
-              </a:spcAft>
-              <a:buNone/>
-            </a:pPr>
+            <a:pPr algn="ctr"/>
             <a:r>
-              <a:rPr lang="en-GB" sz="500">
+              <a:rPr lang="en-GB" sz="1270">
                 <a:solidFill>
                   <a:srgbClr val="7F7F7F"/>
                 </a:solidFill>
@@ -7066,7 +6959,7 @@
               </a:rPr>
               <a:t>dish description</a:t>
             </a:r>
-            <a:endParaRPr sz="500">
+            <a:endParaRPr sz="1270">
               <a:solidFill>
                 <a:srgbClr val="7F7F7F"/>
               </a:solidFill>
@@ -7086,8 +6979,8 @@
         </p:nvSpPr>
         <p:spPr>
           <a:xfrm>
-            <a:off x="772654" y="1037657"/>
-            <a:ext cx="1074900" cy="189900"/>
+            <a:off x="1962295" y="3016319"/>
+            <a:ext cx="2729905" cy="482286"/>
           </a:xfrm>
           <a:prstGeom prst="rect">
             <a:avLst/>
@@ -7098,22 +6991,14 @@
           </a:ln>
         </p:spPr>
         <p:txBody>
-          <a:bodyPr anchorCtr="0" anchor="t" bIns="19650" lIns="39325" spcFirstLastPara="1" rIns="39325" wrap="square" tIns="19650">
+          <a:bodyPr spcFirstLastPara="1" wrap="square" lIns="99873" tIns="49905" rIns="99873" bIns="49905" anchor="t" anchorCtr="0">
             <a:noAutofit/>
           </a:bodyPr>
           <a:lstStyle/>
           <a:p>
-            <a:pPr indent="0" lvl="0" marL="0" rtl="0" algn="ctr">
-              <a:spcBef>
-                <a:spcPts val="0"/>
-              </a:spcBef>
-              <a:spcAft>
-                <a:spcPts val="0"/>
-              </a:spcAft>
-              <a:buNone/>
-            </a:pPr>
+            <a:pPr algn="ctr"/>
             <a:r>
-              <a:rPr lang="en-GB" sz="700">
+              <a:rPr lang="en-GB" sz="1778">
                 <a:solidFill>
                   <a:srgbClr val="7F7F7F"/>
                 </a:solidFill>
@@ -7124,7 +7009,7 @@
               </a:rPr>
               <a:t>Dish Name</a:t>
             </a:r>
-            <a:endParaRPr sz="700">
+            <a:endParaRPr sz="1778">
               <a:solidFill>
                 <a:srgbClr val="7F7F7F"/>
               </a:solidFill>
@@ -7144,8 +7029,8 @@
         </p:nvSpPr>
         <p:spPr>
           <a:xfrm>
-            <a:off x="772654" y="656657"/>
-            <a:ext cx="1074900" cy="189900"/>
+            <a:off x="1962295" y="2048700"/>
+            <a:ext cx="2729905" cy="482286"/>
           </a:xfrm>
           <a:prstGeom prst="rect">
             <a:avLst/>
@@ -7156,22 +7041,14 @@
           </a:ln>
         </p:spPr>
         <p:txBody>
-          <a:bodyPr anchorCtr="0" anchor="t" bIns="19650" lIns="39325" spcFirstLastPara="1" rIns="39325" wrap="square" tIns="19650">
+          <a:bodyPr spcFirstLastPara="1" wrap="square" lIns="99873" tIns="49905" rIns="99873" bIns="49905" anchor="t" anchorCtr="0">
             <a:noAutofit/>
           </a:bodyPr>
           <a:lstStyle/>
           <a:p>
-            <a:pPr indent="0" lvl="0" marL="0" rtl="0" algn="ctr">
-              <a:spcBef>
-                <a:spcPts val="0"/>
-              </a:spcBef>
-              <a:spcAft>
-                <a:spcPts val="0"/>
-              </a:spcAft>
-              <a:buNone/>
-            </a:pPr>
+            <a:pPr algn="ctr"/>
             <a:r>
-              <a:rPr lang="en-GB" sz="1500">
+              <a:rPr lang="en-GB" sz="3810">
                 <a:solidFill>
                   <a:srgbClr val="7F7F7F"/>
                 </a:solidFill>
@@ -7182,7 +7059,7 @@
               </a:rPr>
               <a:t>Menu</a:t>
             </a:r>
-            <a:endParaRPr sz="1500">
+            <a:endParaRPr sz="3810">
               <a:solidFill>
                 <a:srgbClr val="7F7F7F"/>
               </a:solidFill>
@@ -7203,7 +7080,7 @@
 </file>
 
 <file path=ppt/slides/slide3.xml><?xml version="1.0" encoding="utf-8"?>
-<p:sld xmlns:a="http://schemas.openxmlformats.org/drawingml/2006/main" xmlns:r="http://schemas.openxmlformats.org/officeDocument/2006/relationships" xmlns:mc="http://schemas.openxmlformats.org/markup-compatibility/2006" xmlns:mv="urn:schemas-microsoft-com:mac:vml" xmlns:p="http://schemas.openxmlformats.org/presentationml/2006/main" xmlns:c="http://schemas.openxmlformats.org/drawingml/2006/chart" xmlns:dgm="http://schemas.openxmlformats.org/drawingml/2006/diagram" xmlns:o="urn:schemas-microsoft-com:office:office" xmlns:v="urn:schemas-microsoft-com:vml" xmlns:pvml="urn:schemas-microsoft-com:office:powerpoint" xmlns:com="http://schemas.openxmlformats.org/drawingml/2006/compatibility" xmlns:p14="http://schemas.microsoft.com/office/powerpoint/2010/main" xmlns:p15="http://schemas.microsoft.com/office/powerpoint/2012/main" xmlns:ahyp="http://schemas.microsoft.com/office/drawing/2018/hyperlinkcolor">
+<p:sld xmlns:a="http://schemas.openxmlformats.org/drawingml/2006/main" xmlns:r="http://schemas.openxmlformats.org/officeDocument/2006/relationships" xmlns:p="http://schemas.openxmlformats.org/presentationml/2006/main">
   <p:cSld>
     <p:bg>
       <p:bgPr>
@@ -7215,11 +7092,12 @@
             <a:fillRect/>
           </a:stretch>
         </a:blipFill>
+        <a:effectLst/>
       </p:bgPr>
     </p:bg>
     <p:spTree>
       <p:nvGrpSpPr>
-        <p:cNvPr id="83" name="Shape 83"/>
+        <p:cNvPr id="1" name="Shape 83"/>
         <p:cNvGrpSpPr/>
         <p:nvPr/>
       </p:nvGrpSpPr>
@@ -7239,8 +7117,8 @@
         </p:nvSpPr>
         <p:spPr>
           <a:xfrm>
-            <a:off x="848854" y="1571057"/>
-            <a:ext cx="1074900" cy="189900"/>
+            <a:off x="2155819" y="4370986"/>
+            <a:ext cx="2729905" cy="482286"/>
           </a:xfrm>
           <a:prstGeom prst="rect">
             <a:avLst/>
@@ -7251,22 +7129,14 @@
           </a:ln>
         </p:spPr>
         <p:txBody>
-          <a:bodyPr anchorCtr="0" anchor="t" bIns="19650" lIns="39325" spcFirstLastPara="1" rIns="39325" wrap="square" tIns="19650">
+          <a:bodyPr spcFirstLastPara="1" wrap="square" lIns="99873" tIns="49905" rIns="99873" bIns="49905" anchor="t" anchorCtr="0">
             <a:noAutofit/>
           </a:bodyPr>
           <a:lstStyle/>
           <a:p>
-            <a:pPr indent="0" lvl="0" marL="0" rtl="0" algn="ctr">
-              <a:spcBef>
-                <a:spcPts val="0"/>
-              </a:spcBef>
-              <a:spcAft>
-                <a:spcPts val="0"/>
-              </a:spcAft>
-              <a:buNone/>
-            </a:pPr>
+            <a:pPr algn="ctr"/>
             <a:r>
-              <a:rPr lang="en-GB" sz="500">
+              <a:rPr lang="en-GB" sz="1270">
                 <a:solidFill>
                   <a:srgbClr val="741B47"/>
                 </a:solidFill>
@@ -7277,7 +7147,7 @@
               </a:rPr>
               <a:t>0.00$</a:t>
             </a:r>
-            <a:endParaRPr sz="500">
+            <a:endParaRPr sz="1270">
               <a:solidFill>
                 <a:srgbClr val="741B47"/>
               </a:solidFill>
@@ -7297,8 +7167,8 @@
         </p:nvSpPr>
         <p:spPr>
           <a:xfrm>
-            <a:off x="848854" y="1731057"/>
-            <a:ext cx="1074900" cy="189900"/>
+            <a:off x="2155819" y="4777335"/>
+            <a:ext cx="2729905" cy="482286"/>
           </a:xfrm>
           <a:prstGeom prst="rect">
             <a:avLst/>
@@ -7309,22 +7179,14 @@
           </a:ln>
         </p:spPr>
         <p:txBody>
-          <a:bodyPr anchorCtr="0" anchor="t" bIns="19650" lIns="39325" spcFirstLastPara="1" rIns="39325" wrap="square" tIns="19650">
+          <a:bodyPr spcFirstLastPara="1" wrap="square" lIns="99873" tIns="49905" rIns="99873" bIns="49905" anchor="t" anchorCtr="0">
             <a:noAutofit/>
           </a:bodyPr>
           <a:lstStyle/>
           <a:p>
-            <a:pPr indent="0" lvl="0" marL="0" rtl="0" algn="ctr">
-              <a:spcBef>
-                <a:spcPts val="0"/>
-              </a:spcBef>
-              <a:spcAft>
-                <a:spcPts val="0"/>
-              </a:spcAft>
-              <a:buNone/>
-            </a:pPr>
+            <a:pPr algn="ctr"/>
             <a:r>
-              <a:rPr lang="en-GB" sz="500">
+              <a:rPr lang="en-GB" sz="1270">
                 <a:solidFill>
                   <a:srgbClr val="741B47"/>
                 </a:solidFill>
@@ -7335,7 +7197,7 @@
               </a:rPr>
               <a:t>write a new dish...</a:t>
             </a:r>
-            <a:endParaRPr sz="500">
+            <a:endParaRPr sz="1270">
               <a:solidFill>
                 <a:srgbClr val="741B47"/>
               </a:solidFill>
@@ -7355,8 +7217,8 @@
         </p:nvSpPr>
         <p:spPr>
           <a:xfrm>
-            <a:off x="848854" y="1891057"/>
-            <a:ext cx="1074900" cy="189900"/>
+            <a:off x="2155819" y="5183684"/>
+            <a:ext cx="2729905" cy="482286"/>
           </a:xfrm>
           <a:prstGeom prst="rect">
             <a:avLst/>
@@ -7367,22 +7229,14 @@
           </a:ln>
         </p:spPr>
         <p:txBody>
-          <a:bodyPr anchorCtr="0" anchor="t" bIns="19650" lIns="39325" spcFirstLastPara="1" rIns="39325" wrap="square" tIns="19650">
+          <a:bodyPr spcFirstLastPara="1" wrap="square" lIns="99873" tIns="49905" rIns="99873" bIns="49905" anchor="t" anchorCtr="0">
             <a:noAutofit/>
           </a:bodyPr>
           <a:lstStyle/>
           <a:p>
-            <a:pPr indent="0" lvl="0" marL="0" rtl="0" algn="ctr">
-              <a:spcBef>
-                <a:spcPts val="0"/>
-              </a:spcBef>
-              <a:spcAft>
-                <a:spcPts val="0"/>
-              </a:spcAft>
-              <a:buNone/>
-            </a:pPr>
+            <a:pPr algn="ctr"/>
             <a:r>
-              <a:rPr lang="en-GB" sz="500">
+              <a:rPr lang="en-GB" sz="1270">
                 <a:solidFill>
                   <a:srgbClr val="741B47"/>
                 </a:solidFill>
@@ -7393,7 +7247,7 @@
               </a:rPr>
               <a:t>write a new dish...</a:t>
             </a:r>
-            <a:endParaRPr sz="500">
+            <a:endParaRPr sz="1270">
               <a:solidFill>
                 <a:srgbClr val="741B47"/>
               </a:solidFill>
@@ -7413,8 +7267,8 @@
         </p:nvSpPr>
         <p:spPr>
           <a:xfrm>
-            <a:off x="848854" y="2051057"/>
-            <a:ext cx="1074900" cy="189900"/>
+            <a:off x="2155819" y="5590034"/>
+            <a:ext cx="2729905" cy="482286"/>
           </a:xfrm>
           <a:prstGeom prst="rect">
             <a:avLst/>
@@ -7425,22 +7279,14 @@
           </a:ln>
         </p:spPr>
         <p:txBody>
-          <a:bodyPr anchorCtr="0" anchor="t" bIns="19650" lIns="39325" spcFirstLastPara="1" rIns="39325" wrap="square" tIns="19650">
+          <a:bodyPr spcFirstLastPara="1" wrap="square" lIns="99873" tIns="49905" rIns="99873" bIns="49905" anchor="t" anchorCtr="0">
             <a:noAutofit/>
           </a:bodyPr>
           <a:lstStyle/>
           <a:p>
-            <a:pPr indent="0" lvl="0" marL="0" rtl="0" algn="ctr">
-              <a:spcBef>
-                <a:spcPts val="0"/>
-              </a:spcBef>
-              <a:spcAft>
-                <a:spcPts val="0"/>
-              </a:spcAft>
-              <a:buNone/>
-            </a:pPr>
+            <a:pPr algn="ctr"/>
             <a:r>
-              <a:rPr lang="en-GB" sz="500">
+              <a:rPr lang="en-GB" sz="1270">
                 <a:solidFill>
                   <a:srgbClr val="741B47"/>
                 </a:solidFill>
@@ -7451,7 +7297,7 @@
               </a:rPr>
               <a:t>write a new dish...</a:t>
             </a:r>
-            <a:endParaRPr sz="500">
+            <a:endParaRPr sz="1270">
               <a:solidFill>
                 <a:srgbClr val="741B47"/>
               </a:solidFill>
@@ -7471,8 +7317,8 @@
         </p:nvSpPr>
         <p:spPr>
           <a:xfrm>
-            <a:off x="848854" y="2211057"/>
-            <a:ext cx="1074900" cy="189900"/>
+            <a:off x="2155819" y="5996383"/>
+            <a:ext cx="2729905" cy="482286"/>
           </a:xfrm>
           <a:prstGeom prst="rect">
             <a:avLst/>
@@ -7483,22 +7329,14 @@
           </a:ln>
         </p:spPr>
         <p:txBody>
-          <a:bodyPr anchorCtr="0" anchor="t" bIns="19650" lIns="39325" spcFirstLastPara="1" rIns="39325" wrap="square" tIns="19650">
+          <a:bodyPr spcFirstLastPara="1" wrap="square" lIns="99873" tIns="49905" rIns="99873" bIns="49905" anchor="t" anchorCtr="0">
             <a:noAutofit/>
           </a:bodyPr>
           <a:lstStyle/>
           <a:p>
-            <a:pPr indent="0" lvl="0" marL="0" rtl="0" algn="ctr">
-              <a:spcBef>
-                <a:spcPts val="0"/>
-              </a:spcBef>
-              <a:spcAft>
-                <a:spcPts val="0"/>
-              </a:spcAft>
-              <a:buNone/>
-            </a:pPr>
+            <a:pPr algn="ctr"/>
             <a:r>
-              <a:rPr lang="en-GB" sz="500">
+              <a:rPr lang="en-GB" sz="1270">
                 <a:solidFill>
                   <a:srgbClr val="741B47"/>
                 </a:solidFill>
@@ -7509,7 +7347,7 @@
               </a:rPr>
               <a:t>write a new dish...</a:t>
             </a:r>
-            <a:endParaRPr sz="500">
+            <a:endParaRPr sz="1270">
               <a:solidFill>
                 <a:srgbClr val="741B47"/>
               </a:solidFill>
@@ -7529,8 +7367,8 @@
         </p:nvSpPr>
         <p:spPr>
           <a:xfrm>
-            <a:off x="848854" y="2371057"/>
-            <a:ext cx="1074900" cy="189900"/>
+            <a:off x="2155819" y="6402732"/>
+            <a:ext cx="2729905" cy="482286"/>
           </a:xfrm>
           <a:prstGeom prst="rect">
             <a:avLst/>
@@ -7541,22 +7379,14 @@
           </a:ln>
         </p:spPr>
         <p:txBody>
-          <a:bodyPr anchorCtr="0" anchor="t" bIns="19650" lIns="39325" spcFirstLastPara="1" rIns="39325" wrap="square" tIns="19650">
+          <a:bodyPr spcFirstLastPara="1" wrap="square" lIns="99873" tIns="49905" rIns="99873" bIns="49905" anchor="t" anchorCtr="0">
             <a:noAutofit/>
           </a:bodyPr>
           <a:lstStyle/>
           <a:p>
-            <a:pPr indent="0" lvl="0" marL="0" rtl="0" algn="ctr">
-              <a:spcBef>
-                <a:spcPts val="0"/>
-              </a:spcBef>
-              <a:spcAft>
-                <a:spcPts val="0"/>
-              </a:spcAft>
-              <a:buNone/>
-            </a:pPr>
+            <a:pPr algn="ctr"/>
             <a:r>
-              <a:rPr lang="en-GB" sz="500">
+              <a:rPr lang="en-GB" sz="1270">
                 <a:solidFill>
                   <a:srgbClr val="741B47"/>
                 </a:solidFill>
@@ -7567,7 +7397,7 @@
               </a:rPr>
               <a:t>write a new dish...</a:t>
             </a:r>
-            <a:endParaRPr sz="500">
+            <a:endParaRPr sz="1270">
               <a:solidFill>
                 <a:srgbClr val="741B47"/>
               </a:solidFill>
@@ -7587,8 +7417,8 @@
         </p:nvSpPr>
         <p:spPr>
           <a:xfrm>
-            <a:off x="848854" y="2531057"/>
-            <a:ext cx="1074900" cy="189900"/>
+            <a:off x="2155819" y="6809081"/>
+            <a:ext cx="2729905" cy="482286"/>
           </a:xfrm>
           <a:prstGeom prst="rect">
             <a:avLst/>
@@ -7599,22 +7429,14 @@
           </a:ln>
         </p:spPr>
         <p:txBody>
-          <a:bodyPr anchorCtr="0" anchor="t" bIns="19650" lIns="39325" spcFirstLastPara="1" rIns="39325" wrap="square" tIns="19650">
+          <a:bodyPr spcFirstLastPara="1" wrap="square" lIns="99873" tIns="49905" rIns="99873" bIns="49905" anchor="t" anchorCtr="0">
             <a:noAutofit/>
           </a:bodyPr>
           <a:lstStyle/>
           <a:p>
-            <a:pPr indent="0" lvl="0" marL="0" rtl="0" algn="ctr">
-              <a:spcBef>
-                <a:spcPts val="0"/>
-              </a:spcBef>
-              <a:spcAft>
-                <a:spcPts val="0"/>
-              </a:spcAft>
-              <a:buNone/>
-            </a:pPr>
+            <a:pPr algn="ctr"/>
             <a:r>
-              <a:rPr lang="en-GB" sz="500">
+              <a:rPr lang="en-GB" sz="1270">
                 <a:solidFill>
                   <a:srgbClr val="741B47"/>
                 </a:solidFill>
@@ -7625,7 +7447,7 @@
               </a:rPr>
               <a:t>write a new dish...</a:t>
             </a:r>
-            <a:endParaRPr sz="500">
+            <a:endParaRPr sz="1270">
               <a:solidFill>
                 <a:srgbClr val="741B47"/>
               </a:solidFill>
@@ -7645,8 +7467,8 @@
         </p:nvSpPr>
         <p:spPr>
           <a:xfrm>
-            <a:off x="848854" y="2691057"/>
-            <a:ext cx="1074900" cy="189900"/>
+            <a:off x="2155819" y="7215430"/>
+            <a:ext cx="2729905" cy="482286"/>
           </a:xfrm>
           <a:prstGeom prst="rect">
             <a:avLst/>
@@ -7657,22 +7479,14 @@
           </a:ln>
         </p:spPr>
         <p:txBody>
-          <a:bodyPr anchorCtr="0" anchor="t" bIns="19650" lIns="39325" spcFirstLastPara="1" rIns="39325" wrap="square" tIns="19650">
+          <a:bodyPr spcFirstLastPara="1" wrap="square" lIns="99873" tIns="49905" rIns="99873" bIns="49905" anchor="t" anchorCtr="0">
             <a:noAutofit/>
           </a:bodyPr>
           <a:lstStyle/>
           <a:p>
-            <a:pPr indent="0" lvl="0" marL="0" rtl="0" algn="ctr">
-              <a:spcBef>
-                <a:spcPts val="0"/>
-              </a:spcBef>
-              <a:spcAft>
-                <a:spcPts val="0"/>
-              </a:spcAft>
-              <a:buNone/>
-            </a:pPr>
+            <a:pPr algn="ctr"/>
             <a:r>
-              <a:rPr lang="en-GB" sz="500">
+              <a:rPr lang="en-GB" sz="1270">
                 <a:solidFill>
                   <a:srgbClr val="741B47"/>
                 </a:solidFill>
@@ -7683,7 +7497,7 @@
               </a:rPr>
               <a:t>write a new dish...</a:t>
             </a:r>
-            <a:endParaRPr sz="500">
+            <a:endParaRPr sz="1270">
               <a:solidFill>
                 <a:srgbClr val="741B47"/>
               </a:solidFill>
@@ -7703,8 +7517,8 @@
         </p:nvSpPr>
         <p:spPr>
           <a:xfrm>
-            <a:off x="848854" y="1418657"/>
-            <a:ext cx="1074900" cy="189900"/>
+            <a:off x="2155819" y="3983938"/>
+            <a:ext cx="2729905" cy="482286"/>
           </a:xfrm>
           <a:prstGeom prst="rect">
             <a:avLst/>
@@ -7715,22 +7529,14 @@
           </a:ln>
         </p:spPr>
         <p:txBody>
-          <a:bodyPr anchorCtr="0" anchor="t" bIns="19650" lIns="39325" spcFirstLastPara="1" rIns="39325" wrap="square" tIns="19650">
+          <a:bodyPr spcFirstLastPara="1" wrap="square" lIns="99873" tIns="49905" rIns="99873" bIns="49905" anchor="t" anchorCtr="0">
             <a:noAutofit/>
           </a:bodyPr>
           <a:lstStyle/>
           <a:p>
-            <a:pPr indent="0" lvl="0" marL="0" rtl="0" algn="ctr">
-              <a:spcBef>
-                <a:spcPts val="0"/>
-              </a:spcBef>
-              <a:spcAft>
-                <a:spcPts val="0"/>
-              </a:spcAft>
-              <a:buNone/>
-            </a:pPr>
+            <a:pPr algn="ctr"/>
             <a:r>
-              <a:rPr lang="en-GB" sz="500">
+              <a:rPr lang="en-GB" sz="1270">
                 <a:solidFill>
                   <a:srgbClr val="741B47"/>
                 </a:solidFill>
@@ -7741,7 +7547,7 @@
               </a:rPr>
               <a:t>write a new dish...</a:t>
             </a:r>
-            <a:endParaRPr sz="500">
+            <a:endParaRPr sz="1270">
               <a:solidFill>
                 <a:srgbClr val="741B47"/>
               </a:solidFill>
@@ -7761,8 +7567,8 @@
         </p:nvSpPr>
         <p:spPr>
           <a:xfrm>
-            <a:off x="848854" y="1266257"/>
-            <a:ext cx="1074900" cy="189900"/>
+            <a:off x="2155819" y="3596891"/>
+            <a:ext cx="2729905" cy="482286"/>
           </a:xfrm>
           <a:prstGeom prst="rect">
             <a:avLst/>
@@ -7773,22 +7579,14 @@
           </a:ln>
         </p:spPr>
         <p:txBody>
-          <a:bodyPr anchorCtr="0" anchor="t" bIns="19650" lIns="39325" spcFirstLastPara="1" rIns="39325" wrap="square" tIns="19650">
+          <a:bodyPr spcFirstLastPara="1" wrap="square" lIns="99873" tIns="49905" rIns="99873" bIns="49905" anchor="t" anchorCtr="0">
             <a:noAutofit/>
           </a:bodyPr>
           <a:lstStyle/>
           <a:p>
-            <a:pPr indent="0" lvl="0" marL="0" rtl="0" algn="ctr">
-              <a:spcBef>
-                <a:spcPts val="0"/>
-              </a:spcBef>
-              <a:spcAft>
-                <a:spcPts val="0"/>
-              </a:spcAft>
-              <a:buNone/>
-            </a:pPr>
+            <a:pPr algn="ctr"/>
             <a:r>
-              <a:rPr lang="en-GB" sz="700">
+              <a:rPr lang="en-GB" sz="1778">
                 <a:solidFill>
                   <a:srgbClr val="741B47"/>
                 </a:solidFill>
@@ -7799,7 +7597,7 @@
               </a:rPr>
               <a:t>Dish Name</a:t>
             </a:r>
-            <a:endParaRPr sz="700">
+            <a:endParaRPr sz="1778">
               <a:solidFill>
                 <a:srgbClr val="741B47"/>
               </a:solidFill>
@@ -7819,8 +7617,8 @@
         </p:nvSpPr>
         <p:spPr>
           <a:xfrm>
-            <a:off x="848854" y="885257"/>
-            <a:ext cx="1074900" cy="189900"/>
+            <a:off x="2155819" y="2629272"/>
+            <a:ext cx="2729905" cy="482286"/>
           </a:xfrm>
           <a:prstGeom prst="rect">
             <a:avLst/>
@@ -7831,22 +7629,14 @@
           </a:ln>
         </p:spPr>
         <p:txBody>
-          <a:bodyPr anchorCtr="0" anchor="t" bIns="19650" lIns="39325" spcFirstLastPara="1" rIns="39325" wrap="square" tIns="19650">
+          <a:bodyPr spcFirstLastPara="1" wrap="square" lIns="99873" tIns="49905" rIns="99873" bIns="49905" anchor="t" anchorCtr="0">
             <a:noAutofit/>
           </a:bodyPr>
           <a:lstStyle/>
           <a:p>
-            <a:pPr indent="0" lvl="0" marL="0" rtl="0" algn="ctr">
-              <a:spcBef>
-                <a:spcPts val="0"/>
-              </a:spcBef>
-              <a:spcAft>
-                <a:spcPts val="0"/>
-              </a:spcAft>
-              <a:buNone/>
-            </a:pPr>
+            <a:pPr algn="ctr"/>
             <a:r>
-              <a:rPr lang="en-GB" sz="1500">
+              <a:rPr lang="en-GB" sz="3810">
                 <a:solidFill>
                   <a:srgbClr val="741B47"/>
                 </a:solidFill>
@@ -7857,7 +7647,7 @@
               </a:rPr>
               <a:t>Menu</a:t>
             </a:r>
-            <a:endParaRPr sz="1500">
+            <a:endParaRPr sz="3810">
               <a:solidFill>
                 <a:srgbClr val="741B47"/>
               </a:solidFill>
@@ -7878,7 +7668,7 @@
 </file>
 
 <file path=ppt/slides/slide4.xml><?xml version="1.0" encoding="utf-8"?>
-<p:sld xmlns:a="http://schemas.openxmlformats.org/drawingml/2006/main" xmlns:r="http://schemas.openxmlformats.org/officeDocument/2006/relationships" xmlns:mc="http://schemas.openxmlformats.org/markup-compatibility/2006" xmlns:mv="urn:schemas-microsoft-com:mac:vml" xmlns:p="http://schemas.openxmlformats.org/presentationml/2006/main" xmlns:c="http://schemas.openxmlformats.org/drawingml/2006/chart" xmlns:dgm="http://schemas.openxmlformats.org/drawingml/2006/diagram" xmlns:o="urn:schemas-microsoft-com:office:office" xmlns:v="urn:schemas-microsoft-com:vml" xmlns:pvml="urn:schemas-microsoft-com:office:powerpoint" xmlns:com="http://schemas.openxmlformats.org/drawingml/2006/compatibility" xmlns:p14="http://schemas.microsoft.com/office/powerpoint/2010/main" xmlns:p15="http://schemas.microsoft.com/office/powerpoint/2012/main" xmlns:ahyp="http://schemas.microsoft.com/office/drawing/2018/hyperlinkcolor">
+<p:sld xmlns:a="http://schemas.openxmlformats.org/drawingml/2006/main" xmlns:r="http://schemas.openxmlformats.org/officeDocument/2006/relationships" xmlns:p="http://schemas.openxmlformats.org/presentationml/2006/main">
   <p:cSld>
     <p:bg>
       <p:bgPr>
@@ -7890,11 +7680,12 @@
             <a:fillRect/>
           </a:stretch>
         </a:blipFill>
+        <a:effectLst/>
       </p:bgPr>
     </p:bg>
     <p:spTree>
       <p:nvGrpSpPr>
-        <p:cNvPr id="98" name="Shape 98"/>
+        <p:cNvPr id="1" name="Shape 98"/>
         <p:cNvGrpSpPr/>
         <p:nvPr/>
       </p:nvGrpSpPr>
@@ -7914,8 +7705,8 @@
         </p:nvSpPr>
         <p:spPr>
           <a:xfrm>
-            <a:off x="848850" y="1300039"/>
-            <a:ext cx="1074900" cy="220500"/>
+            <a:off x="2155809" y="3682686"/>
+            <a:ext cx="2729905" cy="560000"/>
           </a:xfrm>
           <a:prstGeom prst="rect">
             <a:avLst/>
@@ -7926,22 +7717,14 @@
           </a:ln>
         </p:spPr>
         <p:txBody>
-          <a:bodyPr anchorCtr="0" anchor="t" bIns="19650" lIns="39325" spcFirstLastPara="1" rIns="39325" wrap="square" tIns="19650">
+          <a:bodyPr spcFirstLastPara="1" wrap="square" lIns="99873" tIns="49905" rIns="99873" bIns="49905" anchor="t" anchorCtr="0">
             <a:noAutofit/>
           </a:bodyPr>
           <a:lstStyle/>
           <a:p>
-            <a:pPr indent="0" lvl="0" marL="0" rtl="0" algn="ctr">
-              <a:spcBef>
-                <a:spcPts val="0"/>
-              </a:spcBef>
-              <a:spcAft>
-                <a:spcPts val="0"/>
-              </a:spcAft>
-              <a:buNone/>
-            </a:pPr>
+            <a:pPr algn="ctr"/>
             <a:r>
-              <a:rPr lang="en-GB" sz="600">
+              <a:rPr lang="en-GB" sz="1524">
                 <a:solidFill>
                   <a:srgbClr val="434343"/>
                 </a:solidFill>
@@ -7952,7 +7735,7 @@
               </a:rPr>
               <a:t>0.00$</a:t>
             </a:r>
-            <a:endParaRPr sz="600">
+            <a:endParaRPr sz="1524">
               <a:solidFill>
                 <a:srgbClr val="434343"/>
               </a:solidFill>
@@ -7972,8 +7755,8 @@
         </p:nvSpPr>
         <p:spPr>
           <a:xfrm>
-            <a:off x="848850" y="1485700"/>
-            <a:ext cx="1074900" cy="220500"/>
+            <a:off x="2155809" y="4154206"/>
+            <a:ext cx="2729905" cy="560000"/>
           </a:xfrm>
           <a:prstGeom prst="rect">
             <a:avLst/>
@@ -7984,22 +7767,14 @@
           </a:ln>
         </p:spPr>
         <p:txBody>
-          <a:bodyPr anchorCtr="0" anchor="t" bIns="19650" lIns="39325" spcFirstLastPara="1" rIns="39325" wrap="square" tIns="19650">
+          <a:bodyPr spcFirstLastPara="1" wrap="square" lIns="99873" tIns="49905" rIns="99873" bIns="49905" anchor="t" anchorCtr="0">
             <a:noAutofit/>
           </a:bodyPr>
           <a:lstStyle/>
           <a:p>
-            <a:pPr indent="0" lvl="0" marL="0" rtl="0" algn="ctr">
-              <a:spcBef>
-                <a:spcPts val="0"/>
-              </a:spcBef>
-              <a:spcAft>
-                <a:spcPts val="0"/>
-              </a:spcAft>
-              <a:buNone/>
-            </a:pPr>
+            <a:pPr algn="ctr"/>
             <a:r>
-              <a:rPr i="1" lang="en-GB" sz="600">
+              <a:rPr lang="en-GB" sz="1524" i="1">
                 <a:solidFill>
                   <a:srgbClr val="434343"/>
                 </a:solidFill>
@@ -8010,7 +7785,7 @@
               </a:rPr>
               <a:t>write a new dish...</a:t>
             </a:r>
-            <a:endParaRPr i="1" sz="600">
+            <a:endParaRPr sz="1524" i="1">
               <a:solidFill>
                 <a:srgbClr val="434343"/>
               </a:solidFill>
@@ -8030,8 +7805,8 @@
         </p:nvSpPr>
         <p:spPr>
           <a:xfrm>
-            <a:off x="848850" y="1671361"/>
-            <a:ext cx="1074900" cy="220500"/>
+            <a:off x="2155809" y="4625726"/>
+            <a:ext cx="2729905" cy="560000"/>
           </a:xfrm>
           <a:prstGeom prst="rect">
             <a:avLst/>
@@ -8042,22 +7817,14 @@
           </a:ln>
         </p:spPr>
         <p:txBody>
-          <a:bodyPr anchorCtr="0" anchor="t" bIns="19650" lIns="39325" spcFirstLastPara="1" rIns="39325" wrap="square" tIns="19650">
+          <a:bodyPr spcFirstLastPara="1" wrap="square" lIns="99873" tIns="49905" rIns="99873" bIns="49905" anchor="t" anchorCtr="0">
             <a:noAutofit/>
           </a:bodyPr>
           <a:lstStyle/>
           <a:p>
-            <a:pPr indent="0" lvl="0" marL="0" rtl="0" algn="ctr">
-              <a:spcBef>
-                <a:spcPts val="0"/>
-              </a:spcBef>
-              <a:spcAft>
-                <a:spcPts val="0"/>
-              </a:spcAft>
-              <a:buNone/>
-            </a:pPr>
+            <a:pPr algn="ctr"/>
             <a:r>
-              <a:rPr i="1" lang="en-GB" sz="600">
+              <a:rPr lang="en-GB" sz="1524" i="1">
                 <a:solidFill>
                   <a:srgbClr val="434343"/>
                 </a:solidFill>
@@ -8068,7 +7835,7 @@
               </a:rPr>
               <a:t>write a new dish...</a:t>
             </a:r>
-            <a:endParaRPr i="1" sz="600">
+            <a:endParaRPr sz="1524" i="1">
               <a:solidFill>
                 <a:srgbClr val="434343"/>
               </a:solidFill>
@@ -8088,8 +7855,8 @@
         </p:nvSpPr>
         <p:spPr>
           <a:xfrm>
-            <a:off x="848850" y="1857023"/>
-            <a:ext cx="1074900" cy="220500"/>
+            <a:off x="2155809" y="5097249"/>
+            <a:ext cx="2729905" cy="560000"/>
           </a:xfrm>
           <a:prstGeom prst="rect">
             <a:avLst/>
@@ -8100,22 +7867,14 @@
           </a:ln>
         </p:spPr>
         <p:txBody>
-          <a:bodyPr anchorCtr="0" anchor="t" bIns="19650" lIns="39325" spcFirstLastPara="1" rIns="39325" wrap="square" tIns="19650">
+          <a:bodyPr spcFirstLastPara="1" wrap="square" lIns="99873" tIns="49905" rIns="99873" bIns="49905" anchor="t" anchorCtr="0">
             <a:noAutofit/>
           </a:bodyPr>
           <a:lstStyle/>
           <a:p>
-            <a:pPr indent="0" lvl="0" marL="0" rtl="0" algn="ctr">
-              <a:spcBef>
-                <a:spcPts val="0"/>
-              </a:spcBef>
-              <a:spcAft>
-                <a:spcPts val="0"/>
-              </a:spcAft>
-              <a:buNone/>
-            </a:pPr>
+            <a:pPr algn="ctr"/>
             <a:r>
-              <a:rPr i="1" lang="en-GB" sz="600">
+              <a:rPr lang="en-GB" sz="1524" i="1">
                 <a:solidFill>
                   <a:srgbClr val="434343"/>
                 </a:solidFill>
@@ -8126,7 +7885,7 @@
               </a:rPr>
               <a:t>write a new dish...</a:t>
             </a:r>
-            <a:endParaRPr i="1" sz="600">
+            <a:endParaRPr sz="1524" i="1">
               <a:solidFill>
                 <a:srgbClr val="434343"/>
               </a:solidFill>
@@ -8146,8 +7905,8 @@
         </p:nvSpPr>
         <p:spPr>
           <a:xfrm>
-            <a:off x="848850" y="2042684"/>
-            <a:ext cx="1074900" cy="220500"/>
+            <a:off x="2155809" y="5568769"/>
+            <a:ext cx="2729905" cy="560000"/>
           </a:xfrm>
           <a:prstGeom prst="rect">
             <a:avLst/>
@@ -8158,22 +7917,14 @@
           </a:ln>
         </p:spPr>
         <p:txBody>
-          <a:bodyPr anchorCtr="0" anchor="t" bIns="19650" lIns="39325" spcFirstLastPara="1" rIns="39325" wrap="square" tIns="19650">
+          <a:bodyPr spcFirstLastPara="1" wrap="square" lIns="99873" tIns="49905" rIns="99873" bIns="49905" anchor="t" anchorCtr="0">
             <a:noAutofit/>
           </a:bodyPr>
           <a:lstStyle/>
           <a:p>
-            <a:pPr indent="0" lvl="0" marL="0" rtl="0" algn="ctr">
-              <a:spcBef>
-                <a:spcPts val="0"/>
-              </a:spcBef>
-              <a:spcAft>
-                <a:spcPts val="0"/>
-              </a:spcAft>
-              <a:buNone/>
-            </a:pPr>
+            <a:pPr algn="ctr"/>
             <a:r>
-              <a:rPr i="1" lang="en-GB" sz="600">
+              <a:rPr lang="en-GB" sz="1524" i="1">
                 <a:solidFill>
                   <a:srgbClr val="434343"/>
                 </a:solidFill>
@@ -8184,7 +7935,7 @@
               </a:rPr>
               <a:t>write a new dish...</a:t>
             </a:r>
-            <a:endParaRPr i="1" sz="600">
+            <a:endParaRPr sz="1524" i="1">
               <a:solidFill>
                 <a:srgbClr val="434343"/>
               </a:solidFill>
@@ -8204,8 +7955,8 @@
         </p:nvSpPr>
         <p:spPr>
           <a:xfrm>
-            <a:off x="848850" y="2228345"/>
-            <a:ext cx="1074900" cy="220500"/>
+            <a:off x="2155809" y="6040289"/>
+            <a:ext cx="2729905" cy="560000"/>
           </a:xfrm>
           <a:prstGeom prst="rect">
             <a:avLst/>
@@ -8216,22 +7967,14 @@
           </a:ln>
         </p:spPr>
         <p:txBody>
-          <a:bodyPr anchorCtr="0" anchor="t" bIns="19650" lIns="39325" spcFirstLastPara="1" rIns="39325" wrap="square" tIns="19650">
+          <a:bodyPr spcFirstLastPara="1" wrap="square" lIns="99873" tIns="49905" rIns="99873" bIns="49905" anchor="t" anchorCtr="0">
             <a:noAutofit/>
           </a:bodyPr>
           <a:lstStyle/>
           <a:p>
-            <a:pPr indent="0" lvl="0" marL="0" rtl="0" algn="ctr">
-              <a:spcBef>
-                <a:spcPts val="0"/>
-              </a:spcBef>
-              <a:spcAft>
-                <a:spcPts val="0"/>
-              </a:spcAft>
-              <a:buNone/>
-            </a:pPr>
+            <a:pPr algn="ctr"/>
             <a:r>
-              <a:rPr i="1" lang="en-GB" sz="600">
+              <a:rPr lang="en-GB" sz="1524" i="1">
                 <a:solidFill>
                   <a:srgbClr val="434343"/>
                 </a:solidFill>
@@ -8242,7 +7985,7 @@
               </a:rPr>
               <a:t>write a new dish...</a:t>
             </a:r>
-            <a:endParaRPr i="1" sz="600">
+            <a:endParaRPr sz="1524" i="1">
               <a:solidFill>
                 <a:srgbClr val="434343"/>
               </a:solidFill>
@@ -8262,8 +8005,8 @@
         </p:nvSpPr>
         <p:spPr>
           <a:xfrm>
-            <a:off x="848850" y="2414006"/>
-            <a:ext cx="1074900" cy="220500"/>
+            <a:off x="2155809" y="6511809"/>
+            <a:ext cx="2729905" cy="560000"/>
           </a:xfrm>
           <a:prstGeom prst="rect">
             <a:avLst/>
@@ -8274,22 +8017,14 @@
           </a:ln>
         </p:spPr>
         <p:txBody>
-          <a:bodyPr anchorCtr="0" anchor="t" bIns="19650" lIns="39325" spcFirstLastPara="1" rIns="39325" wrap="square" tIns="19650">
+          <a:bodyPr spcFirstLastPara="1" wrap="square" lIns="99873" tIns="49905" rIns="99873" bIns="49905" anchor="t" anchorCtr="0">
             <a:noAutofit/>
           </a:bodyPr>
           <a:lstStyle/>
           <a:p>
-            <a:pPr indent="0" lvl="0" marL="0" rtl="0" algn="ctr">
-              <a:spcBef>
-                <a:spcPts val="0"/>
-              </a:spcBef>
-              <a:spcAft>
-                <a:spcPts val="0"/>
-              </a:spcAft>
-              <a:buNone/>
-            </a:pPr>
+            <a:pPr algn="ctr"/>
             <a:r>
-              <a:rPr i="1" lang="en-GB" sz="600">
+              <a:rPr lang="en-GB" sz="1524" i="1">
                 <a:solidFill>
                   <a:srgbClr val="434343"/>
                 </a:solidFill>
@@ -8300,7 +8035,7 @@
               </a:rPr>
               <a:t>write a new dish...</a:t>
             </a:r>
-            <a:endParaRPr i="1" sz="600">
+            <a:endParaRPr sz="1524" i="1">
               <a:solidFill>
                 <a:srgbClr val="434343"/>
               </a:solidFill>
@@ -8320,8 +8055,8 @@
         </p:nvSpPr>
         <p:spPr>
           <a:xfrm>
-            <a:off x="848850" y="2599667"/>
-            <a:ext cx="1074900" cy="220500"/>
+            <a:off x="2155809" y="6983329"/>
+            <a:ext cx="2729905" cy="560000"/>
           </a:xfrm>
           <a:prstGeom prst="rect">
             <a:avLst/>
@@ -8332,22 +8067,14 @@
           </a:ln>
         </p:spPr>
         <p:txBody>
-          <a:bodyPr anchorCtr="0" anchor="t" bIns="19650" lIns="39325" spcFirstLastPara="1" rIns="39325" wrap="square" tIns="19650">
+          <a:bodyPr spcFirstLastPara="1" wrap="square" lIns="99873" tIns="49905" rIns="99873" bIns="49905" anchor="t" anchorCtr="0">
             <a:noAutofit/>
           </a:bodyPr>
           <a:lstStyle/>
           <a:p>
-            <a:pPr indent="0" lvl="0" marL="0" rtl="0" algn="ctr">
-              <a:spcBef>
-                <a:spcPts val="0"/>
-              </a:spcBef>
-              <a:spcAft>
-                <a:spcPts val="0"/>
-              </a:spcAft>
-              <a:buNone/>
-            </a:pPr>
+            <a:pPr algn="ctr"/>
             <a:r>
-              <a:rPr i="1" lang="en-GB" sz="600">
+              <a:rPr lang="en-GB" sz="1524" i="1">
                 <a:solidFill>
                   <a:srgbClr val="434343"/>
                 </a:solidFill>
@@ -8358,7 +8085,7 @@
               </a:rPr>
               <a:t>write a new dish...</a:t>
             </a:r>
-            <a:endParaRPr i="1" sz="600">
+            <a:endParaRPr sz="1524" i="1">
               <a:solidFill>
                 <a:srgbClr val="434343"/>
               </a:solidFill>
@@ -8378,8 +8105,8 @@
         </p:nvSpPr>
         <p:spPr>
           <a:xfrm>
-            <a:off x="848850" y="1123197"/>
-            <a:ext cx="1074900" cy="220500"/>
+            <a:off x="2155809" y="3233564"/>
+            <a:ext cx="2729905" cy="560000"/>
           </a:xfrm>
           <a:prstGeom prst="rect">
             <a:avLst/>
@@ -8390,22 +8117,14 @@
           </a:ln>
         </p:spPr>
         <p:txBody>
-          <a:bodyPr anchorCtr="0" anchor="t" bIns="19650" lIns="39325" spcFirstLastPara="1" rIns="39325" wrap="square" tIns="19650">
+          <a:bodyPr spcFirstLastPara="1" wrap="square" lIns="99873" tIns="49905" rIns="99873" bIns="49905" anchor="t" anchorCtr="0">
             <a:noAutofit/>
           </a:bodyPr>
           <a:lstStyle/>
           <a:p>
-            <a:pPr indent="0" lvl="0" marL="0" rtl="0" algn="ctr">
-              <a:spcBef>
-                <a:spcPts val="0"/>
-              </a:spcBef>
-              <a:spcAft>
-                <a:spcPts val="0"/>
-              </a:spcAft>
-              <a:buNone/>
-            </a:pPr>
+            <a:pPr algn="ctr"/>
             <a:r>
-              <a:rPr lang="en-GB" sz="600">
+              <a:rPr lang="en-GB" sz="1524">
                 <a:solidFill>
                   <a:srgbClr val="434343"/>
                 </a:solidFill>
@@ -8416,7 +8135,7 @@
               </a:rPr>
               <a:t>dish description...</a:t>
             </a:r>
-            <a:endParaRPr sz="600">
+            <a:endParaRPr sz="1524">
               <a:solidFill>
                 <a:srgbClr val="434343"/>
               </a:solidFill>
@@ -8436,8 +8155,8 @@
         </p:nvSpPr>
         <p:spPr>
           <a:xfrm>
-            <a:off x="848850" y="946355"/>
-            <a:ext cx="1074900" cy="220500"/>
+            <a:off x="2155809" y="2784441"/>
+            <a:ext cx="2729905" cy="560000"/>
           </a:xfrm>
           <a:prstGeom prst="rect">
             <a:avLst/>
@@ -8448,22 +8167,14 @@
           </a:ln>
         </p:spPr>
         <p:txBody>
-          <a:bodyPr anchorCtr="0" anchor="t" bIns="19650" lIns="39325" spcFirstLastPara="1" rIns="39325" wrap="square" tIns="19650">
+          <a:bodyPr spcFirstLastPara="1" wrap="square" lIns="99873" tIns="49905" rIns="99873" bIns="49905" anchor="t" anchorCtr="0">
             <a:noAutofit/>
           </a:bodyPr>
           <a:lstStyle/>
           <a:p>
-            <a:pPr indent="0" lvl="0" marL="0" rtl="0" algn="ctr">
-              <a:spcBef>
-                <a:spcPts val="0"/>
-              </a:spcBef>
-              <a:spcAft>
-                <a:spcPts val="0"/>
-              </a:spcAft>
-              <a:buNone/>
-            </a:pPr>
+            <a:pPr algn="ctr"/>
             <a:r>
-              <a:rPr lang="en-GB" sz="800">
+              <a:rPr lang="en-GB" sz="2032">
                 <a:solidFill>
                   <a:srgbClr val="434343"/>
                 </a:solidFill>
@@ -8474,7 +8185,7 @@
               </a:rPr>
               <a:t>Dish Name</a:t>
             </a:r>
-            <a:endParaRPr sz="800">
+            <a:endParaRPr sz="2032">
               <a:solidFill>
                 <a:srgbClr val="434343"/>
               </a:solidFill>
@@ -8494,8 +8205,8 @@
         </p:nvSpPr>
         <p:spPr>
           <a:xfrm>
-            <a:off x="848850" y="504249"/>
-            <a:ext cx="1074900" cy="220500"/>
+            <a:off x="2155809" y="1661632"/>
+            <a:ext cx="2729905" cy="560000"/>
           </a:xfrm>
           <a:prstGeom prst="rect">
             <a:avLst/>
@@ -8506,22 +8217,14 @@
           </a:ln>
         </p:spPr>
         <p:txBody>
-          <a:bodyPr anchorCtr="0" anchor="t" bIns="19650" lIns="39325" spcFirstLastPara="1" rIns="39325" wrap="square" tIns="19650">
+          <a:bodyPr spcFirstLastPara="1" wrap="square" lIns="99873" tIns="49905" rIns="99873" bIns="49905" anchor="t" anchorCtr="0">
             <a:noAutofit/>
           </a:bodyPr>
           <a:lstStyle/>
           <a:p>
-            <a:pPr indent="0" lvl="0" marL="0" rtl="0" algn="ctr">
-              <a:spcBef>
-                <a:spcPts val="0"/>
-              </a:spcBef>
-              <a:spcAft>
-                <a:spcPts val="0"/>
-              </a:spcAft>
-              <a:buNone/>
-            </a:pPr>
+            <a:pPr algn="ctr"/>
             <a:r>
-              <a:rPr lang="en-GB" sz="1600">
+              <a:rPr lang="en-GB" sz="4064">
                 <a:solidFill>
                   <a:srgbClr val="434343"/>
                 </a:solidFill>
@@ -8532,7 +8235,7 @@
               </a:rPr>
               <a:t>Menu</a:t>
             </a:r>
-            <a:endParaRPr sz="1600">
+            <a:endParaRPr sz="4064">
               <a:solidFill>
                 <a:srgbClr val="434343"/>
               </a:solidFill>
@@ -8553,7 +8256,7 @@
 </file>
 
 <file path=ppt/slides/slide5.xml><?xml version="1.0" encoding="utf-8"?>
-<p:sld xmlns:a="http://schemas.openxmlformats.org/drawingml/2006/main" xmlns:r="http://schemas.openxmlformats.org/officeDocument/2006/relationships" xmlns:mc="http://schemas.openxmlformats.org/markup-compatibility/2006" xmlns:mv="urn:schemas-microsoft-com:mac:vml" xmlns:p="http://schemas.openxmlformats.org/presentationml/2006/main" xmlns:c="http://schemas.openxmlformats.org/drawingml/2006/chart" xmlns:dgm="http://schemas.openxmlformats.org/drawingml/2006/diagram" xmlns:o="urn:schemas-microsoft-com:office:office" xmlns:v="urn:schemas-microsoft-com:vml" xmlns:pvml="urn:schemas-microsoft-com:office:powerpoint" xmlns:com="http://schemas.openxmlformats.org/drawingml/2006/compatibility" xmlns:p14="http://schemas.microsoft.com/office/powerpoint/2010/main" xmlns:p15="http://schemas.microsoft.com/office/powerpoint/2012/main" xmlns:ahyp="http://schemas.microsoft.com/office/drawing/2018/hyperlinkcolor">
+<p:sld xmlns:a="http://schemas.openxmlformats.org/drawingml/2006/main" xmlns:r="http://schemas.openxmlformats.org/officeDocument/2006/relationships" xmlns:p="http://schemas.openxmlformats.org/presentationml/2006/main">
   <p:cSld>
     <p:bg>
       <p:bgPr>
@@ -8565,11 +8268,12 @@
             <a:fillRect/>
           </a:stretch>
         </a:blipFill>
+        <a:effectLst/>
       </p:bgPr>
     </p:bg>
     <p:spTree>
       <p:nvGrpSpPr>
-        <p:cNvPr id="113" name="Shape 113"/>
+        <p:cNvPr id="1" name="Shape 113"/>
         <p:cNvGrpSpPr/>
         <p:nvPr/>
       </p:nvGrpSpPr>
@@ -8589,8 +8293,8 @@
         </p:nvSpPr>
         <p:spPr>
           <a:xfrm>
-            <a:off x="848850" y="1452439"/>
-            <a:ext cx="1074900" cy="220500"/>
+            <a:off x="2155809" y="4069734"/>
+            <a:ext cx="2729905" cy="560000"/>
           </a:xfrm>
           <a:prstGeom prst="rect">
             <a:avLst/>
@@ -8601,22 +8305,14 @@
           </a:ln>
         </p:spPr>
         <p:txBody>
-          <a:bodyPr anchorCtr="0" anchor="t" bIns="19650" lIns="39325" spcFirstLastPara="1" rIns="39325" wrap="square" tIns="19650">
+          <a:bodyPr spcFirstLastPara="1" wrap="square" lIns="99873" tIns="49905" rIns="99873" bIns="49905" anchor="t" anchorCtr="0">
             <a:noAutofit/>
           </a:bodyPr>
           <a:lstStyle/>
           <a:p>
-            <a:pPr indent="0" lvl="0" marL="0" rtl="0" algn="ctr">
-              <a:spcBef>
-                <a:spcPts val="0"/>
-              </a:spcBef>
-              <a:spcAft>
-                <a:spcPts val="0"/>
-              </a:spcAft>
-              <a:buNone/>
-            </a:pPr>
+            <a:pPr algn="ctr"/>
             <a:r>
-              <a:rPr lang="en-GB" sz="700">
+              <a:rPr lang="en-GB" sz="1778">
                 <a:solidFill>
                   <a:srgbClr val="D9D9D9"/>
                 </a:solidFill>
@@ -8627,7 +8323,7 @@
               </a:rPr>
               <a:t>0.00$</a:t>
             </a:r>
-            <a:endParaRPr sz="700">
+            <a:endParaRPr sz="1778">
               <a:solidFill>
                 <a:srgbClr val="D9D9D9"/>
               </a:solidFill>
@@ -8647,8 +8343,8 @@
         </p:nvSpPr>
         <p:spPr>
           <a:xfrm>
-            <a:off x="848850" y="1638100"/>
-            <a:ext cx="1074900" cy="220500"/>
+            <a:off x="2155809" y="4541254"/>
+            <a:ext cx="2729905" cy="560000"/>
           </a:xfrm>
           <a:prstGeom prst="rect">
             <a:avLst/>
@@ -8659,22 +8355,14 @@
           </a:ln>
         </p:spPr>
         <p:txBody>
-          <a:bodyPr anchorCtr="0" anchor="t" bIns="19650" lIns="39325" spcFirstLastPara="1" rIns="39325" wrap="square" tIns="19650">
+          <a:bodyPr spcFirstLastPara="1" wrap="square" lIns="99873" tIns="49905" rIns="99873" bIns="49905" anchor="t" anchorCtr="0">
             <a:noAutofit/>
           </a:bodyPr>
           <a:lstStyle/>
           <a:p>
-            <a:pPr indent="0" lvl="0" marL="0" rtl="0" algn="ctr">
-              <a:spcBef>
-                <a:spcPts val="0"/>
-              </a:spcBef>
-              <a:spcAft>
-                <a:spcPts val="0"/>
-              </a:spcAft>
-              <a:buNone/>
-            </a:pPr>
+            <a:pPr algn="ctr"/>
             <a:r>
-              <a:rPr i="1" lang="en-GB" sz="700">
+              <a:rPr lang="en-GB" sz="1778" i="1">
                 <a:solidFill>
                   <a:srgbClr val="D9D9D9"/>
                 </a:solidFill>
@@ -8685,7 +8373,7 @@
               </a:rPr>
               <a:t>write a new dish...</a:t>
             </a:r>
-            <a:endParaRPr i="1" sz="700">
+            <a:endParaRPr sz="1778" i="1">
               <a:solidFill>
                 <a:srgbClr val="D9D9D9"/>
               </a:solidFill>
@@ -8705,8 +8393,8 @@
         </p:nvSpPr>
         <p:spPr>
           <a:xfrm>
-            <a:off x="848850" y="1823761"/>
-            <a:ext cx="1074900" cy="220500"/>
+            <a:off x="2155809" y="5012774"/>
+            <a:ext cx="2729905" cy="560000"/>
           </a:xfrm>
           <a:prstGeom prst="rect">
             <a:avLst/>
@@ -8717,22 +8405,14 @@
           </a:ln>
         </p:spPr>
         <p:txBody>
-          <a:bodyPr anchorCtr="0" anchor="t" bIns="19650" lIns="39325" spcFirstLastPara="1" rIns="39325" wrap="square" tIns="19650">
+          <a:bodyPr spcFirstLastPara="1" wrap="square" lIns="99873" tIns="49905" rIns="99873" bIns="49905" anchor="t" anchorCtr="0">
             <a:noAutofit/>
           </a:bodyPr>
           <a:lstStyle/>
           <a:p>
-            <a:pPr indent="0" lvl="0" marL="0" rtl="0" algn="ctr">
-              <a:spcBef>
-                <a:spcPts val="0"/>
-              </a:spcBef>
-              <a:spcAft>
-                <a:spcPts val="0"/>
-              </a:spcAft>
-              <a:buNone/>
-            </a:pPr>
+            <a:pPr algn="ctr"/>
             <a:r>
-              <a:rPr i="1" lang="en-GB" sz="700">
+              <a:rPr lang="en-GB" sz="1778" i="1">
                 <a:solidFill>
                   <a:srgbClr val="D9D9D9"/>
                 </a:solidFill>
@@ -8743,7 +8423,7 @@
               </a:rPr>
               <a:t>write a new dish...</a:t>
             </a:r>
-            <a:endParaRPr i="1" sz="700">
+            <a:endParaRPr sz="1778" i="1">
               <a:solidFill>
                 <a:srgbClr val="D9D9D9"/>
               </a:solidFill>
@@ -8763,8 +8443,8 @@
         </p:nvSpPr>
         <p:spPr>
           <a:xfrm>
-            <a:off x="848850" y="2009423"/>
-            <a:ext cx="1074900" cy="220500"/>
+            <a:off x="2155809" y="5484297"/>
+            <a:ext cx="2729905" cy="560000"/>
           </a:xfrm>
           <a:prstGeom prst="rect">
             <a:avLst/>
@@ -8775,22 +8455,14 @@
           </a:ln>
         </p:spPr>
         <p:txBody>
-          <a:bodyPr anchorCtr="0" anchor="t" bIns="19650" lIns="39325" spcFirstLastPara="1" rIns="39325" wrap="square" tIns="19650">
+          <a:bodyPr spcFirstLastPara="1" wrap="square" lIns="99873" tIns="49905" rIns="99873" bIns="49905" anchor="t" anchorCtr="0">
             <a:noAutofit/>
           </a:bodyPr>
           <a:lstStyle/>
           <a:p>
-            <a:pPr indent="0" lvl="0" marL="0" rtl="0" algn="ctr">
-              <a:spcBef>
-                <a:spcPts val="0"/>
-              </a:spcBef>
-              <a:spcAft>
-                <a:spcPts val="0"/>
-              </a:spcAft>
-              <a:buNone/>
-            </a:pPr>
+            <a:pPr algn="ctr"/>
             <a:r>
-              <a:rPr i="1" lang="en-GB" sz="700">
+              <a:rPr lang="en-GB" sz="1778" i="1">
                 <a:solidFill>
                   <a:srgbClr val="D9D9D9"/>
                 </a:solidFill>
@@ -8801,7 +8473,7 @@
               </a:rPr>
               <a:t>write a new dish...</a:t>
             </a:r>
-            <a:endParaRPr i="1" sz="700">
+            <a:endParaRPr sz="1778" i="1">
               <a:solidFill>
                 <a:srgbClr val="D9D9D9"/>
               </a:solidFill>
@@ -8821,8 +8493,8 @@
         </p:nvSpPr>
         <p:spPr>
           <a:xfrm>
-            <a:off x="848850" y="2195084"/>
-            <a:ext cx="1074900" cy="220500"/>
+            <a:off x="2155809" y="5955817"/>
+            <a:ext cx="2729905" cy="560000"/>
           </a:xfrm>
           <a:prstGeom prst="rect">
             <a:avLst/>
@@ -8833,22 +8505,14 @@
           </a:ln>
         </p:spPr>
         <p:txBody>
-          <a:bodyPr anchorCtr="0" anchor="t" bIns="19650" lIns="39325" spcFirstLastPara="1" rIns="39325" wrap="square" tIns="19650">
+          <a:bodyPr spcFirstLastPara="1" wrap="square" lIns="99873" tIns="49905" rIns="99873" bIns="49905" anchor="t" anchorCtr="0">
             <a:noAutofit/>
           </a:bodyPr>
           <a:lstStyle/>
           <a:p>
-            <a:pPr indent="0" lvl="0" marL="0" rtl="0" algn="ctr">
-              <a:spcBef>
-                <a:spcPts val="0"/>
-              </a:spcBef>
-              <a:spcAft>
-                <a:spcPts val="0"/>
-              </a:spcAft>
-              <a:buNone/>
-            </a:pPr>
+            <a:pPr algn="ctr"/>
             <a:r>
-              <a:rPr i="1" lang="en-GB" sz="700">
+              <a:rPr lang="en-GB" sz="1778" i="1">
                 <a:solidFill>
                   <a:srgbClr val="D9D9D9"/>
                 </a:solidFill>
@@ -8859,7 +8523,7 @@
               </a:rPr>
               <a:t>write a new dish...</a:t>
             </a:r>
-            <a:endParaRPr i="1" sz="700">
+            <a:endParaRPr sz="1778" i="1">
               <a:solidFill>
                 <a:srgbClr val="D9D9D9"/>
               </a:solidFill>
@@ -8879,8 +8543,8 @@
         </p:nvSpPr>
         <p:spPr>
           <a:xfrm>
-            <a:off x="848850" y="2380745"/>
-            <a:ext cx="1074900" cy="220500"/>
+            <a:off x="2155809" y="6427337"/>
+            <a:ext cx="2729905" cy="560000"/>
           </a:xfrm>
           <a:prstGeom prst="rect">
             <a:avLst/>
@@ -8891,22 +8555,14 @@
           </a:ln>
         </p:spPr>
         <p:txBody>
-          <a:bodyPr anchorCtr="0" anchor="t" bIns="19650" lIns="39325" spcFirstLastPara="1" rIns="39325" wrap="square" tIns="19650">
+          <a:bodyPr spcFirstLastPara="1" wrap="square" lIns="99873" tIns="49905" rIns="99873" bIns="49905" anchor="t" anchorCtr="0">
             <a:noAutofit/>
           </a:bodyPr>
           <a:lstStyle/>
           <a:p>
-            <a:pPr indent="0" lvl="0" marL="0" rtl="0" algn="ctr">
-              <a:spcBef>
-                <a:spcPts val="0"/>
-              </a:spcBef>
-              <a:spcAft>
-                <a:spcPts val="0"/>
-              </a:spcAft>
-              <a:buNone/>
-            </a:pPr>
+            <a:pPr algn="ctr"/>
             <a:r>
-              <a:rPr i="1" lang="en-GB" sz="700">
+              <a:rPr lang="en-GB" sz="1778" i="1">
                 <a:solidFill>
                   <a:srgbClr val="D9D9D9"/>
                 </a:solidFill>
@@ -8917,7 +8573,7 @@
               </a:rPr>
               <a:t>write a new dish...</a:t>
             </a:r>
-            <a:endParaRPr i="1" sz="700">
+            <a:endParaRPr sz="1778" i="1">
               <a:solidFill>
                 <a:srgbClr val="D9D9D9"/>
               </a:solidFill>
@@ -8937,8 +8593,8 @@
         </p:nvSpPr>
         <p:spPr>
           <a:xfrm>
-            <a:off x="848850" y="2566406"/>
-            <a:ext cx="1074900" cy="220500"/>
+            <a:off x="2155809" y="6898857"/>
+            <a:ext cx="2729905" cy="560000"/>
           </a:xfrm>
           <a:prstGeom prst="rect">
             <a:avLst/>
@@ -8949,22 +8605,14 @@
           </a:ln>
         </p:spPr>
         <p:txBody>
-          <a:bodyPr anchorCtr="0" anchor="t" bIns="19650" lIns="39325" spcFirstLastPara="1" rIns="39325" wrap="square" tIns="19650">
+          <a:bodyPr spcFirstLastPara="1" wrap="square" lIns="99873" tIns="49905" rIns="99873" bIns="49905" anchor="t" anchorCtr="0">
             <a:noAutofit/>
           </a:bodyPr>
           <a:lstStyle/>
           <a:p>
-            <a:pPr indent="0" lvl="0" marL="0" rtl="0" algn="ctr">
-              <a:spcBef>
-                <a:spcPts val="0"/>
-              </a:spcBef>
-              <a:spcAft>
-                <a:spcPts val="0"/>
-              </a:spcAft>
-              <a:buNone/>
-            </a:pPr>
+            <a:pPr algn="ctr"/>
             <a:r>
-              <a:rPr i="1" lang="en-GB" sz="700">
+              <a:rPr lang="en-GB" sz="1778" i="1">
                 <a:solidFill>
                   <a:srgbClr val="D9D9D9"/>
                 </a:solidFill>
@@ -8975,7 +8623,7 @@
               </a:rPr>
               <a:t>write a new dish...</a:t>
             </a:r>
-            <a:endParaRPr i="1" sz="700">
+            <a:endParaRPr sz="1778" i="1">
               <a:solidFill>
                 <a:srgbClr val="D9D9D9"/>
               </a:solidFill>
@@ -8995,8 +8643,8 @@
         </p:nvSpPr>
         <p:spPr>
           <a:xfrm>
-            <a:off x="848850" y="2752067"/>
-            <a:ext cx="1074900" cy="220500"/>
+            <a:off x="2155809" y="7370377"/>
+            <a:ext cx="2729905" cy="560000"/>
           </a:xfrm>
           <a:prstGeom prst="rect">
             <a:avLst/>
@@ -9007,22 +8655,14 @@
           </a:ln>
         </p:spPr>
         <p:txBody>
-          <a:bodyPr anchorCtr="0" anchor="t" bIns="19650" lIns="39325" spcFirstLastPara="1" rIns="39325" wrap="square" tIns="19650">
+          <a:bodyPr spcFirstLastPara="1" wrap="square" lIns="99873" tIns="49905" rIns="99873" bIns="49905" anchor="t" anchorCtr="0">
             <a:noAutofit/>
           </a:bodyPr>
           <a:lstStyle/>
           <a:p>
-            <a:pPr indent="0" lvl="0" marL="0" rtl="0" algn="ctr">
-              <a:spcBef>
-                <a:spcPts val="0"/>
-              </a:spcBef>
-              <a:spcAft>
-                <a:spcPts val="0"/>
-              </a:spcAft>
-              <a:buNone/>
-            </a:pPr>
+            <a:pPr algn="ctr"/>
             <a:r>
-              <a:rPr i="1" lang="en-GB" sz="700">
+              <a:rPr lang="en-GB" sz="1778" i="1">
                 <a:solidFill>
                   <a:srgbClr val="D9D9D9"/>
                 </a:solidFill>
@@ -9033,7 +8673,7 @@
               </a:rPr>
               <a:t>write a new dish...</a:t>
             </a:r>
-            <a:endParaRPr i="1" sz="700">
+            <a:endParaRPr sz="1778" i="1">
               <a:solidFill>
                 <a:srgbClr val="D9D9D9"/>
               </a:solidFill>
@@ -9053,8 +8693,8 @@
         </p:nvSpPr>
         <p:spPr>
           <a:xfrm>
-            <a:off x="848850" y="1275597"/>
-            <a:ext cx="1074900" cy="220500"/>
+            <a:off x="2155809" y="3620611"/>
+            <a:ext cx="2729905" cy="560000"/>
           </a:xfrm>
           <a:prstGeom prst="rect">
             <a:avLst/>
@@ -9065,22 +8705,14 @@
           </a:ln>
         </p:spPr>
         <p:txBody>
-          <a:bodyPr anchorCtr="0" anchor="t" bIns="19650" lIns="39325" spcFirstLastPara="1" rIns="39325" wrap="square" tIns="19650">
+          <a:bodyPr spcFirstLastPara="1" wrap="square" lIns="99873" tIns="49905" rIns="99873" bIns="49905" anchor="t" anchorCtr="0">
             <a:noAutofit/>
           </a:bodyPr>
           <a:lstStyle/>
           <a:p>
-            <a:pPr indent="0" lvl="0" marL="0" rtl="0" algn="ctr">
-              <a:spcBef>
-                <a:spcPts val="0"/>
-              </a:spcBef>
-              <a:spcAft>
-                <a:spcPts val="0"/>
-              </a:spcAft>
-              <a:buNone/>
-            </a:pPr>
+            <a:pPr algn="ctr"/>
             <a:r>
-              <a:rPr lang="en-GB" sz="700">
+              <a:rPr lang="en-GB" sz="1778">
                 <a:solidFill>
                   <a:srgbClr val="D9D9D9"/>
                 </a:solidFill>
@@ -9089,21 +8721,9 @@
                 <a:cs typeface="Calibri"/>
                 <a:sym typeface="Calibri"/>
               </a:rPr>
-              <a:t>dish description</a:t>
+              <a:t>dish description...</a:t>
             </a:r>
-            <a:r>
-              <a:rPr lang="en-GB" sz="700">
-                <a:solidFill>
-                  <a:srgbClr val="D9D9D9"/>
-                </a:solidFill>
-                <a:latin typeface="Calibri"/>
-                <a:ea typeface="Calibri"/>
-                <a:cs typeface="Calibri"/>
-                <a:sym typeface="Calibri"/>
-              </a:rPr>
-              <a:t>...</a:t>
-            </a:r>
-            <a:endParaRPr sz="700">
+            <a:endParaRPr sz="1778">
               <a:solidFill>
                 <a:srgbClr val="D9D9D9"/>
               </a:solidFill>
@@ -9123,8 +8743,8 @@
         </p:nvSpPr>
         <p:spPr>
           <a:xfrm>
-            <a:off x="848850" y="1098755"/>
-            <a:ext cx="1074900" cy="220500"/>
+            <a:off x="2155809" y="3171489"/>
+            <a:ext cx="2729905" cy="560000"/>
           </a:xfrm>
           <a:prstGeom prst="rect">
             <a:avLst/>
@@ -9135,22 +8755,14 @@
           </a:ln>
         </p:spPr>
         <p:txBody>
-          <a:bodyPr anchorCtr="0" anchor="t" bIns="19650" lIns="39325" spcFirstLastPara="1" rIns="39325" wrap="square" tIns="19650">
+          <a:bodyPr spcFirstLastPara="1" wrap="square" lIns="99873" tIns="49905" rIns="99873" bIns="49905" anchor="t" anchorCtr="0">
             <a:noAutofit/>
           </a:bodyPr>
           <a:lstStyle/>
           <a:p>
-            <a:pPr indent="0" lvl="0" marL="0" rtl="0" algn="ctr">
-              <a:spcBef>
-                <a:spcPts val="0"/>
-              </a:spcBef>
-              <a:spcAft>
-                <a:spcPts val="0"/>
-              </a:spcAft>
-              <a:buNone/>
-            </a:pPr>
+            <a:pPr algn="ctr"/>
             <a:r>
-              <a:rPr lang="en-GB" sz="900">
+              <a:rPr lang="en-GB" sz="2286">
                 <a:solidFill>
                   <a:srgbClr val="D9D9D9"/>
                 </a:solidFill>
@@ -9161,7 +8773,7 @@
               </a:rPr>
               <a:t>Dish Name</a:t>
             </a:r>
-            <a:endParaRPr sz="900">
+            <a:endParaRPr sz="2286">
               <a:solidFill>
                 <a:srgbClr val="D9D9D9"/>
               </a:solidFill>
@@ -9181,8 +8793,8 @@
         </p:nvSpPr>
         <p:spPr>
           <a:xfrm>
-            <a:off x="848850" y="656649"/>
-            <a:ext cx="1074900" cy="220500"/>
+            <a:off x="2155809" y="2048680"/>
+            <a:ext cx="2729905" cy="560000"/>
           </a:xfrm>
           <a:prstGeom prst="rect">
             <a:avLst/>
@@ -9193,22 +8805,14 @@
           </a:ln>
         </p:spPr>
         <p:txBody>
-          <a:bodyPr anchorCtr="0" anchor="t" bIns="19650" lIns="39325" spcFirstLastPara="1" rIns="39325" wrap="square" tIns="19650">
+          <a:bodyPr spcFirstLastPara="1" wrap="square" lIns="99873" tIns="49905" rIns="99873" bIns="49905" anchor="t" anchorCtr="0">
             <a:noAutofit/>
           </a:bodyPr>
           <a:lstStyle/>
           <a:p>
-            <a:pPr indent="0" lvl="0" marL="0" rtl="0" algn="ctr">
-              <a:spcBef>
-                <a:spcPts val="0"/>
-              </a:spcBef>
-              <a:spcAft>
-                <a:spcPts val="0"/>
-              </a:spcAft>
-              <a:buNone/>
-            </a:pPr>
+            <a:pPr algn="ctr"/>
             <a:r>
-              <a:rPr lang="en-GB" sz="1700">
+              <a:rPr lang="en-GB" sz="4317">
                 <a:solidFill>
                   <a:srgbClr val="D9D9D9"/>
                 </a:solidFill>
@@ -9219,7 +8823,7 @@
               </a:rPr>
               <a:t>Menu</a:t>
             </a:r>
-            <a:endParaRPr sz="1700">
+            <a:endParaRPr sz="4317">
               <a:solidFill>
                 <a:srgbClr val="D9D9D9"/>
               </a:solidFill>
@@ -9240,7 +8844,7 @@
 </file>
 
 <file path=ppt/theme/theme1.xml><?xml version="1.0" encoding="utf-8"?>
-<a:theme xmlns:a="http://schemas.openxmlformats.org/drawingml/2006/main" xmlns:r="http://schemas.openxmlformats.org/officeDocument/2006/relationships" name="Simple Light">
+<a:theme xmlns:a="http://schemas.openxmlformats.org/drawingml/2006/main" name="Simple Light">
   <a:themeElements>
     <a:clrScheme name="Simple Light">
       <a:dk1>
@@ -9515,11 +9119,13 @@
       </a:bgFillStyleLst>
     </a:fmtScheme>
   </a:themeElements>
+  <a:objectDefaults/>
+  <a:extraClrSchemeLst/>
 </a:theme>
 </file>
 
 <file path=ppt/theme/theme2.xml><?xml version="1.0" encoding="utf-8"?>
-<a:theme xmlns:a="http://schemas.openxmlformats.org/drawingml/2006/main" xmlns:r="http://schemas.openxmlformats.org/officeDocument/2006/relationships">
+<a:theme xmlns:a="http://schemas.openxmlformats.org/drawingml/2006/main">
   <a:themeElements>
     <a:clrScheme name="Default">
       <a:dk1>
@@ -9794,5 +9400,7 @@
       </a:bgFillStyleLst>
     </a:fmtScheme>
   </a:themeElements>
+  <a:objectDefaults/>
+  <a:extraClrSchemeLst/>
 </a:theme>
 </file>